--- a/Midterm Mialab.pptx
+++ b/Midterm Mialab.pptx
@@ -203,7 +203,7 @@
           <a:p>
             <a:fld id="{A0607500-1460-46DC-A117-8B68D3D62402}" type="datetimeFigureOut">
               <a:rPr lang="de-CH" smtClean="0"/>
-              <a:t>31.10.2018</a:t>
+              <a:t>03.11.2018</a:t>
             </a:fld>
             <a:endParaRPr lang="de-CH"/>
           </a:p>
@@ -689,7 +689,15 @@
             </a:r>
             <a:r>
               <a:rPr lang="de-CH" baseline="0" dirty="0" smtClean="0"/>
-              <a:t> regression, SVM linear, SVM rbf: compare how they do with respect to the existing random forest in the pipeline (what’s the potential if we finetune the methods and what parameters and changes lead to what outcome?)</a:t>
+              <a:t> regression, SVM linear, SVM </a:t>
+            </a:r>
+            <a:r>
+              <a:rPr lang="de-CH" baseline="0" dirty="0" smtClean="0"/>
+              <a:t>rbf (radial basis function kernel): </a:t>
+            </a:r>
+            <a:r>
+              <a:rPr lang="de-CH" baseline="0" dirty="0" smtClean="0"/>
+              <a:t>compare how they do with respect to the existing random forest in the pipeline (what’s the potential if we finetune the methods and what parameters and changes lead to what outcome?)</a:t>
             </a:r>
           </a:p>
           <a:p>
@@ -714,8 +722,17 @@
             </a:pPr>
             <a:r>
               <a:rPr lang="de-CH" baseline="0" dirty="0" smtClean="0"/>
-              <a:t>7 original features + polynomial features (position -&gt; x^2, xy, xz, yz, y^2, z^2)</a:t>
-            </a:r>
+              <a:t>7 original features + polynomial features (position -&gt; x^2, xy, xz, yz, y^2, </a:t>
+            </a:r>
+            <a:r>
+              <a:rPr lang="de-CH" baseline="0" smtClean="0"/>
+              <a:t>z^2</a:t>
+            </a:r>
+            <a:r>
+              <a:rPr lang="de-CH" baseline="0" smtClean="0"/>
+              <a:t>) mapping the input into high-dimensional feature spaces to perform non-linear classification</a:t>
+            </a:r>
+            <a:endParaRPr lang="de-CH" baseline="0" dirty="0" smtClean="0"/>
           </a:p>
           <a:p>
             <a:pPr marL="171450" indent="-171450">
@@ -4142,8 +4159,13 @@
           <a:p>
             <a:r>
               <a:rPr lang="de-CH" dirty="0" smtClean="0"/>
-              <a:t>Parameter tuning (GridSearch)</a:t>
-            </a:r>
+              <a:t>Parameter tuning (</a:t>
+            </a:r>
+            <a:r>
+              <a:rPr lang="de-CH" dirty="0" smtClean="0"/>
+              <a:t>GridSearch for C)</a:t>
+            </a:r>
+            <a:endParaRPr lang="de-CH" dirty="0" smtClean="0"/>
           </a:p>
           <a:p>
             <a:r>

--- a/Midterm Mialab.pptx
+++ b/Midterm Mialab.pptx
@@ -18,7 +18,6 @@
     <p:sldId id="262" r:id="rId11"/>
     <p:sldId id="263" r:id="rId12"/>
     <p:sldId id="264" r:id="rId13"/>
-    <p:sldId id="265" r:id="rId14"/>
   </p:sldIdLst>
   <p:sldSz cx="12192000" cy="6858000"/>
   <p:notesSz cx="6858000" cy="9144000"/>
@@ -237,7 +236,7 @@
           <a:bodyPr lIns="0" rIns="0" tIns="0" bIns="0" anchor="b"/>
           <a:p>
             <a:pPr algn="r"/>
-            <a:fld id="{F75A1F9F-E657-43A9-B869-7CF750DE0092}" type="slidenum">
+            <a:fld id="{B140B2A9-4971-469E-B61B-51C5ABF4221C}" type="slidenum">
               <a:rPr b="0" lang="en-US" sz="1400" spc="-1" strike="noStrike">
                 <a:latin typeface="Times New Roman"/>
               </a:rPr>
@@ -274,7 +273,7 @@
       </p:grpSpPr>
       <p:sp>
         <p:nvSpPr>
-          <p:cNvPr id="145" name="PlaceHolder 1"/>
+          <p:cNvPr id="140" name="PlaceHolder 1"/>
           <p:cNvSpPr>
             <a:spLocks noGrp="1"/>
           </p:cNvSpPr>
@@ -302,7 +301,7 @@
       </p:sp>
       <p:sp>
         <p:nvSpPr>
-          <p:cNvPr id="146" name="CustomShape 2"/>
+          <p:cNvPr id="141" name="CustomShape 2"/>
           <p:cNvSpPr/>
           <p:nvPr/>
         </p:nvSpPr>
@@ -333,7 +332,7 @@
                 <a:spcPct val="100000"/>
               </a:lnSpc>
             </a:pPr>
-            <a:fld id="{F8FD7BAE-85A8-405B-A85C-7D80AB9C76EE}" type="slidenum">
+            <a:fld id="{6BC501CC-2595-4131-B1C7-CD66E388D79A}" type="slidenum">
               <a:rPr b="0" lang="en-US" sz="1200" spc="-1" strike="noStrike">
                 <a:solidFill>
                   <a:srgbClr val="000000"/>
@@ -341,7 +340,7 @@
                 <a:latin typeface="+mn-lt"/>
                 <a:ea typeface="+mn-ea"/>
               </a:rPr>
-              <a:t>&lt;number&gt;</a:t>
+              <a:t>1</a:t>
             </a:fld>
             <a:endParaRPr b="0" lang="en-US" sz="1200" spc="-1" strike="noStrike">
               <a:latin typeface="Arial"/>
@@ -373,7 +372,7 @@
       </p:grpSpPr>
       <p:sp>
         <p:nvSpPr>
-          <p:cNvPr id="147" name="PlaceHolder 1"/>
+          <p:cNvPr id="142" name="PlaceHolder 1"/>
           <p:cNvSpPr>
             <a:spLocks noGrp="1"/>
           </p:cNvSpPr>
@@ -401,7 +400,7 @@
       </p:sp>
       <p:sp>
         <p:nvSpPr>
-          <p:cNvPr id="148" name="CustomShape 2"/>
+          <p:cNvPr id="143" name="CustomShape 2"/>
           <p:cNvSpPr/>
           <p:nvPr/>
         </p:nvSpPr>
@@ -432,7 +431,7 @@
                 <a:spcPct val="100000"/>
               </a:lnSpc>
             </a:pPr>
-            <a:fld id="{D3DDD72F-F2F2-4582-8E10-B7C913C2F6CB}" type="slidenum">
+            <a:fld id="{90381756-D6C5-41F0-B851-9F44F11C3321}" type="slidenum">
               <a:rPr b="0" lang="en-US" sz="1200" spc="-1" strike="noStrike">
                 <a:solidFill>
                   <a:srgbClr val="000000"/>
@@ -472,7 +471,7 @@
       </p:grpSpPr>
       <p:sp>
         <p:nvSpPr>
-          <p:cNvPr id="149" name="PlaceHolder 1"/>
+          <p:cNvPr id="144" name="PlaceHolder 1"/>
           <p:cNvSpPr>
             <a:spLocks noGrp="1"/>
           </p:cNvSpPr>
@@ -678,7 +677,7 @@
       </p:sp>
       <p:sp>
         <p:nvSpPr>
-          <p:cNvPr id="150" name="CustomShape 2"/>
+          <p:cNvPr id="145" name="CustomShape 2"/>
           <p:cNvSpPr/>
           <p:nvPr/>
         </p:nvSpPr>
@@ -709,7 +708,7 @@
                 <a:spcPct val="100000"/>
               </a:lnSpc>
             </a:pPr>
-            <a:fld id="{0E174589-EBC8-4DE4-B2EC-45A57B346FFC}" type="slidenum">
+            <a:fld id="{916195F6-38B3-4A78-972D-B9922FA871A3}" type="slidenum">
               <a:rPr b="0" lang="en-US" sz="1200" spc="-1" strike="noStrike">
                 <a:solidFill>
                   <a:srgbClr val="000000"/>
@@ -4146,384 +4145,6 @@
 </p:sld>
 </file>
 
-<file path=ppt/slides/slide10.xml><?xml version="1.0" encoding="utf-8"?>
-<p:sld xmlns:a="http://schemas.openxmlformats.org/drawingml/2006/main" xmlns:p="http://schemas.openxmlformats.org/presentationml/2006/main" xmlns:r="http://schemas.openxmlformats.org/officeDocument/2006/relationships" xmlns:p14="http://schemas.microsoft.com/office/powerpoint/2010/main" xmlns:p15="http://schemas.microsoft.com/office/powerpoint/2012/main" xmlns:mc="http://schemas.openxmlformats.org/markup-compatibility/2006">
-  <p:cSld>
-    <p:spTree>
-      <p:nvGrpSpPr>
-        <p:cNvPr id="1" name=""/>
-        <p:cNvGrpSpPr/>
-        <p:nvPr/>
-      </p:nvGrpSpPr>
-      <p:grpSpPr>
-        <a:xfrm>
-          <a:off x="0" y="0"/>
-          <a:ext cx="0" cy="0"/>
-          <a:chOff x="0" y="0"/>
-          <a:chExt cx="0" cy="0"/>
-        </a:xfrm>
-      </p:grpSpPr>
-      <p:sp>
-        <p:nvSpPr>
-          <p:cNvPr id="140" name="CustomShape 1"/>
-          <p:cNvSpPr/>
-          <p:nvPr/>
-        </p:nvSpPr>
-        <p:spPr>
-          <a:xfrm>
-            <a:off x="838080" y="365040"/>
-            <a:ext cx="9033120" cy="1324800"/>
-          </a:xfrm>
-          <a:prstGeom prst="rect">
-            <a:avLst/>
-          </a:prstGeom>
-          <a:noFill/>
-          <a:ln>
-            <a:noFill/>
-          </a:ln>
-        </p:spPr>
-        <p:style>
-          <a:lnRef idx="0"/>
-          <a:fillRef idx="0"/>
-          <a:effectRef idx="0"/>
-          <a:fontRef idx="minor"/>
-        </p:style>
-        <p:txBody>
-          <a:bodyPr lIns="90000" rIns="90000" tIns="45000" bIns="45000" anchor="ctr"/>
-          <a:p>
-            <a:pPr>
-              <a:lnSpc>
-                <a:spcPct val="100000"/>
-              </a:lnSpc>
-            </a:pPr>
-            <a:r>
-              <a:rPr b="1" lang="en-US" sz="4400" spc="-1" strike="noStrike">
-                <a:solidFill>
-                  <a:srgbClr val="000000"/>
-                </a:solidFill>
-                <a:latin typeface="Calibri Light"/>
-              </a:rPr>
-              <a:t>Outlook</a:t>
-            </a:r>
-            <a:endParaRPr b="0" lang="en-US" sz="4400" spc="-1" strike="noStrike">
-              <a:latin typeface="Arial"/>
-            </a:endParaRPr>
-          </a:p>
-        </p:txBody>
-      </p:sp>
-      <p:sp>
-        <p:nvSpPr>
-          <p:cNvPr id="141" name="CustomShape 2"/>
-          <p:cNvSpPr/>
-          <p:nvPr/>
-        </p:nvSpPr>
-        <p:spPr>
-          <a:xfrm>
-            <a:off x="838080" y="1825560"/>
-            <a:ext cx="9033120" cy="4350600"/>
-          </a:xfrm>
-          <a:prstGeom prst="rect">
-            <a:avLst/>
-          </a:prstGeom>
-          <a:noFill/>
-          <a:ln>
-            <a:noFill/>
-          </a:ln>
-        </p:spPr>
-        <p:style>
-          <a:lnRef idx="0"/>
-          <a:fillRef idx="0"/>
-          <a:effectRef idx="0"/>
-          <a:fontRef idx="minor"/>
-        </p:style>
-        <p:txBody>
-          <a:bodyPr lIns="90000" rIns="90000" tIns="45000" bIns="45000"/>
-          <a:p>
-            <a:pPr marL="432000" indent="-323640">
-              <a:lnSpc>
-                <a:spcPct val="100000"/>
-              </a:lnSpc>
-              <a:buClr>
-                <a:srgbClr val="000000"/>
-              </a:buClr>
-              <a:buSzPct val="45000"/>
-              <a:buFont typeface="Wingdings" charset="2"/>
-              <a:buChar char=""/>
-            </a:pPr>
-            <a:r>
-              <a:rPr b="0" lang="en-US" sz="2800" spc="-1" strike="noStrike">
-                <a:solidFill>
-                  <a:srgbClr val="000000"/>
-                </a:solidFill>
-                <a:latin typeface="Calibri"/>
-              </a:rPr>
-              <a:t>Copare results with simple segmentation methods</a:t>
-            </a:r>
-            <a:endParaRPr b="0" lang="en-US" sz="2800" spc="-1" strike="noStrike">
-              <a:latin typeface="Arial"/>
-            </a:endParaRPr>
-          </a:p>
-          <a:p>
-            <a:pPr marL="432000" indent="-323640">
-              <a:lnSpc>
-                <a:spcPct val="100000"/>
-              </a:lnSpc>
-              <a:buClr>
-                <a:srgbClr val="000000"/>
-              </a:buClr>
-              <a:buSzPct val="45000"/>
-              <a:buFont typeface="Wingdings" charset="2"/>
-              <a:buChar char=""/>
-            </a:pPr>
-            <a:r>
-              <a:rPr b="0" lang="en-US" sz="2800" spc="-1" strike="noStrike">
-                <a:solidFill>
-                  <a:srgbClr val="000000"/>
-                </a:solidFill>
-                <a:latin typeface="Calibri"/>
-              </a:rPr>
-              <a:t>Use another evaluation metric</a:t>
-            </a:r>
-            <a:endParaRPr b="0" lang="en-US" sz="2800" spc="-1" strike="noStrike">
-              <a:latin typeface="Arial"/>
-            </a:endParaRPr>
-          </a:p>
-          <a:p>
-            <a:pPr marL="432000" indent="-323640">
-              <a:lnSpc>
-                <a:spcPct val="100000"/>
-              </a:lnSpc>
-              <a:buClr>
-                <a:srgbClr val="000000"/>
-              </a:buClr>
-              <a:buSzPct val="45000"/>
-              <a:buFont typeface="Wingdings" charset="2"/>
-              <a:buChar char=""/>
-            </a:pPr>
-            <a:r>
-              <a:rPr b="0" lang="en-US" sz="2800" spc="-1" strike="noStrike">
-                <a:solidFill>
-                  <a:srgbClr val="000000"/>
-                </a:solidFill>
-                <a:latin typeface="Calibri"/>
-              </a:rPr>
-              <a:t>Evaluate on full test set </a:t>
-            </a:r>
-            <a:endParaRPr b="0" lang="en-US" sz="2800" spc="-1" strike="noStrike">
-              <a:latin typeface="Arial"/>
-            </a:endParaRPr>
-          </a:p>
-          <a:p>
-            <a:pPr marL="432000" indent="-323640">
-              <a:lnSpc>
-                <a:spcPct val="100000"/>
-              </a:lnSpc>
-              <a:buClr>
-                <a:srgbClr val="000000"/>
-              </a:buClr>
-              <a:buSzPct val="45000"/>
-              <a:buFont typeface="Wingdings" charset="2"/>
-              <a:buChar char=""/>
-            </a:pPr>
-            <a:r>
-              <a:rPr b="0" lang="en-US" sz="2800" spc="-1" strike="noStrike">
-                <a:solidFill>
-                  <a:srgbClr val="000000"/>
-                </a:solidFill>
-                <a:latin typeface="Calibri"/>
-              </a:rPr>
-              <a:t>Parameter tuning</a:t>
-            </a:r>
-            <a:endParaRPr b="0" lang="en-US" sz="2800" spc="-1" strike="noStrike">
-              <a:latin typeface="Arial"/>
-            </a:endParaRPr>
-          </a:p>
-        </p:txBody>
-      </p:sp>
-      <p:sp>
-        <p:nvSpPr>
-          <p:cNvPr id="142" name="CustomShape 3"/>
-          <p:cNvSpPr/>
-          <p:nvPr/>
-        </p:nvSpPr>
-        <p:spPr>
-          <a:xfrm>
-            <a:off x="838080" y="6356520"/>
-            <a:ext cx="2742480" cy="364320"/>
-          </a:xfrm>
-          <a:prstGeom prst="rect">
-            <a:avLst/>
-          </a:prstGeom>
-          <a:noFill/>
-          <a:ln>
-            <a:noFill/>
-          </a:ln>
-        </p:spPr>
-        <p:style>
-          <a:lnRef idx="0"/>
-          <a:fillRef idx="0"/>
-          <a:effectRef idx="0"/>
-          <a:fontRef idx="minor"/>
-        </p:style>
-        <p:txBody>
-          <a:bodyPr lIns="90000" rIns="90000" tIns="45000" bIns="45000" anchor="ctr"/>
-          <a:p>
-            <a:pPr>
-              <a:lnSpc>
-                <a:spcPct val="100000"/>
-              </a:lnSpc>
-            </a:pPr>
-            <a:r>
-              <a:rPr b="0" lang="en-US" sz="1200" spc="-1" strike="noStrike">
-                <a:solidFill>
-                  <a:srgbClr val="8b8b8b"/>
-                </a:solidFill>
-                <a:latin typeface="Calibri"/>
-              </a:rPr>
-              <a:t>07.11.2018</a:t>
-            </a:r>
-            <a:endParaRPr b="0" lang="en-US" sz="1200" spc="-1" strike="noStrike">
-              <a:latin typeface="Arial"/>
-            </a:endParaRPr>
-          </a:p>
-        </p:txBody>
-      </p:sp>
-      <p:sp>
-        <p:nvSpPr>
-          <p:cNvPr id="143" name="CustomShape 4"/>
-          <p:cNvSpPr/>
-          <p:nvPr/>
-        </p:nvSpPr>
-        <p:spPr>
-          <a:xfrm>
-            <a:off x="4038480" y="6356520"/>
-            <a:ext cx="4114080" cy="364320"/>
-          </a:xfrm>
-          <a:prstGeom prst="rect">
-            <a:avLst/>
-          </a:prstGeom>
-          <a:noFill/>
-          <a:ln>
-            <a:noFill/>
-          </a:ln>
-        </p:spPr>
-        <p:style>
-          <a:lnRef idx="0"/>
-          <a:fillRef idx="0"/>
-          <a:effectRef idx="0"/>
-          <a:fontRef idx="minor"/>
-        </p:style>
-        <p:txBody>
-          <a:bodyPr lIns="90000" rIns="90000" tIns="45000" bIns="45000" anchor="ctr"/>
-          <a:p>
-            <a:pPr algn="ctr">
-              <a:lnSpc>
-                <a:spcPct val="100000"/>
-              </a:lnSpc>
-            </a:pPr>
-            <a:r>
-              <a:rPr b="0" lang="en-US" sz="1200" spc="-1" strike="noStrike">
-                <a:solidFill>
-                  <a:srgbClr val="8b8b8b"/>
-                </a:solidFill>
-                <a:latin typeface="Calibri"/>
-              </a:rPr>
-              <a:t>Segmentation of brain tissues</a:t>
-            </a:r>
-            <a:endParaRPr b="0" lang="en-US" sz="1200" spc="-1" strike="noStrike">
-              <a:latin typeface="Arial"/>
-            </a:endParaRPr>
-          </a:p>
-        </p:txBody>
-      </p:sp>
-      <p:sp>
-        <p:nvSpPr>
-          <p:cNvPr id="144" name="CustomShape 5"/>
-          <p:cNvSpPr/>
-          <p:nvPr/>
-        </p:nvSpPr>
-        <p:spPr>
-          <a:xfrm>
-            <a:off x="8610480" y="6356520"/>
-            <a:ext cx="2742480" cy="364320"/>
-          </a:xfrm>
-          <a:prstGeom prst="rect">
-            <a:avLst/>
-          </a:prstGeom>
-          <a:noFill/>
-          <a:ln>
-            <a:noFill/>
-          </a:ln>
-        </p:spPr>
-        <p:style>
-          <a:lnRef idx="0"/>
-          <a:fillRef idx="0"/>
-          <a:effectRef idx="0"/>
-          <a:fontRef idx="minor"/>
-        </p:style>
-        <p:txBody>
-          <a:bodyPr lIns="90000" rIns="90000" tIns="45000" bIns="45000" anchor="ctr"/>
-          <a:p>
-            <a:pPr algn="r">
-              <a:lnSpc>
-                <a:spcPct val="100000"/>
-              </a:lnSpc>
-            </a:pPr>
-            <a:fld id="{B6994D12-98E0-4750-993E-6B341E577113}" type="slidenum">
-              <a:rPr b="0" lang="en-US" sz="1200" spc="-1" strike="noStrike">
-                <a:solidFill>
-                  <a:srgbClr val="8b8b8b"/>
-                </a:solidFill>
-                <a:latin typeface="Calibri"/>
-              </a:rPr>
-              <a:t>1</a:t>
-            </a:fld>
-            <a:endParaRPr b="0" lang="en-US" sz="1200" spc="-1" strike="noStrike">
-              <a:latin typeface="Arial"/>
-            </a:endParaRPr>
-          </a:p>
-        </p:txBody>
-      </p:sp>
-    </p:spTree>
-  </p:cSld>
-  <mc:AlternateContent>
-    <mc:Choice Requires="p14">
-      <p:transition spd="slow" p14:dur="2000"/>
-    </mc:Choice>
-    <mc:Fallback>
-      <p:transition spd="slow"/>
-    </mc:Fallback>
-  </mc:AlternateContent>
-  <p:timing>
-    <p:tnLst>
-      <p:par>
-        <p:cTn id="19" dur="indefinite" restart="never" nodeType="tmRoot">
-          <p:childTnLst>
-            <p:seq>
-              <p:cTn id="20" dur="indefinite" nodeType="mainSeq"/>
-              <p:prevCondLst>
-                <p:cond delay="0" evt="onPrev">
-                  <p:tgtEl>
-                    <p:sldTgt/>
-                  </p:tgtEl>
-                </p:cond>
-              </p:prevCondLst>
-              <p:nextCondLst>
-                <p:cond delay="0" evt="onNext">
-                  <p:tgtEl>
-                    <p:sldTgt/>
-                  </p:tgtEl>
-                </p:cond>
-              </p:nextCondLst>
-            </p:seq>
-          </p:childTnLst>
-        </p:cTn>
-      </p:par>
-    </p:tnLst>
-  </p:timing>
-</p:sld>
-</file>
-
 <file path=ppt/slides/slide2.xml><?xml version="1.0" encoding="utf-8"?>
 <p:sld xmlns:a="http://schemas.openxmlformats.org/drawingml/2006/main" xmlns:p="http://schemas.openxmlformats.org/presentationml/2006/main" xmlns:r="http://schemas.openxmlformats.org/officeDocument/2006/relationships" xmlns:p14="http://schemas.microsoft.com/office/powerpoint/2010/main" xmlns:p15="http://schemas.microsoft.com/office/powerpoint/2012/main" xmlns:mc="http://schemas.openxmlformats.org/markup-compatibility/2006">
   <p:cSld>
@@ -4867,7 +4488,7 @@
                 <a:spcPct val="100000"/>
               </a:lnSpc>
             </a:pPr>
-            <a:fld id="{3D2FAEC9-C20E-457D-A831-CF6C457DCDA7}" type="slidenum">
+            <a:fld id="{23EEEF0D-96B8-458C-AE01-F2651B56BC8D}" type="slidenum">
               <a:rPr b="0" lang="en-US" sz="1200" spc="-1" strike="noStrike">
                 <a:solidFill>
                   <a:srgbClr val="8b8b8b"/>
@@ -5333,7 +4954,7 @@
                 <a:spcPct val="100000"/>
               </a:lnSpc>
             </a:pPr>
-            <a:fld id="{3AA08B89-E05F-4536-82E2-B08EE5CE4A25}" type="slidenum">
+            <a:fld id="{B9191E88-92AF-41E1-AE11-D30D0F798FDD}" type="slidenum">
               <a:rPr b="0" lang="en-US" sz="1200" spc="-1" strike="noStrike">
                 <a:solidFill>
                   <a:srgbClr val="8b8b8b"/>
@@ -5608,7 +5229,7 @@
                 <a:spcPct val="100000"/>
               </a:lnSpc>
             </a:pPr>
-            <a:fld id="{B41E2779-DCD0-4690-A78F-F81006AF2974}" type="slidenum">
+            <a:fld id="{A5C98420-BB98-48B4-A644-4A7D40222D46}" type="slidenum">
               <a:rPr b="0" lang="en-US" sz="1200" spc="-1" strike="noStrike">
                 <a:solidFill>
                   <a:srgbClr val="8b8b8b"/>
@@ -5743,7 +5364,7 @@
                 </a:solidFill>
                 <a:latin typeface="Calibri Light"/>
               </a:rPr>
-              <a:t>Challenges</a:t>
+              <a:t>Insights</a:t>
             </a:r>
             <a:endParaRPr b="0" lang="en-US" sz="4400" spc="-1" strike="noStrike">
               <a:latin typeface="Arial"/>
@@ -5906,7 +5527,7 @@
                 <a:spcPct val="100000"/>
               </a:lnSpc>
             </a:pPr>
-            <a:fld id="{33DA197E-94D8-45AD-9532-1510A6F35D28}" type="slidenum">
+            <a:fld id="{48D8A90F-E77E-4A82-86A7-921DE9E9B5CA}" type="slidenum">
               <a:rPr b="0" lang="en-US" sz="1200" spc="-1" strike="noStrike">
                 <a:solidFill>
                   <a:srgbClr val="8b8b8b"/>
@@ -6018,7 +5639,7 @@
                 </a:solidFill>
                 <a:latin typeface="Calibri Light"/>
               </a:rPr>
-              <a:t>Insights</a:t>
+              <a:t>Insights SVM (linear)</a:t>
             </a:r>
             <a:endParaRPr b="0" lang="en-US" sz="4400" spc="-1" strike="noStrike">
               <a:latin typeface="Arial"/>
@@ -6034,8 +5655,8 @@
         </p:nvSpPr>
         <p:spPr>
           <a:xfrm>
-            <a:off x="838080" y="1825560"/>
-            <a:ext cx="9033120" cy="4350600"/>
+            <a:off x="838080" y="6356520"/>
+            <a:ext cx="2742480" cy="364320"/>
           </a:xfrm>
           <a:prstGeom prst="rect">
             <a:avLst/>
@@ -6051,6 +5672,28 @@
           <a:effectRef idx="0"/>
           <a:fontRef idx="minor"/>
         </p:style>
+        <p:txBody>
+          <a:bodyPr lIns="90000" rIns="90000" tIns="45000" bIns="45000" anchor="ctr"/>
+          <a:p>
+            <a:pPr>
+              <a:lnSpc>
+                <a:spcPct val="100000"/>
+              </a:lnSpc>
+            </a:pPr>
+            <a:r>
+              <a:rPr b="0" lang="en-US" sz="1200" spc="-1" strike="noStrike">
+                <a:solidFill>
+                  <a:srgbClr val="8b8b8b"/>
+                </a:solidFill>
+                <a:latin typeface="Calibri"/>
+              </a:rPr>
+              <a:t>07.11.2018</a:t>
+            </a:r>
+            <a:endParaRPr b="0" lang="en-US" sz="1200" spc="-1" strike="noStrike">
+              <a:latin typeface="Arial"/>
+            </a:endParaRPr>
+          </a:p>
+        </p:txBody>
       </p:sp>
       <p:sp>
         <p:nvSpPr>
@@ -6060,8 +5703,8 @@
         </p:nvSpPr>
         <p:spPr>
           <a:xfrm>
-            <a:off x="838080" y="6356520"/>
-            <a:ext cx="2742480" cy="364320"/>
+            <a:off x="4038480" y="6356520"/>
+            <a:ext cx="4114080" cy="364320"/>
           </a:xfrm>
           <a:prstGeom prst="rect">
             <a:avLst/>
@@ -6080,7 +5723,7 @@
         <p:txBody>
           <a:bodyPr lIns="90000" rIns="90000" tIns="45000" bIns="45000" anchor="ctr"/>
           <a:p>
-            <a:pPr>
+            <a:pPr algn="ctr">
               <a:lnSpc>
                 <a:spcPct val="100000"/>
               </a:lnSpc>
@@ -6092,7 +5735,7 @@
                 </a:solidFill>
                 <a:latin typeface="Calibri"/>
               </a:rPr>
-              <a:t>07.11.2018</a:t>
+              <a:t>Segmentation of brain tissues</a:t>
             </a:r>
             <a:endParaRPr b="0" lang="en-US" sz="1200" spc="-1" strike="noStrike">
               <a:latin typeface="Arial"/>
@@ -6108,8 +5751,8 @@
         </p:nvSpPr>
         <p:spPr>
           <a:xfrm>
-            <a:off x="4038480" y="6356520"/>
-            <a:ext cx="4114080" cy="364320"/>
+            <a:off x="8610480" y="6356520"/>
+            <a:ext cx="2742480" cy="364320"/>
           </a:xfrm>
           <a:prstGeom prst="rect">
             <a:avLst/>
@@ -6128,20 +5771,20 @@
         <p:txBody>
           <a:bodyPr lIns="90000" rIns="90000" tIns="45000" bIns="45000" anchor="ctr"/>
           <a:p>
-            <a:pPr algn="ctr">
+            <a:pPr algn="r">
               <a:lnSpc>
                 <a:spcPct val="100000"/>
               </a:lnSpc>
             </a:pPr>
-            <a:r>
+            <a:fld id="{D2A93C0C-1332-46CD-B6BD-9BF46A5834A3}" type="slidenum">
               <a:rPr b="0" lang="en-US" sz="1200" spc="-1" strike="noStrike">
                 <a:solidFill>
                   <a:srgbClr val="8b8b8b"/>
                 </a:solidFill>
                 <a:latin typeface="Calibri"/>
               </a:rPr>
-              <a:t>Segmentation of brain tissues</a:t>
-            </a:r>
+              <a:t>1</a:t>
+            </a:fld>
             <a:endParaRPr b="0" lang="en-US" sz="1200" spc="-1" strike="noStrike">
               <a:latin typeface="Arial"/>
             </a:endParaRPr>
@@ -6156,8 +5799,8 @@
         </p:nvSpPr>
         <p:spPr>
           <a:xfrm>
-            <a:off x="8610480" y="6356520"/>
-            <a:ext cx="2742480" cy="364320"/>
+            <a:off x="914400" y="4846320"/>
+            <a:ext cx="2559960" cy="857880"/>
           </a:xfrm>
           <a:prstGeom prst="rect">
             <a:avLst/>
@@ -6174,28 +5817,334 @@
           <a:fontRef idx="minor"/>
         </p:style>
         <p:txBody>
-          <a:bodyPr lIns="90000" rIns="90000" tIns="45000" bIns="45000" anchor="ctr"/>
-          <a:p>
-            <a:pPr algn="r">
+          <a:bodyPr lIns="90000" rIns="90000" tIns="45000" bIns="45000"/>
+          <a:p>
+            <a:pPr>
               <a:lnSpc>
                 <a:spcPct val="100000"/>
               </a:lnSpc>
             </a:pPr>
-            <a:fld id="{46900DEF-65BD-4CE4-8E49-9301191EE137}" type="slidenum">
-              <a:rPr b="0" lang="en-US" sz="1200" spc="-1" strike="noStrike">
-                <a:solidFill>
-                  <a:srgbClr val="8b8b8b"/>
-                </a:solidFill>
-                <a:latin typeface="Calibri"/>
-              </a:rPr>
-              <a:t>1</a:t>
-            </a:fld>
-            <a:endParaRPr b="0" lang="en-US" sz="1200" spc="-1" strike="noStrike">
-              <a:latin typeface="Arial"/>
-            </a:endParaRPr>
-          </a:p>
-        </p:txBody>
-      </p:sp>
+            <a:r>
+              <a:rPr b="0" lang="en-US" sz="1800" spc="-1" strike="noStrike">
+                <a:solidFill>
+                  <a:srgbClr val="000000"/>
+                </a:solidFill>
+                <a:latin typeface="Arial"/>
+              </a:rPr>
+              <a:t>Same features as RF</a:t>
+            </a:r>
+            <a:endParaRPr b="0" lang="en-US" sz="1800" spc="-1" strike="noStrike">
+              <a:latin typeface="Arial"/>
+            </a:endParaRPr>
+          </a:p>
+          <a:p>
+            <a:pPr>
+              <a:lnSpc>
+                <a:spcPct val="100000"/>
+              </a:lnSpc>
+            </a:pPr>
+            <a:r>
+              <a:rPr b="0" lang="en-US" sz="1800" spc="-1" strike="noStrike">
+                <a:solidFill>
+                  <a:srgbClr val="000000"/>
+                </a:solidFill>
+                <a:latin typeface="Arial"/>
+              </a:rPr>
+              <a:t>→ </a:t>
+            </a:r>
+            <a:r>
+              <a:rPr b="0" lang="en-US" sz="1800" spc="-1" strike="noStrike">
+                <a:solidFill>
+                  <a:srgbClr val="000000"/>
+                </a:solidFill>
+                <a:latin typeface="Arial"/>
+              </a:rPr>
+              <a:t>intensity feature</a:t>
+            </a:r>
+            <a:endParaRPr b="0" lang="en-US" sz="1800" spc="-1" strike="noStrike">
+              <a:latin typeface="Arial"/>
+            </a:endParaRPr>
+          </a:p>
+        </p:txBody>
+      </p:sp>
+      <p:sp>
+        <p:nvSpPr>
+          <p:cNvPr id="112" name="CustomShape 6"/>
+          <p:cNvSpPr/>
+          <p:nvPr/>
+        </p:nvSpPr>
+        <p:spPr>
+          <a:xfrm>
+            <a:off x="4023360" y="4846320"/>
+            <a:ext cx="2559960" cy="601920"/>
+          </a:xfrm>
+          <a:prstGeom prst="rect">
+            <a:avLst/>
+          </a:prstGeom>
+          <a:noFill/>
+          <a:ln>
+            <a:noFill/>
+          </a:ln>
+        </p:spPr>
+        <p:style>
+          <a:lnRef idx="0"/>
+          <a:fillRef idx="0"/>
+          <a:effectRef idx="0"/>
+          <a:fontRef idx="minor"/>
+        </p:style>
+        <p:txBody>
+          <a:bodyPr lIns="90000" rIns="90000" tIns="45000" bIns="45000"/>
+          <a:p>
+            <a:pPr>
+              <a:lnSpc>
+                <a:spcPct val="100000"/>
+              </a:lnSpc>
+            </a:pPr>
+            <a:r>
+              <a:rPr b="0" lang="en-US" sz="1800" spc="-1" strike="noStrike">
+                <a:solidFill>
+                  <a:srgbClr val="000000"/>
+                </a:solidFill>
+                <a:latin typeface="Arial"/>
+              </a:rPr>
+              <a:t>Balanced samples</a:t>
+            </a:r>
+            <a:endParaRPr b="0" lang="en-US" sz="1800" spc="-1" strike="noStrike">
+              <a:latin typeface="Arial"/>
+            </a:endParaRPr>
+          </a:p>
+          <a:p>
+            <a:pPr>
+              <a:lnSpc>
+                <a:spcPct val="100000"/>
+              </a:lnSpc>
+            </a:pPr>
+            <a:r>
+              <a:rPr b="0" lang="en-US" sz="1800" spc="-1" strike="noStrike">
+                <a:solidFill>
+                  <a:srgbClr val="000000"/>
+                </a:solidFill>
+                <a:latin typeface="Arial"/>
+              </a:rPr>
+              <a:t>→ </a:t>
+            </a:r>
+            <a:r>
+              <a:rPr b="0" lang="en-US" sz="1800" spc="-1" strike="noStrike">
+                <a:solidFill>
+                  <a:srgbClr val="000000"/>
+                </a:solidFill>
+                <a:latin typeface="Arial"/>
+              </a:rPr>
+              <a:t>intensity feature</a:t>
+            </a:r>
+            <a:endParaRPr b="0" lang="en-US" sz="1800" spc="-1" strike="noStrike">
+              <a:latin typeface="Arial"/>
+            </a:endParaRPr>
+          </a:p>
+          <a:p>
+            <a:pPr>
+              <a:lnSpc>
+                <a:spcPct val="100000"/>
+              </a:lnSpc>
+            </a:pPr>
+            <a:r>
+              <a:rPr b="0" lang="en-US" sz="1800" spc="-1" strike="noStrike">
+                <a:solidFill>
+                  <a:srgbClr val="000000"/>
+                </a:solidFill>
+                <a:latin typeface="Arial"/>
+              </a:rPr>
+              <a:t>→ </a:t>
+            </a:r>
+            <a:r>
+              <a:rPr b="0" lang="en-US" sz="1800" spc="-1" strike="noStrike">
+                <a:solidFill>
+                  <a:srgbClr val="000000"/>
+                </a:solidFill>
+                <a:latin typeface="Arial"/>
+              </a:rPr>
+              <a:t>small structures important</a:t>
+            </a:r>
+            <a:endParaRPr b="0" lang="en-US" sz="1800" spc="-1" strike="noStrike">
+              <a:latin typeface="Arial"/>
+            </a:endParaRPr>
+          </a:p>
+        </p:txBody>
+      </p:sp>
+      <p:sp>
+        <p:nvSpPr>
+          <p:cNvPr id="113" name="CustomShape 7"/>
+          <p:cNvSpPr/>
+          <p:nvPr/>
+        </p:nvSpPr>
+        <p:spPr>
+          <a:xfrm>
+            <a:off x="6949440" y="4846320"/>
+            <a:ext cx="3108960" cy="857880"/>
+          </a:xfrm>
+          <a:prstGeom prst="rect">
+            <a:avLst/>
+          </a:prstGeom>
+          <a:noFill/>
+          <a:ln>
+            <a:noFill/>
+          </a:ln>
+        </p:spPr>
+        <p:style>
+          <a:lnRef idx="0"/>
+          <a:fillRef idx="0"/>
+          <a:effectRef idx="0"/>
+          <a:fontRef idx="minor"/>
+        </p:style>
+        <p:txBody>
+          <a:bodyPr lIns="90000" rIns="90000" tIns="45000" bIns="45000"/>
+          <a:p>
+            <a:pPr>
+              <a:lnSpc>
+                <a:spcPct val="100000"/>
+              </a:lnSpc>
+            </a:pPr>
+            <a:r>
+              <a:rPr b="0" lang="en-US" sz="1800" spc="-1" strike="noStrike">
+                <a:solidFill>
+                  <a:srgbClr val="000000"/>
+                </a:solidFill>
+                <a:latin typeface="Arial"/>
+              </a:rPr>
+              <a:t>Second order coordinates</a:t>
+            </a:r>
+            <a:endParaRPr b="0" lang="en-US" sz="1800" spc="-1" strike="noStrike">
+              <a:latin typeface="Arial"/>
+            </a:endParaRPr>
+          </a:p>
+          <a:p>
+            <a:pPr>
+              <a:lnSpc>
+                <a:spcPct val="100000"/>
+              </a:lnSpc>
+            </a:pPr>
+            <a:r>
+              <a:rPr b="0" lang="en-US" sz="1800" spc="-1" strike="noStrike">
+                <a:solidFill>
+                  <a:srgbClr val="000000"/>
+                </a:solidFill>
+                <a:latin typeface="Arial"/>
+              </a:rPr>
+              <a:t>→ </a:t>
+            </a:r>
+            <a:r>
+              <a:rPr b="0" lang="en-US" sz="1800" spc="-1" strike="noStrike">
+                <a:solidFill>
+                  <a:srgbClr val="000000"/>
+                </a:solidFill>
+                <a:latin typeface="Arial"/>
+              </a:rPr>
+              <a:t>position feature important</a:t>
+            </a:r>
+            <a:endParaRPr b="0" lang="en-US" sz="1800" spc="-1" strike="noStrike">
+              <a:latin typeface="Arial"/>
+            </a:endParaRPr>
+          </a:p>
+          <a:p>
+            <a:pPr>
+              <a:lnSpc>
+                <a:spcPct val="100000"/>
+              </a:lnSpc>
+            </a:pPr>
+            <a:r>
+              <a:rPr b="0" lang="en-US" sz="1800" spc="-1" strike="noStrike">
+                <a:solidFill>
+                  <a:srgbClr val="000000"/>
+                </a:solidFill>
+                <a:latin typeface="Arial"/>
+              </a:rPr>
+              <a:t>→ </a:t>
+            </a:r>
+            <a:r>
+              <a:rPr b="0" lang="en-US" sz="1800" spc="-1" strike="noStrike">
+                <a:solidFill>
+                  <a:srgbClr val="000000"/>
+                </a:solidFill>
+                <a:latin typeface="Arial"/>
+              </a:rPr>
+              <a:t>complex boundaries require high order terms</a:t>
+            </a:r>
+            <a:endParaRPr b="0" lang="en-US" sz="1800" spc="-1" strike="noStrike">
+              <a:latin typeface="Arial"/>
+            </a:endParaRPr>
+          </a:p>
+        </p:txBody>
+      </p:sp>
+      <p:pic>
+        <p:nvPicPr>
+          <p:cNvPr id="114" name="" descr=""/>
+          <p:cNvPicPr/>
+          <p:nvPr/>
+        </p:nvPicPr>
+        <p:blipFill>
+          <a:blip r:embed="rId1"/>
+          <a:stretch/>
+        </p:blipFill>
+        <p:spPr>
+          <a:xfrm>
+            <a:off x="3931920" y="1730520"/>
+            <a:ext cx="2900160" cy="2841480"/>
+          </a:xfrm>
+          <a:prstGeom prst="rect">
+            <a:avLst/>
+          </a:prstGeom>
+          <a:ln>
+            <a:noFill/>
+          </a:ln>
+        </p:spPr>
+      </p:pic>
+      <p:pic>
+        <p:nvPicPr>
+          <p:cNvPr id="115" name="" descr=""/>
+          <p:cNvPicPr/>
+          <p:nvPr/>
+        </p:nvPicPr>
+        <p:blipFill>
+          <a:blip r:embed="rId2"/>
+          <a:stretch/>
+        </p:blipFill>
+        <p:spPr>
+          <a:xfrm>
+            <a:off x="838080" y="1740960"/>
+            <a:ext cx="2849040" cy="2831040"/>
+          </a:xfrm>
+          <a:prstGeom prst="rect">
+            <a:avLst/>
+          </a:prstGeom>
+          <a:ln>
+            <a:noFill/>
+          </a:ln>
+        </p:spPr>
+      </p:pic>
+      <p:pic>
+        <p:nvPicPr>
+          <p:cNvPr id="116" name="" descr=""/>
+          <p:cNvPicPr/>
+          <p:nvPr/>
+        </p:nvPicPr>
+        <p:blipFill>
+          <a:blip r:embed="rId3"/>
+          <a:srcRect l="14223" t="0" r="0" b="0"/>
+          <a:stretch/>
+        </p:blipFill>
+        <p:spPr>
+          <a:xfrm>
+            <a:off x="7223760" y="1737360"/>
+            <a:ext cx="2468880" cy="2820240"/>
+          </a:xfrm>
+          <a:prstGeom prst="rect">
+            <a:avLst/>
+          </a:prstGeom>
+          <a:ln>
+            <a:noFill/>
+          </a:ln>
+        </p:spPr>
+      </p:pic>
     </p:spTree>
   </p:cSld>
   <mc:AlternateContent>
@@ -6255,7 +6204,7 @@
       </p:grpSpPr>
       <p:sp>
         <p:nvSpPr>
-          <p:cNvPr id="112" name="CustomShape 1"/>
+          <p:cNvPr id="117" name="CustomShape 1"/>
           <p:cNvSpPr/>
           <p:nvPr/>
         </p:nvSpPr>
@@ -6293,7 +6242,7 @@
                 </a:solidFill>
                 <a:latin typeface="Calibri Light"/>
               </a:rPr>
-              <a:t>Insights SVM (linear)</a:t>
+              <a:t>Insights SVM (rbf)</a:t>
             </a:r>
             <a:endParaRPr b="0" lang="en-US" sz="4400" spc="-1" strike="noStrike">
               <a:latin typeface="Arial"/>
@@ -6303,7 +6252,7 @@
       </p:sp>
       <p:sp>
         <p:nvSpPr>
-          <p:cNvPr id="113" name="CustomShape 2"/>
+          <p:cNvPr id="118" name="CustomShape 2"/>
           <p:cNvSpPr/>
           <p:nvPr/>
         </p:nvSpPr>
@@ -6351,7 +6300,7 @@
       </p:sp>
       <p:sp>
         <p:nvSpPr>
-          <p:cNvPr id="114" name="CustomShape 3"/>
+          <p:cNvPr id="119" name="CustomShape 3"/>
           <p:cNvSpPr/>
           <p:nvPr/>
         </p:nvSpPr>
@@ -6399,7 +6348,7 @@
       </p:sp>
       <p:sp>
         <p:nvSpPr>
-          <p:cNvPr id="115" name="CustomShape 4"/>
+          <p:cNvPr id="120" name="CustomShape 4"/>
           <p:cNvSpPr/>
           <p:nvPr/>
         </p:nvSpPr>
@@ -6430,7 +6379,7 @@
                 <a:spcPct val="100000"/>
               </a:lnSpc>
             </a:pPr>
-            <a:fld id="{11A8E3F0-EADC-4FDE-893A-F54855B556BF}" type="slidenum">
+            <a:fld id="{740A2700-9FB7-44D0-8D6A-E825D3A9ECFD}" type="slidenum">
               <a:rPr b="0" lang="en-US" sz="1200" spc="-1" strike="noStrike">
                 <a:solidFill>
                   <a:srgbClr val="8b8b8b"/>
@@ -6445,293 +6394,9 @@
           </a:p>
         </p:txBody>
       </p:sp>
-      <p:sp>
-        <p:nvSpPr>
-          <p:cNvPr id="116" name="CustomShape 5"/>
-          <p:cNvSpPr/>
-          <p:nvPr/>
-        </p:nvSpPr>
-        <p:spPr>
-          <a:xfrm>
-            <a:off x="914400" y="4846320"/>
-            <a:ext cx="2559960" cy="857880"/>
-          </a:xfrm>
-          <a:prstGeom prst="rect">
-            <a:avLst/>
-          </a:prstGeom>
-          <a:noFill/>
-          <a:ln>
-            <a:noFill/>
-          </a:ln>
-        </p:spPr>
-        <p:style>
-          <a:lnRef idx="0"/>
-          <a:fillRef idx="0"/>
-          <a:effectRef idx="0"/>
-          <a:fontRef idx="minor"/>
-        </p:style>
-        <p:txBody>
-          <a:bodyPr lIns="90000" rIns="90000" tIns="45000" bIns="45000"/>
-          <a:p>
-            <a:pPr>
-              <a:lnSpc>
-                <a:spcPct val="100000"/>
-              </a:lnSpc>
-            </a:pPr>
-            <a:r>
-              <a:rPr b="0" lang="en-US" sz="1800" spc="-1" strike="noStrike">
-                <a:solidFill>
-                  <a:srgbClr val="000000"/>
-                </a:solidFill>
-                <a:latin typeface="Arial"/>
-              </a:rPr>
-              <a:t>Same features as RF</a:t>
-            </a:r>
-            <a:endParaRPr b="0" lang="en-US" sz="1800" spc="-1" strike="noStrike">
-              <a:latin typeface="Arial"/>
-            </a:endParaRPr>
-          </a:p>
-          <a:p>
-            <a:pPr>
-              <a:lnSpc>
-                <a:spcPct val="100000"/>
-              </a:lnSpc>
-            </a:pPr>
-            <a:r>
-              <a:rPr b="0" lang="en-US" sz="1800" spc="-1" strike="noStrike">
-                <a:solidFill>
-                  <a:srgbClr val="000000"/>
-                </a:solidFill>
-                <a:latin typeface="Arial"/>
-              </a:rPr>
-              <a:t>→ </a:t>
-            </a:r>
-            <a:r>
-              <a:rPr b="0" lang="en-US" sz="1800" spc="-1" strike="noStrike">
-                <a:solidFill>
-                  <a:srgbClr val="000000"/>
-                </a:solidFill>
-                <a:latin typeface="Arial"/>
-              </a:rPr>
-              <a:t>intensity feature</a:t>
-            </a:r>
-            <a:endParaRPr b="0" lang="en-US" sz="1800" spc="-1" strike="noStrike">
-              <a:latin typeface="Arial"/>
-            </a:endParaRPr>
-          </a:p>
-        </p:txBody>
-      </p:sp>
-      <p:sp>
-        <p:nvSpPr>
-          <p:cNvPr id="117" name="CustomShape 6"/>
-          <p:cNvSpPr/>
-          <p:nvPr/>
-        </p:nvSpPr>
-        <p:spPr>
-          <a:xfrm>
-            <a:off x="4023360" y="4846320"/>
-            <a:ext cx="2559960" cy="601920"/>
-          </a:xfrm>
-          <a:prstGeom prst="rect">
-            <a:avLst/>
-          </a:prstGeom>
-          <a:noFill/>
-          <a:ln>
-            <a:noFill/>
-          </a:ln>
-        </p:spPr>
-        <p:style>
-          <a:lnRef idx="0"/>
-          <a:fillRef idx="0"/>
-          <a:effectRef idx="0"/>
-          <a:fontRef idx="minor"/>
-        </p:style>
-        <p:txBody>
-          <a:bodyPr lIns="90000" rIns="90000" tIns="45000" bIns="45000"/>
-          <a:p>
-            <a:pPr>
-              <a:lnSpc>
-                <a:spcPct val="100000"/>
-              </a:lnSpc>
-            </a:pPr>
-            <a:r>
-              <a:rPr b="0" lang="en-US" sz="1800" spc="-1" strike="noStrike">
-                <a:solidFill>
-                  <a:srgbClr val="000000"/>
-                </a:solidFill>
-                <a:latin typeface="Arial"/>
-              </a:rPr>
-              <a:t>Balanced samples</a:t>
-            </a:r>
-            <a:endParaRPr b="0" lang="en-US" sz="1800" spc="-1" strike="noStrike">
-              <a:latin typeface="Arial"/>
-            </a:endParaRPr>
-          </a:p>
-          <a:p>
-            <a:pPr>
-              <a:lnSpc>
-                <a:spcPct val="100000"/>
-              </a:lnSpc>
-            </a:pPr>
-            <a:r>
-              <a:rPr b="0" lang="en-US" sz="1800" spc="-1" strike="noStrike">
-                <a:solidFill>
-                  <a:srgbClr val="000000"/>
-                </a:solidFill>
-                <a:latin typeface="Arial"/>
-              </a:rPr>
-              <a:t>→ </a:t>
-            </a:r>
-            <a:r>
-              <a:rPr b="0" lang="en-US" sz="1800" spc="-1" strike="noStrike">
-                <a:solidFill>
-                  <a:srgbClr val="000000"/>
-                </a:solidFill>
-                <a:latin typeface="Arial"/>
-              </a:rPr>
-              <a:t>intensity feature</a:t>
-            </a:r>
-            <a:endParaRPr b="0" lang="en-US" sz="1800" spc="-1" strike="noStrike">
-              <a:latin typeface="Arial"/>
-            </a:endParaRPr>
-          </a:p>
-          <a:p>
-            <a:pPr>
-              <a:lnSpc>
-                <a:spcPct val="100000"/>
-              </a:lnSpc>
-            </a:pPr>
-            <a:r>
-              <a:rPr b="0" lang="en-US" sz="1800" spc="-1" strike="noStrike">
-                <a:solidFill>
-                  <a:srgbClr val="000000"/>
-                </a:solidFill>
-                <a:latin typeface="Arial"/>
-              </a:rPr>
-              <a:t>→ </a:t>
-            </a:r>
-            <a:r>
-              <a:rPr b="0" lang="en-US" sz="1800" spc="-1" strike="noStrike">
-                <a:solidFill>
-                  <a:srgbClr val="000000"/>
-                </a:solidFill>
-                <a:latin typeface="Arial"/>
-              </a:rPr>
-              <a:t>small structures important</a:t>
-            </a:r>
-            <a:endParaRPr b="0" lang="en-US" sz="1800" spc="-1" strike="noStrike">
-              <a:latin typeface="Arial"/>
-            </a:endParaRPr>
-          </a:p>
-        </p:txBody>
-      </p:sp>
-      <p:sp>
-        <p:nvSpPr>
-          <p:cNvPr id="118" name="CustomShape 7"/>
-          <p:cNvSpPr/>
-          <p:nvPr/>
-        </p:nvSpPr>
-        <p:spPr>
-          <a:xfrm>
-            <a:off x="6949440" y="4846320"/>
-            <a:ext cx="3108960" cy="857880"/>
-          </a:xfrm>
-          <a:prstGeom prst="rect">
-            <a:avLst/>
-          </a:prstGeom>
-          <a:noFill/>
-          <a:ln>
-            <a:noFill/>
-          </a:ln>
-        </p:spPr>
-        <p:style>
-          <a:lnRef idx="0"/>
-          <a:fillRef idx="0"/>
-          <a:effectRef idx="0"/>
-          <a:fontRef idx="minor"/>
-        </p:style>
-        <p:txBody>
-          <a:bodyPr lIns="90000" rIns="90000" tIns="45000" bIns="45000"/>
-          <a:p>
-            <a:pPr>
-              <a:lnSpc>
-                <a:spcPct val="100000"/>
-              </a:lnSpc>
-            </a:pPr>
-            <a:r>
-              <a:rPr b="0" lang="en-US" sz="1800" spc="-1" strike="noStrike">
-                <a:solidFill>
-                  <a:srgbClr val="000000"/>
-                </a:solidFill>
-                <a:latin typeface="Arial"/>
-              </a:rPr>
-              <a:t>Second order coordinates</a:t>
-            </a:r>
-            <a:endParaRPr b="0" lang="en-US" sz="1800" spc="-1" strike="noStrike">
-              <a:latin typeface="Arial"/>
-            </a:endParaRPr>
-          </a:p>
-          <a:p>
-            <a:pPr>
-              <a:lnSpc>
-                <a:spcPct val="100000"/>
-              </a:lnSpc>
-            </a:pPr>
-            <a:r>
-              <a:rPr b="0" lang="en-US" sz="1800" spc="-1" strike="noStrike">
-                <a:solidFill>
-                  <a:srgbClr val="000000"/>
-                </a:solidFill>
-                <a:latin typeface="Arial"/>
-              </a:rPr>
-              <a:t>→ </a:t>
-            </a:r>
-            <a:r>
-              <a:rPr b="0" lang="en-US" sz="1800" spc="-1" strike="noStrike">
-                <a:solidFill>
-                  <a:srgbClr val="000000"/>
-                </a:solidFill>
-                <a:latin typeface="Arial"/>
-              </a:rPr>
-              <a:t>position feature important</a:t>
-            </a:r>
-            <a:endParaRPr b="0" lang="en-US" sz="1800" spc="-1" strike="noStrike">
-              <a:latin typeface="Arial"/>
-            </a:endParaRPr>
-          </a:p>
-          <a:p>
-            <a:pPr>
-              <a:lnSpc>
-                <a:spcPct val="100000"/>
-              </a:lnSpc>
-            </a:pPr>
-            <a:r>
-              <a:rPr b="0" lang="en-US" sz="1800" spc="-1" strike="noStrike">
-                <a:solidFill>
-                  <a:srgbClr val="000000"/>
-                </a:solidFill>
-                <a:latin typeface="Arial"/>
-              </a:rPr>
-              <a:t>→ </a:t>
-            </a:r>
-            <a:r>
-              <a:rPr b="0" lang="en-US" sz="1800" spc="-1" strike="noStrike">
-                <a:solidFill>
-                  <a:srgbClr val="000000"/>
-                </a:solidFill>
-                <a:latin typeface="Arial"/>
-              </a:rPr>
-              <a:t>complex boundaries require high order terms</a:t>
-            </a:r>
-            <a:endParaRPr b="0" lang="en-US" sz="1800" spc="-1" strike="noStrike">
-              <a:latin typeface="Arial"/>
-            </a:endParaRPr>
-          </a:p>
-        </p:txBody>
-      </p:sp>
       <p:pic>
         <p:nvPicPr>
-          <p:cNvPr id="119" name="" descr=""/>
+          <p:cNvPr id="121" name="" descr=""/>
           <p:cNvPicPr/>
           <p:nvPr/>
         </p:nvPicPr>
@@ -6741,8 +6406,8 @@
         </p:blipFill>
         <p:spPr>
           <a:xfrm>
-            <a:off x="3931920" y="1730520"/>
-            <a:ext cx="2900160" cy="2841480"/>
+            <a:off x="849240" y="1763640"/>
+            <a:ext cx="2899440" cy="2899440"/>
           </a:xfrm>
           <a:prstGeom prst="rect">
             <a:avLst/>
@@ -6754,7 +6419,7 @@
       </p:pic>
       <p:pic>
         <p:nvPicPr>
-          <p:cNvPr id="120" name="" descr=""/>
+          <p:cNvPr id="122" name="" descr=""/>
           <p:cNvPicPr/>
           <p:nvPr/>
         </p:nvPicPr>
@@ -6764,8 +6429,8 @@
         </p:blipFill>
         <p:spPr>
           <a:xfrm>
-            <a:off x="838080" y="1740960"/>
-            <a:ext cx="2849040" cy="2831040"/>
+            <a:off x="6792840" y="1763640"/>
+            <a:ext cx="2899440" cy="2899440"/>
           </a:xfrm>
           <a:prstGeom prst="rect">
             <a:avLst/>
@@ -6777,19 +6442,18 @@
       </p:pic>
       <p:pic>
         <p:nvPicPr>
-          <p:cNvPr id="121" name="" descr=""/>
+          <p:cNvPr id="123" name="" descr=""/>
           <p:cNvPicPr/>
           <p:nvPr/>
         </p:nvPicPr>
         <p:blipFill>
           <a:blip r:embed="rId3"/>
-          <a:srcRect l="14223" t="0" r="0" b="0"/>
           <a:stretch/>
         </p:blipFill>
         <p:spPr>
           <a:xfrm>
-            <a:off x="7223760" y="1737360"/>
-            <a:ext cx="2468880" cy="2820240"/>
+            <a:off x="3823560" y="1753560"/>
+            <a:ext cx="2899440" cy="2899440"/>
           </a:xfrm>
           <a:prstGeom prst="rect">
             <a:avLst/>
@@ -6799,6 +6463,207 @@
           </a:ln>
         </p:spPr>
       </p:pic>
+      <p:sp>
+        <p:nvSpPr>
+          <p:cNvPr id="124" name="CustomShape 5"/>
+          <p:cNvSpPr/>
+          <p:nvPr/>
+        </p:nvSpPr>
+        <p:spPr>
+          <a:xfrm>
+            <a:off x="914400" y="4846320"/>
+            <a:ext cx="2559960" cy="857880"/>
+          </a:xfrm>
+          <a:prstGeom prst="rect">
+            <a:avLst/>
+          </a:prstGeom>
+          <a:noFill/>
+          <a:ln>
+            <a:noFill/>
+          </a:ln>
+        </p:spPr>
+        <p:style>
+          <a:lnRef idx="0"/>
+          <a:fillRef idx="0"/>
+          <a:effectRef idx="0"/>
+          <a:fontRef idx="minor"/>
+        </p:style>
+        <p:txBody>
+          <a:bodyPr lIns="90000" rIns="90000" tIns="45000" bIns="45000"/>
+          <a:p>
+            <a:pPr>
+              <a:lnSpc>
+                <a:spcPct val="100000"/>
+              </a:lnSpc>
+            </a:pPr>
+            <a:r>
+              <a:rPr b="0" lang="en-US" sz="1800" spc="-1" strike="noStrike">
+                <a:solidFill>
+                  <a:srgbClr val="000000"/>
+                </a:solidFill>
+                <a:latin typeface="Arial"/>
+              </a:rPr>
+              <a:t>C=5, G=0.3</a:t>
+            </a:r>
+            <a:endParaRPr b="0" lang="en-US" sz="1800" spc="-1" strike="noStrike">
+              <a:latin typeface="Arial"/>
+            </a:endParaRPr>
+          </a:p>
+          <a:p>
+            <a:pPr>
+              <a:lnSpc>
+                <a:spcPct val="100000"/>
+              </a:lnSpc>
+            </a:pPr>
+            <a:r>
+              <a:rPr b="0" lang="en-US" sz="1800" spc="-1" strike="noStrike">
+                <a:solidFill>
+                  <a:srgbClr val="000000"/>
+                </a:solidFill>
+                <a:latin typeface="Arial"/>
+              </a:rPr>
+              <a:t>Oversegmentation of small structures</a:t>
+            </a:r>
+            <a:endParaRPr b="0" lang="en-US" sz="1800" spc="-1" strike="noStrike">
+              <a:latin typeface="Arial"/>
+            </a:endParaRPr>
+          </a:p>
+        </p:txBody>
+      </p:sp>
+      <p:sp>
+        <p:nvSpPr>
+          <p:cNvPr id="125" name="CustomShape 6"/>
+          <p:cNvSpPr/>
+          <p:nvPr/>
+        </p:nvSpPr>
+        <p:spPr>
+          <a:xfrm>
+            <a:off x="4023360" y="4846320"/>
+            <a:ext cx="2559960" cy="601920"/>
+          </a:xfrm>
+          <a:prstGeom prst="rect">
+            <a:avLst/>
+          </a:prstGeom>
+          <a:noFill/>
+          <a:ln>
+            <a:noFill/>
+          </a:ln>
+        </p:spPr>
+        <p:style>
+          <a:lnRef idx="0"/>
+          <a:fillRef idx="0"/>
+          <a:effectRef idx="0"/>
+          <a:fontRef idx="minor"/>
+        </p:style>
+        <p:txBody>
+          <a:bodyPr lIns="90000" rIns="90000" tIns="45000" bIns="45000"/>
+          <a:p>
+            <a:pPr>
+              <a:lnSpc>
+                <a:spcPct val="100000"/>
+              </a:lnSpc>
+            </a:pPr>
+            <a:r>
+              <a:rPr b="0" lang="en-US" sz="1800" spc="-1" strike="noStrike">
+                <a:solidFill>
+                  <a:srgbClr val="000000"/>
+                </a:solidFill>
+                <a:latin typeface="Arial"/>
+              </a:rPr>
+              <a:t>Random Forest</a:t>
+            </a:r>
+            <a:endParaRPr b="0" lang="en-US" sz="1800" spc="-1" strike="noStrike">
+              <a:latin typeface="Arial"/>
+            </a:endParaRPr>
+          </a:p>
+          <a:p>
+            <a:pPr>
+              <a:lnSpc>
+                <a:spcPct val="100000"/>
+              </a:lnSpc>
+            </a:pPr>
+            <a:r>
+              <a:rPr b="0" lang="en-US" sz="1800" spc="-1" strike="noStrike">
+                <a:solidFill>
+                  <a:srgbClr val="000000"/>
+                </a:solidFill>
+                <a:latin typeface="Arial"/>
+              </a:rPr>
+              <a:t>Reference</a:t>
+            </a:r>
+            <a:endParaRPr b="0" lang="en-US" sz="1800" spc="-1" strike="noStrike">
+              <a:latin typeface="Arial"/>
+            </a:endParaRPr>
+          </a:p>
+        </p:txBody>
+      </p:sp>
+      <p:sp>
+        <p:nvSpPr>
+          <p:cNvPr id="126" name="CustomShape 7"/>
+          <p:cNvSpPr/>
+          <p:nvPr/>
+        </p:nvSpPr>
+        <p:spPr>
+          <a:xfrm>
+            <a:off x="6949440" y="4846320"/>
+            <a:ext cx="2559960" cy="857880"/>
+          </a:xfrm>
+          <a:prstGeom prst="rect">
+            <a:avLst/>
+          </a:prstGeom>
+          <a:noFill/>
+          <a:ln>
+            <a:noFill/>
+          </a:ln>
+        </p:spPr>
+        <p:style>
+          <a:lnRef idx="0"/>
+          <a:fillRef idx="0"/>
+          <a:effectRef idx="0"/>
+          <a:fontRef idx="minor"/>
+        </p:style>
+        <p:txBody>
+          <a:bodyPr lIns="90000" rIns="90000" tIns="45000" bIns="45000"/>
+          <a:p>
+            <a:pPr>
+              <a:lnSpc>
+                <a:spcPct val="100000"/>
+              </a:lnSpc>
+            </a:pPr>
+            <a:r>
+              <a:rPr b="0" lang="en-US" sz="1800" spc="-1" strike="noStrike">
+                <a:solidFill>
+                  <a:srgbClr val="000000"/>
+                </a:solidFill>
+                <a:latin typeface="Arial"/>
+              </a:rPr>
+              <a:t>C=15, G=10</a:t>
+            </a:r>
+            <a:endParaRPr b="0" lang="en-US" sz="1800" spc="-1" strike="noStrike">
+              <a:latin typeface="Arial"/>
+            </a:endParaRPr>
+          </a:p>
+          <a:p>
+            <a:pPr>
+              <a:lnSpc>
+                <a:spcPct val="100000"/>
+              </a:lnSpc>
+            </a:pPr>
+            <a:r>
+              <a:rPr b="0" lang="en-US" sz="1800" spc="-1" strike="noStrike">
+                <a:solidFill>
+                  <a:srgbClr val="000000"/>
+                </a:solidFill>
+                <a:latin typeface="Arial"/>
+              </a:rPr>
+              <a:t>Undersegmentation of small structures</a:t>
+            </a:r>
+            <a:endParaRPr b="0" lang="en-US" sz="1800" spc="-1" strike="noStrike">
+              <a:latin typeface="Arial"/>
+            </a:endParaRPr>
+          </a:p>
+        </p:txBody>
+      </p:sp>
     </p:spTree>
   </p:cSld>
   <mc:AlternateContent>
@@ -6858,7 +6723,7 @@
       </p:grpSpPr>
       <p:sp>
         <p:nvSpPr>
-          <p:cNvPr id="122" name="CustomShape 1"/>
+          <p:cNvPr id="127" name="CustomShape 1"/>
           <p:cNvSpPr/>
           <p:nvPr/>
         </p:nvSpPr>
@@ -6906,7 +6771,7 @@
       </p:sp>
       <p:sp>
         <p:nvSpPr>
-          <p:cNvPr id="123" name="CustomShape 2"/>
+          <p:cNvPr id="128" name="CustomShape 2"/>
           <p:cNvSpPr/>
           <p:nvPr/>
         </p:nvSpPr>
@@ -6954,7 +6819,7 @@
       </p:sp>
       <p:sp>
         <p:nvSpPr>
-          <p:cNvPr id="124" name="CustomShape 3"/>
+          <p:cNvPr id="129" name="CustomShape 3"/>
           <p:cNvSpPr/>
           <p:nvPr/>
         </p:nvSpPr>
@@ -7002,7 +6867,7 @@
       </p:sp>
       <p:sp>
         <p:nvSpPr>
-          <p:cNvPr id="125" name="CustomShape 4"/>
+          <p:cNvPr id="130" name="CustomShape 4"/>
           <p:cNvSpPr/>
           <p:nvPr/>
         </p:nvSpPr>
@@ -7033,7 +6898,7 @@
                 <a:spcPct val="100000"/>
               </a:lnSpc>
             </a:pPr>
-            <a:fld id="{D4E746B4-3A25-410E-8C25-1135EC8901E3}" type="slidenum">
+            <a:fld id="{E13BD78E-EC70-4294-8A5E-C457C0379AF9}" type="slidenum">
               <a:rPr b="0" lang="en-US" sz="1200" spc="-1" strike="noStrike">
                 <a:solidFill>
                   <a:srgbClr val="8b8b8b"/>
@@ -7050,7 +6915,7 @@
       </p:sp>
       <p:pic>
         <p:nvPicPr>
-          <p:cNvPr id="126" name="" descr=""/>
+          <p:cNvPr id="131" name="" descr=""/>
           <p:cNvPicPr/>
           <p:nvPr/>
         </p:nvPicPr>
@@ -7060,8 +6925,8 @@
         </p:blipFill>
         <p:spPr>
           <a:xfrm>
-            <a:off x="849240" y="1763640"/>
-            <a:ext cx="2899440" cy="2899440"/>
+            <a:off x="933840" y="1353600"/>
+            <a:ext cx="4095000" cy="4095000"/>
           </a:xfrm>
           <a:prstGeom prst="rect">
             <a:avLst/>
@@ -7073,7 +6938,7 @@
       </p:pic>
       <p:pic>
         <p:nvPicPr>
-          <p:cNvPr id="127" name="" descr=""/>
+          <p:cNvPr id="132" name="" descr=""/>
           <p:cNvPicPr/>
           <p:nvPr/>
         </p:nvPicPr>
@@ -7083,8 +6948,8 @@
         </p:blipFill>
         <p:spPr>
           <a:xfrm>
-            <a:off x="6792840" y="1763640"/>
-            <a:ext cx="2899440" cy="2899440"/>
+            <a:off x="5322960" y="1371600"/>
+            <a:ext cx="4095000" cy="4095000"/>
           </a:xfrm>
           <a:prstGeom prst="rect">
             <a:avLst/>
@@ -7094,39 +6959,16 @@
           </a:ln>
         </p:spPr>
       </p:pic>
-      <p:pic>
-        <p:nvPicPr>
-          <p:cNvPr id="128" name="" descr=""/>
-          <p:cNvPicPr/>
-          <p:nvPr/>
-        </p:nvPicPr>
-        <p:blipFill>
-          <a:blip r:embed="rId3"/>
-          <a:stretch/>
-        </p:blipFill>
-        <p:spPr>
-          <a:xfrm>
-            <a:off x="3823560" y="1753560"/>
-            <a:ext cx="2899440" cy="2899440"/>
-          </a:xfrm>
-          <a:prstGeom prst="rect">
-            <a:avLst/>
-          </a:prstGeom>
-          <a:ln>
-            <a:noFill/>
-          </a:ln>
-        </p:spPr>
-      </p:pic>
-      <p:sp>
-        <p:nvSpPr>
-          <p:cNvPr id="129" name="CustomShape 5"/>
+      <p:sp>
+        <p:nvSpPr>
+          <p:cNvPr id="133" name="CustomShape 5"/>
           <p:cNvSpPr/>
           <p:nvPr/>
         </p:nvSpPr>
         <p:spPr>
           <a:xfrm>
-            <a:off x="914400" y="4846320"/>
-            <a:ext cx="2559960" cy="857880"/>
+            <a:off x="1645920" y="5524200"/>
+            <a:ext cx="2559960" cy="601920"/>
           </a:xfrm>
           <a:prstGeom prst="rect">
             <a:avLst/>
@@ -7157,7 +6999,7 @@
                 </a:solidFill>
                 <a:latin typeface="Arial"/>
               </a:rPr>
-              <a:t>C=5, G=0.3</a:t>
+              <a:t>Random Forest</a:t>
             </a:r>
             <a:endParaRPr b="0" lang="en-US" sz="1800" spc="-1" strike="noStrike">
               <a:latin typeface="Arial"/>
@@ -7176,7 +7018,7 @@
                 </a:solidFill>
                 <a:latin typeface="Arial"/>
               </a:rPr>
-              <a:t>Oversegmentation of small structures</a:t>
+              <a:t>Reference</a:t>
             </a:r>
             <a:endParaRPr b="0" lang="en-US" sz="1800" spc="-1" strike="noStrike">
               <a:latin typeface="Arial"/>
@@ -7186,14 +7028,14 @@
       </p:sp>
       <p:sp>
         <p:nvSpPr>
-          <p:cNvPr id="130" name="CustomShape 6"/>
+          <p:cNvPr id="134" name="CustomShape 6"/>
           <p:cNvSpPr/>
           <p:nvPr/>
         </p:nvSpPr>
         <p:spPr>
           <a:xfrm>
-            <a:off x="4023360" y="4846320"/>
-            <a:ext cx="2559960" cy="601920"/>
+            <a:off x="6309360" y="5498280"/>
+            <a:ext cx="2559960" cy="857880"/>
           </a:xfrm>
           <a:prstGeom prst="rect">
             <a:avLst/>
@@ -7224,93 +7066,7 @@
                 </a:solidFill>
                 <a:latin typeface="Arial"/>
               </a:rPr>
-              <a:t>Random Forest</a:t>
-            </a:r>
-            <a:endParaRPr b="0" lang="en-US" sz="1800" spc="-1" strike="noStrike">
-              <a:latin typeface="Arial"/>
-            </a:endParaRPr>
-          </a:p>
-          <a:p>
-            <a:pPr>
-              <a:lnSpc>
-                <a:spcPct val="100000"/>
-              </a:lnSpc>
-            </a:pPr>
-            <a:r>
-              <a:rPr b="0" lang="en-US" sz="1800" spc="-1" strike="noStrike">
-                <a:solidFill>
-                  <a:srgbClr val="000000"/>
-                </a:solidFill>
-                <a:latin typeface="Arial"/>
-              </a:rPr>
-              <a:t>Reference</a:t>
-            </a:r>
-            <a:endParaRPr b="0" lang="en-US" sz="1800" spc="-1" strike="noStrike">
-              <a:latin typeface="Arial"/>
-            </a:endParaRPr>
-          </a:p>
-        </p:txBody>
-      </p:sp>
-      <p:sp>
-        <p:nvSpPr>
-          <p:cNvPr id="131" name="CustomShape 7"/>
-          <p:cNvSpPr/>
-          <p:nvPr/>
-        </p:nvSpPr>
-        <p:spPr>
-          <a:xfrm>
-            <a:off x="6949440" y="4846320"/>
-            <a:ext cx="2559960" cy="857880"/>
-          </a:xfrm>
-          <a:prstGeom prst="rect">
-            <a:avLst/>
-          </a:prstGeom>
-          <a:noFill/>
-          <a:ln>
-            <a:noFill/>
-          </a:ln>
-        </p:spPr>
-        <p:style>
-          <a:lnRef idx="0"/>
-          <a:fillRef idx="0"/>
-          <a:effectRef idx="0"/>
-          <a:fontRef idx="minor"/>
-        </p:style>
-        <p:txBody>
-          <a:bodyPr lIns="90000" rIns="90000" tIns="45000" bIns="45000"/>
-          <a:p>
-            <a:pPr>
-              <a:lnSpc>
-                <a:spcPct val="100000"/>
-              </a:lnSpc>
-            </a:pPr>
-            <a:r>
-              <a:rPr b="0" lang="en-US" sz="1800" spc="-1" strike="noStrike">
-                <a:solidFill>
-                  <a:srgbClr val="000000"/>
-                </a:solidFill>
-                <a:latin typeface="Arial"/>
-              </a:rPr>
-              <a:t>C=15, G=10</a:t>
-            </a:r>
-            <a:endParaRPr b="0" lang="en-US" sz="1800" spc="-1" strike="noStrike">
-              <a:latin typeface="Arial"/>
-            </a:endParaRPr>
-          </a:p>
-          <a:p>
-            <a:pPr>
-              <a:lnSpc>
-                <a:spcPct val="100000"/>
-              </a:lnSpc>
-            </a:pPr>
-            <a:r>
-              <a:rPr b="0" lang="en-US" sz="1800" spc="-1" strike="noStrike">
-                <a:solidFill>
-                  <a:srgbClr val="000000"/>
-                </a:solidFill>
-                <a:latin typeface="Arial"/>
-              </a:rPr>
-              <a:t>Undersegmentation of small structures</a:t>
+              <a:t>C=15, G=5</a:t>
             </a:r>
             <a:endParaRPr b="0" lang="en-US" sz="1800" spc="-1" strike="noStrike">
               <a:latin typeface="Arial"/>
@@ -7377,7 +7133,7 @@
       </p:grpSpPr>
       <p:sp>
         <p:nvSpPr>
-          <p:cNvPr id="132" name="CustomShape 1"/>
+          <p:cNvPr id="135" name="CustomShape 1"/>
           <p:cNvSpPr/>
           <p:nvPr/>
         </p:nvSpPr>
@@ -7415,7 +7171,7 @@
                 </a:solidFill>
                 <a:latin typeface="Calibri Light"/>
               </a:rPr>
-              <a:t>Insights SVM (rbf)</a:t>
+              <a:t>Outlook</a:t>
             </a:r>
             <a:endParaRPr b="0" lang="en-US" sz="4400" spc="-1" strike="noStrike">
               <a:latin typeface="Arial"/>
@@ -7425,14 +7181,14 @@
       </p:sp>
       <p:sp>
         <p:nvSpPr>
-          <p:cNvPr id="133" name="CustomShape 2"/>
+          <p:cNvPr id="136" name="CustomShape 2"/>
           <p:cNvSpPr/>
           <p:nvPr/>
         </p:nvSpPr>
         <p:spPr>
           <a:xfrm>
-            <a:off x="838080" y="6356520"/>
-            <a:ext cx="2742480" cy="364320"/>
+            <a:off x="838080" y="1825560"/>
+            <a:ext cx="9033120" cy="4350600"/>
           </a:xfrm>
           <a:prstGeom prst="rect">
             <a:avLst/>
@@ -7449,38 +7205,119 @@
           <a:fontRef idx="minor"/>
         </p:style>
         <p:txBody>
-          <a:bodyPr lIns="90000" rIns="90000" tIns="45000" bIns="45000" anchor="ctr"/>
-          <a:p>
-            <a:pPr>
+          <a:bodyPr lIns="90000" rIns="90000" tIns="45000" bIns="45000"/>
+          <a:p>
+            <a:pPr marL="432000" indent="-323640">
               <a:lnSpc>
                 <a:spcPct val="100000"/>
               </a:lnSpc>
-            </a:pPr>
-            <a:r>
-              <a:rPr b="0" lang="en-US" sz="1200" spc="-1" strike="noStrike">
-                <a:solidFill>
-                  <a:srgbClr val="8b8b8b"/>
+              <a:buClr>
+                <a:srgbClr val="000000"/>
+              </a:buClr>
+              <a:buSzPct val="45000"/>
+              <a:buFont typeface="Wingdings" charset="2"/>
+              <a:buChar char=""/>
+            </a:pPr>
+            <a:r>
+              <a:rPr b="0" lang="en-US" sz="2800" spc="-1" strike="noStrike">
+                <a:solidFill>
+                  <a:srgbClr val="000000"/>
                 </a:solidFill>
                 <a:latin typeface="Calibri"/>
               </a:rPr>
-              <a:t>07.11.2018</a:t>
-            </a:r>
-            <a:endParaRPr b="0" lang="en-US" sz="1200" spc="-1" strike="noStrike">
-              <a:latin typeface="Arial"/>
-            </a:endParaRPr>
-          </a:p>
-        </p:txBody>
-      </p:sp>
-      <p:sp>
-        <p:nvSpPr>
-          <p:cNvPr id="134" name="CustomShape 3"/>
+              <a:t>Compare results with simple segmentation methods</a:t>
+            </a:r>
+            <a:endParaRPr b="0" lang="en-US" sz="2800" spc="-1" strike="noStrike">
+              <a:latin typeface="Arial"/>
+            </a:endParaRPr>
+          </a:p>
+          <a:p>
+            <a:pPr marL="432000" indent="-323640">
+              <a:lnSpc>
+                <a:spcPct val="100000"/>
+              </a:lnSpc>
+              <a:buClr>
+                <a:srgbClr val="000000"/>
+              </a:buClr>
+              <a:buSzPct val="45000"/>
+              <a:buFont typeface="Wingdings" charset="2"/>
+              <a:buChar char=""/>
+            </a:pPr>
+            <a:r>
+              <a:rPr b="0" lang="en-US" sz="2800" spc="-1" strike="noStrike">
+                <a:solidFill>
+                  <a:srgbClr val="000000"/>
+                </a:solidFill>
+                <a:latin typeface="Calibri"/>
+              </a:rPr>
+              <a:t>Use another evaluation metric</a:t>
+            </a:r>
+            <a:endParaRPr b="0" lang="en-US" sz="2800" spc="-1" strike="noStrike">
+              <a:latin typeface="Arial"/>
+            </a:endParaRPr>
+          </a:p>
+          <a:p>
+            <a:pPr marL="432000" indent="-323640">
+              <a:lnSpc>
+                <a:spcPct val="100000"/>
+              </a:lnSpc>
+              <a:buClr>
+                <a:srgbClr val="000000"/>
+              </a:buClr>
+              <a:buSzPct val="45000"/>
+              <a:buFont typeface="Wingdings" charset="2"/>
+              <a:buChar char=""/>
+            </a:pPr>
+            <a:r>
+              <a:rPr b="0" lang="en-US" sz="2800" spc="-1" strike="noStrike">
+                <a:solidFill>
+                  <a:srgbClr val="000000"/>
+                </a:solidFill>
+                <a:latin typeface="Calibri"/>
+              </a:rPr>
+              <a:t>Evaluate on full test set </a:t>
+            </a:r>
+            <a:endParaRPr b="0" lang="en-US" sz="2800" spc="-1" strike="noStrike">
+              <a:latin typeface="Arial"/>
+            </a:endParaRPr>
+          </a:p>
+          <a:p>
+            <a:pPr marL="432000" indent="-323640">
+              <a:lnSpc>
+                <a:spcPct val="100000"/>
+              </a:lnSpc>
+              <a:buClr>
+                <a:srgbClr val="000000"/>
+              </a:buClr>
+              <a:buSzPct val="45000"/>
+              <a:buFont typeface="Wingdings" charset="2"/>
+              <a:buChar char=""/>
+            </a:pPr>
+            <a:r>
+              <a:rPr b="0" lang="en-US" sz="2800" spc="-1" strike="noStrike">
+                <a:solidFill>
+                  <a:srgbClr val="000000"/>
+                </a:solidFill>
+                <a:latin typeface="Calibri"/>
+              </a:rPr>
+              <a:t>Parameter tuning</a:t>
+            </a:r>
+            <a:endParaRPr b="0" lang="en-US" sz="2800" spc="-1" strike="noStrike">
+              <a:latin typeface="Arial"/>
+            </a:endParaRPr>
+          </a:p>
+        </p:txBody>
+      </p:sp>
+      <p:sp>
+        <p:nvSpPr>
+          <p:cNvPr id="137" name="CustomShape 3"/>
           <p:cNvSpPr/>
           <p:nvPr/>
         </p:nvSpPr>
         <p:spPr>
           <a:xfrm>
-            <a:off x="4038480" y="6356520"/>
-            <a:ext cx="4114080" cy="364320"/>
+            <a:off x="838080" y="6356520"/>
+            <a:ext cx="2742480" cy="364320"/>
           </a:xfrm>
           <a:prstGeom prst="rect">
             <a:avLst/>
@@ -7499,7 +7336,7 @@
         <p:txBody>
           <a:bodyPr lIns="90000" rIns="90000" tIns="45000" bIns="45000" anchor="ctr"/>
           <a:p>
-            <a:pPr algn="ctr">
+            <a:pPr>
               <a:lnSpc>
                 <a:spcPct val="100000"/>
               </a:lnSpc>
@@ -7511,7 +7348,7 @@
                 </a:solidFill>
                 <a:latin typeface="Calibri"/>
               </a:rPr>
-              <a:t>Segmentation of brain tissues</a:t>
+              <a:t>07.11.2018</a:t>
             </a:r>
             <a:endParaRPr b="0" lang="en-US" sz="1200" spc="-1" strike="noStrike">
               <a:latin typeface="Arial"/>
@@ -7521,14 +7358,14 @@
       </p:sp>
       <p:sp>
         <p:nvSpPr>
-          <p:cNvPr id="135" name="CustomShape 4"/>
+          <p:cNvPr id="138" name="CustomShape 4"/>
           <p:cNvSpPr/>
           <p:nvPr/>
         </p:nvSpPr>
         <p:spPr>
           <a:xfrm>
-            <a:off x="8610480" y="6356520"/>
-            <a:ext cx="2742480" cy="364320"/>
+            <a:off x="4038480" y="6356520"/>
+            <a:ext cx="4114080" cy="364320"/>
           </a:xfrm>
           <a:prstGeom prst="rect">
             <a:avLst/>
@@ -7547,82 +7384,36 @@
         <p:txBody>
           <a:bodyPr lIns="90000" rIns="90000" tIns="45000" bIns="45000" anchor="ctr"/>
           <a:p>
-            <a:pPr algn="r">
+            <a:pPr algn="ctr">
               <a:lnSpc>
                 <a:spcPct val="100000"/>
               </a:lnSpc>
             </a:pPr>
-            <a:fld id="{5DAD9C45-A181-4A44-96FC-F9031CF27B42}" type="slidenum">
+            <a:r>
               <a:rPr b="0" lang="en-US" sz="1200" spc="-1" strike="noStrike">
                 <a:solidFill>
                   <a:srgbClr val="8b8b8b"/>
                 </a:solidFill>
                 <a:latin typeface="Calibri"/>
               </a:rPr>
-              <a:t>1</a:t>
-            </a:fld>
+              <a:t>Segmentation of brain tissues</a:t>
+            </a:r>
             <a:endParaRPr b="0" lang="en-US" sz="1200" spc="-1" strike="noStrike">
               <a:latin typeface="Arial"/>
             </a:endParaRPr>
           </a:p>
         </p:txBody>
       </p:sp>
-      <p:pic>
-        <p:nvPicPr>
-          <p:cNvPr id="136" name="" descr=""/>
-          <p:cNvPicPr/>
-          <p:nvPr/>
-        </p:nvPicPr>
-        <p:blipFill>
-          <a:blip r:embed="rId1"/>
-          <a:stretch/>
-        </p:blipFill>
-        <p:spPr>
-          <a:xfrm>
-            <a:off x="933840" y="1353600"/>
-            <a:ext cx="4095000" cy="4095000"/>
-          </a:xfrm>
-          <a:prstGeom prst="rect">
-            <a:avLst/>
-          </a:prstGeom>
-          <a:ln>
-            <a:noFill/>
-          </a:ln>
-        </p:spPr>
-      </p:pic>
-      <p:pic>
-        <p:nvPicPr>
-          <p:cNvPr id="137" name="" descr=""/>
-          <p:cNvPicPr/>
-          <p:nvPr/>
-        </p:nvPicPr>
-        <p:blipFill>
-          <a:blip r:embed="rId2"/>
-          <a:stretch/>
-        </p:blipFill>
-        <p:spPr>
-          <a:xfrm>
-            <a:off x="5322960" y="1371600"/>
-            <a:ext cx="4095000" cy="4095000"/>
-          </a:xfrm>
-          <a:prstGeom prst="rect">
-            <a:avLst/>
-          </a:prstGeom>
-          <a:ln>
-            <a:noFill/>
-          </a:ln>
-        </p:spPr>
-      </p:pic>
-      <p:sp>
-        <p:nvSpPr>
-          <p:cNvPr id="138" name="CustomShape 5"/>
+      <p:sp>
+        <p:nvSpPr>
+          <p:cNvPr id="139" name="CustomShape 5"/>
           <p:cNvSpPr/>
           <p:nvPr/>
         </p:nvSpPr>
         <p:spPr>
           <a:xfrm>
-            <a:off x="1645920" y="5524200"/>
-            <a:ext cx="2559960" cy="601920"/>
+            <a:off x="8610480" y="6356520"/>
+            <a:ext cx="2742480" cy="364320"/>
           </a:xfrm>
           <a:prstGeom prst="rect">
             <a:avLst/>
@@ -7639,90 +7430,23 @@
           <a:fontRef idx="minor"/>
         </p:style>
         <p:txBody>
-          <a:bodyPr lIns="90000" rIns="90000" tIns="45000" bIns="45000"/>
-          <a:p>
-            <a:pPr>
+          <a:bodyPr lIns="90000" rIns="90000" tIns="45000" bIns="45000" anchor="ctr"/>
+          <a:p>
+            <a:pPr algn="r">
               <a:lnSpc>
                 <a:spcPct val="100000"/>
               </a:lnSpc>
             </a:pPr>
-            <a:r>
-              <a:rPr b="0" lang="en-US" sz="1800" spc="-1" strike="noStrike">
-                <a:solidFill>
-                  <a:srgbClr val="000000"/>
-                </a:solidFill>
-                <a:latin typeface="Arial"/>
-              </a:rPr>
-              <a:t>Random Forest</a:t>
-            </a:r>
-            <a:endParaRPr b="0" lang="en-US" sz="1800" spc="-1" strike="noStrike">
-              <a:latin typeface="Arial"/>
-            </a:endParaRPr>
-          </a:p>
-          <a:p>
-            <a:pPr>
-              <a:lnSpc>
-                <a:spcPct val="100000"/>
-              </a:lnSpc>
-            </a:pPr>
-            <a:r>
-              <a:rPr b="0" lang="en-US" sz="1800" spc="-1" strike="noStrike">
-                <a:solidFill>
-                  <a:srgbClr val="000000"/>
-                </a:solidFill>
-                <a:latin typeface="Arial"/>
-              </a:rPr>
-              <a:t>Reference</a:t>
-            </a:r>
-            <a:endParaRPr b="0" lang="en-US" sz="1800" spc="-1" strike="noStrike">
-              <a:latin typeface="Arial"/>
-            </a:endParaRPr>
-          </a:p>
-        </p:txBody>
-      </p:sp>
-      <p:sp>
-        <p:nvSpPr>
-          <p:cNvPr id="139" name="CustomShape 6"/>
-          <p:cNvSpPr/>
-          <p:nvPr/>
-        </p:nvSpPr>
-        <p:spPr>
-          <a:xfrm>
-            <a:off x="6309360" y="5498280"/>
-            <a:ext cx="2559960" cy="857880"/>
-          </a:xfrm>
-          <a:prstGeom prst="rect">
-            <a:avLst/>
-          </a:prstGeom>
-          <a:noFill/>
-          <a:ln>
-            <a:noFill/>
-          </a:ln>
-        </p:spPr>
-        <p:style>
-          <a:lnRef idx="0"/>
-          <a:fillRef idx="0"/>
-          <a:effectRef idx="0"/>
-          <a:fontRef idx="minor"/>
-        </p:style>
-        <p:txBody>
-          <a:bodyPr lIns="90000" rIns="90000" tIns="45000" bIns="45000"/>
-          <a:p>
-            <a:pPr>
-              <a:lnSpc>
-                <a:spcPct val="100000"/>
-              </a:lnSpc>
-            </a:pPr>
-            <a:r>
-              <a:rPr b="0" lang="en-US" sz="1800" spc="-1" strike="noStrike">
-                <a:solidFill>
-                  <a:srgbClr val="000000"/>
-                </a:solidFill>
-                <a:latin typeface="Arial"/>
-              </a:rPr>
-              <a:t>C=15, G=5</a:t>
-            </a:r>
-            <a:endParaRPr b="0" lang="en-US" sz="1800" spc="-1" strike="noStrike">
+            <a:fld id="{9422F7C2-F130-40CB-9FD8-C74940B42C86}" type="slidenum">
+              <a:rPr b="0" lang="en-US" sz="1200" spc="-1" strike="noStrike">
+                <a:solidFill>
+                  <a:srgbClr val="8b8b8b"/>
+                </a:solidFill>
+                <a:latin typeface="Calibri"/>
+              </a:rPr>
+              <a:t>1</a:t>
+            </a:fld>
+            <a:endParaRPr b="0" lang="en-US" sz="1200" spc="-1" strike="noStrike">
               <a:latin typeface="Arial"/>
             </a:endParaRPr>
           </a:p>

--- a/Midterm Mialab.pptx
+++ b/Midterm Mialab.pptx
@@ -1,31 +1,448 @@
 
 <file path=ppt/presentation.xml><?xml version="1.0" encoding="utf-8"?>
-<p:presentation xmlns:a="http://schemas.openxmlformats.org/drawingml/2006/main" xmlns:p="http://schemas.openxmlformats.org/presentationml/2006/main" xmlns:r="http://schemas.openxmlformats.org/officeDocument/2006/relationships" xmlns:p14="http://schemas.microsoft.com/office/powerpoint/2010/main" xmlns:p15="http://schemas.microsoft.com/office/powerpoint/2012/main" xmlns:mc="http://schemas.openxmlformats.org/markup-compatibility/2006">
+<p:presentation xmlns:a="http://schemas.openxmlformats.org/drawingml/2006/main" xmlns:r="http://schemas.openxmlformats.org/officeDocument/2006/relationships" xmlns:p="http://schemas.openxmlformats.org/presentationml/2006/main">
   <p:sldMasterIdLst>
-    <p:sldMasterId id="2147483648" r:id="rId2"/>
-    <p:sldMasterId id="2147483661" r:id="rId3"/>
+    <p:sldMasterId id="2147483648" r:id="rId1"/>
+    <p:sldMasterId id="2147483661" r:id="rId2"/>
   </p:sldMasterIdLst>
   <p:notesMasterIdLst>
-    <p:notesMasterId r:id="rId4"/>
+    <p:notesMasterId r:id="rId11"/>
   </p:notesMasterIdLst>
   <p:sldIdLst>
-    <p:sldId id="256" r:id="rId5"/>
-    <p:sldId id="257" r:id="rId6"/>
-    <p:sldId id="258" r:id="rId7"/>
-    <p:sldId id="259" r:id="rId8"/>
-    <p:sldId id="260" r:id="rId9"/>
-    <p:sldId id="261" r:id="rId10"/>
-    <p:sldId id="262" r:id="rId11"/>
-    <p:sldId id="263" r:id="rId12"/>
-    <p:sldId id="264" r:id="rId13"/>
+    <p:sldId id="256" r:id="rId3"/>
+    <p:sldId id="257" r:id="rId4"/>
+    <p:sldId id="258" r:id="rId5"/>
+    <p:sldId id="259" r:id="rId6"/>
+    <p:sldId id="261" r:id="rId7"/>
+    <p:sldId id="262" r:id="rId8"/>
+    <p:sldId id="263" r:id="rId9"/>
+    <p:sldId id="264" r:id="rId10"/>
   </p:sldIdLst>
   <p:sldSz cx="12192000" cy="6858000"/>
   <p:notesSz cx="6858000" cy="9144000"/>
+  <p:defaultTextStyle>
+    <a:defPPr>
+      <a:defRPr lang="de-DE"/>
+    </a:defPPr>
+    <a:lvl1pPr marL="0" algn="l" defTabSz="914400" rtl="0" eaLnBrk="1" latinLnBrk="0" hangingPunct="1">
+      <a:defRPr sz="1800" kern="1200">
+        <a:solidFill>
+          <a:schemeClr val="tx1"/>
+        </a:solidFill>
+        <a:latin typeface="+mn-lt"/>
+        <a:ea typeface="+mn-ea"/>
+        <a:cs typeface="+mn-cs"/>
+      </a:defRPr>
+    </a:lvl1pPr>
+    <a:lvl2pPr marL="457200" algn="l" defTabSz="914400" rtl="0" eaLnBrk="1" latinLnBrk="0" hangingPunct="1">
+      <a:defRPr sz="1800" kern="1200">
+        <a:solidFill>
+          <a:schemeClr val="tx1"/>
+        </a:solidFill>
+        <a:latin typeface="+mn-lt"/>
+        <a:ea typeface="+mn-ea"/>
+        <a:cs typeface="+mn-cs"/>
+      </a:defRPr>
+    </a:lvl2pPr>
+    <a:lvl3pPr marL="914400" algn="l" defTabSz="914400" rtl="0" eaLnBrk="1" latinLnBrk="0" hangingPunct="1">
+      <a:defRPr sz="1800" kern="1200">
+        <a:solidFill>
+          <a:schemeClr val="tx1"/>
+        </a:solidFill>
+        <a:latin typeface="+mn-lt"/>
+        <a:ea typeface="+mn-ea"/>
+        <a:cs typeface="+mn-cs"/>
+      </a:defRPr>
+    </a:lvl3pPr>
+    <a:lvl4pPr marL="1371600" algn="l" defTabSz="914400" rtl="0" eaLnBrk="1" latinLnBrk="0" hangingPunct="1">
+      <a:defRPr sz="1800" kern="1200">
+        <a:solidFill>
+          <a:schemeClr val="tx1"/>
+        </a:solidFill>
+        <a:latin typeface="+mn-lt"/>
+        <a:ea typeface="+mn-ea"/>
+        <a:cs typeface="+mn-cs"/>
+      </a:defRPr>
+    </a:lvl4pPr>
+    <a:lvl5pPr marL="1828800" algn="l" defTabSz="914400" rtl="0" eaLnBrk="1" latinLnBrk="0" hangingPunct="1">
+      <a:defRPr sz="1800" kern="1200">
+        <a:solidFill>
+          <a:schemeClr val="tx1"/>
+        </a:solidFill>
+        <a:latin typeface="+mn-lt"/>
+        <a:ea typeface="+mn-ea"/>
+        <a:cs typeface="+mn-cs"/>
+      </a:defRPr>
+    </a:lvl5pPr>
+    <a:lvl6pPr marL="2286000" algn="l" defTabSz="914400" rtl="0" eaLnBrk="1" latinLnBrk="0" hangingPunct="1">
+      <a:defRPr sz="1800" kern="1200">
+        <a:solidFill>
+          <a:schemeClr val="tx1"/>
+        </a:solidFill>
+        <a:latin typeface="+mn-lt"/>
+        <a:ea typeface="+mn-ea"/>
+        <a:cs typeface="+mn-cs"/>
+      </a:defRPr>
+    </a:lvl6pPr>
+    <a:lvl7pPr marL="2743200" algn="l" defTabSz="914400" rtl="0" eaLnBrk="1" latinLnBrk="0" hangingPunct="1">
+      <a:defRPr sz="1800" kern="1200">
+        <a:solidFill>
+          <a:schemeClr val="tx1"/>
+        </a:solidFill>
+        <a:latin typeface="+mn-lt"/>
+        <a:ea typeface="+mn-ea"/>
+        <a:cs typeface="+mn-cs"/>
+      </a:defRPr>
+    </a:lvl7pPr>
+    <a:lvl8pPr marL="3200400" algn="l" defTabSz="914400" rtl="0" eaLnBrk="1" latinLnBrk="0" hangingPunct="1">
+      <a:defRPr sz="1800" kern="1200">
+        <a:solidFill>
+          <a:schemeClr val="tx1"/>
+        </a:solidFill>
+        <a:latin typeface="+mn-lt"/>
+        <a:ea typeface="+mn-ea"/>
+        <a:cs typeface="+mn-cs"/>
+      </a:defRPr>
+    </a:lvl8pPr>
+    <a:lvl9pPr marL="3657600" algn="l" defTabSz="914400" rtl="0" eaLnBrk="1" latinLnBrk="0" hangingPunct="1">
+      <a:defRPr sz="1800" kern="1200">
+        <a:solidFill>
+          <a:schemeClr val="tx1"/>
+        </a:solidFill>
+        <a:latin typeface="+mn-lt"/>
+        <a:ea typeface="+mn-ea"/>
+        <a:cs typeface="+mn-cs"/>
+      </a:defRPr>
+    </a:lvl9pPr>
+  </p:defaultTextStyle>
 </p:presentation>
 </file>
 
 <file path=ppt/notesMasters/notesMaster1.xml><?xml version="1.0" encoding="utf-8"?>
-<p:notesMaster xmlns:a="http://schemas.openxmlformats.org/drawingml/2006/main" xmlns:p="http://schemas.openxmlformats.org/presentationml/2006/main" xmlns:r="http://schemas.openxmlformats.org/officeDocument/2006/relationships" xmlns:p14="http://schemas.microsoft.com/office/powerpoint/2010/main" xmlns:p15="http://schemas.microsoft.com/office/powerpoint/2012/main" xmlns:mc="http://schemas.openxmlformats.org/markup-compatibility/2006">
+<p:notesMaster xmlns:a="http://schemas.openxmlformats.org/drawingml/2006/main" xmlns:r="http://schemas.openxmlformats.org/officeDocument/2006/relationships" xmlns:p="http://schemas.openxmlformats.org/presentationml/2006/main">
+  <p:cSld>
+    <p:bg>
+      <p:bgRef idx="1001">
+        <a:schemeClr val="bg1"/>
+      </p:bgRef>
+    </p:bg>
+    <p:spTree>
+      <p:nvGrpSpPr>
+        <p:cNvPr id="1" name=""/>
+        <p:cNvGrpSpPr/>
+        <p:nvPr/>
+      </p:nvGrpSpPr>
+      <p:grpSpPr>
+        <a:xfrm>
+          <a:off x="0" y="0"/>
+          <a:ext cx="0" cy="0"/>
+          <a:chOff x="0" y="0"/>
+          <a:chExt cx="0" cy="0"/>
+        </a:xfrm>
+      </p:grpSpPr>
+      <p:sp>
+        <p:nvSpPr>
+          <p:cNvPr id="78" name="PlaceHolder 1"/>
+          <p:cNvSpPr>
+            <a:spLocks noGrp="1" noRot="1" noChangeAspect="1"/>
+          </p:cNvSpPr>
+          <p:nvPr>
+            <p:ph type="sldImg"/>
+          </p:nvPr>
+        </p:nvSpPr>
+        <p:spPr>
+          <a:xfrm>
+            <a:off x="216000" y="812520"/>
+            <a:ext cx="7127280" cy="4008960"/>
+          </a:xfrm>
+          <a:prstGeom prst="rect">
+            <a:avLst/>
+          </a:prstGeom>
+        </p:spPr>
+        <p:txBody>
+          <a:bodyPr lIns="0" tIns="0" rIns="0" bIns="0" anchor="ctr"/>
+          <a:lstStyle/>
+          <a:p>
+            <a:pPr algn="ctr"/>
+            <a:r>
+              <a:rPr lang="en-US" sz="4400" b="0" strike="noStrike" spc="-1">
+                <a:latin typeface="Arial"/>
+              </a:rPr>
+              <a:t>Click to move the slide</a:t>
+            </a:r>
+          </a:p>
+        </p:txBody>
+      </p:sp>
+      <p:sp>
+        <p:nvSpPr>
+          <p:cNvPr id="79" name="PlaceHolder 2"/>
+          <p:cNvSpPr>
+            <a:spLocks noGrp="1"/>
+          </p:cNvSpPr>
+          <p:nvPr>
+            <p:ph type="body"/>
+          </p:nvPr>
+        </p:nvSpPr>
+        <p:spPr>
+          <a:xfrm>
+            <a:off x="756000" y="5078520"/>
+            <a:ext cx="6047640" cy="4811040"/>
+          </a:xfrm>
+          <a:prstGeom prst="rect">
+            <a:avLst/>
+          </a:prstGeom>
+        </p:spPr>
+        <p:txBody>
+          <a:bodyPr lIns="0" tIns="0" rIns="0" bIns="0"/>
+          <a:lstStyle/>
+          <a:p>
+            <a:r>
+              <a:rPr lang="en-US" sz="2000" b="0" strike="noStrike" spc="-1">
+                <a:latin typeface="Arial"/>
+              </a:rPr>
+              <a:t>Click to edit the notes format</a:t>
+            </a:r>
+          </a:p>
+        </p:txBody>
+      </p:sp>
+      <p:sp>
+        <p:nvSpPr>
+          <p:cNvPr id="80" name="PlaceHolder 3"/>
+          <p:cNvSpPr>
+            <a:spLocks noGrp="1"/>
+          </p:cNvSpPr>
+          <p:nvPr>
+            <p:ph type="hdr"/>
+          </p:nvPr>
+        </p:nvSpPr>
+        <p:spPr>
+          <a:xfrm>
+            <a:off x="0" y="0"/>
+            <a:ext cx="3280680" cy="534240"/>
+          </a:xfrm>
+          <a:prstGeom prst="rect">
+            <a:avLst/>
+          </a:prstGeom>
+        </p:spPr>
+        <p:txBody>
+          <a:bodyPr lIns="0" tIns="0" rIns="0" bIns="0"/>
+          <a:lstStyle/>
+          <a:p>
+            <a:r>
+              <a:rPr lang="en-US" sz="1400" b="0" strike="noStrike" spc="-1">
+                <a:latin typeface="Times New Roman"/>
+              </a:rPr>
+              <a:t> </a:t>
+            </a:r>
+          </a:p>
+        </p:txBody>
+      </p:sp>
+      <p:sp>
+        <p:nvSpPr>
+          <p:cNvPr id="81" name="PlaceHolder 4"/>
+          <p:cNvSpPr>
+            <a:spLocks noGrp="1"/>
+          </p:cNvSpPr>
+          <p:nvPr>
+            <p:ph type="dt"/>
+          </p:nvPr>
+        </p:nvSpPr>
+        <p:spPr>
+          <a:xfrm>
+            <a:off x="4278960" y="0"/>
+            <a:ext cx="3280680" cy="534240"/>
+          </a:xfrm>
+          <a:prstGeom prst="rect">
+            <a:avLst/>
+          </a:prstGeom>
+        </p:spPr>
+        <p:txBody>
+          <a:bodyPr lIns="0" tIns="0" rIns="0" bIns="0"/>
+          <a:lstStyle/>
+          <a:p>
+            <a:pPr algn="r"/>
+            <a:r>
+              <a:rPr lang="en-US" sz="1400" b="0" strike="noStrike" spc="-1">
+                <a:latin typeface="Times New Roman"/>
+              </a:rPr>
+              <a:t> </a:t>
+            </a:r>
+          </a:p>
+        </p:txBody>
+      </p:sp>
+      <p:sp>
+        <p:nvSpPr>
+          <p:cNvPr id="82" name="PlaceHolder 5"/>
+          <p:cNvSpPr>
+            <a:spLocks noGrp="1"/>
+          </p:cNvSpPr>
+          <p:nvPr>
+            <p:ph type="ftr"/>
+          </p:nvPr>
+        </p:nvSpPr>
+        <p:spPr>
+          <a:xfrm>
+            <a:off x="0" y="10157400"/>
+            <a:ext cx="3280680" cy="534240"/>
+          </a:xfrm>
+          <a:prstGeom prst="rect">
+            <a:avLst/>
+          </a:prstGeom>
+        </p:spPr>
+        <p:txBody>
+          <a:bodyPr lIns="0" tIns="0" rIns="0" bIns="0" anchor="b"/>
+          <a:lstStyle/>
+          <a:p>
+            <a:r>
+              <a:rPr lang="en-US" sz="1400" b="0" strike="noStrike" spc="-1">
+                <a:latin typeface="Times New Roman"/>
+              </a:rPr>
+              <a:t> </a:t>
+            </a:r>
+          </a:p>
+        </p:txBody>
+      </p:sp>
+      <p:sp>
+        <p:nvSpPr>
+          <p:cNvPr id="83" name="PlaceHolder 6"/>
+          <p:cNvSpPr>
+            <a:spLocks noGrp="1"/>
+          </p:cNvSpPr>
+          <p:nvPr>
+            <p:ph type="sldNum"/>
+          </p:nvPr>
+        </p:nvSpPr>
+        <p:spPr>
+          <a:xfrm>
+            <a:off x="4278960" y="10157400"/>
+            <a:ext cx="3280680" cy="534240"/>
+          </a:xfrm>
+          <a:prstGeom prst="rect">
+            <a:avLst/>
+          </a:prstGeom>
+        </p:spPr>
+        <p:txBody>
+          <a:bodyPr lIns="0" tIns="0" rIns="0" bIns="0" anchor="b"/>
+          <a:lstStyle/>
+          <a:p>
+            <a:pPr algn="r"/>
+            <a:fld id="{B140B2A9-4971-469E-B61B-51C5ABF4221C}" type="slidenum">
+              <a:rPr lang="en-US" sz="1400" b="0" strike="noStrike" spc="-1">
+                <a:latin typeface="Times New Roman"/>
+              </a:rPr>
+              <a:t>‹#›</a:t>
+            </a:fld>
+            <a:endParaRPr lang="en-US" sz="1400" b="0" strike="noStrike" spc="-1">
+              <a:latin typeface="Times New Roman"/>
+            </a:endParaRPr>
+          </a:p>
+        </p:txBody>
+      </p:sp>
+    </p:spTree>
+    <p:extLst>
+      <p:ext uri="{BB962C8B-B14F-4D97-AF65-F5344CB8AC3E}">
+        <p14:creationId xmlns:p14="http://schemas.microsoft.com/office/powerpoint/2010/main" val="370124866"/>
+      </p:ext>
+    </p:extLst>
+  </p:cSld>
+  <p:clrMap bg1="lt1" tx1="dk1" bg2="lt2" tx2="dk2" accent1="accent1" accent2="accent2" accent3="accent3" accent4="accent4" accent5="accent5" accent6="accent6" hlink="hlink" folHlink="folHlink"/>
+  <p:notesStyle>
+    <a:lvl1pPr marL="0" algn="l" defTabSz="914400" rtl="0" eaLnBrk="1" latinLnBrk="0" hangingPunct="1">
+      <a:defRPr sz="1200" kern="1200">
+        <a:solidFill>
+          <a:schemeClr val="tx1"/>
+        </a:solidFill>
+        <a:latin typeface="+mn-lt"/>
+        <a:ea typeface="+mn-ea"/>
+        <a:cs typeface="+mn-cs"/>
+      </a:defRPr>
+    </a:lvl1pPr>
+    <a:lvl2pPr marL="457200" algn="l" defTabSz="914400" rtl="0" eaLnBrk="1" latinLnBrk="0" hangingPunct="1">
+      <a:defRPr sz="1200" kern="1200">
+        <a:solidFill>
+          <a:schemeClr val="tx1"/>
+        </a:solidFill>
+        <a:latin typeface="+mn-lt"/>
+        <a:ea typeface="+mn-ea"/>
+        <a:cs typeface="+mn-cs"/>
+      </a:defRPr>
+    </a:lvl2pPr>
+    <a:lvl3pPr marL="914400" algn="l" defTabSz="914400" rtl="0" eaLnBrk="1" latinLnBrk="0" hangingPunct="1">
+      <a:defRPr sz="1200" kern="1200">
+        <a:solidFill>
+          <a:schemeClr val="tx1"/>
+        </a:solidFill>
+        <a:latin typeface="+mn-lt"/>
+        <a:ea typeface="+mn-ea"/>
+        <a:cs typeface="+mn-cs"/>
+      </a:defRPr>
+    </a:lvl3pPr>
+    <a:lvl4pPr marL="1371600" algn="l" defTabSz="914400" rtl="0" eaLnBrk="1" latinLnBrk="0" hangingPunct="1">
+      <a:defRPr sz="1200" kern="1200">
+        <a:solidFill>
+          <a:schemeClr val="tx1"/>
+        </a:solidFill>
+        <a:latin typeface="+mn-lt"/>
+        <a:ea typeface="+mn-ea"/>
+        <a:cs typeface="+mn-cs"/>
+      </a:defRPr>
+    </a:lvl4pPr>
+    <a:lvl5pPr marL="1828800" algn="l" defTabSz="914400" rtl="0" eaLnBrk="1" latinLnBrk="0" hangingPunct="1">
+      <a:defRPr sz="1200" kern="1200">
+        <a:solidFill>
+          <a:schemeClr val="tx1"/>
+        </a:solidFill>
+        <a:latin typeface="+mn-lt"/>
+        <a:ea typeface="+mn-ea"/>
+        <a:cs typeface="+mn-cs"/>
+      </a:defRPr>
+    </a:lvl5pPr>
+    <a:lvl6pPr marL="2286000" algn="l" defTabSz="914400" rtl="0" eaLnBrk="1" latinLnBrk="0" hangingPunct="1">
+      <a:defRPr sz="1200" kern="1200">
+        <a:solidFill>
+          <a:schemeClr val="tx1"/>
+        </a:solidFill>
+        <a:latin typeface="+mn-lt"/>
+        <a:ea typeface="+mn-ea"/>
+        <a:cs typeface="+mn-cs"/>
+      </a:defRPr>
+    </a:lvl6pPr>
+    <a:lvl7pPr marL="2743200" algn="l" defTabSz="914400" rtl="0" eaLnBrk="1" latinLnBrk="0" hangingPunct="1">
+      <a:defRPr sz="1200" kern="1200">
+        <a:solidFill>
+          <a:schemeClr val="tx1"/>
+        </a:solidFill>
+        <a:latin typeface="+mn-lt"/>
+        <a:ea typeface="+mn-ea"/>
+        <a:cs typeface="+mn-cs"/>
+      </a:defRPr>
+    </a:lvl7pPr>
+    <a:lvl8pPr marL="3200400" algn="l" defTabSz="914400" rtl="0" eaLnBrk="1" latinLnBrk="0" hangingPunct="1">
+      <a:defRPr sz="1200" kern="1200">
+        <a:solidFill>
+          <a:schemeClr val="tx1"/>
+        </a:solidFill>
+        <a:latin typeface="+mn-lt"/>
+        <a:ea typeface="+mn-ea"/>
+        <a:cs typeface="+mn-cs"/>
+      </a:defRPr>
+    </a:lvl8pPr>
+    <a:lvl9pPr marL="3657600" algn="l" defTabSz="914400" rtl="0" eaLnBrk="1" latinLnBrk="0" hangingPunct="1">
+      <a:defRPr sz="1200" kern="1200">
+        <a:solidFill>
+          <a:schemeClr val="tx1"/>
+        </a:solidFill>
+        <a:latin typeface="+mn-lt"/>
+        <a:ea typeface="+mn-ea"/>
+        <a:cs typeface="+mn-cs"/>
+      </a:defRPr>
+    </a:lvl9pPr>
+  </p:notesStyle>
+</p:notesMaster>
+</file>
+
+<file path=ppt/notesSlides/notesSlide1.xml><?xml version="1.0" encoding="utf-8"?>
+<p:notes xmlns:a="http://schemas.openxmlformats.org/drawingml/2006/main" xmlns:r="http://schemas.openxmlformats.org/officeDocument/2006/relationships" xmlns:p="http://schemas.openxmlformats.org/presentationml/2006/main">
   <p:cSld>
     <p:spTree>
       <p:nvGrpSpPr>
@@ -43,42 +460,7 @@
       </p:grpSpPr>
       <p:sp>
         <p:nvSpPr>
-          <p:cNvPr id="78" name="PlaceHolder 1"/>
-          <p:cNvSpPr>
-            <a:spLocks noGrp="1"/>
-          </p:cNvSpPr>
-          <p:nvPr>
-            <p:ph type="sldImg"/>
-          </p:nvPr>
-        </p:nvSpPr>
-        <p:spPr>
-          <a:xfrm>
-            <a:off x="216000" y="812520"/>
-            <a:ext cx="7127280" cy="4008960"/>
-          </a:xfrm>
-          <a:prstGeom prst="rect">
-            <a:avLst/>
-          </a:prstGeom>
-        </p:spPr>
-        <p:txBody>
-          <a:bodyPr lIns="0" rIns="0" tIns="0" bIns="0" anchor="ctr"/>
-          <a:p>
-            <a:pPr algn="ctr"/>
-            <a:r>
-              <a:rPr b="0" lang="en-US" sz="4400" spc="-1" strike="noStrike">
-                <a:latin typeface="Arial"/>
-              </a:rPr>
-              <a:t>Click to move the slide</a:t>
-            </a:r>
-            <a:endParaRPr b="0" lang="en-US" sz="4400" spc="-1" strike="noStrike">
-              <a:latin typeface="Arial"/>
-            </a:endParaRPr>
-          </a:p>
-        </p:txBody>
-      </p:sp>
-      <p:sp>
-        <p:nvSpPr>
-          <p:cNvPr id="79" name="PlaceHolder 2"/>
+          <p:cNvPr id="140" name="PlaceHolder 1"/>
           <p:cNvSpPr>
             <a:spLocks noGrp="1"/>
           </p:cNvSpPr>
@@ -88,174 +470,94 @@
         </p:nvSpPr>
         <p:spPr>
           <a:xfrm>
-            <a:off x="756000" y="5078520"/>
-            <a:ext cx="6047640" cy="4811040"/>
-          </a:xfrm>
-          <a:prstGeom prst="rect">
-            <a:avLst/>
-          </a:prstGeom>
-        </p:spPr>
-        <p:txBody>
-          <a:bodyPr lIns="0" rIns="0" tIns="0" bIns="0"/>
-          <a:p>
-            <a:r>
-              <a:rPr b="0" lang="en-US" sz="2000" spc="-1" strike="noStrike">
-                <a:latin typeface="Arial"/>
-              </a:rPr>
-              <a:t>Click to edit the notes format</a:t>
-            </a:r>
-            <a:endParaRPr b="0" lang="en-US" sz="2000" spc="-1" strike="noStrike">
-              <a:latin typeface="Arial"/>
-            </a:endParaRPr>
-          </a:p>
-        </p:txBody>
-      </p:sp>
-      <p:sp>
-        <p:nvSpPr>
-          <p:cNvPr id="80" name="PlaceHolder 3"/>
-          <p:cNvSpPr>
-            <a:spLocks noGrp="1"/>
-          </p:cNvSpPr>
-          <p:nvPr>
-            <p:ph type="hdr"/>
-          </p:nvPr>
-        </p:nvSpPr>
-        <p:spPr>
-          <a:xfrm>
-            <a:off x="0" y="0"/>
-            <a:ext cx="3280680" cy="534240"/>
-          </a:xfrm>
-          <a:prstGeom prst="rect">
-            <a:avLst/>
-          </a:prstGeom>
-        </p:spPr>
-        <p:txBody>
-          <a:bodyPr lIns="0" rIns="0" tIns="0" bIns="0"/>
-          <a:p>
-            <a:r>
-              <a:rPr b="0" lang="en-US" sz="1400" spc="-1" strike="noStrike">
-                <a:latin typeface="Times New Roman"/>
-              </a:rPr>
-              <a:t> </a:t>
-            </a:r>
-            <a:endParaRPr b="0" lang="en-US" sz="1400" spc="-1" strike="noStrike">
-              <a:latin typeface="Times New Roman"/>
-            </a:endParaRPr>
-          </a:p>
-        </p:txBody>
-      </p:sp>
-      <p:sp>
-        <p:nvSpPr>
-          <p:cNvPr id="81" name="PlaceHolder 4"/>
-          <p:cNvSpPr>
-            <a:spLocks noGrp="1"/>
-          </p:cNvSpPr>
-          <p:nvPr>
-            <p:ph type="dt"/>
-          </p:nvPr>
-        </p:nvSpPr>
-        <p:spPr>
-          <a:xfrm>
-            <a:off x="4278960" y="0"/>
-            <a:ext cx="3280680" cy="534240"/>
-          </a:xfrm>
-          <a:prstGeom prst="rect">
-            <a:avLst/>
-          </a:prstGeom>
-        </p:spPr>
-        <p:txBody>
-          <a:bodyPr lIns="0" rIns="0" tIns="0" bIns="0"/>
-          <a:p>
-            <a:pPr algn="r"/>
-            <a:r>
-              <a:rPr b="0" lang="en-US" sz="1400" spc="-1" strike="noStrike">
-                <a:latin typeface="Times New Roman"/>
-              </a:rPr>
-              <a:t> </a:t>
-            </a:r>
-            <a:endParaRPr b="0" lang="en-US" sz="1400" spc="-1" strike="noStrike">
-              <a:latin typeface="Times New Roman"/>
-            </a:endParaRPr>
-          </a:p>
-        </p:txBody>
-      </p:sp>
-      <p:sp>
-        <p:nvSpPr>
-          <p:cNvPr id="82" name="PlaceHolder 5"/>
-          <p:cNvSpPr>
-            <a:spLocks noGrp="1"/>
-          </p:cNvSpPr>
-          <p:nvPr>
-            <p:ph type="ftr"/>
-          </p:nvPr>
-        </p:nvSpPr>
-        <p:spPr>
-          <a:xfrm>
-            <a:off x="0" y="10157400"/>
-            <a:ext cx="3280680" cy="534240"/>
-          </a:xfrm>
-          <a:prstGeom prst="rect">
-            <a:avLst/>
-          </a:prstGeom>
-        </p:spPr>
-        <p:txBody>
-          <a:bodyPr lIns="0" rIns="0" tIns="0" bIns="0" anchor="b"/>
-          <a:p>
-            <a:r>
-              <a:rPr b="0" lang="en-US" sz="1400" spc="-1" strike="noStrike">
-                <a:latin typeface="Times New Roman"/>
-              </a:rPr>
-              <a:t> </a:t>
-            </a:r>
-            <a:endParaRPr b="0" lang="en-US" sz="1400" spc="-1" strike="noStrike">
-              <a:latin typeface="Times New Roman"/>
-            </a:endParaRPr>
-          </a:p>
-        </p:txBody>
-      </p:sp>
-      <p:sp>
-        <p:nvSpPr>
-          <p:cNvPr id="83" name="PlaceHolder 6"/>
-          <p:cNvSpPr>
-            <a:spLocks noGrp="1"/>
-          </p:cNvSpPr>
-          <p:nvPr>
-            <p:ph type="sldNum"/>
-          </p:nvPr>
-        </p:nvSpPr>
-        <p:spPr>
-          <a:xfrm>
-            <a:off x="4278960" y="10157400"/>
-            <a:ext cx="3280680" cy="534240"/>
-          </a:xfrm>
-          <a:prstGeom prst="rect">
-            <a:avLst/>
-          </a:prstGeom>
-        </p:spPr>
-        <p:txBody>
-          <a:bodyPr lIns="0" rIns="0" tIns="0" bIns="0" anchor="b"/>
-          <a:p>
-            <a:pPr algn="r"/>
-            <a:fld id="{B140B2A9-4971-469E-B61B-51C5ABF4221C}" type="slidenum">
-              <a:rPr b="0" lang="en-US" sz="1400" spc="-1" strike="noStrike">
-                <a:latin typeface="Times New Roman"/>
+            <a:off x="685800" y="4400640"/>
+            <a:ext cx="5485680" cy="3599640"/>
+          </a:xfrm>
+          <a:prstGeom prst="rect">
+            <a:avLst/>
+          </a:prstGeom>
+        </p:spPr>
+        <p:txBody>
+          <a:bodyPr lIns="0" tIns="0" rIns="0" bIns="0"/>
+          <a:lstStyle/>
+          <a:p>
+            <a:endParaRPr lang="en-US" sz="2000" b="0" strike="noStrike" spc="-1">
+              <a:latin typeface="Arial"/>
+            </a:endParaRPr>
+          </a:p>
+        </p:txBody>
+      </p:sp>
+      <p:sp>
+        <p:nvSpPr>
+          <p:cNvPr id="141" name="CustomShape 2"/>
+          <p:cNvSpPr/>
+          <p:nvPr/>
+        </p:nvSpPr>
+        <p:spPr>
+          <a:xfrm>
+            <a:off x="3884760" y="8685360"/>
+            <a:ext cx="2971080" cy="457920"/>
+          </a:xfrm>
+          <a:prstGeom prst="rect">
+            <a:avLst/>
+          </a:prstGeom>
+          <a:noFill/>
+          <a:ln>
+            <a:noFill/>
+          </a:ln>
+        </p:spPr>
+        <p:style>
+          <a:lnRef idx="0">
+            <a:scrgbClr r="0" g="0" b="0"/>
+          </a:lnRef>
+          <a:fillRef idx="0">
+            <a:scrgbClr r="0" g="0" b="0"/>
+          </a:fillRef>
+          <a:effectRef idx="0">
+            <a:scrgbClr r="0" g="0" b="0"/>
+          </a:effectRef>
+          <a:fontRef idx="minor"/>
+        </p:style>
+        <p:txBody>
+          <a:bodyPr lIns="90000" tIns="45000" rIns="90000" bIns="45000" anchor="b"/>
+          <a:lstStyle/>
+          <a:p>
+            <a:pPr algn="r">
+              <a:lnSpc>
+                <a:spcPct val="100000"/>
+              </a:lnSpc>
+            </a:pPr>
+            <a:fld id="{6BC501CC-2595-4131-B1C7-CD66E388D79A}" type="slidenum">
+              <a:rPr lang="en-US" sz="1200" b="0" strike="noStrike" spc="-1">
+                <a:solidFill>
+                  <a:srgbClr val="000000"/>
+                </a:solidFill>
+                <a:latin typeface="+mn-lt"/>
+                <a:ea typeface="+mn-ea"/>
               </a:rPr>
               <a:t>1</a:t>
             </a:fld>
-            <a:endParaRPr b="0" lang="en-US" sz="1400" spc="-1" strike="noStrike">
-              <a:latin typeface="Times New Roman"/>
+            <a:endParaRPr lang="en-US" sz="1200" b="0" strike="noStrike" spc="-1">
+              <a:latin typeface="Arial"/>
             </a:endParaRPr>
           </a:p>
         </p:txBody>
       </p:sp>
     </p:spTree>
+    <p:extLst>
+      <p:ext uri="{BB962C8B-B14F-4D97-AF65-F5344CB8AC3E}">
+        <p14:creationId xmlns:p14="http://schemas.microsoft.com/office/powerpoint/2010/main" val="2060790158"/>
+      </p:ext>
+    </p:extLst>
   </p:cSld>
-  <p:clrMap bg1="lt1" bg2="lt2" tx1="dk1" tx2="dk2" accent1="accent1" accent2="accent2" accent3="accent3" accent4="accent4" accent5="accent5" accent6="accent6" hlink="hlink" folHlink="folHlink"/>
-</p:notesMaster>
+  <p:clrMapOvr>
+    <a:masterClrMapping/>
+  </p:clrMapOvr>
+</p:notes>
 </file>
 
-<file path=ppt/notesSlides/notesSlide1.xml><?xml version="1.0" encoding="utf-8"?>
-<p:notes xmlns:a="http://schemas.openxmlformats.org/drawingml/2006/main" xmlns:p="http://schemas.openxmlformats.org/presentationml/2006/main" xmlns:r="http://schemas.openxmlformats.org/officeDocument/2006/relationships" xmlns:p14="http://schemas.microsoft.com/office/powerpoint/2010/main" xmlns:p15="http://schemas.microsoft.com/office/powerpoint/2012/main" xmlns:mc="http://schemas.openxmlformats.org/markup-compatibility/2006">
+<file path=ppt/notesSlides/notesSlide2.xml><?xml version="1.0" encoding="utf-8"?>
+<p:notes xmlns:a="http://schemas.openxmlformats.org/drawingml/2006/main" xmlns:r="http://schemas.openxmlformats.org/officeDocument/2006/relationships" xmlns:p="http://schemas.openxmlformats.org/presentationml/2006/main">
   <p:cSld>
     <p:spTree>
       <p:nvGrpSpPr>
@@ -273,7 +575,7 @@
       </p:grpSpPr>
       <p:sp>
         <p:nvSpPr>
-          <p:cNvPr id="140" name="PlaceHolder 1"/>
+          <p:cNvPr id="142" name="PlaceHolder 1"/>
           <p:cNvSpPr>
             <a:spLocks noGrp="1"/>
           </p:cNvSpPr>
@@ -291,17 +593,18 @@
           </a:prstGeom>
         </p:spPr>
         <p:txBody>
-          <a:bodyPr lIns="0" rIns="0" tIns="0" bIns="0"/>
-          <a:p>
-            <a:endParaRPr b="0" lang="en-US" sz="2000" spc="-1" strike="noStrike">
-              <a:latin typeface="Arial"/>
-            </a:endParaRPr>
-          </a:p>
-        </p:txBody>
-      </p:sp>
-      <p:sp>
-        <p:nvSpPr>
-          <p:cNvPr id="141" name="CustomShape 2"/>
+          <a:bodyPr lIns="0" tIns="0" rIns="0" bIns="0"/>
+          <a:lstStyle/>
+          <a:p>
+            <a:endParaRPr lang="en-US" sz="2000" b="0" strike="noStrike" spc="-1">
+              <a:latin typeface="Arial"/>
+            </a:endParaRPr>
+          </a:p>
+        </p:txBody>
+      </p:sp>
+      <p:sp>
+        <p:nvSpPr>
+          <p:cNvPr id="143" name="CustomShape 2"/>
           <p:cNvSpPr/>
           <p:nvPr/>
         </p:nvSpPr>
@@ -319,42 +622,57 @@
           </a:ln>
         </p:spPr>
         <p:style>
-          <a:lnRef idx="0"/>
-          <a:fillRef idx="0"/>
-          <a:effectRef idx="0"/>
+          <a:lnRef idx="0">
+            <a:scrgbClr r="0" g="0" b="0"/>
+          </a:lnRef>
+          <a:fillRef idx="0">
+            <a:scrgbClr r="0" g="0" b="0"/>
+          </a:fillRef>
+          <a:effectRef idx="0">
+            <a:scrgbClr r="0" g="0" b="0"/>
+          </a:effectRef>
           <a:fontRef idx="minor"/>
         </p:style>
         <p:txBody>
-          <a:bodyPr lIns="90000" rIns="90000" tIns="45000" bIns="45000" anchor="b"/>
+          <a:bodyPr lIns="90000" tIns="45000" rIns="90000" bIns="45000" anchor="b"/>
+          <a:lstStyle/>
           <a:p>
             <a:pPr algn="r">
               <a:lnSpc>
                 <a:spcPct val="100000"/>
               </a:lnSpc>
             </a:pPr>
-            <a:fld id="{6BC501CC-2595-4131-B1C7-CD66E388D79A}" type="slidenum">
-              <a:rPr b="0" lang="en-US" sz="1200" spc="-1" strike="noStrike">
+            <a:fld id="{90381756-D6C5-41F0-B851-9F44F11C3321}" type="slidenum">
+              <a:rPr lang="en-US" sz="1200" b="0" strike="noStrike" spc="-1">
                 <a:solidFill>
                   <a:srgbClr val="000000"/>
                 </a:solidFill>
                 <a:latin typeface="+mn-lt"/>
                 <a:ea typeface="+mn-ea"/>
               </a:rPr>
-              <a:t>1</a:t>
+              <a:t>2</a:t>
             </a:fld>
-            <a:endParaRPr b="0" lang="en-US" sz="1200" spc="-1" strike="noStrike">
+            <a:endParaRPr lang="en-US" sz="1200" b="0" strike="noStrike" spc="-1">
               <a:latin typeface="Arial"/>
             </a:endParaRPr>
           </a:p>
         </p:txBody>
       </p:sp>
     </p:spTree>
+    <p:extLst>
+      <p:ext uri="{BB962C8B-B14F-4D97-AF65-F5344CB8AC3E}">
+        <p14:creationId xmlns:p14="http://schemas.microsoft.com/office/powerpoint/2010/main" val="1052882124"/>
+      </p:ext>
+    </p:extLst>
   </p:cSld>
+  <p:clrMapOvr>
+    <a:masterClrMapping/>
+  </p:clrMapOvr>
 </p:notes>
 </file>
 
-<file path=ppt/notesSlides/notesSlide2.xml><?xml version="1.0" encoding="utf-8"?>
-<p:notes xmlns:a="http://schemas.openxmlformats.org/drawingml/2006/main" xmlns:p="http://schemas.openxmlformats.org/presentationml/2006/main" xmlns:r="http://schemas.openxmlformats.org/officeDocument/2006/relationships" xmlns:p14="http://schemas.microsoft.com/office/powerpoint/2010/main" xmlns:p15="http://schemas.microsoft.com/office/powerpoint/2012/main" xmlns:mc="http://schemas.openxmlformats.org/markup-compatibility/2006">
+<file path=ppt/notesSlides/notesSlide3.xml><?xml version="1.0" encoding="utf-8"?>
+<p:notes xmlns:a="http://schemas.openxmlformats.org/drawingml/2006/main" xmlns:r="http://schemas.openxmlformats.org/officeDocument/2006/relationships" xmlns:p="http://schemas.openxmlformats.org/presentationml/2006/main">
   <p:cSld>
     <p:spTree>
       <p:nvGrpSpPr>
@@ -372,105 +690,6 @@
       </p:grpSpPr>
       <p:sp>
         <p:nvSpPr>
-          <p:cNvPr id="142" name="PlaceHolder 1"/>
-          <p:cNvSpPr>
-            <a:spLocks noGrp="1"/>
-          </p:cNvSpPr>
-          <p:nvPr>
-            <p:ph type="body"/>
-          </p:nvPr>
-        </p:nvSpPr>
-        <p:spPr>
-          <a:xfrm>
-            <a:off x="685800" y="4400640"/>
-            <a:ext cx="5485680" cy="3599640"/>
-          </a:xfrm>
-          <a:prstGeom prst="rect">
-            <a:avLst/>
-          </a:prstGeom>
-        </p:spPr>
-        <p:txBody>
-          <a:bodyPr lIns="0" rIns="0" tIns="0" bIns="0"/>
-          <a:p>
-            <a:endParaRPr b="0" lang="en-US" sz="2000" spc="-1" strike="noStrike">
-              <a:latin typeface="Arial"/>
-            </a:endParaRPr>
-          </a:p>
-        </p:txBody>
-      </p:sp>
-      <p:sp>
-        <p:nvSpPr>
-          <p:cNvPr id="143" name="CustomShape 2"/>
-          <p:cNvSpPr/>
-          <p:nvPr/>
-        </p:nvSpPr>
-        <p:spPr>
-          <a:xfrm>
-            <a:off x="3884760" y="8685360"/>
-            <a:ext cx="2971080" cy="457920"/>
-          </a:xfrm>
-          <a:prstGeom prst="rect">
-            <a:avLst/>
-          </a:prstGeom>
-          <a:noFill/>
-          <a:ln>
-            <a:noFill/>
-          </a:ln>
-        </p:spPr>
-        <p:style>
-          <a:lnRef idx="0"/>
-          <a:fillRef idx="0"/>
-          <a:effectRef idx="0"/>
-          <a:fontRef idx="minor"/>
-        </p:style>
-        <p:txBody>
-          <a:bodyPr lIns="90000" rIns="90000" tIns="45000" bIns="45000" anchor="b"/>
-          <a:p>
-            <a:pPr algn="r">
-              <a:lnSpc>
-                <a:spcPct val="100000"/>
-              </a:lnSpc>
-            </a:pPr>
-            <a:fld id="{90381756-D6C5-41F0-B851-9F44F11C3321}" type="slidenum">
-              <a:rPr b="0" lang="en-US" sz="1200" spc="-1" strike="noStrike">
-                <a:solidFill>
-                  <a:srgbClr val="000000"/>
-                </a:solidFill>
-                <a:latin typeface="+mn-lt"/>
-                <a:ea typeface="+mn-ea"/>
-              </a:rPr>
-              <a:t>&lt;number&gt;</a:t>
-            </a:fld>
-            <a:endParaRPr b="0" lang="en-US" sz="1200" spc="-1" strike="noStrike">
-              <a:latin typeface="Arial"/>
-            </a:endParaRPr>
-          </a:p>
-        </p:txBody>
-      </p:sp>
-    </p:spTree>
-  </p:cSld>
-</p:notes>
-</file>
-
-<file path=ppt/notesSlides/notesSlide3.xml><?xml version="1.0" encoding="utf-8"?>
-<p:notes xmlns:a="http://schemas.openxmlformats.org/drawingml/2006/main" xmlns:p="http://schemas.openxmlformats.org/presentationml/2006/main" xmlns:r="http://schemas.openxmlformats.org/officeDocument/2006/relationships" xmlns:p14="http://schemas.microsoft.com/office/powerpoint/2010/main" xmlns:p15="http://schemas.microsoft.com/office/powerpoint/2012/main" xmlns:mc="http://schemas.openxmlformats.org/markup-compatibility/2006">
-  <p:cSld>
-    <p:spTree>
-      <p:nvGrpSpPr>
-        <p:cNvPr id="1" name=""/>
-        <p:cNvGrpSpPr/>
-        <p:nvPr/>
-      </p:nvGrpSpPr>
-      <p:grpSpPr>
-        <a:xfrm>
-          <a:off x="0" y="0"/>
-          <a:ext cx="0" cy="0"/>
-          <a:chOff x="0" y="0"/>
-          <a:chExt cx="0" cy="0"/>
-        </a:xfrm>
-      </p:grpSpPr>
-      <p:sp>
-        <p:nvSpPr>
           <p:cNvPr id="144" name="PlaceHolder 1"/>
           <p:cNvSpPr>
             <a:spLocks noGrp="1"/>
@@ -489,7 +708,8 @@
           </a:prstGeom>
         </p:spPr>
         <p:txBody>
-          <a:bodyPr lIns="0" rIns="0" tIns="0" bIns="0"/>
+          <a:bodyPr lIns="0" tIns="0" rIns="0" bIns="0"/>
+          <a:lstStyle/>
           <a:p>
             <a:pPr marL="216000" indent="-216000">
               <a:lnSpc>
@@ -497,15 +717,60 @@
               </a:lnSpc>
             </a:pPr>
             <a:r>
-              <a:rPr b="0" lang="en-US" sz="2000" spc="-1" strike="noStrike">
+              <a:rPr lang="en-US" sz="2000" b="0" strike="noStrike" spc="-1" dirty="0">
                 <a:solidFill>
                   <a:srgbClr val="000000"/>
                 </a:solidFill>
                 <a:latin typeface="Arial"/>
               </a:rPr>
-              <a:t>Logistic regression, SVM linear, SVM rbf (radial basis function kernel): compare how they do with respect to the existing random forest in the pipeline (what’s the potential if we finetune the methods and what parameters and changes lead to what outcome?)</a:t>
-            </a:r>
-            <a:endParaRPr b="0" lang="en-US" sz="2000" spc="-1" strike="noStrike">
+              <a:t>Logistic regression, SVM linear, SVM </a:t>
+            </a:r>
+            <a:r>
+              <a:rPr lang="en-US" sz="2000" b="0" strike="noStrike" spc="-1" dirty="0" err="1">
+                <a:solidFill>
+                  <a:srgbClr val="000000"/>
+                </a:solidFill>
+                <a:latin typeface="Arial"/>
+              </a:rPr>
+              <a:t>rbf</a:t>
+            </a:r>
+            <a:r>
+              <a:rPr lang="en-US" sz="2000" b="0" strike="noStrike" spc="-1" dirty="0">
+                <a:solidFill>
+                  <a:srgbClr val="000000"/>
+                </a:solidFill>
+                <a:latin typeface="Arial"/>
+              </a:rPr>
+              <a:t> (radial basis function kernel): </a:t>
+            </a:r>
+            <a:r>
+              <a:rPr lang="en-US" sz="2000" b="1" strike="noStrike" spc="-1" dirty="0">
+                <a:solidFill>
+                  <a:srgbClr val="000000"/>
+                </a:solidFill>
+                <a:latin typeface="Arial"/>
+              </a:rPr>
+              <a:t>compare how they do with respect to the existing random forest in the pipeline (what’s the potential if we </a:t>
+            </a:r>
+            <a:r>
+              <a:rPr lang="en-US" sz="2000" b="1" strike="noStrike" spc="-1" dirty="0" err="1">
+                <a:solidFill>
+                  <a:srgbClr val="000000"/>
+                </a:solidFill>
+                <a:latin typeface="Arial"/>
+              </a:rPr>
+              <a:t>finetune</a:t>
+            </a:r>
+            <a:r>
+              <a:rPr lang="en-US" sz="2000" b="1" strike="noStrike" spc="-1" dirty="0">
+                <a:solidFill>
+                  <a:srgbClr val="000000"/>
+                </a:solidFill>
+                <a:latin typeface="Arial"/>
+              </a:rPr>
+              <a:t> the methods and what parameters and changes lead to what outcome?)</a:t>
+            </a:r>
+            <a:endParaRPr lang="en-US" sz="2000" b="1" strike="noStrike" spc="-1" dirty="0">
               <a:latin typeface="Arial"/>
             </a:endParaRPr>
           </a:p>
@@ -516,15 +781,24 @@
               </a:lnSpc>
             </a:pPr>
             <a:r>
-              <a:rPr b="0" lang="en-US" sz="2000" spc="-1" strike="noStrike">
+              <a:rPr lang="en-US" sz="2000" b="1" strike="noStrike" spc="-1" dirty="0" err="1">
                 <a:solidFill>
                   <a:srgbClr val="000000"/>
                 </a:solidFill>
                 <a:latin typeface="Arial"/>
               </a:rPr>
-              <a:t>Importances of features for the different methods and gaining an understanding how changes effect the segmentation.</a:t>
-            </a:r>
-            <a:endParaRPr b="0" lang="en-US" sz="2000" spc="-1" strike="noStrike">
+              <a:t>Importances</a:t>
+            </a:r>
+            <a:r>
+              <a:rPr lang="en-US" sz="2000" b="1" strike="noStrike" spc="-1" dirty="0">
+                <a:solidFill>
+                  <a:srgbClr val="000000"/>
+                </a:solidFill>
+                <a:latin typeface="Arial"/>
+              </a:rPr>
+              <a:t> of features for the different methods and gaining an understanding how changes effect the segmentation.</a:t>
+            </a:r>
+            <a:endParaRPr lang="en-US" sz="2000" b="1" strike="noStrike" spc="-1" dirty="0">
               <a:latin typeface="Arial"/>
             </a:endParaRPr>
           </a:p>
@@ -534,7 +808,7 @@
                 <a:spcPct val="100000"/>
               </a:lnSpc>
             </a:pPr>
-            <a:endParaRPr b="0" lang="en-US" sz="2000" spc="-1" strike="noStrike">
+            <a:endParaRPr lang="en-US" sz="2000" b="0" strike="noStrike" spc="-1" dirty="0">
               <a:latin typeface="Arial"/>
             </a:endParaRPr>
           </a:p>
@@ -545,7 +819,7 @@
               </a:lnSpc>
             </a:pPr>
             <a:r>
-              <a:rPr b="0" lang="en-US" sz="2000" spc="-1" strike="noStrike">
+              <a:rPr lang="en-US" sz="2000" b="0" strike="noStrike" spc="-1" dirty="0">
                 <a:solidFill>
                   <a:srgbClr val="000000"/>
                 </a:solidFill>
@@ -553,7 +827,7 @@
               </a:rPr>
               <a:t>Approaches:</a:t>
             </a:r>
-            <a:endParaRPr b="0" lang="en-US" sz="2000" spc="-1" strike="noStrike">
+            <a:endParaRPr lang="en-US" sz="2000" b="0" strike="noStrike" spc="-1" dirty="0">
               <a:latin typeface="Arial"/>
             </a:endParaRPr>
           </a:p>
@@ -569,15 +843,78 @@
               <a:buChar char="-"/>
             </a:pPr>
             <a:r>
-              <a:rPr b="0" lang="en-US" sz="2000" spc="-1" strike="noStrike">
+              <a:rPr lang="en-US" sz="2000" b="0" strike="noStrike" spc="-1" dirty="0">
                 <a:solidFill>
                   <a:srgbClr val="000000"/>
                 </a:solidFill>
                 <a:latin typeface="Arial"/>
               </a:rPr>
-              <a:t>7 original features + polynomial features (position -&gt; x^2, xy, xz, yz, y^2, z^2) mapping the input into high-dimensional feature spaces to perform non-linear classification</a:t>
-            </a:r>
-            <a:endParaRPr b="0" lang="en-US" sz="2000" spc="-1" strike="noStrike">
+              <a:t>7 original features + polynomial features (position -&gt; x^2, </a:t>
+            </a:r>
+            <a:r>
+              <a:rPr lang="en-US" sz="2000" b="0" strike="noStrike" spc="-1" dirty="0" err="1">
+                <a:solidFill>
+                  <a:srgbClr val="000000"/>
+                </a:solidFill>
+                <a:latin typeface="Arial"/>
+              </a:rPr>
+              <a:t>xy</a:t>
+            </a:r>
+            <a:r>
+              <a:rPr lang="en-US" sz="2000" b="0" strike="noStrike" spc="-1" dirty="0">
+                <a:solidFill>
+                  <a:srgbClr val="000000"/>
+                </a:solidFill>
+                <a:latin typeface="Arial"/>
+              </a:rPr>
+              <a:t>, </a:t>
+            </a:r>
+            <a:r>
+              <a:rPr lang="en-US" sz="2000" b="0" strike="noStrike" spc="-1" dirty="0" err="1">
+                <a:solidFill>
+                  <a:srgbClr val="000000"/>
+                </a:solidFill>
+                <a:latin typeface="Arial"/>
+              </a:rPr>
+              <a:t>xz</a:t>
+            </a:r>
+            <a:r>
+              <a:rPr lang="en-US" sz="2000" b="0" strike="noStrike" spc="-1" dirty="0">
+                <a:solidFill>
+                  <a:srgbClr val="000000"/>
+                </a:solidFill>
+                <a:latin typeface="Arial"/>
+              </a:rPr>
+              <a:t>, </a:t>
+            </a:r>
+            <a:r>
+              <a:rPr lang="en-US" sz="2000" b="0" strike="noStrike" spc="-1" dirty="0" err="1">
+                <a:solidFill>
+                  <a:srgbClr val="000000"/>
+                </a:solidFill>
+                <a:latin typeface="Arial"/>
+              </a:rPr>
+              <a:t>yz</a:t>
+            </a:r>
+            <a:r>
+              <a:rPr lang="en-US" sz="2000" b="0" strike="noStrike" spc="-1" dirty="0">
+                <a:solidFill>
+                  <a:srgbClr val="000000"/>
+                </a:solidFill>
+                <a:latin typeface="Arial"/>
+              </a:rPr>
+              <a:t>, y^2, z^2</a:t>
+            </a:r>
+            <a:r>
+              <a:rPr lang="en-US" sz="2000" b="1" strike="noStrike" spc="-1" dirty="0">
+                <a:solidFill>
+                  <a:srgbClr val="000000"/>
+                </a:solidFill>
+                <a:latin typeface="Arial"/>
+              </a:rPr>
+              <a:t>) mapping the input into high-dimensional feature spaces to perform non-linear classification</a:t>
+            </a:r>
+            <a:endParaRPr lang="en-US" sz="2000" b="1" strike="noStrike" spc="-1" dirty="0">
               <a:latin typeface="Arial"/>
             </a:endParaRPr>
           </a:p>
@@ -593,15 +930,33 @@
               <a:buChar char="-"/>
             </a:pPr>
             <a:r>
-              <a:rPr b="0" lang="en-US" sz="2000" spc="-1" strike="noStrike">
+              <a:rPr lang="en-US" sz="2000" b="0" strike="noStrike" spc="-1" dirty="0">
                 <a:solidFill>
                   <a:srgbClr val="000000"/>
                 </a:solidFill>
                 <a:latin typeface="Arial"/>
               </a:rPr>
-              <a:t>Parameter tuning (GridSearch for C where applicable)</a:t>
-            </a:r>
-            <a:endParaRPr b="0" lang="en-US" sz="2000" spc="-1" strike="noStrike">
+              <a:t>Parameter tuning (</a:t>
+            </a:r>
+            <a:r>
+              <a:rPr lang="en-US" sz="2000" b="0" strike="noStrike" spc="-1" dirty="0" err="1">
+                <a:solidFill>
+                  <a:srgbClr val="000000"/>
+                </a:solidFill>
+                <a:latin typeface="Arial"/>
+              </a:rPr>
+              <a:t>GridSearch</a:t>
+            </a:r>
+            <a:r>
+              <a:rPr lang="en-US" sz="2000" b="0" strike="noStrike" spc="-1" dirty="0">
+                <a:solidFill>
+                  <a:srgbClr val="000000"/>
+                </a:solidFill>
+                <a:latin typeface="Arial"/>
+              </a:rPr>
+              <a:t> for C where applicable)</a:t>
+            </a:r>
+            <a:endParaRPr lang="en-US" sz="2000" b="0" strike="noStrike" spc="-1" dirty="0">
               <a:latin typeface="Arial"/>
             </a:endParaRPr>
           </a:p>
@@ -617,15 +972,24 @@
               <a:buChar char="-"/>
             </a:pPr>
             <a:r>
-              <a:rPr b="0" lang="en-US" sz="2000" spc="-1" strike="noStrike">
+              <a:rPr lang="en-US" sz="2000" b="0" strike="noStrike" spc="-1" dirty="0">
                 <a:solidFill>
                   <a:srgbClr val="000000"/>
                 </a:solidFill>
                 <a:latin typeface="Arial"/>
               </a:rPr>
-              <a:t>Balance of training examples per class (smaller structures are relatively more taken into account)</a:t>
-            </a:r>
-            <a:endParaRPr b="0" lang="en-US" sz="2000" spc="-1" strike="noStrike">
+              <a:t>Balance of training examples per class </a:t>
+            </a:r>
+            <a:r>
+              <a:rPr lang="en-US" sz="2000" b="1" strike="noStrike" spc="-1" dirty="0">
+                <a:solidFill>
+                  <a:srgbClr val="000000"/>
+                </a:solidFill>
+                <a:latin typeface="Arial"/>
+              </a:rPr>
+              <a:t>(smaller structures are relatively more taken into account)</a:t>
+            </a:r>
+            <a:endParaRPr lang="en-US" sz="2000" b="1" strike="noStrike" spc="-1" dirty="0">
               <a:latin typeface="Arial"/>
             </a:endParaRPr>
           </a:p>
@@ -641,7 +1005,7 @@
               <a:buChar char="-"/>
             </a:pPr>
             <a:r>
-              <a:rPr b="0" lang="en-US" sz="2000" spc="-1" strike="noStrike">
+              <a:rPr lang="en-US" sz="2000" b="0" strike="noStrike" spc="-1" dirty="0">
                 <a:solidFill>
                   <a:srgbClr val="000000"/>
                 </a:solidFill>
@@ -649,7 +1013,7 @@
               </a:rPr>
               <a:t>Feature scaling</a:t>
             </a:r>
-            <a:endParaRPr b="0" lang="en-US" sz="2000" spc="-1" strike="noStrike">
+            <a:endParaRPr lang="en-US" sz="2000" b="0" strike="noStrike" spc="-1" dirty="0">
               <a:latin typeface="Arial"/>
             </a:endParaRPr>
           </a:p>
@@ -659,7 +1023,7 @@
                 <a:spcPct val="100000"/>
               </a:lnSpc>
             </a:pPr>
-            <a:endParaRPr b="0" lang="en-US" sz="2000" spc="-1" strike="noStrike">
+            <a:endParaRPr lang="en-US" sz="2000" b="0" strike="noStrike" spc="-1" dirty="0">
               <a:latin typeface="Arial"/>
             </a:endParaRPr>
           </a:p>
@@ -669,7 +1033,7 @@
                 <a:spcPct val="100000"/>
               </a:lnSpc>
             </a:pPr>
-            <a:endParaRPr b="0" lang="en-US" sz="2000" spc="-1" strike="noStrike">
+            <a:endParaRPr lang="en-US" sz="2000" b="0" strike="noStrike" spc="-1" dirty="0">
               <a:latin typeface="Arial"/>
             </a:endParaRPr>
           </a:p>
@@ -695,13 +1059,20 @@
           </a:ln>
         </p:spPr>
         <p:style>
-          <a:lnRef idx="0"/>
-          <a:fillRef idx="0"/>
-          <a:effectRef idx="0"/>
+          <a:lnRef idx="0">
+            <a:scrgbClr r="0" g="0" b="0"/>
+          </a:lnRef>
+          <a:fillRef idx="0">
+            <a:scrgbClr r="0" g="0" b="0"/>
+          </a:fillRef>
+          <a:effectRef idx="0">
+            <a:scrgbClr r="0" g="0" b="0"/>
+          </a:effectRef>
           <a:fontRef idx="minor"/>
         </p:style>
         <p:txBody>
-          <a:bodyPr lIns="90000" rIns="90000" tIns="45000" bIns="45000" anchor="b"/>
+          <a:bodyPr lIns="90000" tIns="45000" rIns="90000" bIns="45000" anchor="b"/>
+          <a:lstStyle/>
           <a:p>
             <a:pPr algn="r">
               <a:lnSpc>
@@ -709,28 +1080,36 @@
               </a:lnSpc>
             </a:pPr>
             <a:fld id="{916195F6-38B3-4A78-972D-B9922FA871A3}" type="slidenum">
-              <a:rPr b="0" lang="en-US" sz="1200" spc="-1" strike="noStrike">
+              <a:rPr lang="en-US" sz="1200" b="0" strike="noStrike" spc="-1">
                 <a:solidFill>
                   <a:srgbClr val="000000"/>
                 </a:solidFill>
                 <a:latin typeface="+mn-lt"/>
                 <a:ea typeface="+mn-ea"/>
               </a:rPr>
-              <a:t>&lt;number&gt;</a:t>
+              <a:t>3</a:t>
             </a:fld>
-            <a:endParaRPr b="0" lang="en-US" sz="1200" spc="-1" strike="noStrike">
+            <a:endParaRPr lang="en-US" sz="1200" b="0" strike="noStrike" spc="-1">
               <a:latin typeface="Arial"/>
             </a:endParaRPr>
           </a:p>
         </p:txBody>
       </p:sp>
     </p:spTree>
+    <p:extLst>
+      <p:ext uri="{BB962C8B-B14F-4D97-AF65-F5344CB8AC3E}">
+        <p14:creationId xmlns:p14="http://schemas.microsoft.com/office/powerpoint/2010/main" val="532984264"/>
+      </p:ext>
+    </p:extLst>
   </p:cSld>
+  <p:clrMapOvr>
+    <a:masterClrMapping/>
+  </p:clrMapOvr>
 </p:notes>
 </file>
 
 <file path=ppt/slideLayouts/slideLayout1.xml><?xml version="1.0" encoding="utf-8"?>
-<p:sldLayout xmlns:a="http://schemas.openxmlformats.org/drawingml/2006/main" xmlns:p="http://schemas.openxmlformats.org/presentationml/2006/main" xmlns:r="http://schemas.openxmlformats.org/officeDocument/2006/relationships" xmlns:p14="http://schemas.microsoft.com/office/powerpoint/2010/main" xmlns:p15="http://schemas.microsoft.com/office/powerpoint/2012/main" xmlns:mc="http://schemas.openxmlformats.org/markup-compatibility/2006" type="blank" preserve="1">
+<p:sldLayout xmlns:a="http://schemas.openxmlformats.org/drawingml/2006/main" xmlns:r="http://schemas.openxmlformats.org/officeDocument/2006/relationships" xmlns:p="http://schemas.openxmlformats.org/presentationml/2006/main" type="blank" preserve="1">
   <p:cSld name="Blank Slide">
     <p:spTree>
       <p:nvGrpSpPr>
@@ -748,11 +1127,14 @@
       </p:grpSpPr>
     </p:spTree>
   </p:cSld>
+  <p:clrMapOvr>
+    <a:masterClrMapping/>
+  </p:clrMapOvr>
 </p:sldLayout>
 </file>
 
 <file path=ppt/slideLayouts/slideLayout10.xml><?xml version="1.0" encoding="utf-8"?>
-<p:sldLayout xmlns:a="http://schemas.openxmlformats.org/drawingml/2006/main" xmlns:p="http://schemas.openxmlformats.org/presentationml/2006/main" xmlns:r="http://schemas.openxmlformats.org/officeDocument/2006/relationships" xmlns:p14="http://schemas.microsoft.com/office/powerpoint/2010/main" xmlns:p15="http://schemas.microsoft.com/office/powerpoint/2012/main" xmlns:mc="http://schemas.openxmlformats.org/markup-compatibility/2006" type="objOverTx" preserve="1">
+<p:sldLayout xmlns:a="http://schemas.openxmlformats.org/drawingml/2006/main" xmlns:r="http://schemas.openxmlformats.org/officeDocument/2006/relationships" xmlns:p="http://schemas.openxmlformats.org/presentationml/2006/main" type="objOverTx" preserve="1">
   <p:cSld name="Title, Content over Content">
     <p:spTree>
       <p:nvGrpSpPr>
@@ -788,10 +1170,11 @@
           </a:prstGeom>
         </p:spPr>
         <p:txBody>
-          <a:bodyPr lIns="0" rIns="0" tIns="0" bIns="0" anchor="ctr"/>
+          <a:bodyPr lIns="0" tIns="0" rIns="0" bIns="0" anchor="ctr"/>
+          <a:lstStyle/>
           <a:p>
             <a:pPr algn="ctr"/>
-            <a:endParaRPr b="0" lang="en-US" sz="4400" spc="-1" strike="noStrike">
+            <a:endParaRPr lang="en-US" sz="4400" b="0" strike="noStrike" spc="-1">
               <a:latin typeface="Arial"/>
             </a:endParaRPr>
           </a:p>
@@ -817,11 +1200,12 @@
           </a:prstGeom>
         </p:spPr>
         <p:txBody>
-          <a:bodyPr lIns="0" rIns="0" tIns="0" bIns="0">
+          <a:bodyPr lIns="0" tIns="0" rIns="0" bIns="0">
             <a:normAutofit/>
           </a:bodyPr>
-          <a:p>
-            <a:endParaRPr b="0" lang="en-US" sz="3200" spc="-1" strike="noStrike">
+          <a:lstStyle/>
+          <a:p>
+            <a:endParaRPr lang="en-US" sz="3200" b="0" strike="noStrike" spc="-1">
               <a:latin typeface="Arial"/>
             </a:endParaRPr>
           </a:p>
@@ -847,11 +1231,12 @@
           </a:prstGeom>
         </p:spPr>
         <p:txBody>
-          <a:bodyPr lIns="0" rIns="0" tIns="0" bIns="0">
+          <a:bodyPr lIns="0" tIns="0" rIns="0" bIns="0">
             <a:normAutofit/>
           </a:bodyPr>
-          <a:p>
-            <a:endParaRPr b="0" lang="en-US" sz="3200" spc="-1" strike="noStrike">
+          <a:lstStyle/>
+          <a:p>
+            <a:endParaRPr lang="en-US" sz="3200" b="0" strike="noStrike" spc="-1">
               <a:latin typeface="Arial"/>
             </a:endParaRPr>
           </a:p>
@@ -859,11 +1244,14 @@
       </p:sp>
     </p:spTree>
   </p:cSld>
+  <p:clrMapOvr>
+    <a:masterClrMapping/>
+  </p:clrMapOvr>
 </p:sldLayout>
 </file>
 
 <file path=ppt/slideLayouts/slideLayout11.xml><?xml version="1.0" encoding="utf-8"?>
-<p:sldLayout xmlns:a="http://schemas.openxmlformats.org/drawingml/2006/main" xmlns:p="http://schemas.openxmlformats.org/presentationml/2006/main" xmlns:r="http://schemas.openxmlformats.org/officeDocument/2006/relationships" xmlns:p14="http://schemas.microsoft.com/office/powerpoint/2010/main" xmlns:p15="http://schemas.microsoft.com/office/powerpoint/2012/main" xmlns:mc="http://schemas.openxmlformats.org/markup-compatibility/2006" type="fourObj" preserve="1">
+<p:sldLayout xmlns:a="http://schemas.openxmlformats.org/drawingml/2006/main" xmlns:r="http://schemas.openxmlformats.org/officeDocument/2006/relationships" xmlns:p="http://schemas.openxmlformats.org/presentationml/2006/main" type="fourObj" preserve="1">
   <p:cSld name="Title, 4 Content">
     <p:spTree>
       <p:nvGrpSpPr>
@@ -899,10 +1287,11 @@
           </a:prstGeom>
         </p:spPr>
         <p:txBody>
-          <a:bodyPr lIns="0" rIns="0" tIns="0" bIns="0" anchor="ctr"/>
+          <a:bodyPr lIns="0" tIns="0" rIns="0" bIns="0" anchor="ctr"/>
+          <a:lstStyle/>
           <a:p>
             <a:pPr algn="ctr"/>
-            <a:endParaRPr b="0" lang="en-US" sz="4400" spc="-1" strike="noStrike">
+            <a:endParaRPr lang="en-US" sz="4400" b="0" strike="noStrike" spc="-1">
               <a:latin typeface="Arial"/>
             </a:endParaRPr>
           </a:p>
@@ -928,11 +1317,12 @@
           </a:prstGeom>
         </p:spPr>
         <p:txBody>
-          <a:bodyPr lIns="0" rIns="0" tIns="0" bIns="0">
+          <a:bodyPr lIns="0" tIns="0" rIns="0" bIns="0">
             <a:normAutofit/>
           </a:bodyPr>
-          <a:p>
-            <a:endParaRPr b="0" lang="en-US" sz="3200" spc="-1" strike="noStrike">
+          <a:lstStyle/>
+          <a:p>
+            <a:endParaRPr lang="en-US" sz="3200" b="0" strike="noStrike" spc="-1">
               <a:latin typeface="Arial"/>
             </a:endParaRPr>
           </a:p>
@@ -958,11 +1348,12 @@
           </a:prstGeom>
         </p:spPr>
         <p:txBody>
-          <a:bodyPr lIns="0" rIns="0" tIns="0" bIns="0">
+          <a:bodyPr lIns="0" tIns="0" rIns="0" bIns="0">
             <a:normAutofit/>
           </a:bodyPr>
-          <a:p>
-            <a:endParaRPr b="0" lang="en-US" sz="3200" spc="-1" strike="noStrike">
+          <a:lstStyle/>
+          <a:p>
+            <a:endParaRPr lang="en-US" sz="3200" b="0" strike="noStrike" spc="-1">
               <a:latin typeface="Arial"/>
             </a:endParaRPr>
           </a:p>
@@ -988,11 +1379,12 @@
           </a:prstGeom>
         </p:spPr>
         <p:txBody>
-          <a:bodyPr lIns="0" rIns="0" tIns="0" bIns="0">
+          <a:bodyPr lIns="0" tIns="0" rIns="0" bIns="0">
             <a:normAutofit/>
           </a:bodyPr>
-          <a:p>
-            <a:endParaRPr b="0" lang="en-US" sz="3200" spc="-1" strike="noStrike">
+          <a:lstStyle/>
+          <a:p>
+            <a:endParaRPr lang="en-US" sz="3200" b="0" strike="noStrike" spc="-1">
               <a:latin typeface="Arial"/>
             </a:endParaRPr>
           </a:p>
@@ -1018,11 +1410,12 @@
           </a:prstGeom>
         </p:spPr>
         <p:txBody>
-          <a:bodyPr lIns="0" rIns="0" tIns="0" bIns="0">
+          <a:bodyPr lIns="0" tIns="0" rIns="0" bIns="0">
             <a:normAutofit/>
           </a:bodyPr>
-          <a:p>
-            <a:endParaRPr b="0" lang="en-US" sz="3200" spc="-1" strike="noStrike">
+          <a:lstStyle/>
+          <a:p>
+            <a:endParaRPr lang="en-US" sz="3200" b="0" strike="noStrike" spc="-1">
               <a:latin typeface="Arial"/>
             </a:endParaRPr>
           </a:p>
@@ -1030,11 +1423,14 @@
       </p:sp>
     </p:spTree>
   </p:cSld>
+  <p:clrMapOvr>
+    <a:masterClrMapping/>
+  </p:clrMapOvr>
 </p:sldLayout>
 </file>
 
 <file path=ppt/slideLayouts/slideLayout12.xml><?xml version="1.0" encoding="utf-8"?>
-<p:sldLayout xmlns:a="http://schemas.openxmlformats.org/drawingml/2006/main" xmlns:p="http://schemas.openxmlformats.org/presentationml/2006/main" xmlns:r="http://schemas.openxmlformats.org/officeDocument/2006/relationships" xmlns:p14="http://schemas.microsoft.com/office/powerpoint/2010/main" xmlns:p15="http://schemas.microsoft.com/office/powerpoint/2012/main" xmlns:mc="http://schemas.openxmlformats.org/markup-compatibility/2006" type="blank" preserve="1">
+<p:sldLayout xmlns:a="http://schemas.openxmlformats.org/drawingml/2006/main" xmlns:r="http://schemas.openxmlformats.org/officeDocument/2006/relationships" xmlns:p="http://schemas.openxmlformats.org/presentationml/2006/main" type="blank" preserve="1">
   <p:cSld name="Title, 6 Content">
     <p:spTree>
       <p:nvGrpSpPr>
@@ -1070,10 +1466,11 @@
           </a:prstGeom>
         </p:spPr>
         <p:txBody>
-          <a:bodyPr lIns="0" rIns="0" tIns="0" bIns="0" anchor="ctr"/>
+          <a:bodyPr lIns="0" tIns="0" rIns="0" bIns="0" anchor="ctr"/>
+          <a:lstStyle/>
           <a:p>
             <a:pPr algn="ctr"/>
-            <a:endParaRPr b="0" lang="en-US" sz="4400" spc="-1" strike="noStrike">
+            <a:endParaRPr lang="en-US" sz="4400" b="0" strike="noStrike" spc="-1">
               <a:latin typeface="Arial"/>
             </a:endParaRPr>
           </a:p>
@@ -1099,11 +1496,12 @@
           </a:prstGeom>
         </p:spPr>
         <p:txBody>
-          <a:bodyPr lIns="0" rIns="0" tIns="0" bIns="0">
+          <a:bodyPr lIns="0" tIns="0" rIns="0" bIns="0">
             <a:normAutofit/>
           </a:bodyPr>
-          <a:p>
-            <a:endParaRPr b="0" lang="en-US" sz="3200" spc="-1" strike="noStrike">
+          <a:lstStyle/>
+          <a:p>
+            <a:endParaRPr lang="en-US" sz="3200" b="0" strike="noStrike" spc="-1">
               <a:latin typeface="Arial"/>
             </a:endParaRPr>
           </a:p>
@@ -1129,11 +1527,12 @@
           </a:prstGeom>
         </p:spPr>
         <p:txBody>
-          <a:bodyPr lIns="0" rIns="0" tIns="0" bIns="0">
+          <a:bodyPr lIns="0" tIns="0" rIns="0" bIns="0">
             <a:normAutofit/>
           </a:bodyPr>
-          <a:p>
-            <a:endParaRPr b="0" lang="en-US" sz="3200" spc="-1" strike="noStrike">
+          <a:lstStyle/>
+          <a:p>
+            <a:endParaRPr lang="en-US" sz="3200" b="0" strike="noStrike" spc="-1">
               <a:latin typeface="Arial"/>
             </a:endParaRPr>
           </a:p>
@@ -1159,11 +1558,12 @@
           </a:prstGeom>
         </p:spPr>
         <p:txBody>
-          <a:bodyPr lIns="0" rIns="0" tIns="0" bIns="0">
+          <a:bodyPr lIns="0" tIns="0" rIns="0" bIns="0">
             <a:normAutofit/>
           </a:bodyPr>
-          <a:p>
-            <a:endParaRPr b="0" lang="en-US" sz="3200" spc="-1" strike="noStrike">
+          <a:lstStyle/>
+          <a:p>
+            <a:endParaRPr lang="en-US" sz="3200" b="0" strike="noStrike" spc="-1">
               <a:latin typeface="Arial"/>
             </a:endParaRPr>
           </a:p>
@@ -1189,11 +1589,12 @@
           </a:prstGeom>
         </p:spPr>
         <p:txBody>
-          <a:bodyPr lIns="0" rIns="0" tIns="0" bIns="0">
+          <a:bodyPr lIns="0" tIns="0" rIns="0" bIns="0">
             <a:normAutofit/>
           </a:bodyPr>
-          <a:p>
-            <a:endParaRPr b="0" lang="en-US" sz="3200" spc="-1" strike="noStrike">
+          <a:lstStyle/>
+          <a:p>
+            <a:endParaRPr lang="en-US" sz="3200" b="0" strike="noStrike" spc="-1">
               <a:latin typeface="Arial"/>
             </a:endParaRPr>
           </a:p>
@@ -1219,11 +1620,12 @@
           </a:prstGeom>
         </p:spPr>
         <p:txBody>
-          <a:bodyPr lIns="0" rIns="0" tIns="0" bIns="0">
+          <a:bodyPr lIns="0" tIns="0" rIns="0" bIns="0">
             <a:normAutofit/>
           </a:bodyPr>
-          <a:p>
-            <a:endParaRPr b="0" lang="en-US" sz="3200" spc="-1" strike="noStrike">
+          <a:lstStyle/>
+          <a:p>
+            <a:endParaRPr lang="en-US" sz="3200" b="0" strike="noStrike" spc="-1">
               <a:latin typeface="Arial"/>
             </a:endParaRPr>
           </a:p>
@@ -1249,11 +1651,12 @@
           </a:prstGeom>
         </p:spPr>
         <p:txBody>
-          <a:bodyPr lIns="0" rIns="0" tIns="0" bIns="0">
+          <a:bodyPr lIns="0" tIns="0" rIns="0" bIns="0">
             <a:normAutofit/>
           </a:bodyPr>
-          <a:p>
-            <a:endParaRPr b="0" lang="en-US" sz="3200" spc="-1" strike="noStrike">
+          <a:lstStyle/>
+          <a:p>
+            <a:endParaRPr lang="en-US" sz="3200" b="0" strike="noStrike" spc="-1">
               <a:latin typeface="Arial"/>
             </a:endParaRPr>
           </a:p>
@@ -1261,11 +1664,14 @@
       </p:sp>
     </p:spTree>
   </p:cSld>
+  <p:clrMapOvr>
+    <a:masterClrMapping/>
+  </p:clrMapOvr>
 </p:sldLayout>
 </file>
 
 <file path=ppt/slideLayouts/slideLayout13.xml><?xml version="1.0" encoding="utf-8"?>
-<p:sldLayout xmlns:a="http://schemas.openxmlformats.org/drawingml/2006/main" xmlns:p="http://schemas.openxmlformats.org/presentationml/2006/main" xmlns:r="http://schemas.openxmlformats.org/officeDocument/2006/relationships" xmlns:p14="http://schemas.microsoft.com/office/powerpoint/2010/main" xmlns:p15="http://schemas.microsoft.com/office/powerpoint/2012/main" xmlns:mc="http://schemas.openxmlformats.org/markup-compatibility/2006" type="blank" preserve="1">
+<p:sldLayout xmlns:a="http://schemas.openxmlformats.org/drawingml/2006/main" xmlns:r="http://schemas.openxmlformats.org/officeDocument/2006/relationships" xmlns:p="http://schemas.openxmlformats.org/presentationml/2006/main" type="blank" preserve="1">
   <p:cSld name="Blank Slide">
     <p:spTree>
       <p:nvGrpSpPr>
@@ -1283,11 +1689,14 @@
       </p:grpSpPr>
     </p:spTree>
   </p:cSld>
+  <p:clrMapOvr>
+    <a:masterClrMapping/>
+  </p:clrMapOvr>
 </p:sldLayout>
 </file>
 
 <file path=ppt/slideLayouts/slideLayout14.xml><?xml version="1.0" encoding="utf-8"?>
-<p:sldLayout xmlns:a="http://schemas.openxmlformats.org/drawingml/2006/main" xmlns:p="http://schemas.openxmlformats.org/presentationml/2006/main" xmlns:r="http://schemas.openxmlformats.org/officeDocument/2006/relationships" xmlns:p14="http://schemas.microsoft.com/office/powerpoint/2010/main" xmlns:p15="http://schemas.microsoft.com/office/powerpoint/2012/main" xmlns:mc="http://schemas.openxmlformats.org/markup-compatibility/2006" type="tx" preserve="1">
+<p:sldLayout xmlns:a="http://schemas.openxmlformats.org/drawingml/2006/main" xmlns:r="http://schemas.openxmlformats.org/officeDocument/2006/relationships" xmlns:p="http://schemas.openxmlformats.org/presentationml/2006/main" type="tx" preserve="1">
   <p:cSld name="Title Slide">
     <p:spTree>
       <p:nvGrpSpPr>
@@ -1323,10 +1732,11 @@
           </a:prstGeom>
         </p:spPr>
         <p:txBody>
-          <a:bodyPr lIns="0" rIns="0" tIns="0" bIns="0" anchor="ctr"/>
+          <a:bodyPr lIns="0" tIns="0" rIns="0" bIns="0" anchor="ctr"/>
+          <a:lstStyle/>
           <a:p>
             <a:pPr algn="ctr"/>
-            <a:endParaRPr b="0" lang="en-US" sz="4400" spc="-1" strike="noStrike">
+            <a:endParaRPr lang="en-US" sz="4400" b="0" strike="noStrike" spc="-1">
               <a:latin typeface="Arial"/>
             </a:endParaRPr>
           </a:p>
@@ -1352,10 +1762,11 @@
           </a:prstGeom>
         </p:spPr>
         <p:txBody>
-          <a:bodyPr lIns="0" rIns="0" tIns="0" bIns="0" anchor="ctr"/>
+          <a:bodyPr lIns="0" tIns="0" rIns="0" bIns="0" anchor="ctr"/>
+          <a:lstStyle/>
           <a:p>
             <a:pPr algn="ctr"/>
-            <a:endParaRPr b="0" lang="en-US" sz="3200" spc="-1" strike="noStrike">
+            <a:endParaRPr lang="en-US" sz="3200" b="0" strike="noStrike" spc="-1">
               <a:latin typeface="Arial"/>
             </a:endParaRPr>
           </a:p>
@@ -1363,11 +1774,14 @@
       </p:sp>
     </p:spTree>
   </p:cSld>
+  <p:clrMapOvr>
+    <a:masterClrMapping/>
+  </p:clrMapOvr>
 </p:sldLayout>
 </file>
 
 <file path=ppt/slideLayouts/slideLayout15.xml><?xml version="1.0" encoding="utf-8"?>
-<p:sldLayout xmlns:a="http://schemas.openxmlformats.org/drawingml/2006/main" xmlns:p="http://schemas.openxmlformats.org/presentationml/2006/main" xmlns:r="http://schemas.openxmlformats.org/officeDocument/2006/relationships" xmlns:p14="http://schemas.microsoft.com/office/powerpoint/2010/main" xmlns:p15="http://schemas.microsoft.com/office/powerpoint/2012/main" xmlns:mc="http://schemas.openxmlformats.org/markup-compatibility/2006" type="obj" preserve="1">
+<p:sldLayout xmlns:a="http://schemas.openxmlformats.org/drawingml/2006/main" xmlns:r="http://schemas.openxmlformats.org/officeDocument/2006/relationships" xmlns:p="http://schemas.openxmlformats.org/presentationml/2006/main" type="obj" preserve="1">
   <p:cSld name="Title, Content">
     <p:spTree>
       <p:nvGrpSpPr>
@@ -1403,10 +1817,11 @@
           </a:prstGeom>
         </p:spPr>
         <p:txBody>
-          <a:bodyPr lIns="0" rIns="0" tIns="0" bIns="0" anchor="ctr"/>
+          <a:bodyPr lIns="0" tIns="0" rIns="0" bIns="0" anchor="ctr"/>
+          <a:lstStyle/>
           <a:p>
             <a:pPr algn="ctr"/>
-            <a:endParaRPr b="0" lang="en-US" sz="4400" spc="-1" strike="noStrike">
+            <a:endParaRPr lang="en-US" sz="4400" b="0" strike="noStrike" spc="-1">
               <a:latin typeface="Arial"/>
             </a:endParaRPr>
           </a:p>
@@ -1432,11 +1847,12 @@
           </a:prstGeom>
         </p:spPr>
         <p:txBody>
-          <a:bodyPr lIns="0" rIns="0" tIns="0" bIns="0">
+          <a:bodyPr lIns="0" tIns="0" rIns="0" bIns="0">
             <a:normAutofit/>
           </a:bodyPr>
-          <a:p>
-            <a:endParaRPr b="0" lang="en-US" sz="3200" spc="-1" strike="noStrike">
+          <a:lstStyle/>
+          <a:p>
+            <a:endParaRPr lang="en-US" sz="3200" b="0" strike="noStrike" spc="-1">
               <a:latin typeface="Arial"/>
             </a:endParaRPr>
           </a:p>
@@ -1444,11 +1860,14 @@
       </p:sp>
     </p:spTree>
   </p:cSld>
+  <p:clrMapOvr>
+    <a:masterClrMapping/>
+  </p:clrMapOvr>
 </p:sldLayout>
 </file>
 
 <file path=ppt/slideLayouts/slideLayout16.xml><?xml version="1.0" encoding="utf-8"?>
-<p:sldLayout xmlns:a="http://schemas.openxmlformats.org/drawingml/2006/main" xmlns:p="http://schemas.openxmlformats.org/presentationml/2006/main" xmlns:r="http://schemas.openxmlformats.org/officeDocument/2006/relationships" xmlns:p14="http://schemas.microsoft.com/office/powerpoint/2010/main" xmlns:p15="http://schemas.microsoft.com/office/powerpoint/2012/main" xmlns:mc="http://schemas.openxmlformats.org/markup-compatibility/2006" type="twoObj" preserve="1">
+<p:sldLayout xmlns:a="http://schemas.openxmlformats.org/drawingml/2006/main" xmlns:r="http://schemas.openxmlformats.org/officeDocument/2006/relationships" xmlns:p="http://schemas.openxmlformats.org/presentationml/2006/main" type="twoObj" preserve="1">
   <p:cSld name="Title, 2 Content">
     <p:spTree>
       <p:nvGrpSpPr>
@@ -1484,10 +1903,11 @@
           </a:prstGeom>
         </p:spPr>
         <p:txBody>
-          <a:bodyPr lIns="0" rIns="0" tIns="0" bIns="0" anchor="ctr"/>
+          <a:bodyPr lIns="0" tIns="0" rIns="0" bIns="0" anchor="ctr"/>
+          <a:lstStyle/>
           <a:p>
             <a:pPr algn="ctr"/>
-            <a:endParaRPr b="0" lang="en-US" sz="4400" spc="-1" strike="noStrike">
+            <a:endParaRPr lang="en-US" sz="4400" b="0" strike="noStrike" spc="-1">
               <a:latin typeface="Arial"/>
             </a:endParaRPr>
           </a:p>
@@ -1513,11 +1933,12 @@
           </a:prstGeom>
         </p:spPr>
         <p:txBody>
-          <a:bodyPr lIns="0" rIns="0" tIns="0" bIns="0">
+          <a:bodyPr lIns="0" tIns="0" rIns="0" bIns="0">
             <a:normAutofit/>
           </a:bodyPr>
-          <a:p>
-            <a:endParaRPr b="0" lang="en-US" sz="3200" spc="-1" strike="noStrike">
+          <a:lstStyle/>
+          <a:p>
+            <a:endParaRPr lang="en-US" sz="3200" b="0" strike="noStrike" spc="-1">
               <a:latin typeface="Arial"/>
             </a:endParaRPr>
           </a:p>
@@ -1543,11 +1964,12 @@
           </a:prstGeom>
         </p:spPr>
         <p:txBody>
-          <a:bodyPr lIns="0" rIns="0" tIns="0" bIns="0">
+          <a:bodyPr lIns="0" tIns="0" rIns="0" bIns="0">
             <a:normAutofit/>
           </a:bodyPr>
-          <a:p>
-            <a:endParaRPr b="0" lang="en-US" sz="3200" spc="-1" strike="noStrike">
+          <a:lstStyle/>
+          <a:p>
+            <a:endParaRPr lang="en-US" sz="3200" b="0" strike="noStrike" spc="-1">
               <a:latin typeface="Arial"/>
             </a:endParaRPr>
           </a:p>
@@ -1555,11 +1977,14 @@
       </p:sp>
     </p:spTree>
   </p:cSld>
+  <p:clrMapOvr>
+    <a:masterClrMapping/>
+  </p:clrMapOvr>
 </p:sldLayout>
 </file>
 
 <file path=ppt/slideLayouts/slideLayout17.xml><?xml version="1.0" encoding="utf-8"?>
-<p:sldLayout xmlns:a="http://schemas.openxmlformats.org/drawingml/2006/main" xmlns:p="http://schemas.openxmlformats.org/presentationml/2006/main" xmlns:r="http://schemas.openxmlformats.org/officeDocument/2006/relationships" xmlns:p14="http://schemas.microsoft.com/office/powerpoint/2010/main" xmlns:p15="http://schemas.microsoft.com/office/powerpoint/2012/main" xmlns:mc="http://schemas.openxmlformats.org/markup-compatibility/2006" type="titleOnly" preserve="1">
+<p:sldLayout xmlns:a="http://schemas.openxmlformats.org/drawingml/2006/main" xmlns:r="http://schemas.openxmlformats.org/officeDocument/2006/relationships" xmlns:p="http://schemas.openxmlformats.org/presentationml/2006/main" type="titleOnly" preserve="1">
   <p:cSld name="Title Only">
     <p:spTree>
       <p:nvGrpSpPr>
@@ -1595,10 +2020,11 @@
           </a:prstGeom>
         </p:spPr>
         <p:txBody>
-          <a:bodyPr lIns="0" rIns="0" tIns="0" bIns="0" anchor="ctr"/>
+          <a:bodyPr lIns="0" tIns="0" rIns="0" bIns="0" anchor="ctr"/>
+          <a:lstStyle/>
           <a:p>
             <a:pPr algn="ctr"/>
-            <a:endParaRPr b="0" lang="en-US" sz="4400" spc="-1" strike="noStrike">
+            <a:endParaRPr lang="en-US" sz="4400" b="0" strike="noStrike" spc="-1">
               <a:latin typeface="Arial"/>
             </a:endParaRPr>
           </a:p>
@@ -1606,11 +2032,14 @@
       </p:sp>
     </p:spTree>
   </p:cSld>
+  <p:clrMapOvr>
+    <a:masterClrMapping/>
+  </p:clrMapOvr>
 </p:sldLayout>
 </file>
 
 <file path=ppt/slideLayouts/slideLayout18.xml><?xml version="1.0" encoding="utf-8"?>
-<p:sldLayout xmlns:a="http://schemas.openxmlformats.org/drawingml/2006/main" xmlns:p="http://schemas.openxmlformats.org/presentationml/2006/main" xmlns:r="http://schemas.openxmlformats.org/officeDocument/2006/relationships" xmlns:p14="http://schemas.microsoft.com/office/powerpoint/2010/main" xmlns:p15="http://schemas.microsoft.com/office/powerpoint/2012/main" xmlns:mc="http://schemas.openxmlformats.org/markup-compatibility/2006" type="objOnly" preserve="1">
+<p:sldLayout xmlns:a="http://schemas.openxmlformats.org/drawingml/2006/main" xmlns:r="http://schemas.openxmlformats.org/officeDocument/2006/relationships" xmlns:p="http://schemas.openxmlformats.org/presentationml/2006/main" type="objOnly" preserve="1">
   <p:cSld name="Centered Text">
     <p:spTree>
       <p:nvGrpSpPr>
@@ -1646,10 +2075,11 @@
           </a:prstGeom>
         </p:spPr>
         <p:txBody>
-          <a:bodyPr lIns="0" rIns="0" tIns="0" bIns="0" anchor="ctr"/>
+          <a:bodyPr lIns="0" tIns="0" rIns="0" bIns="0" anchor="ctr"/>
+          <a:lstStyle/>
           <a:p>
             <a:pPr algn="ctr"/>
-            <a:endParaRPr b="0" lang="en-US" sz="3200" spc="-1" strike="noStrike">
+            <a:endParaRPr lang="en-US" sz="3200" b="0" strike="noStrike" spc="-1">
               <a:latin typeface="Arial"/>
             </a:endParaRPr>
           </a:p>
@@ -1657,11 +2087,14 @@
       </p:sp>
     </p:spTree>
   </p:cSld>
+  <p:clrMapOvr>
+    <a:masterClrMapping/>
+  </p:clrMapOvr>
 </p:sldLayout>
 </file>
 
 <file path=ppt/slideLayouts/slideLayout19.xml><?xml version="1.0" encoding="utf-8"?>
-<p:sldLayout xmlns:a="http://schemas.openxmlformats.org/drawingml/2006/main" xmlns:p="http://schemas.openxmlformats.org/presentationml/2006/main" xmlns:r="http://schemas.openxmlformats.org/officeDocument/2006/relationships" xmlns:p14="http://schemas.microsoft.com/office/powerpoint/2010/main" xmlns:p15="http://schemas.microsoft.com/office/powerpoint/2012/main" xmlns:mc="http://schemas.openxmlformats.org/markup-compatibility/2006" type="twoObjAndObj" preserve="1">
+<p:sldLayout xmlns:a="http://schemas.openxmlformats.org/drawingml/2006/main" xmlns:r="http://schemas.openxmlformats.org/officeDocument/2006/relationships" xmlns:p="http://schemas.openxmlformats.org/presentationml/2006/main" type="twoObjAndObj" preserve="1">
   <p:cSld name="Title, 2 Content and Content">
     <p:spTree>
       <p:nvGrpSpPr>
@@ -1697,10 +2130,11 @@
           </a:prstGeom>
         </p:spPr>
         <p:txBody>
-          <a:bodyPr lIns="0" rIns="0" tIns="0" bIns="0" anchor="ctr"/>
+          <a:bodyPr lIns="0" tIns="0" rIns="0" bIns="0" anchor="ctr"/>
+          <a:lstStyle/>
           <a:p>
             <a:pPr algn="ctr"/>
-            <a:endParaRPr b="0" lang="en-US" sz="4400" spc="-1" strike="noStrike">
+            <a:endParaRPr lang="en-US" sz="4400" b="0" strike="noStrike" spc="-1">
               <a:latin typeface="Arial"/>
             </a:endParaRPr>
           </a:p>
@@ -1726,11 +2160,12 @@
           </a:prstGeom>
         </p:spPr>
         <p:txBody>
-          <a:bodyPr lIns="0" rIns="0" tIns="0" bIns="0">
+          <a:bodyPr lIns="0" tIns="0" rIns="0" bIns="0">
             <a:normAutofit/>
           </a:bodyPr>
-          <a:p>
-            <a:endParaRPr b="0" lang="en-US" sz="3200" spc="-1" strike="noStrike">
+          <a:lstStyle/>
+          <a:p>
+            <a:endParaRPr lang="en-US" sz="3200" b="0" strike="noStrike" spc="-1">
               <a:latin typeface="Arial"/>
             </a:endParaRPr>
           </a:p>
@@ -1756,11 +2191,12 @@
           </a:prstGeom>
         </p:spPr>
         <p:txBody>
-          <a:bodyPr lIns="0" rIns="0" tIns="0" bIns="0">
+          <a:bodyPr lIns="0" tIns="0" rIns="0" bIns="0">
             <a:normAutofit/>
           </a:bodyPr>
-          <a:p>
-            <a:endParaRPr b="0" lang="en-US" sz="3200" spc="-1" strike="noStrike">
+          <a:lstStyle/>
+          <a:p>
+            <a:endParaRPr lang="en-US" sz="3200" b="0" strike="noStrike" spc="-1">
               <a:latin typeface="Arial"/>
             </a:endParaRPr>
           </a:p>
@@ -1786,11 +2222,12 @@
           </a:prstGeom>
         </p:spPr>
         <p:txBody>
-          <a:bodyPr lIns="0" rIns="0" tIns="0" bIns="0">
+          <a:bodyPr lIns="0" tIns="0" rIns="0" bIns="0">
             <a:normAutofit/>
           </a:bodyPr>
-          <a:p>
-            <a:endParaRPr b="0" lang="en-US" sz="3200" spc="-1" strike="noStrike">
+          <a:lstStyle/>
+          <a:p>
+            <a:endParaRPr lang="en-US" sz="3200" b="0" strike="noStrike" spc="-1">
               <a:latin typeface="Arial"/>
             </a:endParaRPr>
           </a:p>
@@ -1798,11 +2235,14 @@
       </p:sp>
     </p:spTree>
   </p:cSld>
+  <p:clrMapOvr>
+    <a:masterClrMapping/>
+  </p:clrMapOvr>
 </p:sldLayout>
 </file>
 
 <file path=ppt/slideLayouts/slideLayout2.xml><?xml version="1.0" encoding="utf-8"?>
-<p:sldLayout xmlns:a="http://schemas.openxmlformats.org/drawingml/2006/main" xmlns:p="http://schemas.openxmlformats.org/presentationml/2006/main" xmlns:r="http://schemas.openxmlformats.org/officeDocument/2006/relationships" xmlns:p14="http://schemas.microsoft.com/office/powerpoint/2010/main" xmlns:p15="http://schemas.microsoft.com/office/powerpoint/2012/main" xmlns:mc="http://schemas.openxmlformats.org/markup-compatibility/2006" type="tx" preserve="1">
+<p:sldLayout xmlns:a="http://schemas.openxmlformats.org/drawingml/2006/main" xmlns:r="http://schemas.openxmlformats.org/officeDocument/2006/relationships" xmlns:p="http://schemas.openxmlformats.org/presentationml/2006/main" type="tx" preserve="1">
   <p:cSld name="Title Slide">
     <p:spTree>
       <p:nvGrpSpPr>
@@ -1838,10 +2278,11 @@
           </a:prstGeom>
         </p:spPr>
         <p:txBody>
-          <a:bodyPr lIns="0" rIns="0" tIns="0" bIns="0" anchor="ctr"/>
+          <a:bodyPr lIns="0" tIns="0" rIns="0" bIns="0" anchor="ctr"/>
+          <a:lstStyle/>
           <a:p>
             <a:pPr algn="ctr"/>
-            <a:endParaRPr b="0" lang="en-US" sz="4400" spc="-1" strike="noStrike">
+            <a:endParaRPr lang="en-US" sz="4400" b="0" strike="noStrike" spc="-1">
               <a:latin typeface="Arial"/>
             </a:endParaRPr>
           </a:p>
@@ -1867,10 +2308,11 @@
           </a:prstGeom>
         </p:spPr>
         <p:txBody>
-          <a:bodyPr lIns="0" rIns="0" tIns="0" bIns="0" anchor="ctr"/>
+          <a:bodyPr lIns="0" tIns="0" rIns="0" bIns="0" anchor="ctr"/>
+          <a:lstStyle/>
           <a:p>
             <a:pPr algn="ctr"/>
-            <a:endParaRPr b="0" lang="en-US" sz="3200" spc="-1" strike="noStrike">
+            <a:endParaRPr lang="en-US" sz="3200" b="0" strike="noStrike" spc="-1">
               <a:latin typeface="Arial"/>
             </a:endParaRPr>
           </a:p>
@@ -1878,11 +2320,14 @@
       </p:sp>
     </p:spTree>
   </p:cSld>
+  <p:clrMapOvr>
+    <a:masterClrMapping/>
+  </p:clrMapOvr>
 </p:sldLayout>
 </file>
 
 <file path=ppt/slideLayouts/slideLayout20.xml><?xml version="1.0" encoding="utf-8"?>
-<p:sldLayout xmlns:a="http://schemas.openxmlformats.org/drawingml/2006/main" xmlns:p="http://schemas.openxmlformats.org/presentationml/2006/main" xmlns:r="http://schemas.openxmlformats.org/officeDocument/2006/relationships" xmlns:p14="http://schemas.microsoft.com/office/powerpoint/2010/main" xmlns:p15="http://schemas.microsoft.com/office/powerpoint/2012/main" xmlns:mc="http://schemas.openxmlformats.org/markup-compatibility/2006" type="objAndTwoObj" preserve="1">
+<p:sldLayout xmlns:a="http://schemas.openxmlformats.org/drawingml/2006/main" xmlns:r="http://schemas.openxmlformats.org/officeDocument/2006/relationships" xmlns:p="http://schemas.openxmlformats.org/presentationml/2006/main" type="objAndTwoObj" preserve="1">
   <p:cSld name="Title Content and 2 Content">
     <p:spTree>
       <p:nvGrpSpPr>
@@ -1918,10 +2363,11 @@
           </a:prstGeom>
         </p:spPr>
         <p:txBody>
-          <a:bodyPr lIns="0" rIns="0" tIns="0" bIns="0" anchor="ctr"/>
+          <a:bodyPr lIns="0" tIns="0" rIns="0" bIns="0" anchor="ctr"/>
+          <a:lstStyle/>
           <a:p>
             <a:pPr algn="ctr"/>
-            <a:endParaRPr b="0" lang="en-US" sz="4400" spc="-1" strike="noStrike">
+            <a:endParaRPr lang="en-US" sz="4400" b="0" strike="noStrike" spc="-1">
               <a:latin typeface="Arial"/>
             </a:endParaRPr>
           </a:p>
@@ -1947,11 +2393,12 @@
           </a:prstGeom>
         </p:spPr>
         <p:txBody>
-          <a:bodyPr lIns="0" rIns="0" tIns="0" bIns="0">
+          <a:bodyPr lIns="0" tIns="0" rIns="0" bIns="0">
             <a:normAutofit/>
           </a:bodyPr>
-          <a:p>
-            <a:endParaRPr b="0" lang="en-US" sz="3200" spc="-1" strike="noStrike">
+          <a:lstStyle/>
+          <a:p>
+            <a:endParaRPr lang="en-US" sz="3200" b="0" strike="noStrike" spc="-1">
               <a:latin typeface="Arial"/>
             </a:endParaRPr>
           </a:p>
@@ -1977,11 +2424,12 @@
           </a:prstGeom>
         </p:spPr>
         <p:txBody>
-          <a:bodyPr lIns="0" rIns="0" tIns="0" bIns="0">
+          <a:bodyPr lIns="0" tIns="0" rIns="0" bIns="0">
             <a:normAutofit/>
           </a:bodyPr>
-          <a:p>
-            <a:endParaRPr b="0" lang="en-US" sz="3200" spc="-1" strike="noStrike">
+          <a:lstStyle/>
+          <a:p>
+            <a:endParaRPr lang="en-US" sz="3200" b="0" strike="noStrike" spc="-1">
               <a:latin typeface="Arial"/>
             </a:endParaRPr>
           </a:p>
@@ -2007,11 +2455,12 @@
           </a:prstGeom>
         </p:spPr>
         <p:txBody>
-          <a:bodyPr lIns="0" rIns="0" tIns="0" bIns="0">
+          <a:bodyPr lIns="0" tIns="0" rIns="0" bIns="0">
             <a:normAutofit/>
           </a:bodyPr>
-          <a:p>
-            <a:endParaRPr b="0" lang="en-US" sz="3200" spc="-1" strike="noStrike">
+          <a:lstStyle/>
+          <a:p>
+            <a:endParaRPr lang="en-US" sz="3200" b="0" strike="noStrike" spc="-1">
               <a:latin typeface="Arial"/>
             </a:endParaRPr>
           </a:p>
@@ -2019,11 +2468,14 @@
       </p:sp>
     </p:spTree>
   </p:cSld>
+  <p:clrMapOvr>
+    <a:masterClrMapping/>
+  </p:clrMapOvr>
 </p:sldLayout>
 </file>
 
 <file path=ppt/slideLayouts/slideLayout21.xml><?xml version="1.0" encoding="utf-8"?>
-<p:sldLayout xmlns:a="http://schemas.openxmlformats.org/drawingml/2006/main" xmlns:p="http://schemas.openxmlformats.org/presentationml/2006/main" xmlns:r="http://schemas.openxmlformats.org/officeDocument/2006/relationships" xmlns:p14="http://schemas.microsoft.com/office/powerpoint/2010/main" xmlns:p15="http://schemas.microsoft.com/office/powerpoint/2012/main" xmlns:mc="http://schemas.openxmlformats.org/markup-compatibility/2006" type="twoObjOverTx" preserve="1">
+<p:sldLayout xmlns:a="http://schemas.openxmlformats.org/drawingml/2006/main" xmlns:r="http://schemas.openxmlformats.org/officeDocument/2006/relationships" xmlns:p="http://schemas.openxmlformats.org/presentationml/2006/main" type="twoObjOverTx" preserve="1">
   <p:cSld name="Title, 2 Content over Content">
     <p:spTree>
       <p:nvGrpSpPr>
@@ -2059,10 +2511,11 @@
           </a:prstGeom>
         </p:spPr>
         <p:txBody>
-          <a:bodyPr lIns="0" rIns="0" tIns="0" bIns="0" anchor="ctr"/>
+          <a:bodyPr lIns="0" tIns="0" rIns="0" bIns="0" anchor="ctr"/>
+          <a:lstStyle/>
           <a:p>
             <a:pPr algn="ctr"/>
-            <a:endParaRPr b="0" lang="en-US" sz="4400" spc="-1" strike="noStrike">
+            <a:endParaRPr lang="en-US" sz="4400" b="0" strike="noStrike" spc="-1">
               <a:latin typeface="Arial"/>
             </a:endParaRPr>
           </a:p>
@@ -2088,11 +2541,12 @@
           </a:prstGeom>
         </p:spPr>
         <p:txBody>
-          <a:bodyPr lIns="0" rIns="0" tIns="0" bIns="0">
+          <a:bodyPr lIns="0" tIns="0" rIns="0" bIns="0">
             <a:normAutofit/>
           </a:bodyPr>
-          <a:p>
-            <a:endParaRPr b="0" lang="en-US" sz="3200" spc="-1" strike="noStrike">
+          <a:lstStyle/>
+          <a:p>
+            <a:endParaRPr lang="en-US" sz="3200" b="0" strike="noStrike" spc="-1">
               <a:latin typeface="Arial"/>
             </a:endParaRPr>
           </a:p>
@@ -2118,11 +2572,12 @@
           </a:prstGeom>
         </p:spPr>
         <p:txBody>
-          <a:bodyPr lIns="0" rIns="0" tIns="0" bIns="0">
+          <a:bodyPr lIns="0" tIns="0" rIns="0" bIns="0">
             <a:normAutofit/>
           </a:bodyPr>
-          <a:p>
-            <a:endParaRPr b="0" lang="en-US" sz="3200" spc="-1" strike="noStrike">
+          <a:lstStyle/>
+          <a:p>
+            <a:endParaRPr lang="en-US" sz="3200" b="0" strike="noStrike" spc="-1">
               <a:latin typeface="Arial"/>
             </a:endParaRPr>
           </a:p>
@@ -2148,11 +2603,12 @@
           </a:prstGeom>
         </p:spPr>
         <p:txBody>
-          <a:bodyPr lIns="0" rIns="0" tIns="0" bIns="0">
+          <a:bodyPr lIns="0" tIns="0" rIns="0" bIns="0">
             <a:normAutofit/>
           </a:bodyPr>
-          <a:p>
-            <a:endParaRPr b="0" lang="en-US" sz="3200" spc="-1" strike="noStrike">
+          <a:lstStyle/>
+          <a:p>
+            <a:endParaRPr lang="en-US" sz="3200" b="0" strike="noStrike" spc="-1">
               <a:latin typeface="Arial"/>
             </a:endParaRPr>
           </a:p>
@@ -2160,11 +2616,14 @@
       </p:sp>
     </p:spTree>
   </p:cSld>
+  <p:clrMapOvr>
+    <a:masterClrMapping/>
+  </p:clrMapOvr>
 </p:sldLayout>
 </file>
 
 <file path=ppt/slideLayouts/slideLayout22.xml><?xml version="1.0" encoding="utf-8"?>
-<p:sldLayout xmlns:a="http://schemas.openxmlformats.org/drawingml/2006/main" xmlns:p="http://schemas.openxmlformats.org/presentationml/2006/main" xmlns:r="http://schemas.openxmlformats.org/officeDocument/2006/relationships" xmlns:p14="http://schemas.microsoft.com/office/powerpoint/2010/main" xmlns:p15="http://schemas.microsoft.com/office/powerpoint/2012/main" xmlns:mc="http://schemas.openxmlformats.org/markup-compatibility/2006" type="objOverTx" preserve="1">
+<p:sldLayout xmlns:a="http://schemas.openxmlformats.org/drawingml/2006/main" xmlns:r="http://schemas.openxmlformats.org/officeDocument/2006/relationships" xmlns:p="http://schemas.openxmlformats.org/presentationml/2006/main" type="objOverTx" preserve="1">
   <p:cSld name="Title, Content over Content">
     <p:spTree>
       <p:nvGrpSpPr>
@@ -2200,10 +2659,11 @@
           </a:prstGeom>
         </p:spPr>
         <p:txBody>
-          <a:bodyPr lIns="0" rIns="0" tIns="0" bIns="0" anchor="ctr"/>
+          <a:bodyPr lIns="0" tIns="0" rIns="0" bIns="0" anchor="ctr"/>
+          <a:lstStyle/>
           <a:p>
             <a:pPr algn="ctr"/>
-            <a:endParaRPr b="0" lang="en-US" sz="4400" spc="-1" strike="noStrike">
+            <a:endParaRPr lang="en-US" sz="4400" b="0" strike="noStrike" spc="-1">
               <a:latin typeface="Arial"/>
             </a:endParaRPr>
           </a:p>
@@ -2229,11 +2689,12 @@
           </a:prstGeom>
         </p:spPr>
         <p:txBody>
-          <a:bodyPr lIns="0" rIns="0" tIns="0" bIns="0">
+          <a:bodyPr lIns="0" tIns="0" rIns="0" bIns="0">
             <a:normAutofit/>
           </a:bodyPr>
-          <a:p>
-            <a:endParaRPr b="0" lang="en-US" sz="3200" spc="-1" strike="noStrike">
+          <a:lstStyle/>
+          <a:p>
+            <a:endParaRPr lang="en-US" sz="3200" b="0" strike="noStrike" spc="-1">
               <a:latin typeface="Arial"/>
             </a:endParaRPr>
           </a:p>
@@ -2259,11 +2720,12 @@
           </a:prstGeom>
         </p:spPr>
         <p:txBody>
-          <a:bodyPr lIns="0" rIns="0" tIns="0" bIns="0">
+          <a:bodyPr lIns="0" tIns="0" rIns="0" bIns="0">
             <a:normAutofit/>
           </a:bodyPr>
-          <a:p>
-            <a:endParaRPr b="0" lang="en-US" sz="3200" spc="-1" strike="noStrike">
+          <a:lstStyle/>
+          <a:p>
+            <a:endParaRPr lang="en-US" sz="3200" b="0" strike="noStrike" spc="-1">
               <a:latin typeface="Arial"/>
             </a:endParaRPr>
           </a:p>
@@ -2271,11 +2733,14 @@
       </p:sp>
     </p:spTree>
   </p:cSld>
+  <p:clrMapOvr>
+    <a:masterClrMapping/>
+  </p:clrMapOvr>
 </p:sldLayout>
 </file>
 
 <file path=ppt/slideLayouts/slideLayout23.xml><?xml version="1.0" encoding="utf-8"?>
-<p:sldLayout xmlns:a="http://schemas.openxmlformats.org/drawingml/2006/main" xmlns:p="http://schemas.openxmlformats.org/presentationml/2006/main" xmlns:r="http://schemas.openxmlformats.org/officeDocument/2006/relationships" xmlns:p14="http://schemas.microsoft.com/office/powerpoint/2010/main" xmlns:p15="http://schemas.microsoft.com/office/powerpoint/2012/main" xmlns:mc="http://schemas.openxmlformats.org/markup-compatibility/2006" type="fourObj" preserve="1">
+<p:sldLayout xmlns:a="http://schemas.openxmlformats.org/drawingml/2006/main" xmlns:r="http://schemas.openxmlformats.org/officeDocument/2006/relationships" xmlns:p="http://schemas.openxmlformats.org/presentationml/2006/main" type="fourObj" preserve="1">
   <p:cSld name="Title, 4 Content">
     <p:spTree>
       <p:nvGrpSpPr>
@@ -2311,10 +2776,11 @@
           </a:prstGeom>
         </p:spPr>
         <p:txBody>
-          <a:bodyPr lIns="0" rIns="0" tIns="0" bIns="0" anchor="ctr"/>
+          <a:bodyPr lIns="0" tIns="0" rIns="0" bIns="0" anchor="ctr"/>
+          <a:lstStyle/>
           <a:p>
             <a:pPr algn="ctr"/>
-            <a:endParaRPr b="0" lang="en-US" sz="4400" spc="-1" strike="noStrike">
+            <a:endParaRPr lang="en-US" sz="4400" b="0" strike="noStrike" spc="-1">
               <a:latin typeface="Arial"/>
             </a:endParaRPr>
           </a:p>
@@ -2340,11 +2806,12 @@
           </a:prstGeom>
         </p:spPr>
         <p:txBody>
-          <a:bodyPr lIns="0" rIns="0" tIns="0" bIns="0">
+          <a:bodyPr lIns="0" tIns="0" rIns="0" bIns="0">
             <a:normAutofit/>
           </a:bodyPr>
-          <a:p>
-            <a:endParaRPr b="0" lang="en-US" sz="3200" spc="-1" strike="noStrike">
+          <a:lstStyle/>
+          <a:p>
+            <a:endParaRPr lang="en-US" sz="3200" b="0" strike="noStrike" spc="-1">
               <a:latin typeface="Arial"/>
             </a:endParaRPr>
           </a:p>
@@ -2370,11 +2837,12 @@
           </a:prstGeom>
         </p:spPr>
         <p:txBody>
-          <a:bodyPr lIns="0" rIns="0" tIns="0" bIns="0">
+          <a:bodyPr lIns="0" tIns="0" rIns="0" bIns="0">
             <a:normAutofit/>
           </a:bodyPr>
-          <a:p>
-            <a:endParaRPr b="0" lang="en-US" sz="3200" spc="-1" strike="noStrike">
+          <a:lstStyle/>
+          <a:p>
+            <a:endParaRPr lang="en-US" sz="3200" b="0" strike="noStrike" spc="-1">
               <a:latin typeface="Arial"/>
             </a:endParaRPr>
           </a:p>
@@ -2400,11 +2868,12 @@
           </a:prstGeom>
         </p:spPr>
         <p:txBody>
-          <a:bodyPr lIns="0" rIns="0" tIns="0" bIns="0">
+          <a:bodyPr lIns="0" tIns="0" rIns="0" bIns="0">
             <a:normAutofit/>
           </a:bodyPr>
-          <a:p>
-            <a:endParaRPr b="0" lang="en-US" sz="3200" spc="-1" strike="noStrike">
+          <a:lstStyle/>
+          <a:p>
+            <a:endParaRPr lang="en-US" sz="3200" b="0" strike="noStrike" spc="-1">
               <a:latin typeface="Arial"/>
             </a:endParaRPr>
           </a:p>
@@ -2430,11 +2899,12 @@
           </a:prstGeom>
         </p:spPr>
         <p:txBody>
-          <a:bodyPr lIns="0" rIns="0" tIns="0" bIns="0">
+          <a:bodyPr lIns="0" tIns="0" rIns="0" bIns="0">
             <a:normAutofit/>
           </a:bodyPr>
-          <a:p>
-            <a:endParaRPr b="0" lang="en-US" sz="3200" spc="-1" strike="noStrike">
+          <a:lstStyle/>
+          <a:p>
+            <a:endParaRPr lang="en-US" sz="3200" b="0" strike="noStrike" spc="-1">
               <a:latin typeface="Arial"/>
             </a:endParaRPr>
           </a:p>
@@ -2442,11 +2912,14 @@
       </p:sp>
     </p:spTree>
   </p:cSld>
+  <p:clrMapOvr>
+    <a:masterClrMapping/>
+  </p:clrMapOvr>
 </p:sldLayout>
 </file>
 
 <file path=ppt/slideLayouts/slideLayout24.xml><?xml version="1.0" encoding="utf-8"?>
-<p:sldLayout xmlns:a="http://schemas.openxmlformats.org/drawingml/2006/main" xmlns:p="http://schemas.openxmlformats.org/presentationml/2006/main" xmlns:r="http://schemas.openxmlformats.org/officeDocument/2006/relationships" xmlns:p14="http://schemas.microsoft.com/office/powerpoint/2010/main" xmlns:p15="http://schemas.microsoft.com/office/powerpoint/2012/main" xmlns:mc="http://schemas.openxmlformats.org/markup-compatibility/2006" type="blank" preserve="1">
+<p:sldLayout xmlns:a="http://schemas.openxmlformats.org/drawingml/2006/main" xmlns:r="http://schemas.openxmlformats.org/officeDocument/2006/relationships" xmlns:p="http://schemas.openxmlformats.org/presentationml/2006/main" type="blank" preserve="1">
   <p:cSld name="Title, 6 Content">
     <p:spTree>
       <p:nvGrpSpPr>
@@ -2482,10 +2955,11 @@
           </a:prstGeom>
         </p:spPr>
         <p:txBody>
-          <a:bodyPr lIns="0" rIns="0" tIns="0" bIns="0" anchor="ctr"/>
+          <a:bodyPr lIns="0" tIns="0" rIns="0" bIns="0" anchor="ctr"/>
+          <a:lstStyle/>
           <a:p>
             <a:pPr algn="ctr"/>
-            <a:endParaRPr b="0" lang="en-US" sz="4400" spc="-1" strike="noStrike">
+            <a:endParaRPr lang="en-US" sz="4400" b="0" strike="noStrike" spc="-1">
               <a:latin typeface="Arial"/>
             </a:endParaRPr>
           </a:p>
@@ -2511,11 +2985,12 @@
           </a:prstGeom>
         </p:spPr>
         <p:txBody>
-          <a:bodyPr lIns="0" rIns="0" tIns="0" bIns="0">
+          <a:bodyPr lIns="0" tIns="0" rIns="0" bIns="0">
             <a:normAutofit/>
           </a:bodyPr>
-          <a:p>
-            <a:endParaRPr b="0" lang="en-US" sz="3200" spc="-1" strike="noStrike">
+          <a:lstStyle/>
+          <a:p>
+            <a:endParaRPr lang="en-US" sz="3200" b="0" strike="noStrike" spc="-1">
               <a:latin typeface="Arial"/>
             </a:endParaRPr>
           </a:p>
@@ -2541,11 +3016,12 @@
           </a:prstGeom>
         </p:spPr>
         <p:txBody>
-          <a:bodyPr lIns="0" rIns="0" tIns="0" bIns="0">
+          <a:bodyPr lIns="0" tIns="0" rIns="0" bIns="0">
             <a:normAutofit/>
           </a:bodyPr>
-          <a:p>
-            <a:endParaRPr b="0" lang="en-US" sz="3200" spc="-1" strike="noStrike">
+          <a:lstStyle/>
+          <a:p>
+            <a:endParaRPr lang="en-US" sz="3200" b="0" strike="noStrike" spc="-1">
               <a:latin typeface="Arial"/>
             </a:endParaRPr>
           </a:p>
@@ -2571,11 +3047,12 @@
           </a:prstGeom>
         </p:spPr>
         <p:txBody>
-          <a:bodyPr lIns="0" rIns="0" tIns="0" bIns="0">
+          <a:bodyPr lIns="0" tIns="0" rIns="0" bIns="0">
             <a:normAutofit/>
           </a:bodyPr>
-          <a:p>
-            <a:endParaRPr b="0" lang="en-US" sz="3200" spc="-1" strike="noStrike">
+          <a:lstStyle/>
+          <a:p>
+            <a:endParaRPr lang="en-US" sz="3200" b="0" strike="noStrike" spc="-1">
               <a:latin typeface="Arial"/>
             </a:endParaRPr>
           </a:p>
@@ -2601,11 +3078,12 @@
           </a:prstGeom>
         </p:spPr>
         <p:txBody>
-          <a:bodyPr lIns="0" rIns="0" tIns="0" bIns="0">
+          <a:bodyPr lIns="0" tIns="0" rIns="0" bIns="0">
             <a:normAutofit/>
           </a:bodyPr>
-          <a:p>
-            <a:endParaRPr b="0" lang="en-US" sz="3200" spc="-1" strike="noStrike">
+          <a:lstStyle/>
+          <a:p>
+            <a:endParaRPr lang="en-US" sz="3200" b="0" strike="noStrike" spc="-1">
               <a:latin typeface="Arial"/>
             </a:endParaRPr>
           </a:p>
@@ -2631,11 +3109,12 @@
           </a:prstGeom>
         </p:spPr>
         <p:txBody>
-          <a:bodyPr lIns="0" rIns="0" tIns="0" bIns="0">
+          <a:bodyPr lIns="0" tIns="0" rIns="0" bIns="0">
             <a:normAutofit/>
           </a:bodyPr>
-          <a:p>
-            <a:endParaRPr b="0" lang="en-US" sz="3200" spc="-1" strike="noStrike">
+          <a:lstStyle/>
+          <a:p>
+            <a:endParaRPr lang="en-US" sz="3200" b="0" strike="noStrike" spc="-1">
               <a:latin typeface="Arial"/>
             </a:endParaRPr>
           </a:p>
@@ -2661,11 +3140,12 @@
           </a:prstGeom>
         </p:spPr>
         <p:txBody>
-          <a:bodyPr lIns="0" rIns="0" tIns="0" bIns="0">
+          <a:bodyPr lIns="0" tIns="0" rIns="0" bIns="0">
             <a:normAutofit/>
           </a:bodyPr>
-          <a:p>
-            <a:endParaRPr b="0" lang="en-US" sz="3200" spc="-1" strike="noStrike">
+          <a:lstStyle/>
+          <a:p>
+            <a:endParaRPr lang="en-US" sz="3200" b="0" strike="noStrike" spc="-1">
               <a:latin typeface="Arial"/>
             </a:endParaRPr>
           </a:p>
@@ -2673,11 +3153,14 @@
       </p:sp>
     </p:spTree>
   </p:cSld>
+  <p:clrMapOvr>
+    <a:masterClrMapping/>
+  </p:clrMapOvr>
 </p:sldLayout>
 </file>
 
 <file path=ppt/slideLayouts/slideLayout3.xml><?xml version="1.0" encoding="utf-8"?>
-<p:sldLayout xmlns:a="http://schemas.openxmlformats.org/drawingml/2006/main" xmlns:p="http://schemas.openxmlformats.org/presentationml/2006/main" xmlns:r="http://schemas.openxmlformats.org/officeDocument/2006/relationships" xmlns:p14="http://schemas.microsoft.com/office/powerpoint/2010/main" xmlns:p15="http://schemas.microsoft.com/office/powerpoint/2012/main" xmlns:mc="http://schemas.openxmlformats.org/markup-compatibility/2006" type="obj" preserve="1">
+<p:sldLayout xmlns:a="http://schemas.openxmlformats.org/drawingml/2006/main" xmlns:r="http://schemas.openxmlformats.org/officeDocument/2006/relationships" xmlns:p="http://schemas.openxmlformats.org/presentationml/2006/main" type="obj" preserve="1">
   <p:cSld name="Title, Content">
     <p:spTree>
       <p:nvGrpSpPr>
@@ -2713,10 +3196,11 @@
           </a:prstGeom>
         </p:spPr>
         <p:txBody>
-          <a:bodyPr lIns="0" rIns="0" tIns="0" bIns="0" anchor="ctr"/>
+          <a:bodyPr lIns="0" tIns="0" rIns="0" bIns="0" anchor="ctr"/>
+          <a:lstStyle/>
           <a:p>
             <a:pPr algn="ctr"/>
-            <a:endParaRPr b="0" lang="en-US" sz="4400" spc="-1" strike="noStrike">
+            <a:endParaRPr lang="en-US" sz="4400" b="0" strike="noStrike" spc="-1">
               <a:latin typeface="Arial"/>
             </a:endParaRPr>
           </a:p>
@@ -2742,11 +3226,12 @@
           </a:prstGeom>
         </p:spPr>
         <p:txBody>
-          <a:bodyPr lIns="0" rIns="0" tIns="0" bIns="0">
+          <a:bodyPr lIns="0" tIns="0" rIns="0" bIns="0">
             <a:normAutofit/>
           </a:bodyPr>
-          <a:p>
-            <a:endParaRPr b="0" lang="en-US" sz="3200" spc="-1" strike="noStrike">
+          <a:lstStyle/>
+          <a:p>
+            <a:endParaRPr lang="en-US" sz="3200" b="0" strike="noStrike" spc="-1">
               <a:latin typeface="Arial"/>
             </a:endParaRPr>
           </a:p>
@@ -2754,11 +3239,14 @@
       </p:sp>
     </p:spTree>
   </p:cSld>
+  <p:clrMapOvr>
+    <a:masterClrMapping/>
+  </p:clrMapOvr>
 </p:sldLayout>
 </file>
 
 <file path=ppt/slideLayouts/slideLayout4.xml><?xml version="1.0" encoding="utf-8"?>
-<p:sldLayout xmlns:a="http://schemas.openxmlformats.org/drawingml/2006/main" xmlns:p="http://schemas.openxmlformats.org/presentationml/2006/main" xmlns:r="http://schemas.openxmlformats.org/officeDocument/2006/relationships" xmlns:p14="http://schemas.microsoft.com/office/powerpoint/2010/main" xmlns:p15="http://schemas.microsoft.com/office/powerpoint/2012/main" xmlns:mc="http://schemas.openxmlformats.org/markup-compatibility/2006" type="twoObj" preserve="1">
+<p:sldLayout xmlns:a="http://schemas.openxmlformats.org/drawingml/2006/main" xmlns:r="http://schemas.openxmlformats.org/officeDocument/2006/relationships" xmlns:p="http://schemas.openxmlformats.org/presentationml/2006/main" type="twoObj" preserve="1">
   <p:cSld name="Title, 2 Content">
     <p:spTree>
       <p:nvGrpSpPr>
@@ -2794,10 +3282,11 @@
           </a:prstGeom>
         </p:spPr>
         <p:txBody>
-          <a:bodyPr lIns="0" rIns="0" tIns="0" bIns="0" anchor="ctr"/>
+          <a:bodyPr lIns="0" tIns="0" rIns="0" bIns="0" anchor="ctr"/>
+          <a:lstStyle/>
           <a:p>
             <a:pPr algn="ctr"/>
-            <a:endParaRPr b="0" lang="en-US" sz="4400" spc="-1" strike="noStrike">
+            <a:endParaRPr lang="en-US" sz="4400" b="0" strike="noStrike" spc="-1">
               <a:latin typeface="Arial"/>
             </a:endParaRPr>
           </a:p>
@@ -2823,11 +3312,12 @@
           </a:prstGeom>
         </p:spPr>
         <p:txBody>
-          <a:bodyPr lIns="0" rIns="0" tIns="0" bIns="0">
+          <a:bodyPr lIns="0" tIns="0" rIns="0" bIns="0">
             <a:normAutofit/>
           </a:bodyPr>
-          <a:p>
-            <a:endParaRPr b="0" lang="en-US" sz="3200" spc="-1" strike="noStrike">
+          <a:lstStyle/>
+          <a:p>
+            <a:endParaRPr lang="en-US" sz="3200" b="0" strike="noStrike" spc="-1">
               <a:latin typeface="Arial"/>
             </a:endParaRPr>
           </a:p>
@@ -2853,11 +3343,12 @@
           </a:prstGeom>
         </p:spPr>
         <p:txBody>
-          <a:bodyPr lIns="0" rIns="0" tIns="0" bIns="0">
+          <a:bodyPr lIns="0" tIns="0" rIns="0" bIns="0">
             <a:normAutofit/>
           </a:bodyPr>
-          <a:p>
-            <a:endParaRPr b="0" lang="en-US" sz="3200" spc="-1" strike="noStrike">
+          <a:lstStyle/>
+          <a:p>
+            <a:endParaRPr lang="en-US" sz="3200" b="0" strike="noStrike" spc="-1">
               <a:latin typeface="Arial"/>
             </a:endParaRPr>
           </a:p>
@@ -2865,11 +3356,14 @@
       </p:sp>
     </p:spTree>
   </p:cSld>
+  <p:clrMapOvr>
+    <a:masterClrMapping/>
+  </p:clrMapOvr>
 </p:sldLayout>
 </file>
 
 <file path=ppt/slideLayouts/slideLayout5.xml><?xml version="1.0" encoding="utf-8"?>
-<p:sldLayout xmlns:a="http://schemas.openxmlformats.org/drawingml/2006/main" xmlns:p="http://schemas.openxmlformats.org/presentationml/2006/main" xmlns:r="http://schemas.openxmlformats.org/officeDocument/2006/relationships" xmlns:p14="http://schemas.microsoft.com/office/powerpoint/2010/main" xmlns:p15="http://schemas.microsoft.com/office/powerpoint/2012/main" xmlns:mc="http://schemas.openxmlformats.org/markup-compatibility/2006" type="titleOnly" preserve="1">
+<p:sldLayout xmlns:a="http://schemas.openxmlformats.org/drawingml/2006/main" xmlns:r="http://schemas.openxmlformats.org/officeDocument/2006/relationships" xmlns:p="http://schemas.openxmlformats.org/presentationml/2006/main" type="titleOnly" preserve="1">
   <p:cSld name="Title Only">
     <p:spTree>
       <p:nvGrpSpPr>
@@ -2905,10 +3399,11 @@
           </a:prstGeom>
         </p:spPr>
         <p:txBody>
-          <a:bodyPr lIns="0" rIns="0" tIns="0" bIns="0" anchor="ctr"/>
+          <a:bodyPr lIns="0" tIns="0" rIns="0" bIns="0" anchor="ctr"/>
+          <a:lstStyle/>
           <a:p>
             <a:pPr algn="ctr"/>
-            <a:endParaRPr b="0" lang="en-US" sz="4400" spc="-1" strike="noStrike">
+            <a:endParaRPr lang="en-US" sz="4400" b="0" strike="noStrike" spc="-1">
               <a:latin typeface="Arial"/>
             </a:endParaRPr>
           </a:p>
@@ -2916,11 +3411,14 @@
       </p:sp>
     </p:spTree>
   </p:cSld>
+  <p:clrMapOvr>
+    <a:masterClrMapping/>
+  </p:clrMapOvr>
 </p:sldLayout>
 </file>
 
 <file path=ppt/slideLayouts/slideLayout6.xml><?xml version="1.0" encoding="utf-8"?>
-<p:sldLayout xmlns:a="http://schemas.openxmlformats.org/drawingml/2006/main" xmlns:p="http://schemas.openxmlformats.org/presentationml/2006/main" xmlns:r="http://schemas.openxmlformats.org/officeDocument/2006/relationships" xmlns:p14="http://schemas.microsoft.com/office/powerpoint/2010/main" xmlns:p15="http://schemas.microsoft.com/office/powerpoint/2012/main" xmlns:mc="http://schemas.openxmlformats.org/markup-compatibility/2006" type="objOnly" preserve="1">
+<p:sldLayout xmlns:a="http://schemas.openxmlformats.org/drawingml/2006/main" xmlns:r="http://schemas.openxmlformats.org/officeDocument/2006/relationships" xmlns:p="http://schemas.openxmlformats.org/presentationml/2006/main" type="objOnly" preserve="1">
   <p:cSld name="Centered Text">
     <p:spTree>
       <p:nvGrpSpPr>
@@ -2956,10 +3454,11 @@
           </a:prstGeom>
         </p:spPr>
         <p:txBody>
-          <a:bodyPr lIns="0" rIns="0" tIns="0" bIns="0" anchor="ctr"/>
+          <a:bodyPr lIns="0" tIns="0" rIns="0" bIns="0" anchor="ctr"/>
+          <a:lstStyle/>
           <a:p>
             <a:pPr algn="ctr"/>
-            <a:endParaRPr b="0" lang="en-US" sz="3200" spc="-1" strike="noStrike">
+            <a:endParaRPr lang="en-US" sz="3200" b="0" strike="noStrike" spc="-1">
               <a:latin typeface="Arial"/>
             </a:endParaRPr>
           </a:p>
@@ -2967,11 +3466,14 @@
       </p:sp>
     </p:spTree>
   </p:cSld>
+  <p:clrMapOvr>
+    <a:masterClrMapping/>
+  </p:clrMapOvr>
 </p:sldLayout>
 </file>
 
 <file path=ppt/slideLayouts/slideLayout7.xml><?xml version="1.0" encoding="utf-8"?>
-<p:sldLayout xmlns:a="http://schemas.openxmlformats.org/drawingml/2006/main" xmlns:p="http://schemas.openxmlformats.org/presentationml/2006/main" xmlns:r="http://schemas.openxmlformats.org/officeDocument/2006/relationships" xmlns:p14="http://schemas.microsoft.com/office/powerpoint/2010/main" xmlns:p15="http://schemas.microsoft.com/office/powerpoint/2012/main" xmlns:mc="http://schemas.openxmlformats.org/markup-compatibility/2006" type="twoObjAndObj" preserve="1">
+<p:sldLayout xmlns:a="http://schemas.openxmlformats.org/drawingml/2006/main" xmlns:r="http://schemas.openxmlformats.org/officeDocument/2006/relationships" xmlns:p="http://schemas.openxmlformats.org/presentationml/2006/main" type="twoObjAndObj" preserve="1">
   <p:cSld name="Title, 2 Content and Content">
     <p:spTree>
       <p:nvGrpSpPr>
@@ -3007,10 +3509,11 @@
           </a:prstGeom>
         </p:spPr>
         <p:txBody>
-          <a:bodyPr lIns="0" rIns="0" tIns="0" bIns="0" anchor="ctr"/>
+          <a:bodyPr lIns="0" tIns="0" rIns="0" bIns="0" anchor="ctr"/>
+          <a:lstStyle/>
           <a:p>
             <a:pPr algn="ctr"/>
-            <a:endParaRPr b="0" lang="en-US" sz="4400" spc="-1" strike="noStrike">
+            <a:endParaRPr lang="en-US" sz="4400" b="0" strike="noStrike" spc="-1">
               <a:latin typeface="Arial"/>
             </a:endParaRPr>
           </a:p>
@@ -3036,11 +3539,12 @@
           </a:prstGeom>
         </p:spPr>
         <p:txBody>
-          <a:bodyPr lIns="0" rIns="0" tIns="0" bIns="0">
+          <a:bodyPr lIns="0" tIns="0" rIns="0" bIns="0">
             <a:normAutofit/>
           </a:bodyPr>
-          <a:p>
-            <a:endParaRPr b="0" lang="en-US" sz="3200" spc="-1" strike="noStrike">
+          <a:lstStyle/>
+          <a:p>
+            <a:endParaRPr lang="en-US" sz="3200" b="0" strike="noStrike" spc="-1">
               <a:latin typeface="Arial"/>
             </a:endParaRPr>
           </a:p>
@@ -3066,11 +3570,12 @@
           </a:prstGeom>
         </p:spPr>
         <p:txBody>
-          <a:bodyPr lIns="0" rIns="0" tIns="0" bIns="0">
+          <a:bodyPr lIns="0" tIns="0" rIns="0" bIns="0">
             <a:normAutofit/>
           </a:bodyPr>
-          <a:p>
-            <a:endParaRPr b="0" lang="en-US" sz="3200" spc="-1" strike="noStrike">
+          <a:lstStyle/>
+          <a:p>
+            <a:endParaRPr lang="en-US" sz="3200" b="0" strike="noStrike" spc="-1">
               <a:latin typeface="Arial"/>
             </a:endParaRPr>
           </a:p>
@@ -3096,11 +3601,12 @@
           </a:prstGeom>
         </p:spPr>
         <p:txBody>
-          <a:bodyPr lIns="0" rIns="0" tIns="0" bIns="0">
+          <a:bodyPr lIns="0" tIns="0" rIns="0" bIns="0">
             <a:normAutofit/>
           </a:bodyPr>
-          <a:p>
-            <a:endParaRPr b="0" lang="en-US" sz="3200" spc="-1" strike="noStrike">
+          <a:lstStyle/>
+          <a:p>
+            <a:endParaRPr lang="en-US" sz="3200" b="0" strike="noStrike" spc="-1">
               <a:latin typeface="Arial"/>
             </a:endParaRPr>
           </a:p>
@@ -3108,11 +3614,14 @@
       </p:sp>
     </p:spTree>
   </p:cSld>
+  <p:clrMapOvr>
+    <a:masterClrMapping/>
+  </p:clrMapOvr>
 </p:sldLayout>
 </file>
 
 <file path=ppt/slideLayouts/slideLayout8.xml><?xml version="1.0" encoding="utf-8"?>
-<p:sldLayout xmlns:a="http://schemas.openxmlformats.org/drawingml/2006/main" xmlns:p="http://schemas.openxmlformats.org/presentationml/2006/main" xmlns:r="http://schemas.openxmlformats.org/officeDocument/2006/relationships" xmlns:p14="http://schemas.microsoft.com/office/powerpoint/2010/main" xmlns:p15="http://schemas.microsoft.com/office/powerpoint/2012/main" xmlns:mc="http://schemas.openxmlformats.org/markup-compatibility/2006" type="objAndTwoObj" preserve="1">
+<p:sldLayout xmlns:a="http://schemas.openxmlformats.org/drawingml/2006/main" xmlns:r="http://schemas.openxmlformats.org/officeDocument/2006/relationships" xmlns:p="http://schemas.openxmlformats.org/presentationml/2006/main" type="objAndTwoObj" preserve="1">
   <p:cSld name="Title Content and 2 Content">
     <p:spTree>
       <p:nvGrpSpPr>
@@ -3148,10 +3657,11 @@
           </a:prstGeom>
         </p:spPr>
         <p:txBody>
-          <a:bodyPr lIns="0" rIns="0" tIns="0" bIns="0" anchor="ctr"/>
+          <a:bodyPr lIns="0" tIns="0" rIns="0" bIns="0" anchor="ctr"/>
+          <a:lstStyle/>
           <a:p>
             <a:pPr algn="ctr"/>
-            <a:endParaRPr b="0" lang="en-US" sz="4400" spc="-1" strike="noStrike">
+            <a:endParaRPr lang="en-US" sz="4400" b="0" strike="noStrike" spc="-1">
               <a:latin typeface="Arial"/>
             </a:endParaRPr>
           </a:p>
@@ -3177,11 +3687,12 @@
           </a:prstGeom>
         </p:spPr>
         <p:txBody>
-          <a:bodyPr lIns="0" rIns="0" tIns="0" bIns="0">
+          <a:bodyPr lIns="0" tIns="0" rIns="0" bIns="0">
             <a:normAutofit/>
           </a:bodyPr>
-          <a:p>
-            <a:endParaRPr b="0" lang="en-US" sz="3200" spc="-1" strike="noStrike">
+          <a:lstStyle/>
+          <a:p>
+            <a:endParaRPr lang="en-US" sz="3200" b="0" strike="noStrike" spc="-1">
               <a:latin typeface="Arial"/>
             </a:endParaRPr>
           </a:p>
@@ -3207,11 +3718,12 @@
           </a:prstGeom>
         </p:spPr>
         <p:txBody>
-          <a:bodyPr lIns="0" rIns="0" tIns="0" bIns="0">
+          <a:bodyPr lIns="0" tIns="0" rIns="0" bIns="0">
             <a:normAutofit/>
           </a:bodyPr>
-          <a:p>
-            <a:endParaRPr b="0" lang="en-US" sz="3200" spc="-1" strike="noStrike">
+          <a:lstStyle/>
+          <a:p>
+            <a:endParaRPr lang="en-US" sz="3200" b="0" strike="noStrike" spc="-1">
               <a:latin typeface="Arial"/>
             </a:endParaRPr>
           </a:p>
@@ -3237,11 +3749,12 @@
           </a:prstGeom>
         </p:spPr>
         <p:txBody>
-          <a:bodyPr lIns="0" rIns="0" tIns="0" bIns="0">
+          <a:bodyPr lIns="0" tIns="0" rIns="0" bIns="0">
             <a:normAutofit/>
           </a:bodyPr>
-          <a:p>
-            <a:endParaRPr b="0" lang="en-US" sz="3200" spc="-1" strike="noStrike">
+          <a:lstStyle/>
+          <a:p>
+            <a:endParaRPr lang="en-US" sz="3200" b="0" strike="noStrike" spc="-1">
               <a:latin typeface="Arial"/>
             </a:endParaRPr>
           </a:p>
@@ -3249,11 +3762,14 @@
       </p:sp>
     </p:spTree>
   </p:cSld>
+  <p:clrMapOvr>
+    <a:masterClrMapping/>
+  </p:clrMapOvr>
 </p:sldLayout>
 </file>
 
 <file path=ppt/slideLayouts/slideLayout9.xml><?xml version="1.0" encoding="utf-8"?>
-<p:sldLayout xmlns:a="http://schemas.openxmlformats.org/drawingml/2006/main" xmlns:p="http://schemas.openxmlformats.org/presentationml/2006/main" xmlns:r="http://schemas.openxmlformats.org/officeDocument/2006/relationships" xmlns:p14="http://schemas.microsoft.com/office/powerpoint/2010/main" xmlns:p15="http://schemas.microsoft.com/office/powerpoint/2012/main" xmlns:mc="http://schemas.openxmlformats.org/markup-compatibility/2006" type="twoObjOverTx" preserve="1">
+<p:sldLayout xmlns:a="http://schemas.openxmlformats.org/drawingml/2006/main" xmlns:r="http://schemas.openxmlformats.org/officeDocument/2006/relationships" xmlns:p="http://schemas.openxmlformats.org/presentationml/2006/main" type="twoObjOverTx" preserve="1">
   <p:cSld name="Title, 2 Content over Content">
     <p:spTree>
       <p:nvGrpSpPr>
@@ -3289,10 +3805,11 @@
           </a:prstGeom>
         </p:spPr>
         <p:txBody>
-          <a:bodyPr lIns="0" rIns="0" tIns="0" bIns="0" anchor="ctr"/>
+          <a:bodyPr lIns="0" tIns="0" rIns="0" bIns="0" anchor="ctr"/>
+          <a:lstStyle/>
           <a:p>
             <a:pPr algn="ctr"/>
-            <a:endParaRPr b="0" lang="en-US" sz="4400" spc="-1" strike="noStrike">
+            <a:endParaRPr lang="en-US" sz="4400" b="0" strike="noStrike" spc="-1">
               <a:latin typeface="Arial"/>
             </a:endParaRPr>
           </a:p>
@@ -3318,11 +3835,12 @@
           </a:prstGeom>
         </p:spPr>
         <p:txBody>
-          <a:bodyPr lIns="0" rIns="0" tIns="0" bIns="0">
+          <a:bodyPr lIns="0" tIns="0" rIns="0" bIns="0">
             <a:normAutofit/>
           </a:bodyPr>
-          <a:p>
-            <a:endParaRPr b="0" lang="en-US" sz="3200" spc="-1" strike="noStrike">
+          <a:lstStyle/>
+          <a:p>
+            <a:endParaRPr lang="en-US" sz="3200" b="0" strike="noStrike" spc="-1">
               <a:latin typeface="Arial"/>
             </a:endParaRPr>
           </a:p>
@@ -3348,11 +3866,12 @@
           </a:prstGeom>
         </p:spPr>
         <p:txBody>
-          <a:bodyPr lIns="0" rIns="0" tIns="0" bIns="0">
+          <a:bodyPr lIns="0" tIns="0" rIns="0" bIns="0">
             <a:normAutofit/>
           </a:bodyPr>
-          <a:p>
-            <a:endParaRPr b="0" lang="en-US" sz="3200" spc="-1" strike="noStrike">
+          <a:lstStyle/>
+          <a:p>
+            <a:endParaRPr lang="en-US" sz="3200" b="0" strike="noStrike" spc="-1">
               <a:latin typeface="Arial"/>
             </a:endParaRPr>
           </a:p>
@@ -3378,11 +3897,12 @@
           </a:prstGeom>
         </p:spPr>
         <p:txBody>
-          <a:bodyPr lIns="0" rIns="0" tIns="0" bIns="0">
+          <a:bodyPr lIns="0" tIns="0" rIns="0" bIns="0">
             <a:normAutofit/>
           </a:bodyPr>
-          <a:p>
-            <a:endParaRPr b="0" lang="en-US" sz="3200" spc="-1" strike="noStrike">
+          <a:lstStyle/>
+          <a:p>
+            <a:endParaRPr lang="en-US" sz="3200" b="0" strike="noStrike" spc="-1">
               <a:latin typeface="Arial"/>
             </a:endParaRPr>
           </a:p>
@@ -3390,17 +3910,21 @@
       </p:sp>
     </p:spTree>
   </p:cSld>
+  <p:clrMapOvr>
+    <a:masterClrMapping/>
+  </p:clrMapOvr>
 </p:sldLayout>
 </file>
 
 <file path=ppt/slideMasters/slideMaster1.xml><?xml version="1.0" encoding="utf-8"?>
-<p:sldMaster xmlns:a="http://schemas.openxmlformats.org/drawingml/2006/main" xmlns:p="http://schemas.openxmlformats.org/presentationml/2006/main" xmlns:r="http://schemas.openxmlformats.org/officeDocument/2006/relationships" xmlns:p14="http://schemas.microsoft.com/office/powerpoint/2010/main" xmlns:p15="http://schemas.microsoft.com/office/powerpoint/2012/main" xmlns:mc="http://schemas.openxmlformats.org/markup-compatibility/2006">
+<p:sldMaster xmlns:a="http://schemas.openxmlformats.org/drawingml/2006/main" xmlns:r="http://schemas.openxmlformats.org/officeDocument/2006/relationships" xmlns:p="http://schemas.openxmlformats.org/presentationml/2006/main">
   <p:cSld>
     <p:bg>
       <p:bgPr>
         <a:solidFill>
-          <a:srgbClr val="ffffff"/>
+          <a:srgbClr val="FFFFFF"/>
         </a:solidFill>
+        <a:effectLst/>
       </p:bgPr>
     </p:bg>
     <p:spTree>
@@ -3419,12 +3943,12 @@
       </p:grpSpPr>
       <p:pic>
         <p:nvPicPr>
-          <p:cNvPr id="0" name="Picture 6" descr=""/>
+          <p:cNvPr id="3" name="Picture 6"/>
           <p:cNvPicPr/>
           <p:nvPr/>
         </p:nvPicPr>
         <p:blipFill>
-          <a:blip r:embed="rId2"/>
+          <a:blip r:embed="rId14"/>
           <a:stretch/>
         </p:blipFill>
         <p:spPr>
@@ -3442,7 +3966,7 @@
       </p:pic>
       <p:sp>
         <p:nvSpPr>
-          <p:cNvPr id="1" name="PlaceHolder 1"/>
+          <p:cNvPr id="4" name="PlaceHolder 1"/>
           <p:cNvSpPr>
             <a:spLocks noGrp="1"/>
           </p:cNvSpPr>
@@ -3460,17 +3984,15 @@
           </a:prstGeom>
         </p:spPr>
         <p:txBody>
-          <a:bodyPr lIns="0" rIns="0" tIns="0" bIns="0" anchor="ctr"/>
-          <a:p>
-            <a:r>
-              <a:rPr b="0" lang="en-US" sz="1800" spc="-1" strike="noStrike">
+          <a:bodyPr lIns="0" tIns="0" rIns="0" bIns="0" anchor="ctr"/>
+          <a:lstStyle/>
+          <a:p>
+            <a:r>
+              <a:rPr lang="en-US" sz="1800" b="0" strike="noStrike" spc="-1">
                 <a:latin typeface="Arial"/>
               </a:rPr>
               <a:t>Click to edit the title text format</a:t>
             </a:r>
-            <a:endParaRPr b="0" lang="en-US" sz="1800" spc="-1" strike="noStrike">
-              <a:latin typeface="Arial"/>
-            </a:endParaRPr>
           </a:p>
         </p:txBody>
       </p:sp>
@@ -3494,9 +4016,10 @@
           </a:prstGeom>
         </p:spPr>
         <p:txBody>
-          <a:bodyPr lIns="0" rIns="0" tIns="0" bIns="0">
+          <a:bodyPr lIns="0" tIns="0" rIns="0" bIns="0">
             <a:normAutofit/>
           </a:bodyPr>
+          <a:lstStyle/>
           <a:p>
             <a:pPr marL="432000" indent="-324000">
               <a:spcBef>
@@ -3510,17 +4033,14 @@
               <a:buChar char=""/>
             </a:pPr>
             <a:r>
-              <a:rPr b="0" lang="en-US" sz="3200" spc="-1" strike="noStrike">
+              <a:rPr lang="en-US" sz="3200" b="0" strike="noStrike" spc="-1">
                 <a:latin typeface="Arial"/>
               </a:rPr>
               <a:t>Click to edit the outline text format</a:t>
             </a:r>
-            <a:endParaRPr b="0" lang="en-US" sz="3200" spc="-1" strike="noStrike">
-              <a:latin typeface="Arial"/>
-            </a:endParaRPr>
-          </a:p>
-          <a:p>
-            <a:pPr lvl="1" marL="864000" indent="-324000">
+          </a:p>
+          <a:p>
+            <a:pPr marL="864000" lvl="1" indent="-324000">
               <a:spcBef>
                 <a:spcPts val="1134"/>
               </a:spcBef>
@@ -3532,17 +4052,14 @@
               <a:buChar char=""/>
             </a:pPr>
             <a:r>
-              <a:rPr b="0" lang="en-US" sz="2800" spc="-1" strike="noStrike">
+              <a:rPr lang="en-US" sz="2800" b="0" strike="noStrike" spc="-1">
                 <a:latin typeface="Arial"/>
               </a:rPr>
               <a:t>Second Outline Level</a:t>
             </a:r>
-            <a:endParaRPr b="0" lang="en-US" sz="2800" spc="-1" strike="noStrike">
-              <a:latin typeface="Arial"/>
-            </a:endParaRPr>
-          </a:p>
-          <a:p>
-            <a:pPr lvl="2" marL="1296000" indent="-288000">
+          </a:p>
+          <a:p>
+            <a:pPr marL="1296000" lvl="2" indent="-288000">
               <a:spcBef>
                 <a:spcPts val="850"/>
               </a:spcBef>
@@ -3554,17 +4071,14 @@
               <a:buChar char=""/>
             </a:pPr>
             <a:r>
-              <a:rPr b="0" lang="en-US" sz="2400" spc="-1" strike="noStrike">
+              <a:rPr lang="en-US" sz="2400" b="0" strike="noStrike" spc="-1">
                 <a:latin typeface="Arial"/>
               </a:rPr>
               <a:t>Third Outline Level</a:t>
             </a:r>
-            <a:endParaRPr b="0" lang="en-US" sz="2400" spc="-1" strike="noStrike">
-              <a:latin typeface="Arial"/>
-            </a:endParaRPr>
-          </a:p>
-          <a:p>
-            <a:pPr lvl="3" marL="1728000" indent="-216000">
+          </a:p>
+          <a:p>
+            <a:pPr marL="1728000" lvl="3" indent="-216000">
               <a:spcBef>
                 <a:spcPts val="567"/>
               </a:spcBef>
@@ -3576,17 +4090,14 @@
               <a:buChar char=""/>
             </a:pPr>
             <a:r>
-              <a:rPr b="0" lang="en-US" sz="2000" spc="-1" strike="noStrike">
+              <a:rPr lang="en-US" sz="2000" b="0" strike="noStrike" spc="-1">
                 <a:latin typeface="Arial"/>
               </a:rPr>
               <a:t>Fourth Outline Level</a:t>
             </a:r>
-            <a:endParaRPr b="0" lang="en-US" sz="2000" spc="-1" strike="noStrike">
-              <a:latin typeface="Arial"/>
-            </a:endParaRPr>
-          </a:p>
-          <a:p>
-            <a:pPr lvl="4" marL="2160000" indent="-216000">
+          </a:p>
+          <a:p>
+            <a:pPr marL="2160000" lvl="4" indent="-216000">
               <a:spcBef>
                 <a:spcPts val="283"/>
               </a:spcBef>
@@ -3598,17 +4109,14 @@
               <a:buChar char=""/>
             </a:pPr>
             <a:r>
-              <a:rPr b="0" lang="en-US" sz="2000" spc="-1" strike="noStrike">
+              <a:rPr lang="en-US" sz="2000" b="0" strike="noStrike" spc="-1">
                 <a:latin typeface="Arial"/>
               </a:rPr>
               <a:t>Fifth Outline Level</a:t>
             </a:r>
-            <a:endParaRPr b="0" lang="en-US" sz="2000" spc="-1" strike="noStrike">
-              <a:latin typeface="Arial"/>
-            </a:endParaRPr>
-          </a:p>
-          <a:p>
-            <a:pPr lvl="5" marL="2592000" indent="-216000">
+          </a:p>
+          <a:p>
+            <a:pPr marL="2592000" lvl="5" indent="-216000">
               <a:spcBef>
                 <a:spcPts val="283"/>
               </a:spcBef>
@@ -3620,17 +4128,14 @@
               <a:buChar char=""/>
             </a:pPr>
             <a:r>
-              <a:rPr b="0" lang="en-US" sz="2000" spc="-1" strike="noStrike">
+              <a:rPr lang="en-US" sz="2000" b="0" strike="noStrike" spc="-1">
                 <a:latin typeface="Arial"/>
               </a:rPr>
               <a:t>Sixth Outline Level</a:t>
             </a:r>
-            <a:endParaRPr b="0" lang="en-US" sz="2000" spc="-1" strike="noStrike">
-              <a:latin typeface="Arial"/>
-            </a:endParaRPr>
-          </a:p>
-          <a:p>
-            <a:pPr lvl="6" marL="3024000" indent="-216000">
+          </a:p>
+          <a:p>
+            <a:pPr marL="3024000" lvl="6" indent="-216000">
               <a:spcBef>
                 <a:spcPts val="283"/>
               </a:spcBef>
@@ -3642,45 +4147,323 @@
               <a:buChar char=""/>
             </a:pPr>
             <a:r>
-              <a:rPr b="0" lang="en-US" sz="2000" spc="-1" strike="noStrike">
+              <a:rPr lang="en-US" sz="2000" b="0" strike="noStrike" spc="-1">
                 <a:latin typeface="Arial"/>
               </a:rPr>
               <a:t>Seventh Outline Level</a:t>
             </a:r>
-            <a:endParaRPr b="0" lang="en-US" sz="2000" spc="-1" strike="noStrike">
-              <a:latin typeface="Arial"/>
-            </a:endParaRPr>
           </a:p>
         </p:txBody>
       </p:sp>
     </p:spTree>
   </p:cSld>
-  <p:clrMap bg1="lt1" bg2="lt2" tx1="dk1" tx2="dk2" accent1="accent1" accent2="accent2" accent3="accent3" accent4="accent4" accent5="accent5" accent6="accent6" hlink="hlink" folHlink="folHlink"/>
+  <p:clrMap bg1="lt1" tx1="dk1" bg2="lt2" tx2="dk2" accent1="accent1" accent2="accent2" accent3="accent3" accent4="accent4" accent5="accent5" accent6="accent6" hlink="hlink" folHlink="folHlink"/>
   <p:sldLayoutIdLst>
-    <p:sldLayoutId id="2147483649" r:id="rId3"/>
-    <p:sldLayoutId id="2147483650" r:id="rId4"/>
-    <p:sldLayoutId id="2147483651" r:id="rId5"/>
-    <p:sldLayoutId id="2147483652" r:id="rId6"/>
-    <p:sldLayoutId id="2147483653" r:id="rId7"/>
-    <p:sldLayoutId id="2147483654" r:id="rId8"/>
-    <p:sldLayoutId id="2147483655" r:id="rId9"/>
-    <p:sldLayoutId id="2147483656" r:id="rId10"/>
-    <p:sldLayoutId id="2147483657" r:id="rId11"/>
-    <p:sldLayoutId id="2147483658" r:id="rId12"/>
-    <p:sldLayoutId id="2147483659" r:id="rId13"/>
-    <p:sldLayoutId id="2147483660" r:id="rId14"/>
+    <p:sldLayoutId id="2147483649" r:id="rId1"/>
+    <p:sldLayoutId id="2147483650" r:id="rId2"/>
+    <p:sldLayoutId id="2147483651" r:id="rId3"/>
+    <p:sldLayoutId id="2147483652" r:id="rId4"/>
+    <p:sldLayoutId id="2147483653" r:id="rId5"/>
+    <p:sldLayoutId id="2147483654" r:id="rId6"/>
+    <p:sldLayoutId id="2147483655" r:id="rId7"/>
+    <p:sldLayoutId id="2147483656" r:id="rId8"/>
+    <p:sldLayoutId id="2147483657" r:id="rId9"/>
+    <p:sldLayoutId id="2147483658" r:id="rId10"/>
+    <p:sldLayoutId id="2147483659" r:id="rId11"/>
+    <p:sldLayoutId id="2147483660" r:id="rId12"/>
   </p:sldLayoutIdLst>
+  <p:txStyles>
+    <p:titleStyle>
+      <a:lvl1pPr algn="l" defTabSz="914400" rtl="0" eaLnBrk="1" latinLnBrk="0" hangingPunct="1">
+        <a:lnSpc>
+          <a:spcPct val="90000"/>
+        </a:lnSpc>
+        <a:spcBef>
+          <a:spcPct val="0"/>
+        </a:spcBef>
+        <a:buNone/>
+        <a:defRPr sz="4400" kern="1200">
+          <a:solidFill>
+            <a:schemeClr val="tx1"/>
+          </a:solidFill>
+          <a:latin typeface="+mj-lt"/>
+          <a:ea typeface="+mj-ea"/>
+          <a:cs typeface="+mj-cs"/>
+        </a:defRPr>
+      </a:lvl1pPr>
+    </p:titleStyle>
+    <p:bodyStyle>
+      <a:lvl1pPr marL="228600" indent="-228600" algn="l" defTabSz="914400" rtl="0" eaLnBrk="1" latinLnBrk="0" hangingPunct="1">
+        <a:lnSpc>
+          <a:spcPct val="90000"/>
+        </a:lnSpc>
+        <a:spcBef>
+          <a:spcPts val="1000"/>
+        </a:spcBef>
+        <a:buFont typeface="Arial" panose="020B0604020202020204" pitchFamily="34" charset="0"/>
+        <a:buChar char="•"/>
+        <a:defRPr sz="2800" kern="1200">
+          <a:solidFill>
+            <a:schemeClr val="tx1"/>
+          </a:solidFill>
+          <a:latin typeface="+mn-lt"/>
+          <a:ea typeface="+mn-ea"/>
+          <a:cs typeface="+mn-cs"/>
+        </a:defRPr>
+      </a:lvl1pPr>
+      <a:lvl2pPr marL="685800" indent="-228600" algn="l" defTabSz="914400" rtl="0" eaLnBrk="1" latinLnBrk="0" hangingPunct="1">
+        <a:lnSpc>
+          <a:spcPct val="90000"/>
+        </a:lnSpc>
+        <a:spcBef>
+          <a:spcPts val="500"/>
+        </a:spcBef>
+        <a:buFont typeface="Arial" panose="020B0604020202020204" pitchFamily="34" charset="0"/>
+        <a:buChar char="•"/>
+        <a:defRPr sz="2400" kern="1200">
+          <a:solidFill>
+            <a:schemeClr val="tx1"/>
+          </a:solidFill>
+          <a:latin typeface="+mn-lt"/>
+          <a:ea typeface="+mn-ea"/>
+          <a:cs typeface="+mn-cs"/>
+        </a:defRPr>
+      </a:lvl2pPr>
+      <a:lvl3pPr marL="1143000" indent="-228600" algn="l" defTabSz="914400" rtl="0" eaLnBrk="1" latinLnBrk="0" hangingPunct="1">
+        <a:lnSpc>
+          <a:spcPct val="90000"/>
+        </a:lnSpc>
+        <a:spcBef>
+          <a:spcPts val="500"/>
+        </a:spcBef>
+        <a:buFont typeface="Arial" panose="020B0604020202020204" pitchFamily="34" charset="0"/>
+        <a:buChar char="•"/>
+        <a:defRPr sz="2000" kern="1200">
+          <a:solidFill>
+            <a:schemeClr val="tx1"/>
+          </a:solidFill>
+          <a:latin typeface="+mn-lt"/>
+          <a:ea typeface="+mn-ea"/>
+          <a:cs typeface="+mn-cs"/>
+        </a:defRPr>
+      </a:lvl3pPr>
+      <a:lvl4pPr marL="1600200" indent="-228600" algn="l" defTabSz="914400" rtl="0" eaLnBrk="1" latinLnBrk="0" hangingPunct="1">
+        <a:lnSpc>
+          <a:spcPct val="90000"/>
+        </a:lnSpc>
+        <a:spcBef>
+          <a:spcPts val="500"/>
+        </a:spcBef>
+        <a:buFont typeface="Arial" panose="020B0604020202020204" pitchFamily="34" charset="0"/>
+        <a:buChar char="•"/>
+        <a:defRPr sz="1800" kern="1200">
+          <a:solidFill>
+            <a:schemeClr val="tx1"/>
+          </a:solidFill>
+          <a:latin typeface="+mn-lt"/>
+          <a:ea typeface="+mn-ea"/>
+          <a:cs typeface="+mn-cs"/>
+        </a:defRPr>
+      </a:lvl4pPr>
+      <a:lvl5pPr marL="2057400" indent="-228600" algn="l" defTabSz="914400" rtl="0" eaLnBrk="1" latinLnBrk="0" hangingPunct="1">
+        <a:lnSpc>
+          <a:spcPct val="90000"/>
+        </a:lnSpc>
+        <a:spcBef>
+          <a:spcPts val="500"/>
+        </a:spcBef>
+        <a:buFont typeface="Arial" panose="020B0604020202020204" pitchFamily="34" charset="0"/>
+        <a:buChar char="•"/>
+        <a:defRPr sz="1800" kern="1200">
+          <a:solidFill>
+            <a:schemeClr val="tx1"/>
+          </a:solidFill>
+          <a:latin typeface="+mn-lt"/>
+          <a:ea typeface="+mn-ea"/>
+          <a:cs typeface="+mn-cs"/>
+        </a:defRPr>
+      </a:lvl5pPr>
+      <a:lvl6pPr marL="2514600" indent="-228600" algn="l" defTabSz="914400" rtl="0" eaLnBrk="1" latinLnBrk="0" hangingPunct="1">
+        <a:lnSpc>
+          <a:spcPct val="90000"/>
+        </a:lnSpc>
+        <a:spcBef>
+          <a:spcPts val="500"/>
+        </a:spcBef>
+        <a:buFont typeface="Arial" panose="020B0604020202020204" pitchFamily="34" charset="0"/>
+        <a:buChar char="•"/>
+        <a:defRPr sz="1800" kern="1200">
+          <a:solidFill>
+            <a:schemeClr val="tx1"/>
+          </a:solidFill>
+          <a:latin typeface="+mn-lt"/>
+          <a:ea typeface="+mn-ea"/>
+          <a:cs typeface="+mn-cs"/>
+        </a:defRPr>
+      </a:lvl6pPr>
+      <a:lvl7pPr marL="2971800" indent="-228600" algn="l" defTabSz="914400" rtl="0" eaLnBrk="1" latinLnBrk="0" hangingPunct="1">
+        <a:lnSpc>
+          <a:spcPct val="90000"/>
+        </a:lnSpc>
+        <a:spcBef>
+          <a:spcPts val="500"/>
+        </a:spcBef>
+        <a:buFont typeface="Arial" panose="020B0604020202020204" pitchFamily="34" charset="0"/>
+        <a:buChar char="•"/>
+        <a:defRPr sz="1800" kern="1200">
+          <a:solidFill>
+            <a:schemeClr val="tx1"/>
+          </a:solidFill>
+          <a:latin typeface="+mn-lt"/>
+          <a:ea typeface="+mn-ea"/>
+          <a:cs typeface="+mn-cs"/>
+        </a:defRPr>
+      </a:lvl7pPr>
+      <a:lvl8pPr marL="3429000" indent="-228600" algn="l" defTabSz="914400" rtl="0" eaLnBrk="1" latinLnBrk="0" hangingPunct="1">
+        <a:lnSpc>
+          <a:spcPct val="90000"/>
+        </a:lnSpc>
+        <a:spcBef>
+          <a:spcPts val="500"/>
+        </a:spcBef>
+        <a:buFont typeface="Arial" panose="020B0604020202020204" pitchFamily="34" charset="0"/>
+        <a:buChar char="•"/>
+        <a:defRPr sz="1800" kern="1200">
+          <a:solidFill>
+            <a:schemeClr val="tx1"/>
+          </a:solidFill>
+          <a:latin typeface="+mn-lt"/>
+          <a:ea typeface="+mn-ea"/>
+          <a:cs typeface="+mn-cs"/>
+        </a:defRPr>
+      </a:lvl8pPr>
+      <a:lvl9pPr marL="3886200" indent="-228600" algn="l" defTabSz="914400" rtl="0" eaLnBrk="1" latinLnBrk="0" hangingPunct="1">
+        <a:lnSpc>
+          <a:spcPct val="90000"/>
+        </a:lnSpc>
+        <a:spcBef>
+          <a:spcPts val="500"/>
+        </a:spcBef>
+        <a:buFont typeface="Arial" panose="020B0604020202020204" pitchFamily="34" charset="0"/>
+        <a:buChar char="•"/>
+        <a:defRPr sz="1800" kern="1200">
+          <a:solidFill>
+            <a:schemeClr val="tx1"/>
+          </a:solidFill>
+          <a:latin typeface="+mn-lt"/>
+          <a:ea typeface="+mn-ea"/>
+          <a:cs typeface="+mn-cs"/>
+        </a:defRPr>
+      </a:lvl9pPr>
+    </p:bodyStyle>
+    <p:otherStyle>
+      <a:defPPr>
+        <a:defRPr lang="de-DE"/>
+      </a:defPPr>
+      <a:lvl1pPr marL="0" algn="l" defTabSz="914400" rtl="0" eaLnBrk="1" latinLnBrk="0" hangingPunct="1">
+        <a:defRPr sz="1800" kern="1200">
+          <a:solidFill>
+            <a:schemeClr val="tx1"/>
+          </a:solidFill>
+          <a:latin typeface="+mn-lt"/>
+          <a:ea typeface="+mn-ea"/>
+          <a:cs typeface="+mn-cs"/>
+        </a:defRPr>
+      </a:lvl1pPr>
+      <a:lvl2pPr marL="457200" algn="l" defTabSz="914400" rtl="0" eaLnBrk="1" latinLnBrk="0" hangingPunct="1">
+        <a:defRPr sz="1800" kern="1200">
+          <a:solidFill>
+            <a:schemeClr val="tx1"/>
+          </a:solidFill>
+          <a:latin typeface="+mn-lt"/>
+          <a:ea typeface="+mn-ea"/>
+          <a:cs typeface="+mn-cs"/>
+        </a:defRPr>
+      </a:lvl2pPr>
+      <a:lvl3pPr marL="914400" algn="l" defTabSz="914400" rtl="0" eaLnBrk="1" latinLnBrk="0" hangingPunct="1">
+        <a:defRPr sz="1800" kern="1200">
+          <a:solidFill>
+            <a:schemeClr val="tx1"/>
+          </a:solidFill>
+          <a:latin typeface="+mn-lt"/>
+          <a:ea typeface="+mn-ea"/>
+          <a:cs typeface="+mn-cs"/>
+        </a:defRPr>
+      </a:lvl3pPr>
+      <a:lvl4pPr marL="1371600" algn="l" defTabSz="914400" rtl="0" eaLnBrk="1" latinLnBrk="0" hangingPunct="1">
+        <a:defRPr sz="1800" kern="1200">
+          <a:solidFill>
+            <a:schemeClr val="tx1"/>
+          </a:solidFill>
+          <a:latin typeface="+mn-lt"/>
+          <a:ea typeface="+mn-ea"/>
+          <a:cs typeface="+mn-cs"/>
+        </a:defRPr>
+      </a:lvl4pPr>
+      <a:lvl5pPr marL="1828800" algn="l" defTabSz="914400" rtl="0" eaLnBrk="1" latinLnBrk="0" hangingPunct="1">
+        <a:defRPr sz="1800" kern="1200">
+          <a:solidFill>
+            <a:schemeClr val="tx1"/>
+          </a:solidFill>
+          <a:latin typeface="+mn-lt"/>
+          <a:ea typeface="+mn-ea"/>
+          <a:cs typeface="+mn-cs"/>
+        </a:defRPr>
+      </a:lvl5pPr>
+      <a:lvl6pPr marL="2286000" algn="l" defTabSz="914400" rtl="0" eaLnBrk="1" latinLnBrk="0" hangingPunct="1">
+        <a:defRPr sz="1800" kern="1200">
+          <a:solidFill>
+            <a:schemeClr val="tx1"/>
+          </a:solidFill>
+          <a:latin typeface="+mn-lt"/>
+          <a:ea typeface="+mn-ea"/>
+          <a:cs typeface="+mn-cs"/>
+        </a:defRPr>
+      </a:lvl6pPr>
+      <a:lvl7pPr marL="2743200" algn="l" defTabSz="914400" rtl="0" eaLnBrk="1" latinLnBrk="0" hangingPunct="1">
+        <a:defRPr sz="1800" kern="1200">
+          <a:solidFill>
+            <a:schemeClr val="tx1"/>
+          </a:solidFill>
+          <a:latin typeface="+mn-lt"/>
+          <a:ea typeface="+mn-ea"/>
+          <a:cs typeface="+mn-cs"/>
+        </a:defRPr>
+      </a:lvl7pPr>
+      <a:lvl8pPr marL="3200400" algn="l" defTabSz="914400" rtl="0" eaLnBrk="1" latinLnBrk="0" hangingPunct="1">
+        <a:defRPr sz="1800" kern="1200">
+          <a:solidFill>
+            <a:schemeClr val="tx1"/>
+          </a:solidFill>
+          <a:latin typeface="+mn-lt"/>
+          <a:ea typeface="+mn-ea"/>
+          <a:cs typeface="+mn-cs"/>
+        </a:defRPr>
+      </a:lvl8pPr>
+      <a:lvl9pPr marL="3657600" algn="l" defTabSz="914400" rtl="0" eaLnBrk="1" latinLnBrk="0" hangingPunct="1">
+        <a:defRPr sz="1800" kern="1200">
+          <a:solidFill>
+            <a:schemeClr val="tx1"/>
+          </a:solidFill>
+          <a:latin typeface="+mn-lt"/>
+          <a:ea typeface="+mn-ea"/>
+          <a:cs typeface="+mn-cs"/>
+        </a:defRPr>
+      </a:lvl9pPr>
+    </p:otherStyle>
+  </p:txStyles>
 </p:sldMaster>
 </file>
 
 <file path=ppt/slideMasters/slideMaster2.xml><?xml version="1.0" encoding="utf-8"?>
-<p:sldMaster xmlns:a="http://schemas.openxmlformats.org/drawingml/2006/main" xmlns:p="http://schemas.openxmlformats.org/presentationml/2006/main" xmlns:r="http://schemas.openxmlformats.org/officeDocument/2006/relationships" xmlns:p14="http://schemas.microsoft.com/office/powerpoint/2010/main" xmlns:p15="http://schemas.microsoft.com/office/powerpoint/2012/main" xmlns:mc="http://schemas.openxmlformats.org/markup-compatibility/2006">
+<p:sldMaster xmlns:a="http://schemas.openxmlformats.org/drawingml/2006/main" xmlns:r="http://schemas.openxmlformats.org/officeDocument/2006/relationships" xmlns:p="http://schemas.openxmlformats.org/presentationml/2006/main">
   <p:cSld>
     <p:bg>
       <p:bgPr>
         <a:solidFill>
-          <a:srgbClr val="ffffff"/>
+          <a:srgbClr val="FFFFFF"/>
         </a:solidFill>
+        <a:effectLst/>
       </p:bgPr>
     </p:bg>
     <p:spTree>
@@ -3699,12 +4482,12 @@
       </p:grpSpPr>
       <p:pic>
         <p:nvPicPr>
-          <p:cNvPr id="39" name="Picture 6" descr=""/>
+          <p:cNvPr id="39" name="Picture 6"/>
           <p:cNvPicPr/>
           <p:nvPr/>
         </p:nvPicPr>
         <p:blipFill>
-          <a:blip r:embed="rId2"/>
+          <a:blip r:embed="rId14"/>
           <a:stretch/>
         </p:blipFill>
         <p:spPr>
@@ -3740,18 +4523,16 @@
           </a:prstGeom>
         </p:spPr>
         <p:txBody>
-          <a:bodyPr lIns="0" rIns="0" tIns="0" bIns="0" anchor="ctr"/>
+          <a:bodyPr lIns="0" tIns="0" rIns="0" bIns="0" anchor="ctr"/>
+          <a:lstStyle/>
           <a:p>
             <a:pPr algn="ctr"/>
             <a:r>
-              <a:rPr b="0" lang="en-US" sz="4400" spc="-1" strike="noStrike">
+              <a:rPr lang="en-US" sz="4400" b="0" strike="noStrike" spc="-1">
                 <a:latin typeface="Arial"/>
               </a:rPr>
               <a:t>Click to edit the title text format</a:t>
             </a:r>
-            <a:endParaRPr b="0" lang="en-US" sz="4400" spc="-1" strike="noStrike">
-              <a:latin typeface="Arial"/>
-            </a:endParaRPr>
           </a:p>
         </p:txBody>
       </p:sp>
@@ -3775,9 +4556,10 @@
           </a:prstGeom>
         </p:spPr>
         <p:txBody>
-          <a:bodyPr lIns="0" rIns="0" tIns="0" bIns="0">
+          <a:bodyPr lIns="0" tIns="0" rIns="0" bIns="0">
             <a:normAutofit/>
           </a:bodyPr>
+          <a:lstStyle/>
           <a:p>
             <a:pPr marL="432000" indent="-324000">
               <a:spcBef>
@@ -3791,17 +4573,14 @@
               <a:buChar char=""/>
             </a:pPr>
             <a:r>
-              <a:rPr b="0" lang="en-US" sz="3200" spc="-1" strike="noStrike">
+              <a:rPr lang="en-US" sz="3200" b="0" strike="noStrike" spc="-1">
                 <a:latin typeface="Arial"/>
               </a:rPr>
               <a:t>Click to edit the outline text format</a:t>
             </a:r>
-            <a:endParaRPr b="0" lang="en-US" sz="3200" spc="-1" strike="noStrike">
-              <a:latin typeface="Arial"/>
-            </a:endParaRPr>
-          </a:p>
-          <a:p>
-            <a:pPr lvl="1" marL="864000" indent="-324000">
+          </a:p>
+          <a:p>
+            <a:pPr marL="864000" lvl="1" indent="-324000">
               <a:spcBef>
                 <a:spcPts val="1134"/>
               </a:spcBef>
@@ -3813,17 +4592,14 @@
               <a:buChar char=""/>
             </a:pPr>
             <a:r>
-              <a:rPr b="0" lang="en-US" sz="2800" spc="-1" strike="noStrike">
+              <a:rPr lang="en-US" sz="2800" b="0" strike="noStrike" spc="-1">
                 <a:latin typeface="Arial"/>
               </a:rPr>
               <a:t>Second Outline Level</a:t>
             </a:r>
-            <a:endParaRPr b="0" lang="en-US" sz="2800" spc="-1" strike="noStrike">
-              <a:latin typeface="Arial"/>
-            </a:endParaRPr>
-          </a:p>
-          <a:p>
-            <a:pPr lvl="2" marL="1296000" indent="-288000">
+          </a:p>
+          <a:p>
+            <a:pPr marL="1296000" lvl="2" indent="-288000">
               <a:spcBef>
                 <a:spcPts val="850"/>
               </a:spcBef>
@@ -3835,17 +4611,14 @@
               <a:buChar char=""/>
             </a:pPr>
             <a:r>
-              <a:rPr b="0" lang="en-US" sz="2400" spc="-1" strike="noStrike">
+              <a:rPr lang="en-US" sz="2400" b="0" strike="noStrike" spc="-1">
                 <a:latin typeface="Arial"/>
               </a:rPr>
               <a:t>Third Outline Level</a:t>
             </a:r>
-            <a:endParaRPr b="0" lang="en-US" sz="2400" spc="-1" strike="noStrike">
-              <a:latin typeface="Arial"/>
-            </a:endParaRPr>
-          </a:p>
-          <a:p>
-            <a:pPr lvl="3" marL="1728000" indent="-216000">
+          </a:p>
+          <a:p>
+            <a:pPr marL="1728000" lvl="3" indent="-216000">
               <a:spcBef>
                 <a:spcPts val="567"/>
               </a:spcBef>
@@ -3857,17 +4630,14 @@
               <a:buChar char=""/>
             </a:pPr>
             <a:r>
-              <a:rPr b="0" lang="en-US" sz="2000" spc="-1" strike="noStrike">
+              <a:rPr lang="en-US" sz="2000" b="0" strike="noStrike" spc="-1">
                 <a:latin typeface="Arial"/>
               </a:rPr>
               <a:t>Fourth Outline Level</a:t>
             </a:r>
-            <a:endParaRPr b="0" lang="en-US" sz="2000" spc="-1" strike="noStrike">
-              <a:latin typeface="Arial"/>
-            </a:endParaRPr>
-          </a:p>
-          <a:p>
-            <a:pPr lvl="4" marL="2160000" indent="-216000">
+          </a:p>
+          <a:p>
+            <a:pPr marL="2160000" lvl="4" indent="-216000">
               <a:spcBef>
                 <a:spcPts val="283"/>
               </a:spcBef>
@@ -3879,17 +4649,14 @@
               <a:buChar char=""/>
             </a:pPr>
             <a:r>
-              <a:rPr b="0" lang="en-US" sz="2000" spc="-1" strike="noStrike">
+              <a:rPr lang="en-US" sz="2000" b="0" strike="noStrike" spc="-1">
                 <a:latin typeface="Arial"/>
               </a:rPr>
               <a:t>Fifth Outline Level</a:t>
             </a:r>
-            <a:endParaRPr b="0" lang="en-US" sz="2000" spc="-1" strike="noStrike">
-              <a:latin typeface="Arial"/>
-            </a:endParaRPr>
-          </a:p>
-          <a:p>
-            <a:pPr lvl="5" marL="2592000" indent="-216000">
+          </a:p>
+          <a:p>
+            <a:pPr marL="2592000" lvl="5" indent="-216000">
               <a:spcBef>
                 <a:spcPts val="283"/>
               </a:spcBef>
@@ -3901,17 +4668,14 @@
               <a:buChar char=""/>
             </a:pPr>
             <a:r>
-              <a:rPr b="0" lang="en-US" sz="2000" spc="-1" strike="noStrike">
+              <a:rPr lang="en-US" sz="2000" b="0" strike="noStrike" spc="-1">
                 <a:latin typeface="Arial"/>
               </a:rPr>
               <a:t>Sixth Outline Level</a:t>
             </a:r>
-            <a:endParaRPr b="0" lang="en-US" sz="2000" spc="-1" strike="noStrike">
-              <a:latin typeface="Arial"/>
-            </a:endParaRPr>
-          </a:p>
-          <a:p>
-            <a:pPr lvl="6" marL="3024000" indent="-216000">
+          </a:p>
+          <a:p>
+            <a:pPr marL="3024000" lvl="6" indent="-216000">
               <a:spcBef>
                 <a:spcPts val="283"/>
               </a:spcBef>
@@ -3923,39 +4687,316 @@
               <a:buChar char=""/>
             </a:pPr>
             <a:r>
-              <a:rPr b="0" lang="en-US" sz="2000" spc="-1" strike="noStrike">
+              <a:rPr lang="en-US" sz="2000" b="0" strike="noStrike" spc="-1">
                 <a:latin typeface="Arial"/>
               </a:rPr>
               <a:t>Seventh Outline Level</a:t>
             </a:r>
-            <a:endParaRPr b="0" lang="en-US" sz="2000" spc="-1" strike="noStrike">
-              <a:latin typeface="Arial"/>
-            </a:endParaRPr>
           </a:p>
         </p:txBody>
       </p:sp>
     </p:spTree>
   </p:cSld>
-  <p:clrMap bg1="lt1" bg2="lt2" tx1="dk1" tx2="dk2" accent1="accent1" accent2="accent2" accent3="accent3" accent4="accent4" accent5="accent5" accent6="accent6" hlink="hlink" folHlink="folHlink"/>
+  <p:clrMap bg1="lt1" tx1="dk1" bg2="lt2" tx2="dk2" accent1="accent1" accent2="accent2" accent3="accent3" accent4="accent4" accent5="accent5" accent6="accent6" hlink="hlink" folHlink="folHlink"/>
   <p:sldLayoutIdLst>
-    <p:sldLayoutId id="2147483662" r:id="rId3"/>
-    <p:sldLayoutId id="2147483663" r:id="rId4"/>
-    <p:sldLayoutId id="2147483664" r:id="rId5"/>
-    <p:sldLayoutId id="2147483665" r:id="rId6"/>
-    <p:sldLayoutId id="2147483666" r:id="rId7"/>
-    <p:sldLayoutId id="2147483667" r:id="rId8"/>
-    <p:sldLayoutId id="2147483668" r:id="rId9"/>
-    <p:sldLayoutId id="2147483669" r:id="rId10"/>
-    <p:sldLayoutId id="2147483670" r:id="rId11"/>
-    <p:sldLayoutId id="2147483671" r:id="rId12"/>
-    <p:sldLayoutId id="2147483672" r:id="rId13"/>
-    <p:sldLayoutId id="2147483673" r:id="rId14"/>
+    <p:sldLayoutId id="2147483662" r:id="rId1"/>
+    <p:sldLayoutId id="2147483663" r:id="rId2"/>
+    <p:sldLayoutId id="2147483664" r:id="rId3"/>
+    <p:sldLayoutId id="2147483665" r:id="rId4"/>
+    <p:sldLayoutId id="2147483666" r:id="rId5"/>
+    <p:sldLayoutId id="2147483667" r:id="rId6"/>
+    <p:sldLayoutId id="2147483668" r:id="rId7"/>
+    <p:sldLayoutId id="2147483669" r:id="rId8"/>
+    <p:sldLayoutId id="2147483670" r:id="rId9"/>
+    <p:sldLayoutId id="2147483671" r:id="rId10"/>
+    <p:sldLayoutId id="2147483672" r:id="rId11"/>
+    <p:sldLayoutId id="2147483673" r:id="rId12"/>
   </p:sldLayoutIdLst>
+  <p:txStyles>
+    <p:titleStyle>
+      <a:lvl1pPr algn="l" defTabSz="914400" rtl="0" eaLnBrk="1" latinLnBrk="0" hangingPunct="1">
+        <a:lnSpc>
+          <a:spcPct val="90000"/>
+        </a:lnSpc>
+        <a:spcBef>
+          <a:spcPct val="0"/>
+        </a:spcBef>
+        <a:buNone/>
+        <a:defRPr sz="4400" kern="1200">
+          <a:solidFill>
+            <a:schemeClr val="tx1"/>
+          </a:solidFill>
+          <a:latin typeface="+mj-lt"/>
+          <a:ea typeface="+mj-ea"/>
+          <a:cs typeface="+mj-cs"/>
+        </a:defRPr>
+      </a:lvl1pPr>
+    </p:titleStyle>
+    <p:bodyStyle>
+      <a:lvl1pPr marL="228600" indent="-228600" algn="l" defTabSz="914400" rtl="0" eaLnBrk="1" latinLnBrk="0" hangingPunct="1">
+        <a:lnSpc>
+          <a:spcPct val="90000"/>
+        </a:lnSpc>
+        <a:spcBef>
+          <a:spcPts val="1000"/>
+        </a:spcBef>
+        <a:buFont typeface="Arial" panose="020B0604020202020204" pitchFamily="34" charset="0"/>
+        <a:buChar char="•"/>
+        <a:defRPr sz="2800" kern="1200">
+          <a:solidFill>
+            <a:schemeClr val="tx1"/>
+          </a:solidFill>
+          <a:latin typeface="+mn-lt"/>
+          <a:ea typeface="+mn-ea"/>
+          <a:cs typeface="+mn-cs"/>
+        </a:defRPr>
+      </a:lvl1pPr>
+      <a:lvl2pPr marL="685800" indent="-228600" algn="l" defTabSz="914400" rtl="0" eaLnBrk="1" latinLnBrk="0" hangingPunct="1">
+        <a:lnSpc>
+          <a:spcPct val="90000"/>
+        </a:lnSpc>
+        <a:spcBef>
+          <a:spcPts val="500"/>
+        </a:spcBef>
+        <a:buFont typeface="Arial" panose="020B0604020202020204" pitchFamily="34" charset="0"/>
+        <a:buChar char="•"/>
+        <a:defRPr sz="2400" kern="1200">
+          <a:solidFill>
+            <a:schemeClr val="tx1"/>
+          </a:solidFill>
+          <a:latin typeface="+mn-lt"/>
+          <a:ea typeface="+mn-ea"/>
+          <a:cs typeface="+mn-cs"/>
+        </a:defRPr>
+      </a:lvl2pPr>
+      <a:lvl3pPr marL="1143000" indent="-228600" algn="l" defTabSz="914400" rtl="0" eaLnBrk="1" latinLnBrk="0" hangingPunct="1">
+        <a:lnSpc>
+          <a:spcPct val="90000"/>
+        </a:lnSpc>
+        <a:spcBef>
+          <a:spcPts val="500"/>
+        </a:spcBef>
+        <a:buFont typeface="Arial" panose="020B0604020202020204" pitchFamily="34" charset="0"/>
+        <a:buChar char="•"/>
+        <a:defRPr sz="2000" kern="1200">
+          <a:solidFill>
+            <a:schemeClr val="tx1"/>
+          </a:solidFill>
+          <a:latin typeface="+mn-lt"/>
+          <a:ea typeface="+mn-ea"/>
+          <a:cs typeface="+mn-cs"/>
+        </a:defRPr>
+      </a:lvl3pPr>
+      <a:lvl4pPr marL="1600200" indent="-228600" algn="l" defTabSz="914400" rtl="0" eaLnBrk="1" latinLnBrk="0" hangingPunct="1">
+        <a:lnSpc>
+          <a:spcPct val="90000"/>
+        </a:lnSpc>
+        <a:spcBef>
+          <a:spcPts val="500"/>
+        </a:spcBef>
+        <a:buFont typeface="Arial" panose="020B0604020202020204" pitchFamily="34" charset="0"/>
+        <a:buChar char="•"/>
+        <a:defRPr sz="1800" kern="1200">
+          <a:solidFill>
+            <a:schemeClr val="tx1"/>
+          </a:solidFill>
+          <a:latin typeface="+mn-lt"/>
+          <a:ea typeface="+mn-ea"/>
+          <a:cs typeface="+mn-cs"/>
+        </a:defRPr>
+      </a:lvl4pPr>
+      <a:lvl5pPr marL="2057400" indent="-228600" algn="l" defTabSz="914400" rtl="0" eaLnBrk="1" latinLnBrk="0" hangingPunct="1">
+        <a:lnSpc>
+          <a:spcPct val="90000"/>
+        </a:lnSpc>
+        <a:spcBef>
+          <a:spcPts val="500"/>
+        </a:spcBef>
+        <a:buFont typeface="Arial" panose="020B0604020202020204" pitchFamily="34" charset="0"/>
+        <a:buChar char="•"/>
+        <a:defRPr sz="1800" kern="1200">
+          <a:solidFill>
+            <a:schemeClr val="tx1"/>
+          </a:solidFill>
+          <a:latin typeface="+mn-lt"/>
+          <a:ea typeface="+mn-ea"/>
+          <a:cs typeface="+mn-cs"/>
+        </a:defRPr>
+      </a:lvl5pPr>
+      <a:lvl6pPr marL="2514600" indent="-228600" algn="l" defTabSz="914400" rtl="0" eaLnBrk="1" latinLnBrk="0" hangingPunct="1">
+        <a:lnSpc>
+          <a:spcPct val="90000"/>
+        </a:lnSpc>
+        <a:spcBef>
+          <a:spcPts val="500"/>
+        </a:spcBef>
+        <a:buFont typeface="Arial" panose="020B0604020202020204" pitchFamily="34" charset="0"/>
+        <a:buChar char="•"/>
+        <a:defRPr sz="1800" kern="1200">
+          <a:solidFill>
+            <a:schemeClr val="tx1"/>
+          </a:solidFill>
+          <a:latin typeface="+mn-lt"/>
+          <a:ea typeface="+mn-ea"/>
+          <a:cs typeface="+mn-cs"/>
+        </a:defRPr>
+      </a:lvl6pPr>
+      <a:lvl7pPr marL="2971800" indent="-228600" algn="l" defTabSz="914400" rtl="0" eaLnBrk="1" latinLnBrk="0" hangingPunct="1">
+        <a:lnSpc>
+          <a:spcPct val="90000"/>
+        </a:lnSpc>
+        <a:spcBef>
+          <a:spcPts val="500"/>
+        </a:spcBef>
+        <a:buFont typeface="Arial" panose="020B0604020202020204" pitchFamily="34" charset="0"/>
+        <a:buChar char="•"/>
+        <a:defRPr sz="1800" kern="1200">
+          <a:solidFill>
+            <a:schemeClr val="tx1"/>
+          </a:solidFill>
+          <a:latin typeface="+mn-lt"/>
+          <a:ea typeface="+mn-ea"/>
+          <a:cs typeface="+mn-cs"/>
+        </a:defRPr>
+      </a:lvl7pPr>
+      <a:lvl8pPr marL="3429000" indent="-228600" algn="l" defTabSz="914400" rtl="0" eaLnBrk="1" latinLnBrk="0" hangingPunct="1">
+        <a:lnSpc>
+          <a:spcPct val="90000"/>
+        </a:lnSpc>
+        <a:spcBef>
+          <a:spcPts val="500"/>
+        </a:spcBef>
+        <a:buFont typeface="Arial" panose="020B0604020202020204" pitchFamily="34" charset="0"/>
+        <a:buChar char="•"/>
+        <a:defRPr sz="1800" kern="1200">
+          <a:solidFill>
+            <a:schemeClr val="tx1"/>
+          </a:solidFill>
+          <a:latin typeface="+mn-lt"/>
+          <a:ea typeface="+mn-ea"/>
+          <a:cs typeface="+mn-cs"/>
+        </a:defRPr>
+      </a:lvl8pPr>
+      <a:lvl9pPr marL="3886200" indent="-228600" algn="l" defTabSz="914400" rtl="0" eaLnBrk="1" latinLnBrk="0" hangingPunct="1">
+        <a:lnSpc>
+          <a:spcPct val="90000"/>
+        </a:lnSpc>
+        <a:spcBef>
+          <a:spcPts val="500"/>
+        </a:spcBef>
+        <a:buFont typeface="Arial" panose="020B0604020202020204" pitchFamily="34" charset="0"/>
+        <a:buChar char="•"/>
+        <a:defRPr sz="1800" kern="1200">
+          <a:solidFill>
+            <a:schemeClr val="tx1"/>
+          </a:solidFill>
+          <a:latin typeface="+mn-lt"/>
+          <a:ea typeface="+mn-ea"/>
+          <a:cs typeface="+mn-cs"/>
+        </a:defRPr>
+      </a:lvl9pPr>
+    </p:bodyStyle>
+    <p:otherStyle>
+      <a:defPPr>
+        <a:defRPr lang="de-DE"/>
+      </a:defPPr>
+      <a:lvl1pPr marL="0" algn="l" defTabSz="914400" rtl="0" eaLnBrk="1" latinLnBrk="0" hangingPunct="1">
+        <a:defRPr sz="1800" kern="1200">
+          <a:solidFill>
+            <a:schemeClr val="tx1"/>
+          </a:solidFill>
+          <a:latin typeface="+mn-lt"/>
+          <a:ea typeface="+mn-ea"/>
+          <a:cs typeface="+mn-cs"/>
+        </a:defRPr>
+      </a:lvl1pPr>
+      <a:lvl2pPr marL="457200" algn="l" defTabSz="914400" rtl="0" eaLnBrk="1" latinLnBrk="0" hangingPunct="1">
+        <a:defRPr sz="1800" kern="1200">
+          <a:solidFill>
+            <a:schemeClr val="tx1"/>
+          </a:solidFill>
+          <a:latin typeface="+mn-lt"/>
+          <a:ea typeface="+mn-ea"/>
+          <a:cs typeface="+mn-cs"/>
+        </a:defRPr>
+      </a:lvl2pPr>
+      <a:lvl3pPr marL="914400" algn="l" defTabSz="914400" rtl="0" eaLnBrk="1" latinLnBrk="0" hangingPunct="1">
+        <a:defRPr sz="1800" kern="1200">
+          <a:solidFill>
+            <a:schemeClr val="tx1"/>
+          </a:solidFill>
+          <a:latin typeface="+mn-lt"/>
+          <a:ea typeface="+mn-ea"/>
+          <a:cs typeface="+mn-cs"/>
+        </a:defRPr>
+      </a:lvl3pPr>
+      <a:lvl4pPr marL="1371600" algn="l" defTabSz="914400" rtl="0" eaLnBrk="1" latinLnBrk="0" hangingPunct="1">
+        <a:defRPr sz="1800" kern="1200">
+          <a:solidFill>
+            <a:schemeClr val="tx1"/>
+          </a:solidFill>
+          <a:latin typeface="+mn-lt"/>
+          <a:ea typeface="+mn-ea"/>
+          <a:cs typeface="+mn-cs"/>
+        </a:defRPr>
+      </a:lvl4pPr>
+      <a:lvl5pPr marL="1828800" algn="l" defTabSz="914400" rtl="0" eaLnBrk="1" latinLnBrk="0" hangingPunct="1">
+        <a:defRPr sz="1800" kern="1200">
+          <a:solidFill>
+            <a:schemeClr val="tx1"/>
+          </a:solidFill>
+          <a:latin typeface="+mn-lt"/>
+          <a:ea typeface="+mn-ea"/>
+          <a:cs typeface="+mn-cs"/>
+        </a:defRPr>
+      </a:lvl5pPr>
+      <a:lvl6pPr marL="2286000" algn="l" defTabSz="914400" rtl="0" eaLnBrk="1" latinLnBrk="0" hangingPunct="1">
+        <a:defRPr sz="1800" kern="1200">
+          <a:solidFill>
+            <a:schemeClr val="tx1"/>
+          </a:solidFill>
+          <a:latin typeface="+mn-lt"/>
+          <a:ea typeface="+mn-ea"/>
+          <a:cs typeface="+mn-cs"/>
+        </a:defRPr>
+      </a:lvl6pPr>
+      <a:lvl7pPr marL="2743200" algn="l" defTabSz="914400" rtl="0" eaLnBrk="1" latinLnBrk="0" hangingPunct="1">
+        <a:defRPr sz="1800" kern="1200">
+          <a:solidFill>
+            <a:schemeClr val="tx1"/>
+          </a:solidFill>
+          <a:latin typeface="+mn-lt"/>
+          <a:ea typeface="+mn-ea"/>
+          <a:cs typeface="+mn-cs"/>
+        </a:defRPr>
+      </a:lvl7pPr>
+      <a:lvl8pPr marL="3200400" algn="l" defTabSz="914400" rtl="0" eaLnBrk="1" latinLnBrk="0" hangingPunct="1">
+        <a:defRPr sz="1800" kern="1200">
+          <a:solidFill>
+            <a:schemeClr val="tx1"/>
+          </a:solidFill>
+          <a:latin typeface="+mn-lt"/>
+          <a:ea typeface="+mn-ea"/>
+          <a:cs typeface="+mn-cs"/>
+        </a:defRPr>
+      </a:lvl8pPr>
+      <a:lvl9pPr marL="3657600" algn="l" defTabSz="914400" rtl="0" eaLnBrk="1" latinLnBrk="0" hangingPunct="1">
+        <a:defRPr sz="1800" kern="1200">
+          <a:solidFill>
+            <a:schemeClr val="tx1"/>
+          </a:solidFill>
+          <a:latin typeface="+mn-lt"/>
+          <a:ea typeface="+mn-ea"/>
+          <a:cs typeface="+mn-cs"/>
+        </a:defRPr>
+      </a:lvl9pPr>
+    </p:otherStyle>
+  </p:txStyles>
 </p:sldMaster>
 </file>
 
 <file path=ppt/slides/slide1.xml><?xml version="1.0" encoding="utf-8"?>
-<p:sld xmlns:a="http://schemas.openxmlformats.org/drawingml/2006/main" xmlns:p="http://schemas.openxmlformats.org/presentationml/2006/main" xmlns:r="http://schemas.openxmlformats.org/officeDocument/2006/relationships" xmlns:p14="http://schemas.microsoft.com/office/powerpoint/2010/main" xmlns:p15="http://schemas.microsoft.com/office/powerpoint/2012/main" xmlns:mc="http://schemas.openxmlformats.org/markup-compatibility/2006">
+<p:sld xmlns:a="http://schemas.openxmlformats.org/drawingml/2006/main" xmlns:r="http://schemas.openxmlformats.org/officeDocument/2006/relationships" xmlns:p="http://schemas.openxmlformats.org/presentationml/2006/main">
   <p:cSld>
     <p:spTree>
       <p:nvGrpSpPr>
@@ -3991,13 +5032,20 @@
           </a:ln>
         </p:spPr>
         <p:style>
-          <a:lnRef idx="0"/>
-          <a:fillRef idx="0"/>
-          <a:effectRef idx="0"/>
+          <a:lnRef idx="0">
+            <a:scrgbClr r="0" g="0" b="0"/>
+          </a:lnRef>
+          <a:fillRef idx="0">
+            <a:scrgbClr r="0" g="0" b="0"/>
+          </a:fillRef>
+          <a:effectRef idx="0">
+            <a:scrgbClr r="0" g="0" b="0"/>
+          </a:effectRef>
           <a:fontRef idx="minor"/>
         </p:style>
         <p:txBody>
-          <a:bodyPr lIns="90000" rIns="90000" tIns="45000" bIns="45000" anchor="b"/>
+          <a:bodyPr lIns="90000" tIns="45000" rIns="90000" bIns="45000" anchor="b"/>
+          <a:lstStyle/>
           <a:p>
             <a:pPr>
               <a:lnSpc>
@@ -4005,7 +5053,7 @@
               </a:lnSpc>
             </a:pPr>
             <a:r>
-              <a:rPr b="1" lang="en-US" sz="5400" spc="-1" strike="noStrike">
+              <a:rPr lang="en-US" sz="5400" b="1" strike="noStrike" spc="-1" dirty="0">
                 <a:solidFill>
                   <a:srgbClr val="000000"/>
                 </a:solidFill>
@@ -4013,7 +5061,7 @@
               </a:rPr>
               <a:t>Segmentation of brain tissues</a:t>
             </a:r>
-            <a:endParaRPr b="0" lang="en-US" sz="5400" spc="-1" strike="noStrike">
+            <a:endParaRPr lang="en-US" sz="5400" b="0" strike="noStrike" spc="-1" dirty="0">
               <a:latin typeface="Arial"/>
             </a:endParaRPr>
           </a:p>
@@ -4039,13 +5087,20 @@
           </a:ln>
         </p:spPr>
         <p:style>
-          <a:lnRef idx="0"/>
-          <a:fillRef idx="0"/>
-          <a:effectRef idx="0"/>
+          <a:lnRef idx="0">
+            <a:scrgbClr r="0" g="0" b="0"/>
+          </a:lnRef>
+          <a:fillRef idx="0">
+            <a:scrgbClr r="0" g="0" b="0"/>
+          </a:fillRef>
+          <a:effectRef idx="0">
+            <a:scrgbClr r="0" g="0" b="0"/>
+          </a:effectRef>
           <a:fontRef idx="minor"/>
         </p:style>
         <p:txBody>
-          <a:bodyPr lIns="90000" rIns="90000" tIns="45000" bIns="45000"/>
+          <a:bodyPr lIns="90000" tIns="45000" rIns="90000" bIns="45000"/>
+          <a:lstStyle/>
           <a:p>
             <a:pPr>
               <a:lnSpc>
@@ -4053,7 +5108,7 @@
               </a:lnSpc>
             </a:pPr>
             <a:r>
-              <a:rPr b="0" lang="en-US" sz="3200" spc="-1" strike="noStrike">
+              <a:rPr lang="en-US" sz="3200" b="0" strike="noStrike" spc="-1">
                 <a:solidFill>
                   <a:srgbClr val="000000"/>
                 </a:solidFill>
@@ -4061,7 +5116,7 @@
               </a:rPr>
               <a:t>Midterm Presentation MIALab</a:t>
             </a:r>
-            <a:endParaRPr b="0" lang="en-US" sz="3200" spc="-1" strike="noStrike">
+            <a:endParaRPr lang="en-US" sz="3200" b="0" strike="noStrike" spc="-1">
               <a:latin typeface="Arial"/>
             </a:endParaRPr>
           </a:p>
@@ -4072,7 +5127,7 @@
               </a:lnSpc>
             </a:pPr>
             <a:r>
-              <a:rPr b="0" lang="en-US" sz="2400" spc="-1" strike="noStrike">
+              <a:rPr lang="en-US" sz="2400" b="0" strike="noStrike" spc="-1">
                 <a:solidFill>
                   <a:srgbClr val="000000"/>
                 </a:solidFill>
@@ -4080,7 +5135,7 @@
               </a:rPr>
               <a:t>Matthias Fontanellaz, Michel Hayoz, Jonas Ledergerber</a:t>
             </a:r>
-            <a:endParaRPr b="0" lang="en-US" sz="2400" spc="-1" strike="noStrike">
+            <a:endParaRPr lang="en-US" sz="2400" b="0" strike="noStrike" spc="-1">
               <a:latin typeface="Arial"/>
             </a:endParaRPr>
           </a:p>
@@ -4091,7 +5146,7 @@
               </a:lnSpc>
             </a:pPr>
             <a:r>
-              <a:rPr b="0" lang="en-US" sz="2400" spc="-1" strike="noStrike">
+              <a:rPr lang="en-US" sz="2400" b="0" strike="noStrike" spc="-1">
                 <a:solidFill>
                   <a:srgbClr val="000000"/>
                 </a:solidFill>
@@ -4099,19 +5154,147 @@
               </a:rPr>
               <a:t>07.11.2018, ISTB Uni Bern</a:t>
             </a:r>
-            <a:endParaRPr b="0" lang="en-US" sz="2400" spc="-1" strike="noStrike">
-              <a:latin typeface="Arial"/>
-            </a:endParaRPr>
+            <a:endParaRPr lang="en-US" sz="2400" b="0" strike="noStrike" spc="-1">
+              <a:latin typeface="Arial"/>
+            </a:endParaRPr>
+          </a:p>
+        </p:txBody>
+      </p:sp>
+      <p:sp>
+        <p:nvSpPr>
+          <p:cNvPr id="2" name="TextBox 1"/>
+          <p:cNvSpPr txBox="1"/>
+          <p:nvPr/>
+        </p:nvSpPr>
+        <p:spPr>
+          <a:xfrm>
+            <a:off x="869246" y="284079"/>
+            <a:ext cx="5949244" cy="2862322"/>
+          </a:xfrm>
+          <a:prstGeom prst="rect">
+            <a:avLst/>
+          </a:prstGeom>
+          <a:solidFill>
+            <a:srgbClr val="FFFF00"/>
+          </a:solidFill>
+        </p:spPr>
+        <p:txBody>
+          <a:bodyPr wrap="square" rtlCol="0">
+            <a:spAutoFit/>
+          </a:bodyPr>
+          <a:lstStyle/>
+          <a:p>
+            <a:r>
+              <a:rPr lang="de-CH" dirty="0" smtClean="0">
+                <a:solidFill>
+                  <a:srgbClr val="FF0000"/>
+                </a:solidFill>
+              </a:rPr>
+              <a:t>FEEDBACK:</a:t>
+            </a:r>
+          </a:p>
+          <a:p>
+            <a:pPr marL="285750" indent="-285750">
+              <a:buFontTx/>
+              <a:buChar char="-"/>
+            </a:pPr>
+            <a:r>
+              <a:rPr lang="de-CH" dirty="0" smtClean="0"/>
+              <a:t>Sensitivity / specificity as a metric (over-, undersegm.)</a:t>
+            </a:r>
+          </a:p>
+          <a:p>
+            <a:pPr marL="285750" indent="-285750">
+              <a:buFontTx/>
+              <a:buChar char="-"/>
+            </a:pPr>
+            <a:r>
+              <a:rPr lang="de-CH" dirty="0" smtClean="0"/>
+              <a:t>No simpler method</a:t>
+            </a:r>
+          </a:p>
+          <a:p>
+            <a:pPr marL="285750" indent="-285750">
+              <a:buFontTx/>
+              <a:buChar char="-"/>
+            </a:pPr>
+            <a:r>
+              <a:rPr lang="de-CH" dirty="0" smtClean="0"/>
+              <a:t>Take more training samples on less training images</a:t>
+            </a:r>
+          </a:p>
+          <a:p>
+            <a:pPr marL="285750" indent="-285750">
+              <a:buFontTx/>
+              <a:buChar char="-"/>
+            </a:pPr>
+            <a:r>
+              <a:rPr lang="de-CH" dirty="0" smtClean="0"/>
+              <a:t>Add one slide on clinical problem</a:t>
+            </a:r>
+          </a:p>
+          <a:p>
+            <a:pPr marL="285750" indent="-285750">
+              <a:buFontTx/>
+              <a:buChar char="-"/>
+            </a:pPr>
+            <a:r>
+              <a:rPr lang="de-CH" dirty="0" smtClean="0"/>
+              <a:t>More numbers for images in presentation (stats etc.)</a:t>
+            </a:r>
+          </a:p>
+          <a:p>
+            <a:pPr marL="285750" indent="-285750">
+              <a:buFontTx/>
+              <a:buChar char="-"/>
+            </a:pPr>
+            <a:r>
+              <a:rPr lang="de-CH" dirty="0" smtClean="0"/>
+              <a:t>Reasoning / interpretation very good</a:t>
+            </a:r>
+          </a:p>
+          <a:p>
+            <a:pPr marL="285750" indent="-285750">
+              <a:buFontTx/>
+              <a:buChar char="-"/>
+            </a:pPr>
+            <a:r>
+              <a:rPr lang="de-CH" dirty="0" smtClean="0"/>
+              <a:t>Plot feature importance (numbers / bars)</a:t>
+            </a:r>
+          </a:p>
+          <a:p>
+            <a:pPr marL="285750" indent="-285750">
+              <a:buFontTx/>
+              <a:buChar char="-"/>
+            </a:pPr>
+            <a:r>
+              <a:rPr lang="de-CH" dirty="0" smtClean="0"/>
+              <a:t>More insight in the situation (training-, testing-setup)</a:t>
+            </a:r>
+          </a:p>
+          <a:p>
+            <a:pPr marL="285750" indent="-285750">
+              <a:buFontTx/>
+              <a:buChar char="-"/>
+            </a:pPr>
+            <a:r>
+              <a:rPr lang="de-CH" dirty="0" smtClean="0"/>
+              <a:t>Compare testing-time</a:t>
+            </a:r>
           </a:p>
         </p:txBody>
       </p:sp>
     </p:spTree>
   </p:cSld>
-  <mc:AlternateContent>
+  <p:clrMapOvr>
+    <a:masterClrMapping/>
+  </p:clrMapOvr>
+  <mc:AlternateContent xmlns:mc="http://schemas.openxmlformats.org/markup-compatibility/2006" xmlns:p14="http://schemas.microsoft.com/office/powerpoint/2010/main">
     <mc:Choice Requires="p14">
       <p:transition spd="slow" p14:dur="2000"/>
     </mc:Choice>
-    <mc:Fallback>
+    <mc:Fallback xmlns:p15="http://schemas.microsoft.com/office/powerpoint/2012/main" xmlns="">
       <p:transition spd="slow"/>
     </mc:Fallback>
   </mc:AlternateContent>
@@ -4123,14 +5306,14 @@
             <p:seq>
               <p:cTn id="2" dur="indefinite" nodeType="mainSeq"/>
               <p:prevCondLst>
-                <p:cond delay="0" evt="onPrev">
+                <p:cond evt="onPrev" delay="0">
                   <p:tgtEl>
                     <p:sldTgt/>
                   </p:tgtEl>
                 </p:cond>
               </p:prevCondLst>
               <p:nextCondLst>
-                <p:cond delay="0" evt="onNext">
+                <p:cond evt="onNext" delay="0">
                   <p:tgtEl>
                     <p:sldTgt/>
                   </p:tgtEl>
@@ -4146,7 +5329,7 @@
 </file>
 
 <file path=ppt/slides/slide2.xml><?xml version="1.0" encoding="utf-8"?>
-<p:sld xmlns:a="http://schemas.openxmlformats.org/drawingml/2006/main" xmlns:p="http://schemas.openxmlformats.org/presentationml/2006/main" xmlns:r="http://schemas.openxmlformats.org/officeDocument/2006/relationships" xmlns:p14="http://schemas.microsoft.com/office/powerpoint/2010/main" xmlns:p15="http://schemas.microsoft.com/office/powerpoint/2012/main" xmlns:mc="http://schemas.openxmlformats.org/markup-compatibility/2006">
+<p:sld xmlns:a="http://schemas.openxmlformats.org/drawingml/2006/main" xmlns:r="http://schemas.openxmlformats.org/officeDocument/2006/relationships" xmlns:p="http://schemas.openxmlformats.org/presentationml/2006/main">
   <p:cSld>
     <p:spTree>
       <p:nvGrpSpPr>
@@ -4182,13 +5365,20 @@
           </a:ln>
         </p:spPr>
         <p:style>
-          <a:lnRef idx="0"/>
-          <a:fillRef idx="0"/>
-          <a:effectRef idx="0"/>
+          <a:lnRef idx="0">
+            <a:scrgbClr r="0" g="0" b="0"/>
+          </a:lnRef>
+          <a:fillRef idx="0">
+            <a:scrgbClr r="0" g="0" b="0"/>
+          </a:fillRef>
+          <a:effectRef idx="0">
+            <a:scrgbClr r="0" g="0" b="0"/>
+          </a:effectRef>
           <a:fontRef idx="minor"/>
         </p:style>
         <p:txBody>
-          <a:bodyPr lIns="90000" rIns="90000" tIns="45000" bIns="45000" anchor="ctr"/>
+          <a:bodyPr lIns="90000" tIns="45000" rIns="90000" bIns="45000" anchor="ctr"/>
+          <a:lstStyle/>
           <a:p>
             <a:pPr>
               <a:lnSpc>
@@ -4196,7 +5386,7 @@
               </a:lnSpc>
             </a:pPr>
             <a:r>
-              <a:rPr b="1" lang="en-US" sz="4400" spc="-1" strike="noStrike">
+              <a:rPr lang="en-US" sz="4400" b="1" strike="noStrike" spc="-1">
                 <a:solidFill>
                   <a:srgbClr val="000000"/>
                 </a:solidFill>
@@ -4204,7 +5394,7 @@
               </a:rPr>
               <a:t>Content</a:t>
             </a:r>
-            <a:endParaRPr b="0" lang="en-US" sz="4400" spc="-1" strike="noStrike">
+            <a:endParaRPr lang="en-US" sz="4400" b="0" strike="noStrike" spc="-1">
               <a:latin typeface="Arial"/>
             </a:endParaRPr>
           </a:p>
@@ -4230,13 +5420,20 @@
           </a:ln>
         </p:spPr>
         <p:style>
-          <a:lnRef idx="0"/>
-          <a:fillRef idx="0"/>
-          <a:effectRef idx="0"/>
+          <a:lnRef idx="0">
+            <a:scrgbClr r="0" g="0" b="0"/>
+          </a:lnRef>
+          <a:fillRef idx="0">
+            <a:scrgbClr r="0" g="0" b="0"/>
+          </a:fillRef>
+          <a:effectRef idx="0">
+            <a:scrgbClr r="0" g="0" b="0"/>
+          </a:effectRef>
           <a:fontRef idx="minor"/>
         </p:style>
         <p:txBody>
-          <a:bodyPr lIns="90000" rIns="90000" tIns="45000" bIns="45000"/>
+          <a:bodyPr lIns="90000" tIns="45000" rIns="90000" bIns="45000"/>
+          <a:lstStyle/>
           <a:p>
             <a:pPr marL="228600" indent="-227880">
               <a:lnSpc>
@@ -4249,7 +5446,7 @@
               <a:buChar char="•"/>
             </a:pPr>
             <a:r>
-              <a:rPr b="0" lang="en-US" sz="2800" spc="-1" strike="noStrike">
+              <a:rPr lang="en-US" sz="2800" b="0" strike="noStrike" spc="-1">
                 <a:solidFill>
                   <a:srgbClr val="000000"/>
                 </a:solidFill>
@@ -4257,7 +5454,7 @@
               </a:rPr>
               <a:t>Approach</a:t>
             </a:r>
-            <a:endParaRPr b="0" lang="en-US" sz="2800" spc="-1" strike="noStrike">
+            <a:endParaRPr lang="en-US" sz="2800" b="0" strike="noStrike" spc="-1">
               <a:latin typeface="Arial"/>
             </a:endParaRPr>
           </a:p>
@@ -4273,7 +5470,7 @@
               <a:buChar char="•"/>
             </a:pPr>
             <a:r>
-              <a:rPr b="0" lang="en-US" sz="2800" spc="-1" strike="noStrike">
+              <a:rPr lang="en-US" sz="2800" b="0" strike="noStrike" spc="-1">
                 <a:solidFill>
                   <a:srgbClr val="000000"/>
                 </a:solidFill>
@@ -4281,7 +5478,7 @@
               </a:rPr>
               <a:t>Progress</a:t>
             </a:r>
-            <a:endParaRPr b="0" lang="en-US" sz="2800" spc="-1" strike="noStrike">
+            <a:endParaRPr lang="en-US" sz="2800" b="0" strike="noStrike" spc="-1">
               <a:latin typeface="Arial"/>
             </a:endParaRPr>
           </a:p>
@@ -4297,7 +5494,7 @@
               <a:buChar char="•"/>
             </a:pPr>
             <a:r>
-              <a:rPr b="0" lang="en-US" sz="2800" spc="-1" strike="noStrike">
+              <a:rPr lang="en-US" sz="2800" b="0" strike="noStrike" spc="-1">
                 <a:solidFill>
                   <a:srgbClr val="000000"/>
                 </a:solidFill>
@@ -4305,7 +5502,7 @@
               </a:rPr>
               <a:t>Challenges</a:t>
             </a:r>
-            <a:endParaRPr b="0" lang="en-US" sz="2800" spc="-1" strike="noStrike">
+            <a:endParaRPr lang="en-US" sz="2800" b="0" strike="noStrike" spc="-1">
               <a:latin typeface="Arial"/>
             </a:endParaRPr>
           </a:p>
@@ -4321,7 +5518,7 @@
               <a:buChar char="•"/>
             </a:pPr>
             <a:r>
-              <a:rPr b="0" lang="en-US" sz="2800" spc="-1" strike="noStrike">
+              <a:rPr lang="en-US" sz="2800" b="0" strike="noStrike" spc="-1">
                 <a:solidFill>
                   <a:srgbClr val="000000"/>
                 </a:solidFill>
@@ -4329,7 +5526,7 @@
               </a:rPr>
               <a:t>Insights</a:t>
             </a:r>
-            <a:endParaRPr b="0" lang="en-US" sz="2800" spc="-1" strike="noStrike">
+            <a:endParaRPr lang="en-US" sz="2800" b="0" strike="noStrike" spc="-1">
               <a:latin typeface="Arial"/>
             </a:endParaRPr>
           </a:p>
@@ -4345,7 +5542,7 @@
               <a:buChar char="•"/>
             </a:pPr>
             <a:r>
-              <a:rPr b="0" lang="en-US" sz="2800" spc="-1" strike="noStrike">
+              <a:rPr lang="en-US" sz="2800" b="0" strike="noStrike" spc="-1">
                 <a:solidFill>
                   <a:srgbClr val="000000"/>
                 </a:solidFill>
@@ -4353,7 +5550,7 @@
               </a:rPr>
               <a:t>Outlook</a:t>
             </a:r>
-            <a:endParaRPr b="0" lang="en-US" sz="2800" spc="-1" strike="noStrike">
+            <a:endParaRPr lang="en-US" sz="2800" b="0" strike="noStrike" spc="-1">
               <a:latin typeface="Arial"/>
             </a:endParaRPr>
           </a:p>
@@ -4379,13 +5576,20 @@
           </a:ln>
         </p:spPr>
         <p:style>
-          <a:lnRef idx="0"/>
-          <a:fillRef idx="0"/>
-          <a:effectRef idx="0"/>
+          <a:lnRef idx="0">
+            <a:scrgbClr r="0" g="0" b="0"/>
+          </a:lnRef>
+          <a:fillRef idx="0">
+            <a:scrgbClr r="0" g="0" b="0"/>
+          </a:fillRef>
+          <a:effectRef idx="0">
+            <a:scrgbClr r="0" g="0" b="0"/>
+          </a:effectRef>
           <a:fontRef idx="minor"/>
         </p:style>
         <p:txBody>
-          <a:bodyPr lIns="90000" rIns="90000" tIns="45000" bIns="45000" anchor="ctr"/>
+          <a:bodyPr lIns="90000" tIns="45000" rIns="90000" bIns="45000" anchor="ctr"/>
+          <a:lstStyle/>
           <a:p>
             <a:pPr>
               <a:lnSpc>
@@ -4393,15 +5597,15 @@
               </a:lnSpc>
             </a:pPr>
             <a:r>
-              <a:rPr b="0" lang="en-US" sz="1200" spc="-1" strike="noStrike">
-                <a:solidFill>
-                  <a:srgbClr val="8b8b8b"/>
+              <a:rPr lang="en-US" sz="1200" b="0" strike="noStrike" spc="-1">
+                <a:solidFill>
+                  <a:srgbClr val="8B8B8B"/>
                 </a:solidFill>
                 <a:latin typeface="Calibri"/>
               </a:rPr>
               <a:t>07.11.2018</a:t>
             </a:r>
-            <a:endParaRPr b="0" lang="en-US" sz="1200" spc="-1" strike="noStrike">
+            <a:endParaRPr lang="en-US" sz="1200" b="0" strike="noStrike" spc="-1">
               <a:latin typeface="Arial"/>
             </a:endParaRPr>
           </a:p>
@@ -4427,13 +5631,20 @@
           </a:ln>
         </p:spPr>
         <p:style>
-          <a:lnRef idx="0"/>
-          <a:fillRef idx="0"/>
-          <a:effectRef idx="0"/>
+          <a:lnRef idx="0">
+            <a:scrgbClr r="0" g="0" b="0"/>
+          </a:lnRef>
+          <a:fillRef idx="0">
+            <a:scrgbClr r="0" g="0" b="0"/>
+          </a:fillRef>
+          <a:effectRef idx="0">
+            <a:scrgbClr r="0" g="0" b="0"/>
+          </a:effectRef>
           <a:fontRef idx="minor"/>
         </p:style>
         <p:txBody>
-          <a:bodyPr lIns="90000" rIns="90000" tIns="45000" bIns="45000" anchor="ctr"/>
+          <a:bodyPr lIns="90000" tIns="45000" rIns="90000" bIns="45000" anchor="ctr"/>
+          <a:lstStyle/>
           <a:p>
             <a:pPr algn="ctr">
               <a:lnSpc>
@@ -4441,15 +5652,15 @@
               </a:lnSpc>
             </a:pPr>
             <a:r>
-              <a:rPr b="0" lang="en-US" sz="1200" spc="-1" strike="noStrike">
-                <a:solidFill>
-                  <a:srgbClr val="8b8b8b"/>
+              <a:rPr lang="en-US" sz="1200" b="0" strike="noStrike" spc="-1">
+                <a:solidFill>
+                  <a:srgbClr val="8B8B8B"/>
                 </a:solidFill>
                 <a:latin typeface="Calibri"/>
               </a:rPr>
               <a:t>Segmentation of brain tissues</a:t>
             </a:r>
-            <a:endParaRPr b="0" lang="en-US" sz="1200" spc="-1" strike="noStrike">
+            <a:endParaRPr lang="en-US" sz="1200" b="0" strike="noStrike" spc="-1">
               <a:latin typeface="Arial"/>
             </a:endParaRPr>
           </a:p>
@@ -4475,13 +5686,20 @@
           </a:ln>
         </p:spPr>
         <p:style>
-          <a:lnRef idx="0"/>
-          <a:fillRef idx="0"/>
-          <a:effectRef idx="0"/>
+          <a:lnRef idx="0">
+            <a:scrgbClr r="0" g="0" b="0"/>
+          </a:lnRef>
+          <a:fillRef idx="0">
+            <a:scrgbClr r="0" g="0" b="0"/>
+          </a:fillRef>
+          <a:effectRef idx="0">
+            <a:scrgbClr r="0" g="0" b="0"/>
+          </a:effectRef>
           <a:fontRef idx="minor"/>
         </p:style>
         <p:txBody>
-          <a:bodyPr lIns="90000" rIns="90000" tIns="45000" bIns="45000" anchor="ctr"/>
+          <a:bodyPr lIns="90000" tIns="45000" rIns="90000" bIns="45000" anchor="ctr"/>
+          <a:lstStyle/>
           <a:p>
             <a:pPr algn="r">
               <a:lnSpc>
@@ -4489,15 +5707,15 @@
               </a:lnSpc>
             </a:pPr>
             <a:fld id="{23EEEF0D-96B8-458C-AE01-F2651B56BC8D}" type="slidenum">
-              <a:rPr b="0" lang="en-US" sz="1200" spc="-1" strike="noStrike">
-                <a:solidFill>
-                  <a:srgbClr val="8b8b8b"/>
+              <a:rPr lang="en-US" sz="1200" b="0" strike="noStrike" spc="-1">
+                <a:solidFill>
+                  <a:srgbClr val="8B8B8B"/>
                 </a:solidFill>
                 <a:latin typeface="Calibri"/>
               </a:rPr>
-              <a:t>1</a:t>
+              <a:t>2</a:t>
             </a:fld>
-            <a:endParaRPr b="0" lang="en-US" sz="1200" spc="-1" strike="noStrike">
+            <a:endParaRPr lang="en-US" sz="1200" b="0" strike="noStrike" spc="-1">
               <a:latin typeface="Arial"/>
             </a:endParaRPr>
           </a:p>
@@ -4505,30 +5723,33 @@
       </p:sp>
     </p:spTree>
   </p:cSld>
-  <mc:AlternateContent>
+  <p:clrMapOvr>
+    <a:masterClrMapping/>
+  </p:clrMapOvr>
+  <mc:AlternateContent xmlns:mc="http://schemas.openxmlformats.org/markup-compatibility/2006" xmlns:p14="http://schemas.microsoft.com/office/powerpoint/2010/main">
     <mc:Choice Requires="p14">
       <p:transition spd="slow" p14:dur="2000"/>
     </mc:Choice>
-    <mc:Fallback>
+    <mc:Fallback xmlns:p15="http://schemas.microsoft.com/office/powerpoint/2012/main" xmlns="">
       <p:transition spd="slow"/>
     </mc:Fallback>
   </mc:AlternateContent>
   <p:timing>
     <p:tnLst>
       <p:par>
-        <p:cTn id="3" dur="indefinite" restart="never" nodeType="tmRoot">
+        <p:cTn id="1" dur="indefinite" restart="never" nodeType="tmRoot">
           <p:childTnLst>
             <p:seq>
-              <p:cTn id="4" dur="indefinite" nodeType="mainSeq"/>
+              <p:cTn id="2" dur="indefinite" nodeType="mainSeq"/>
               <p:prevCondLst>
-                <p:cond delay="0" evt="onPrev">
+                <p:cond evt="onPrev" delay="0">
                   <p:tgtEl>
                     <p:sldTgt/>
                   </p:tgtEl>
                 </p:cond>
               </p:prevCondLst>
               <p:nextCondLst>
-                <p:cond delay="0" evt="onNext">
+                <p:cond evt="onNext" delay="0">
                   <p:tgtEl>
                     <p:sldTgt/>
                   </p:tgtEl>
@@ -4544,7 +5765,7 @@
 </file>
 
 <file path=ppt/slides/slide3.xml><?xml version="1.0" encoding="utf-8"?>
-<p:sld xmlns:a="http://schemas.openxmlformats.org/drawingml/2006/main" xmlns:p="http://schemas.openxmlformats.org/presentationml/2006/main" xmlns:r="http://schemas.openxmlformats.org/officeDocument/2006/relationships" xmlns:p14="http://schemas.microsoft.com/office/powerpoint/2010/main" xmlns:p15="http://schemas.microsoft.com/office/powerpoint/2012/main" xmlns:mc="http://schemas.openxmlformats.org/markup-compatibility/2006">
+<p:sld xmlns:a="http://schemas.openxmlformats.org/drawingml/2006/main" xmlns:r="http://schemas.openxmlformats.org/officeDocument/2006/relationships" xmlns:p="http://schemas.openxmlformats.org/presentationml/2006/main">
   <p:cSld>
     <p:spTree>
       <p:nvGrpSpPr>
@@ -4580,13 +5801,20 @@
           </a:ln>
         </p:spPr>
         <p:style>
-          <a:lnRef idx="0"/>
-          <a:fillRef idx="0"/>
-          <a:effectRef idx="0"/>
+          <a:lnRef idx="0">
+            <a:scrgbClr r="0" g="0" b="0"/>
+          </a:lnRef>
+          <a:fillRef idx="0">
+            <a:scrgbClr r="0" g="0" b="0"/>
+          </a:fillRef>
+          <a:effectRef idx="0">
+            <a:scrgbClr r="0" g="0" b="0"/>
+          </a:effectRef>
           <a:fontRef idx="minor"/>
         </p:style>
         <p:txBody>
-          <a:bodyPr lIns="90000" rIns="90000" tIns="45000" bIns="45000" anchor="ctr"/>
+          <a:bodyPr lIns="90000" tIns="45000" rIns="90000" bIns="45000" anchor="ctr"/>
+          <a:lstStyle/>
           <a:p>
             <a:pPr>
               <a:lnSpc>
@@ -4594,7 +5822,7 @@
               </a:lnSpc>
             </a:pPr>
             <a:r>
-              <a:rPr b="1" lang="en-US" sz="4400" spc="-1" strike="noStrike">
+              <a:rPr lang="en-US" sz="4400" b="1" strike="noStrike" spc="-1">
                 <a:solidFill>
                   <a:srgbClr val="000000"/>
                 </a:solidFill>
@@ -4602,7 +5830,7 @@
               </a:rPr>
               <a:t>Approach</a:t>
             </a:r>
-            <a:endParaRPr b="0" lang="en-US" sz="4400" spc="-1" strike="noStrike">
+            <a:endParaRPr lang="en-US" sz="4400" b="0" strike="noStrike" spc="-1">
               <a:latin typeface="Arial"/>
             </a:endParaRPr>
           </a:p>
@@ -4628,13 +5856,20 @@
           </a:ln>
         </p:spPr>
         <p:style>
-          <a:lnRef idx="0"/>
-          <a:fillRef idx="0"/>
-          <a:effectRef idx="0"/>
+          <a:lnRef idx="0">
+            <a:scrgbClr r="0" g="0" b="0"/>
+          </a:lnRef>
+          <a:fillRef idx="0">
+            <a:scrgbClr r="0" g="0" b="0"/>
+          </a:fillRef>
+          <a:effectRef idx="0">
+            <a:scrgbClr r="0" g="0" b="0"/>
+          </a:effectRef>
           <a:fontRef idx="minor"/>
         </p:style>
         <p:txBody>
-          <a:bodyPr lIns="90000" rIns="90000" tIns="45000" bIns="45000"/>
+          <a:bodyPr lIns="90000" tIns="45000" rIns="90000" bIns="45000"/>
+          <a:lstStyle/>
           <a:p>
             <a:pPr>
               <a:lnSpc>
@@ -4642,7 +5877,7 @@
               </a:lnSpc>
             </a:pPr>
             <a:r>
-              <a:rPr b="0" lang="en-US" sz="2800" spc="-1" strike="noStrike">
+              <a:rPr lang="en-US" sz="2800" b="0" strike="noStrike" spc="-1" dirty="0">
                 <a:solidFill>
                   <a:srgbClr val="000000"/>
                 </a:solidFill>
@@ -4650,7 +5885,7 @@
               </a:rPr>
               <a:t>Evaluate different methods for segmentation:</a:t>
             </a:r>
-            <a:endParaRPr b="0" lang="en-US" sz="2800" spc="-1" strike="noStrike">
+            <a:endParaRPr lang="en-US" sz="2800" b="0" strike="noStrike" spc="-1" dirty="0">
               <a:latin typeface="Arial"/>
             </a:endParaRPr>
           </a:p>
@@ -4666,15 +5901,24 @@
               <a:buChar char="•"/>
             </a:pPr>
             <a:r>
-              <a:rPr b="0" lang="en-US" sz="2800" spc="-1" strike="noStrike">
+              <a:rPr lang="en-US" sz="2800" b="0" strike="noStrike" spc="-1" dirty="0">
                 <a:solidFill>
                   <a:srgbClr val="000000"/>
                 </a:solidFill>
                 <a:latin typeface="Calibri"/>
               </a:rPr>
-              <a:t>Random forest, Logistic regression, SVM linear, SVM rbf</a:t>
-            </a:r>
-            <a:endParaRPr b="0" lang="en-US" sz="2800" spc="-1" strike="noStrike">
+              <a:t>Random forest, Logistic regression, SVM linear, SVM </a:t>
+            </a:r>
+            <a:r>
+              <a:rPr lang="en-US" sz="2800" b="0" strike="noStrike" spc="-1" dirty="0" err="1">
+                <a:solidFill>
+                  <a:srgbClr val="000000"/>
+                </a:solidFill>
+                <a:latin typeface="Calibri"/>
+              </a:rPr>
+              <a:t>rbf</a:t>
+            </a:r>
+            <a:endParaRPr lang="en-US" sz="2800" b="0" strike="noStrike" spc="-1" dirty="0">
               <a:latin typeface="Arial"/>
             </a:endParaRPr>
           </a:p>
@@ -4684,7 +5928,7 @@
                 <a:spcPct val="90000"/>
               </a:lnSpc>
             </a:pPr>
-            <a:endParaRPr b="0" lang="en-US" sz="2800" spc="-1" strike="noStrike">
+            <a:endParaRPr lang="en-US" sz="2800" b="0" strike="noStrike" spc="-1" dirty="0">
               <a:latin typeface="Arial"/>
             </a:endParaRPr>
           </a:p>
@@ -4695,7 +5939,7 @@
               </a:lnSpc>
             </a:pPr>
             <a:r>
-              <a:rPr b="1" lang="en-US" sz="2800" spc="-1" strike="noStrike">
+              <a:rPr lang="en-US" sz="2800" b="1" strike="noStrike" spc="-1" dirty="0">
                 <a:solidFill>
                   <a:srgbClr val="000000"/>
                 </a:solidFill>
@@ -4703,7 +5947,7 @@
               </a:rPr>
               <a:t>Approach:</a:t>
             </a:r>
-            <a:endParaRPr b="0" lang="en-US" sz="2800" spc="-1" strike="noStrike">
+            <a:endParaRPr lang="en-US" sz="2800" b="0" strike="noStrike" spc="-1" dirty="0">
               <a:latin typeface="Arial"/>
             </a:endParaRPr>
           </a:p>
@@ -4719,15 +5963,33 @@
               <a:buChar char="•"/>
             </a:pPr>
             <a:r>
-              <a:rPr b="0" lang="en-US" sz="2800" spc="-1" strike="noStrike">
+              <a:rPr lang="en-US" sz="2800" b="0" strike="noStrike" spc="-1" dirty="0">
                 <a:solidFill>
                   <a:srgbClr val="000000"/>
                 </a:solidFill>
                 <a:latin typeface="Calibri"/>
               </a:rPr>
-              <a:t>Polynomial features (x^2, y^2, … , xz)</a:t>
-            </a:r>
-            <a:endParaRPr b="0" lang="en-US" sz="2800" spc="-1" strike="noStrike">
+              <a:t>Polynomial features (x^2, y^2, … , </a:t>
+            </a:r>
+            <a:r>
+              <a:rPr lang="en-US" sz="2800" b="0" strike="noStrike" spc="-1" dirty="0" err="1">
+                <a:solidFill>
+                  <a:srgbClr val="000000"/>
+                </a:solidFill>
+                <a:latin typeface="Calibri"/>
+              </a:rPr>
+              <a:t>xz</a:t>
+            </a:r>
+            <a:r>
+              <a:rPr lang="en-US" sz="2800" b="0" strike="noStrike" spc="-1" dirty="0">
+                <a:solidFill>
+                  <a:srgbClr val="000000"/>
+                </a:solidFill>
+                <a:latin typeface="Calibri"/>
+              </a:rPr>
+              <a:t>)</a:t>
+            </a:r>
+            <a:endParaRPr lang="en-US" sz="2800" b="0" strike="noStrike" spc="-1" dirty="0">
               <a:latin typeface="Arial"/>
             </a:endParaRPr>
           </a:p>
@@ -4743,15 +6005,33 @@
               <a:buChar char="•"/>
             </a:pPr>
             <a:r>
-              <a:rPr b="0" lang="en-US" sz="2800" spc="-1" strike="noStrike">
+              <a:rPr lang="en-US" sz="2800" b="0" strike="noStrike" spc="-1" dirty="0">
                 <a:solidFill>
                   <a:srgbClr val="000000"/>
                 </a:solidFill>
                 <a:latin typeface="Calibri"/>
               </a:rPr>
-              <a:t>Parameter tuning (GridSearch for C and Gamma)</a:t>
-            </a:r>
-            <a:endParaRPr b="0" lang="en-US" sz="2800" spc="-1" strike="noStrike">
+              <a:t>Parameter tuning (</a:t>
+            </a:r>
+            <a:r>
+              <a:rPr lang="en-US" sz="2800" b="0" strike="noStrike" spc="-1" dirty="0" err="1">
+                <a:solidFill>
+                  <a:srgbClr val="000000"/>
+                </a:solidFill>
+                <a:latin typeface="Calibri"/>
+              </a:rPr>
+              <a:t>GridSearch</a:t>
+            </a:r>
+            <a:r>
+              <a:rPr lang="en-US" sz="2800" b="0" strike="noStrike" spc="-1" dirty="0">
+                <a:solidFill>
+                  <a:srgbClr val="000000"/>
+                </a:solidFill>
+                <a:latin typeface="Calibri"/>
+              </a:rPr>
+              <a:t> for C and Gamma)</a:t>
+            </a:r>
+            <a:endParaRPr lang="en-US" sz="2800" b="0" strike="noStrike" spc="-1" dirty="0">
               <a:latin typeface="Arial"/>
             </a:endParaRPr>
           </a:p>
@@ -4767,7 +6047,7 @@
               <a:buChar char="•"/>
             </a:pPr>
             <a:r>
-              <a:rPr b="0" lang="en-US" sz="2800" spc="-1" strike="noStrike">
+              <a:rPr lang="en-US" sz="2800" b="0" strike="noStrike" spc="-1" dirty="0">
                 <a:solidFill>
                   <a:srgbClr val="000000"/>
                 </a:solidFill>
@@ -4775,7 +6055,7 @@
               </a:rPr>
               <a:t>Balance of training examples per class</a:t>
             </a:r>
-            <a:endParaRPr b="0" lang="en-US" sz="2800" spc="-1" strike="noStrike">
+            <a:endParaRPr lang="en-US" sz="2800" b="0" strike="noStrike" spc="-1" dirty="0">
               <a:latin typeface="Arial"/>
             </a:endParaRPr>
           </a:p>
@@ -4791,35 +6071,24 @@
               <a:buChar char="•"/>
             </a:pPr>
             <a:r>
-              <a:rPr b="0" lang="en-US" sz="2800" spc="-1" strike="noStrike">
+              <a:rPr lang="en-US" sz="2800" b="0" strike="noStrike" spc="-1" dirty="0">
                 <a:solidFill>
                   <a:srgbClr val="000000"/>
                 </a:solidFill>
                 <a:latin typeface="Calibri"/>
               </a:rPr>
-              <a:t>Feature scaling</a:t>
-            </a:r>
-            <a:endParaRPr b="0" lang="en-US" sz="2800" spc="-1" strike="noStrike">
-              <a:latin typeface="Arial"/>
-            </a:endParaRPr>
-          </a:p>
-          <a:p>
-            <a:pPr>
-              <a:lnSpc>
-                <a:spcPct val="90000"/>
-              </a:lnSpc>
-            </a:pPr>
-            <a:endParaRPr b="0" lang="en-US" sz="2800" spc="-1" strike="noStrike">
-              <a:latin typeface="Arial"/>
-            </a:endParaRPr>
-          </a:p>
-          <a:p>
-            <a:pPr>
-              <a:lnSpc>
-                <a:spcPct val="90000"/>
-              </a:lnSpc>
-            </a:pPr>
-            <a:endParaRPr b="0" lang="en-US" sz="2800" spc="-1" strike="noStrike">
+              <a:t>Feature </a:t>
+            </a:r>
+            <a:r>
+              <a:rPr lang="en-US" sz="2800" b="0" strike="noStrike" spc="-1" dirty="0" smtClean="0">
+                <a:solidFill>
+                  <a:srgbClr val="000000"/>
+                </a:solidFill>
+                <a:latin typeface="Calibri"/>
+              </a:rPr>
+              <a:t>scaling</a:t>
+            </a:r>
+            <a:endParaRPr lang="en-US" sz="2800" b="0" strike="noStrike" spc="-1" dirty="0">
               <a:latin typeface="Arial"/>
             </a:endParaRPr>
           </a:p>
@@ -4845,13 +6114,20 @@
           </a:ln>
         </p:spPr>
         <p:style>
-          <a:lnRef idx="0"/>
-          <a:fillRef idx="0"/>
-          <a:effectRef idx="0"/>
+          <a:lnRef idx="0">
+            <a:scrgbClr r="0" g="0" b="0"/>
+          </a:lnRef>
+          <a:fillRef idx="0">
+            <a:scrgbClr r="0" g="0" b="0"/>
+          </a:fillRef>
+          <a:effectRef idx="0">
+            <a:scrgbClr r="0" g="0" b="0"/>
+          </a:effectRef>
           <a:fontRef idx="minor"/>
         </p:style>
         <p:txBody>
-          <a:bodyPr lIns="90000" rIns="90000" tIns="45000" bIns="45000" anchor="ctr"/>
+          <a:bodyPr lIns="90000" tIns="45000" rIns="90000" bIns="45000" anchor="ctr"/>
+          <a:lstStyle/>
           <a:p>
             <a:pPr>
               <a:lnSpc>
@@ -4859,15 +6135,15 @@
               </a:lnSpc>
             </a:pPr>
             <a:r>
-              <a:rPr b="0" lang="en-US" sz="1200" spc="-1" strike="noStrike">
-                <a:solidFill>
-                  <a:srgbClr val="8b8b8b"/>
+              <a:rPr lang="en-US" sz="1200" b="0" strike="noStrike" spc="-1">
+                <a:solidFill>
+                  <a:srgbClr val="8B8B8B"/>
                 </a:solidFill>
                 <a:latin typeface="Calibri"/>
               </a:rPr>
               <a:t>07.11.2018</a:t>
             </a:r>
-            <a:endParaRPr b="0" lang="en-US" sz="1200" spc="-1" strike="noStrike">
+            <a:endParaRPr lang="en-US" sz="1200" b="0" strike="noStrike" spc="-1">
               <a:latin typeface="Arial"/>
             </a:endParaRPr>
           </a:p>
@@ -4893,13 +6169,20 @@
           </a:ln>
         </p:spPr>
         <p:style>
-          <a:lnRef idx="0"/>
-          <a:fillRef idx="0"/>
-          <a:effectRef idx="0"/>
+          <a:lnRef idx="0">
+            <a:scrgbClr r="0" g="0" b="0"/>
+          </a:lnRef>
+          <a:fillRef idx="0">
+            <a:scrgbClr r="0" g="0" b="0"/>
+          </a:fillRef>
+          <a:effectRef idx="0">
+            <a:scrgbClr r="0" g="0" b="0"/>
+          </a:effectRef>
           <a:fontRef idx="minor"/>
         </p:style>
         <p:txBody>
-          <a:bodyPr lIns="90000" rIns="90000" tIns="45000" bIns="45000" anchor="ctr"/>
+          <a:bodyPr lIns="90000" tIns="45000" rIns="90000" bIns="45000" anchor="ctr"/>
+          <a:lstStyle/>
           <a:p>
             <a:pPr algn="ctr">
               <a:lnSpc>
@@ -4907,15 +6190,15 @@
               </a:lnSpc>
             </a:pPr>
             <a:r>
-              <a:rPr b="0" lang="en-US" sz="1200" spc="-1" strike="noStrike">
-                <a:solidFill>
-                  <a:srgbClr val="8b8b8b"/>
+              <a:rPr lang="en-US" sz="1200" b="0" strike="noStrike" spc="-1">
+                <a:solidFill>
+                  <a:srgbClr val="8B8B8B"/>
                 </a:solidFill>
                 <a:latin typeface="Calibri"/>
               </a:rPr>
               <a:t>Segmentation of brain tissues</a:t>
             </a:r>
-            <a:endParaRPr b="0" lang="en-US" sz="1200" spc="-1" strike="noStrike">
+            <a:endParaRPr lang="en-US" sz="1200" b="0" strike="noStrike" spc="-1">
               <a:latin typeface="Arial"/>
             </a:endParaRPr>
           </a:p>
@@ -4941,13 +6224,20 @@
           </a:ln>
         </p:spPr>
         <p:style>
-          <a:lnRef idx="0"/>
-          <a:fillRef idx="0"/>
-          <a:effectRef idx="0"/>
+          <a:lnRef idx="0">
+            <a:scrgbClr r="0" g="0" b="0"/>
+          </a:lnRef>
+          <a:fillRef idx="0">
+            <a:scrgbClr r="0" g="0" b="0"/>
+          </a:fillRef>
+          <a:effectRef idx="0">
+            <a:scrgbClr r="0" g="0" b="0"/>
+          </a:effectRef>
           <a:fontRef idx="minor"/>
         </p:style>
         <p:txBody>
-          <a:bodyPr lIns="90000" rIns="90000" tIns="45000" bIns="45000" anchor="ctr"/>
+          <a:bodyPr lIns="90000" tIns="45000" rIns="90000" bIns="45000" anchor="ctr"/>
+          <a:lstStyle/>
           <a:p>
             <a:pPr algn="r">
               <a:lnSpc>
@@ -4955,15 +6245,15 @@
               </a:lnSpc>
             </a:pPr>
             <a:fld id="{B9191E88-92AF-41E1-AE11-D30D0F798FDD}" type="slidenum">
-              <a:rPr b="0" lang="en-US" sz="1200" spc="-1" strike="noStrike">
-                <a:solidFill>
-                  <a:srgbClr val="8b8b8b"/>
+              <a:rPr lang="en-US" sz="1200" b="0" strike="noStrike" spc="-1">
+                <a:solidFill>
+                  <a:srgbClr val="8B8B8B"/>
                 </a:solidFill>
                 <a:latin typeface="Calibri"/>
               </a:rPr>
-              <a:t>1</a:t>
+              <a:t>3</a:t>
             </a:fld>
-            <a:endParaRPr b="0" lang="en-US" sz="1200" spc="-1" strike="noStrike">
+            <a:endParaRPr lang="en-US" sz="1200" b="0" strike="noStrike" spc="-1">
               <a:latin typeface="Arial"/>
             </a:endParaRPr>
           </a:p>
@@ -4971,30 +6261,33 @@
       </p:sp>
     </p:spTree>
   </p:cSld>
-  <mc:AlternateContent>
+  <p:clrMapOvr>
+    <a:masterClrMapping/>
+  </p:clrMapOvr>
+  <mc:AlternateContent xmlns:mc="http://schemas.openxmlformats.org/markup-compatibility/2006" xmlns:p14="http://schemas.microsoft.com/office/powerpoint/2010/main">
     <mc:Choice Requires="p14">
       <p:transition spd="slow" p14:dur="2000"/>
     </mc:Choice>
-    <mc:Fallback>
+    <mc:Fallback xmlns:p15="http://schemas.microsoft.com/office/powerpoint/2012/main" xmlns="">
       <p:transition spd="slow"/>
     </mc:Fallback>
   </mc:AlternateContent>
   <p:timing>
     <p:tnLst>
       <p:par>
-        <p:cTn id="5" dur="indefinite" restart="never" nodeType="tmRoot">
+        <p:cTn id="1" dur="indefinite" restart="never" nodeType="tmRoot">
           <p:childTnLst>
             <p:seq>
-              <p:cTn id="6" dur="indefinite" nodeType="mainSeq"/>
+              <p:cTn id="2" dur="indefinite" nodeType="mainSeq"/>
               <p:prevCondLst>
-                <p:cond delay="0" evt="onPrev">
+                <p:cond evt="onPrev" delay="0">
                   <p:tgtEl>
                     <p:sldTgt/>
                   </p:tgtEl>
                 </p:cond>
               </p:prevCondLst>
               <p:nextCondLst>
-                <p:cond delay="0" evt="onNext">
+                <p:cond evt="onNext" delay="0">
                   <p:tgtEl>
                     <p:sldTgt/>
                   </p:tgtEl>
@@ -5010,7 +6303,7 @@
 </file>
 
 <file path=ppt/slides/slide4.xml><?xml version="1.0" encoding="utf-8"?>
-<p:sld xmlns:a="http://schemas.openxmlformats.org/drawingml/2006/main" xmlns:p="http://schemas.openxmlformats.org/presentationml/2006/main" xmlns:r="http://schemas.openxmlformats.org/officeDocument/2006/relationships" xmlns:p14="http://schemas.microsoft.com/office/powerpoint/2010/main" xmlns:p15="http://schemas.microsoft.com/office/powerpoint/2012/main" xmlns:mc="http://schemas.openxmlformats.org/markup-compatibility/2006">
+<p:sld xmlns:a="http://schemas.openxmlformats.org/drawingml/2006/main" xmlns:r="http://schemas.openxmlformats.org/officeDocument/2006/relationships" xmlns:p="http://schemas.openxmlformats.org/presentationml/2006/main">
   <p:cSld>
     <p:spTree>
       <p:nvGrpSpPr>
@@ -5046,13 +6339,20 @@
           </a:ln>
         </p:spPr>
         <p:style>
-          <a:lnRef idx="0"/>
-          <a:fillRef idx="0"/>
-          <a:effectRef idx="0"/>
+          <a:lnRef idx="0">
+            <a:scrgbClr r="0" g="0" b="0"/>
+          </a:lnRef>
+          <a:fillRef idx="0">
+            <a:scrgbClr r="0" g="0" b="0"/>
+          </a:fillRef>
+          <a:effectRef idx="0">
+            <a:scrgbClr r="0" g="0" b="0"/>
+          </a:effectRef>
           <a:fontRef idx="minor"/>
         </p:style>
         <p:txBody>
-          <a:bodyPr lIns="90000" rIns="90000" tIns="45000" bIns="45000" anchor="ctr"/>
+          <a:bodyPr lIns="90000" tIns="45000" rIns="90000" bIns="45000" anchor="ctr"/>
+          <a:lstStyle/>
           <a:p>
             <a:pPr>
               <a:lnSpc>
@@ -5060,7 +6360,7 @@
               </a:lnSpc>
             </a:pPr>
             <a:r>
-              <a:rPr b="1" lang="en-US" sz="4400" spc="-1" strike="noStrike">
+              <a:rPr lang="en-US" sz="4400" b="1" strike="noStrike" spc="-1">
                 <a:solidFill>
                   <a:srgbClr val="000000"/>
                 </a:solidFill>
@@ -5068,7 +6368,7 @@
               </a:rPr>
               <a:t>Progress</a:t>
             </a:r>
-            <a:endParaRPr b="0" lang="en-US" sz="4400" spc="-1" strike="noStrike">
+            <a:endParaRPr lang="en-US" sz="4400" b="0" strike="noStrike" spc="-1">
               <a:latin typeface="Arial"/>
             </a:endParaRPr>
           </a:p>
@@ -5094,9 +6394,15 @@
           </a:ln>
         </p:spPr>
         <p:style>
-          <a:lnRef idx="0"/>
-          <a:fillRef idx="0"/>
-          <a:effectRef idx="0"/>
+          <a:lnRef idx="0">
+            <a:scrgbClr r="0" g="0" b="0"/>
+          </a:lnRef>
+          <a:fillRef idx="0">
+            <a:scrgbClr r="0" g="0" b="0"/>
+          </a:fillRef>
+          <a:effectRef idx="0">
+            <a:scrgbClr r="0" g="0" b="0"/>
+          </a:effectRef>
           <a:fontRef idx="minor"/>
         </p:style>
       </p:sp>
@@ -5120,13 +6426,20 @@
           </a:ln>
         </p:spPr>
         <p:style>
-          <a:lnRef idx="0"/>
-          <a:fillRef idx="0"/>
-          <a:effectRef idx="0"/>
+          <a:lnRef idx="0">
+            <a:scrgbClr r="0" g="0" b="0"/>
+          </a:lnRef>
+          <a:fillRef idx="0">
+            <a:scrgbClr r="0" g="0" b="0"/>
+          </a:fillRef>
+          <a:effectRef idx="0">
+            <a:scrgbClr r="0" g="0" b="0"/>
+          </a:effectRef>
           <a:fontRef idx="minor"/>
         </p:style>
         <p:txBody>
-          <a:bodyPr lIns="90000" rIns="90000" tIns="45000" bIns="45000" anchor="ctr"/>
+          <a:bodyPr lIns="90000" tIns="45000" rIns="90000" bIns="45000" anchor="ctr"/>
+          <a:lstStyle/>
           <a:p>
             <a:pPr>
               <a:lnSpc>
@@ -5134,15 +6447,15 @@
               </a:lnSpc>
             </a:pPr>
             <a:r>
-              <a:rPr b="0" lang="en-US" sz="1200" spc="-1" strike="noStrike">
-                <a:solidFill>
-                  <a:srgbClr val="8b8b8b"/>
+              <a:rPr lang="en-US" sz="1200" b="0" strike="noStrike" spc="-1">
+                <a:solidFill>
+                  <a:srgbClr val="8B8B8B"/>
                 </a:solidFill>
                 <a:latin typeface="Calibri"/>
               </a:rPr>
               <a:t>07.11.2018</a:t>
             </a:r>
-            <a:endParaRPr b="0" lang="en-US" sz="1200" spc="-1" strike="noStrike">
+            <a:endParaRPr lang="en-US" sz="1200" b="0" strike="noStrike" spc="-1">
               <a:latin typeface="Arial"/>
             </a:endParaRPr>
           </a:p>
@@ -5168,13 +6481,20 @@
           </a:ln>
         </p:spPr>
         <p:style>
-          <a:lnRef idx="0"/>
-          <a:fillRef idx="0"/>
-          <a:effectRef idx="0"/>
+          <a:lnRef idx="0">
+            <a:scrgbClr r="0" g="0" b="0"/>
+          </a:lnRef>
+          <a:fillRef idx="0">
+            <a:scrgbClr r="0" g="0" b="0"/>
+          </a:fillRef>
+          <a:effectRef idx="0">
+            <a:scrgbClr r="0" g="0" b="0"/>
+          </a:effectRef>
           <a:fontRef idx="minor"/>
         </p:style>
         <p:txBody>
-          <a:bodyPr lIns="90000" rIns="90000" tIns="45000" bIns="45000" anchor="ctr"/>
+          <a:bodyPr lIns="90000" tIns="45000" rIns="90000" bIns="45000" anchor="ctr"/>
+          <a:lstStyle/>
           <a:p>
             <a:pPr algn="ctr">
               <a:lnSpc>
@@ -5182,15 +6502,15 @@
               </a:lnSpc>
             </a:pPr>
             <a:r>
-              <a:rPr b="0" lang="en-US" sz="1200" spc="-1" strike="noStrike">
-                <a:solidFill>
-                  <a:srgbClr val="8b8b8b"/>
+              <a:rPr lang="en-US" sz="1200" b="0" strike="noStrike" spc="-1">
+                <a:solidFill>
+                  <a:srgbClr val="8B8B8B"/>
                 </a:solidFill>
                 <a:latin typeface="Calibri"/>
               </a:rPr>
               <a:t>Segmentation of brain tissues</a:t>
             </a:r>
-            <a:endParaRPr b="0" lang="en-US" sz="1200" spc="-1" strike="noStrike">
+            <a:endParaRPr lang="en-US" sz="1200" b="0" strike="noStrike" spc="-1">
               <a:latin typeface="Arial"/>
             </a:endParaRPr>
           </a:p>
@@ -5216,13 +6536,20 @@
           </a:ln>
         </p:spPr>
         <p:style>
-          <a:lnRef idx="0"/>
-          <a:fillRef idx="0"/>
-          <a:effectRef idx="0"/>
+          <a:lnRef idx="0">
+            <a:scrgbClr r="0" g="0" b="0"/>
+          </a:lnRef>
+          <a:fillRef idx="0">
+            <a:scrgbClr r="0" g="0" b="0"/>
+          </a:fillRef>
+          <a:effectRef idx="0">
+            <a:scrgbClr r="0" g="0" b="0"/>
+          </a:effectRef>
           <a:fontRef idx="minor"/>
         </p:style>
         <p:txBody>
-          <a:bodyPr lIns="90000" rIns="90000" tIns="45000" bIns="45000" anchor="ctr"/>
+          <a:bodyPr lIns="90000" tIns="45000" rIns="90000" bIns="45000" anchor="ctr"/>
+          <a:lstStyle/>
           <a:p>
             <a:pPr algn="r">
               <a:lnSpc>
@@ -5230,15 +6557,15 @@
               </a:lnSpc>
             </a:pPr>
             <a:fld id="{A5C98420-BB98-48B4-A644-4A7D40222D46}" type="slidenum">
-              <a:rPr b="0" lang="en-US" sz="1200" spc="-1" strike="noStrike">
-                <a:solidFill>
-                  <a:srgbClr val="8b8b8b"/>
+              <a:rPr lang="en-US" sz="1200" b="0" strike="noStrike" spc="-1">
+                <a:solidFill>
+                  <a:srgbClr val="8B8B8B"/>
                 </a:solidFill>
                 <a:latin typeface="Calibri"/>
               </a:rPr>
-              <a:t>1</a:t>
+              <a:t>4</a:t>
             </a:fld>
-            <a:endParaRPr b="0" lang="en-US" sz="1200" spc="-1" strike="noStrike">
+            <a:endParaRPr lang="en-US" sz="1200" b="0" strike="noStrike" spc="-1">
               <a:latin typeface="Arial"/>
             </a:endParaRPr>
           </a:p>
@@ -5246,12 +6573,12 @@
       </p:sp>
       <p:pic>
         <p:nvPicPr>
-          <p:cNvPr id="101" name="" descr=""/>
+          <p:cNvPr id="101" name="Picture 100"/>
           <p:cNvPicPr/>
           <p:nvPr/>
         </p:nvPicPr>
         <p:blipFill>
-          <a:blip r:embed="rId1"/>
+          <a:blip r:embed="rId2"/>
           <a:stretch/>
         </p:blipFill>
         <p:spPr>
@@ -5269,30 +6596,33 @@
       </p:pic>
     </p:spTree>
   </p:cSld>
-  <mc:AlternateContent>
+  <p:clrMapOvr>
+    <a:masterClrMapping/>
+  </p:clrMapOvr>
+  <mc:AlternateContent xmlns:mc="http://schemas.openxmlformats.org/markup-compatibility/2006" xmlns:p14="http://schemas.microsoft.com/office/powerpoint/2010/main">
     <mc:Choice Requires="p14">
       <p:transition spd="slow" p14:dur="2000"/>
     </mc:Choice>
-    <mc:Fallback>
+    <mc:Fallback xmlns:p15="http://schemas.microsoft.com/office/powerpoint/2012/main" xmlns="">
       <p:transition spd="slow"/>
     </mc:Fallback>
   </mc:AlternateContent>
   <p:timing>
     <p:tnLst>
       <p:par>
-        <p:cTn id="7" dur="indefinite" restart="never" nodeType="tmRoot">
+        <p:cTn id="1" dur="indefinite" restart="never" nodeType="tmRoot">
           <p:childTnLst>
             <p:seq>
-              <p:cTn id="8" dur="indefinite" nodeType="mainSeq"/>
+              <p:cTn id="2" dur="indefinite" nodeType="mainSeq"/>
               <p:prevCondLst>
-                <p:cond delay="0" evt="onPrev">
+                <p:cond evt="onPrev" delay="0">
                   <p:tgtEl>
                     <p:sldTgt/>
                   </p:tgtEl>
                 </p:cond>
               </p:prevCondLst>
               <p:nextCondLst>
-                <p:cond delay="0" evt="onNext">
+                <p:cond evt="onNext" delay="0">
                   <p:tgtEl>
                     <p:sldTgt/>
                   </p:tgtEl>
@@ -5308,7 +6638,7 @@
 </file>
 
 <file path=ppt/slides/slide5.xml><?xml version="1.0" encoding="utf-8"?>
-<p:sld xmlns:a="http://schemas.openxmlformats.org/drawingml/2006/main" xmlns:p="http://schemas.openxmlformats.org/presentationml/2006/main" xmlns:r="http://schemas.openxmlformats.org/officeDocument/2006/relationships" xmlns:p14="http://schemas.microsoft.com/office/powerpoint/2010/main" xmlns:p15="http://schemas.microsoft.com/office/powerpoint/2012/main" xmlns:mc="http://schemas.openxmlformats.org/markup-compatibility/2006">
+<p:sld xmlns:a="http://schemas.openxmlformats.org/drawingml/2006/main" xmlns:r="http://schemas.openxmlformats.org/officeDocument/2006/relationships" xmlns:p="http://schemas.openxmlformats.org/presentationml/2006/main">
   <p:cSld>
     <p:spTree>
       <p:nvGrpSpPr>
@@ -5326,7 +6656,7 @@
       </p:grpSpPr>
       <p:sp>
         <p:nvSpPr>
-          <p:cNvPr id="102" name="CustomShape 1"/>
+          <p:cNvPr id="107" name="CustomShape 1"/>
           <p:cNvSpPr/>
           <p:nvPr/>
         </p:nvSpPr>
@@ -5344,13 +6674,20 @@
           </a:ln>
         </p:spPr>
         <p:style>
-          <a:lnRef idx="0"/>
-          <a:fillRef idx="0"/>
-          <a:effectRef idx="0"/>
+          <a:lnRef idx="0">
+            <a:scrgbClr r="0" g="0" b="0"/>
+          </a:lnRef>
+          <a:fillRef idx="0">
+            <a:scrgbClr r="0" g="0" b="0"/>
+          </a:fillRef>
+          <a:effectRef idx="0">
+            <a:scrgbClr r="0" g="0" b="0"/>
+          </a:effectRef>
           <a:fontRef idx="minor"/>
         </p:style>
         <p:txBody>
-          <a:bodyPr lIns="90000" rIns="90000" tIns="45000" bIns="45000" anchor="ctr"/>
+          <a:bodyPr lIns="90000" tIns="45000" rIns="90000" bIns="45000" anchor="ctr"/>
+          <a:lstStyle/>
           <a:p>
             <a:pPr>
               <a:lnSpc>
@@ -5358,30 +6695,30 @@
               </a:lnSpc>
             </a:pPr>
             <a:r>
-              <a:rPr b="1" lang="en-US" sz="4400" spc="-1" strike="noStrike">
+              <a:rPr lang="en-US" sz="4400" b="1" strike="noStrike" spc="-1">
                 <a:solidFill>
                   <a:srgbClr val="000000"/>
                 </a:solidFill>
                 <a:latin typeface="Calibri Light"/>
               </a:rPr>
-              <a:t>Insights</a:t>
-            </a:r>
-            <a:endParaRPr b="0" lang="en-US" sz="4400" spc="-1" strike="noStrike">
-              <a:latin typeface="Arial"/>
-            </a:endParaRPr>
-          </a:p>
-        </p:txBody>
-      </p:sp>
-      <p:sp>
-        <p:nvSpPr>
-          <p:cNvPr id="103" name="CustomShape 2"/>
+              <a:t>Insights SVM (linear)</a:t>
+            </a:r>
+            <a:endParaRPr lang="en-US" sz="4400" b="0" strike="noStrike" spc="-1">
+              <a:latin typeface="Arial"/>
+            </a:endParaRPr>
+          </a:p>
+        </p:txBody>
+      </p:sp>
+      <p:sp>
+        <p:nvSpPr>
+          <p:cNvPr id="108" name="CustomShape 2"/>
           <p:cNvSpPr/>
           <p:nvPr/>
         </p:nvSpPr>
         <p:spPr>
           <a:xfrm>
-            <a:off x="838080" y="1825560"/>
-            <a:ext cx="9033120" cy="4350600"/>
+            <a:off x="838080" y="6356520"/>
+            <a:ext cx="2742480" cy="364320"/>
           </a:xfrm>
           <a:prstGeom prst="rect">
             <a:avLst/>
@@ -5392,22 +6729,51 @@
           </a:ln>
         </p:spPr>
         <p:style>
-          <a:lnRef idx="0"/>
-          <a:fillRef idx="0"/>
-          <a:effectRef idx="0"/>
+          <a:lnRef idx="0">
+            <a:scrgbClr r="0" g="0" b="0"/>
+          </a:lnRef>
+          <a:fillRef idx="0">
+            <a:scrgbClr r="0" g="0" b="0"/>
+          </a:fillRef>
+          <a:effectRef idx="0">
+            <a:scrgbClr r="0" g="0" b="0"/>
+          </a:effectRef>
           <a:fontRef idx="minor"/>
         </p:style>
-      </p:sp>
-      <p:sp>
-        <p:nvSpPr>
-          <p:cNvPr id="104" name="CustomShape 3"/>
+        <p:txBody>
+          <a:bodyPr lIns="90000" tIns="45000" rIns="90000" bIns="45000" anchor="ctr"/>
+          <a:lstStyle/>
+          <a:p>
+            <a:pPr>
+              <a:lnSpc>
+                <a:spcPct val="100000"/>
+              </a:lnSpc>
+            </a:pPr>
+            <a:r>
+              <a:rPr lang="en-US" sz="1200" b="0" strike="noStrike" spc="-1">
+                <a:solidFill>
+                  <a:srgbClr val="8B8B8B"/>
+                </a:solidFill>
+                <a:latin typeface="Calibri"/>
+              </a:rPr>
+              <a:t>07.11.2018</a:t>
+            </a:r>
+            <a:endParaRPr lang="en-US" sz="1200" b="0" strike="noStrike" spc="-1">
+              <a:latin typeface="Arial"/>
+            </a:endParaRPr>
+          </a:p>
+        </p:txBody>
+      </p:sp>
+      <p:sp>
+        <p:nvSpPr>
+          <p:cNvPr id="109" name="CustomShape 3"/>
           <p:cNvSpPr/>
           <p:nvPr/>
         </p:nvSpPr>
         <p:spPr>
           <a:xfrm>
-            <a:off x="838080" y="6356520"/>
-            <a:ext cx="2742480" cy="364320"/>
+            <a:off x="4038480" y="6356520"/>
+            <a:ext cx="4114080" cy="364320"/>
           </a:xfrm>
           <a:prstGeom prst="rect">
             <a:avLst/>
@@ -5418,13 +6784,130 @@
           </a:ln>
         </p:spPr>
         <p:style>
-          <a:lnRef idx="0"/>
-          <a:fillRef idx="0"/>
-          <a:effectRef idx="0"/>
+          <a:lnRef idx="0">
+            <a:scrgbClr r="0" g="0" b="0"/>
+          </a:lnRef>
+          <a:fillRef idx="0">
+            <a:scrgbClr r="0" g="0" b="0"/>
+          </a:fillRef>
+          <a:effectRef idx="0">
+            <a:scrgbClr r="0" g="0" b="0"/>
+          </a:effectRef>
           <a:fontRef idx="minor"/>
         </p:style>
         <p:txBody>
-          <a:bodyPr lIns="90000" rIns="90000" tIns="45000" bIns="45000" anchor="ctr"/>
+          <a:bodyPr lIns="90000" tIns="45000" rIns="90000" bIns="45000" anchor="ctr"/>
+          <a:lstStyle/>
+          <a:p>
+            <a:pPr algn="ctr">
+              <a:lnSpc>
+                <a:spcPct val="100000"/>
+              </a:lnSpc>
+            </a:pPr>
+            <a:r>
+              <a:rPr lang="en-US" sz="1200" b="0" strike="noStrike" spc="-1">
+                <a:solidFill>
+                  <a:srgbClr val="8B8B8B"/>
+                </a:solidFill>
+                <a:latin typeface="Calibri"/>
+              </a:rPr>
+              <a:t>Segmentation of brain tissues</a:t>
+            </a:r>
+            <a:endParaRPr lang="en-US" sz="1200" b="0" strike="noStrike" spc="-1">
+              <a:latin typeface="Arial"/>
+            </a:endParaRPr>
+          </a:p>
+        </p:txBody>
+      </p:sp>
+      <p:sp>
+        <p:nvSpPr>
+          <p:cNvPr id="110" name="CustomShape 4"/>
+          <p:cNvSpPr/>
+          <p:nvPr/>
+        </p:nvSpPr>
+        <p:spPr>
+          <a:xfrm>
+            <a:off x="8610480" y="6356520"/>
+            <a:ext cx="2742480" cy="364320"/>
+          </a:xfrm>
+          <a:prstGeom prst="rect">
+            <a:avLst/>
+          </a:prstGeom>
+          <a:noFill/>
+          <a:ln>
+            <a:noFill/>
+          </a:ln>
+        </p:spPr>
+        <p:style>
+          <a:lnRef idx="0">
+            <a:scrgbClr r="0" g="0" b="0"/>
+          </a:lnRef>
+          <a:fillRef idx="0">
+            <a:scrgbClr r="0" g="0" b="0"/>
+          </a:fillRef>
+          <a:effectRef idx="0">
+            <a:scrgbClr r="0" g="0" b="0"/>
+          </a:effectRef>
+          <a:fontRef idx="minor"/>
+        </p:style>
+        <p:txBody>
+          <a:bodyPr lIns="90000" tIns="45000" rIns="90000" bIns="45000" anchor="ctr"/>
+          <a:lstStyle/>
+          <a:p>
+            <a:pPr algn="r">
+              <a:lnSpc>
+                <a:spcPct val="100000"/>
+              </a:lnSpc>
+            </a:pPr>
+            <a:fld id="{D2A93C0C-1332-46CD-B6BD-9BF46A5834A3}" type="slidenum">
+              <a:rPr lang="en-US" sz="1200" b="0" strike="noStrike" spc="-1">
+                <a:solidFill>
+                  <a:srgbClr val="8B8B8B"/>
+                </a:solidFill>
+                <a:latin typeface="Calibri"/>
+              </a:rPr>
+              <a:t>5</a:t>
+            </a:fld>
+            <a:endParaRPr lang="en-US" sz="1200" b="0" strike="noStrike" spc="-1">
+              <a:latin typeface="Arial"/>
+            </a:endParaRPr>
+          </a:p>
+        </p:txBody>
+      </p:sp>
+      <p:sp>
+        <p:nvSpPr>
+          <p:cNvPr id="111" name="CustomShape 5"/>
+          <p:cNvSpPr/>
+          <p:nvPr/>
+        </p:nvSpPr>
+        <p:spPr>
+          <a:xfrm>
+            <a:off x="914400" y="4846320"/>
+            <a:ext cx="2559960" cy="857880"/>
+          </a:xfrm>
+          <a:prstGeom prst="rect">
+            <a:avLst/>
+          </a:prstGeom>
+          <a:noFill/>
+          <a:ln>
+            <a:noFill/>
+          </a:ln>
+        </p:spPr>
+        <p:style>
+          <a:lnRef idx="0">
+            <a:scrgbClr r="0" g="0" b="0"/>
+          </a:lnRef>
+          <a:fillRef idx="0">
+            <a:scrgbClr r="0" g="0" b="0"/>
+          </a:fillRef>
+          <a:effectRef idx="0">
+            <a:scrgbClr r="0" g="0" b="0"/>
+          </a:effectRef>
+          <a:fontRef idx="minor"/>
+        </p:style>
+        <p:txBody>
+          <a:bodyPr lIns="90000" tIns="45000" rIns="90000" bIns="45000"/>
+          <a:lstStyle/>
           <a:p>
             <a:pPr>
               <a:lnSpc>
@@ -5432,30 +6915,49 @@
               </a:lnSpc>
             </a:pPr>
             <a:r>
-              <a:rPr b="0" lang="en-US" sz="1200" spc="-1" strike="noStrike">
-                <a:solidFill>
-                  <a:srgbClr val="8b8b8b"/>
-                </a:solidFill>
-                <a:latin typeface="Calibri"/>
-              </a:rPr>
-              <a:t>07.11.2018</a:t>
-            </a:r>
-            <a:endParaRPr b="0" lang="en-US" sz="1200" spc="-1" strike="noStrike">
-              <a:latin typeface="Arial"/>
-            </a:endParaRPr>
-          </a:p>
-        </p:txBody>
-      </p:sp>
-      <p:sp>
-        <p:nvSpPr>
-          <p:cNvPr id="105" name="CustomShape 4"/>
+              <a:rPr lang="en-US" sz="1800" b="0" strike="noStrike" spc="-1">
+                <a:solidFill>
+                  <a:srgbClr val="000000"/>
+                </a:solidFill>
+                <a:latin typeface="Arial"/>
+              </a:rPr>
+              <a:t>Same features as RF</a:t>
+            </a:r>
+            <a:endParaRPr lang="en-US" sz="1800" b="0" strike="noStrike" spc="-1">
+              <a:latin typeface="Arial"/>
+            </a:endParaRPr>
+          </a:p>
+          <a:p>
+            <a:pPr>
+              <a:lnSpc>
+                <a:spcPct val="100000"/>
+              </a:lnSpc>
+            </a:pPr>
+            <a:r>
+              <a:rPr lang="en-US" sz="1800" b="0" strike="noStrike" spc="-1">
+                <a:solidFill>
+                  <a:srgbClr val="000000"/>
+                </a:solidFill>
+                <a:latin typeface="Arial"/>
+              </a:rPr>
+              <a:t>→ intensity feature</a:t>
+            </a:r>
+            <a:endParaRPr lang="en-US" sz="1800" b="0" strike="noStrike" spc="-1">
+              <a:latin typeface="Arial"/>
+            </a:endParaRPr>
+          </a:p>
+        </p:txBody>
+      </p:sp>
+      <p:sp>
+        <p:nvSpPr>
+          <p:cNvPr id="112" name="CustomShape 6"/>
           <p:cNvSpPr/>
           <p:nvPr/>
         </p:nvSpPr>
         <p:spPr>
           <a:xfrm>
-            <a:off x="4038480" y="6356520"/>
-            <a:ext cx="4114080" cy="364320"/>
+            <a:off x="4023360" y="4846320"/>
+            <a:ext cx="2559960" cy="601920"/>
           </a:xfrm>
           <a:prstGeom prst="rect">
             <a:avLst/>
@@ -5466,44 +6968,89 @@
           </a:ln>
         </p:spPr>
         <p:style>
-          <a:lnRef idx="0"/>
-          <a:fillRef idx="0"/>
-          <a:effectRef idx="0"/>
+          <a:lnRef idx="0">
+            <a:scrgbClr r="0" g="0" b="0"/>
+          </a:lnRef>
+          <a:fillRef idx="0">
+            <a:scrgbClr r="0" g="0" b="0"/>
+          </a:fillRef>
+          <a:effectRef idx="0">
+            <a:scrgbClr r="0" g="0" b="0"/>
+          </a:effectRef>
           <a:fontRef idx="minor"/>
         </p:style>
         <p:txBody>
-          <a:bodyPr lIns="90000" rIns="90000" tIns="45000" bIns="45000" anchor="ctr"/>
-          <a:p>
-            <a:pPr algn="ctr">
+          <a:bodyPr lIns="90000" tIns="45000" rIns="90000" bIns="45000"/>
+          <a:lstStyle/>
+          <a:p>
+            <a:pPr>
               <a:lnSpc>
                 <a:spcPct val="100000"/>
               </a:lnSpc>
             </a:pPr>
             <a:r>
-              <a:rPr b="0" lang="en-US" sz="1200" spc="-1" strike="noStrike">
-                <a:solidFill>
-                  <a:srgbClr val="8b8b8b"/>
-                </a:solidFill>
-                <a:latin typeface="Calibri"/>
-              </a:rPr>
-              <a:t>Segmentation of brain tissues</a:t>
-            </a:r>
-            <a:endParaRPr b="0" lang="en-US" sz="1200" spc="-1" strike="noStrike">
-              <a:latin typeface="Arial"/>
-            </a:endParaRPr>
-          </a:p>
-        </p:txBody>
-      </p:sp>
-      <p:sp>
-        <p:nvSpPr>
-          <p:cNvPr id="106" name="CustomShape 5"/>
+              <a:rPr lang="en-US" sz="1800" b="0" strike="noStrike" spc="-1">
+                <a:solidFill>
+                  <a:srgbClr val="000000"/>
+                </a:solidFill>
+                <a:latin typeface="Arial"/>
+              </a:rPr>
+              <a:t>Balanced samples</a:t>
+            </a:r>
+            <a:endParaRPr lang="en-US" sz="1800" b="0" strike="noStrike" spc="-1">
+              <a:latin typeface="Arial"/>
+            </a:endParaRPr>
+          </a:p>
+          <a:p>
+            <a:pPr>
+              <a:lnSpc>
+                <a:spcPct val="100000"/>
+              </a:lnSpc>
+            </a:pPr>
+            <a:r>
+              <a:rPr lang="en-US" sz="1800" b="0" strike="noStrike" spc="-1">
+                <a:solidFill>
+                  <a:srgbClr val="000000"/>
+                </a:solidFill>
+                <a:latin typeface="Arial"/>
+              </a:rPr>
+              <a:t>→ intensity feature</a:t>
+            </a:r>
+            <a:endParaRPr lang="en-US" sz="1800" b="0" strike="noStrike" spc="-1">
+              <a:latin typeface="Arial"/>
+            </a:endParaRPr>
+          </a:p>
+          <a:p>
+            <a:pPr>
+              <a:lnSpc>
+                <a:spcPct val="100000"/>
+              </a:lnSpc>
+            </a:pPr>
+            <a:r>
+              <a:rPr lang="en-US" sz="1800" b="0" strike="noStrike" spc="-1">
+                <a:solidFill>
+                  <a:srgbClr val="000000"/>
+                </a:solidFill>
+                <a:latin typeface="Arial"/>
+              </a:rPr>
+              <a:t>→ small structures important</a:t>
+            </a:r>
+            <a:endParaRPr lang="en-US" sz="1800" b="0" strike="noStrike" spc="-1">
+              <a:latin typeface="Arial"/>
+            </a:endParaRPr>
+          </a:p>
+        </p:txBody>
+      </p:sp>
+      <p:sp>
+        <p:nvSpPr>
+          <p:cNvPr id="113" name="CustomShape 7"/>
           <p:cNvSpPr/>
           <p:nvPr/>
         </p:nvSpPr>
         <p:spPr>
           <a:xfrm>
-            <a:off x="8610480" y="6356520"/>
-            <a:ext cx="2742480" cy="364320"/>
+            <a:off x="6949440" y="4846320"/>
+            <a:ext cx="3108960" cy="857880"/>
           </a:xfrm>
           <a:prstGeom prst="rect">
             <a:avLst/>
@@ -5514,60 +7061,178 @@
           </a:ln>
         </p:spPr>
         <p:style>
-          <a:lnRef idx="0"/>
-          <a:fillRef idx="0"/>
-          <a:effectRef idx="0"/>
+          <a:lnRef idx="0">
+            <a:scrgbClr r="0" g="0" b="0"/>
+          </a:lnRef>
+          <a:fillRef idx="0">
+            <a:scrgbClr r="0" g="0" b="0"/>
+          </a:fillRef>
+          <a:effectRef idx="0">
+            <a:scrgbClr r="0" g="0" b="0"/>
+          </a:effectRef>
           <a:fontRef idx="minor"/>
         </p:style>
         <p:txBody>
-          <a:bodyPr lIns="90000" rIns="90000" tIns="45000" bIns="45000" anchor="ctr"/>
-          <a:p>
-            <a:pPr algn="r">
+          <a:bodyPr lIns="90000" tIns="45000" rIns="90000" bIns="45000"/>
+          <a:lstStyle/>
+          <a:p>
+            <a:pPr>
               <a:lnSpc>
                 <a:spcPct val="100000"/>
               </a:lnSpc>
             </a:pPr>
-            <a:fld id="{48D8A90F-E77E-4A82-86A7-921DE9E9B5CA}" type="slidenum">
-              <a:rPr b="0" lang="en-US" sz="1200" spc="-1" strike="noStrike">
-                <a:solidFill>
-                  <a:srgbClr val="8b8b8b"/>
-                </a:solidFill>
-                <a:latin typeface="Calibri"/>
-              </a:rPr>
-              <a:t>1</a:t>
-            </a:fld>
-            <a:endParaRPr b="0" lang="en-US" sz="1200" spc="-1" strike="noStrike">
-              <a:latin typeface="Arial"/>
-            </a:endParaRPr>
-          </a:p>
-        </p:txBody>
-      </p:sp>
+            <a:r>
+              <a:rPr lang="en-US" sz="1800" b="0" strike="noStrike" spc="-1">
+                <a:solidFill>
+                  <a:srgbClr val="000000"/>
+                </a:solidFill>
+                <a:latin typeface="Arial"/>
+              </a:rPr>
+              <a:t>Second order coordinates</a:t>
+            </a:r>
+            <a:endParaRPr lang="en-US" sz="1800" b="0" strike="noStrike" spc="-1">
+              <a:latin typeface="Arial"/>
+            </a:endParaRPr>
+          </a:p>
+          <a:p>
+            <a:pPr>
+              <a:lnSpc>
+                <a:spcPct val="100000"/>
+              </a:lnSpc>
+            </a:pPr>
+            <a:r>
+              <a:rPr lang="en-US" sz="1800" b="0" strike="noStrike" spc="-1">
+                <a:solidFill>
+                  <a:srgbClr val="000000"/>
+                </a:solidFill>
+                <a:latin typeface="Arial"/>
+              </a:rPr>
+              <a:t>→ position feature important</a:t>
+            </a:r>
+            <a:endParaRPr lang="en-US" sz="1800" b="0" strike="noStrike" spc="-1">
+              <a:latin typeface="Arial"/>
+            </a:endParaRPr>
+          </a:p>
+          <a:p>
+            <a:pPr>
+              <a:lnSpc>
+                <a:spcPct val="100000"/>
+              </a:lnSpc>
+            </a:pPr>
+            <a:r>
+              <a:rPr lang="en-US" sz="1800" b="0" strike="noStrike" spc="-1">
+                <a:solidFill>
+                  <a:srgbClr val="000000"/>
+                </a:solidFill>
+                <a:latin typeface="Arial"/>
+              </a:rPr>
+              <a:t>→ complex boundaries require high order terms</a:t>
+            </a:r>
+            <a:endParaRPr lang="en-US" sz="1800" b="0" strike="noStrike" spc="-1">
+              <a:latin typeface="Arial"/>
+            </a:endParaRPr>
+          </a:p>
+        </p:txBody>
+      </p:sp>
+      <p:pic>
+        <p:nvPicPr>
+          <p:cNvPr id="114" name="Picture 113"/>
+          <p:cNvPicPr/>
+          <p:nvPr/>
+        </p:nvPicPr>
+        <p:blipFill>
+          <a:blip r:embed="rId2"/>
+          <a:stretch/>
+        </p:blipFill>
+        <p:spPr>
+          <a:xfrm>
+            <a:off x="3931920" y="1730520"/>
+            <a:ext cx="2900160" cy="2841480"/>
+          </a:xfrm>
+          <a:prstGeom prst="rect">
+            <a:avLst/>
+          </a:prstGeom>
+          <a:ln>
+            <a:noFill/>
+          </a:ln>
+        </p:spPr>
+      </p:pic>
+      <p:pic>
+        <p:nvPicPr>
+          <p:cNvPr id="115" name="Picture 114"/>
+          <p:cNvPicPr/>
+          <p:nvPr/>
+        </p:nvPicPr>
+        <p:blipFill>
+          <a:blip r:embed="rId3"/>
+          <a:stretch/>
+        </p:blipFill>
+        <p:spPr>
+          <a:xfrm>
+            <a:off x="838080" y="1740960"/>
+            <a:ext cx="2849040" cy="2831040"/>
+          </a:xfrm>
+          <a:prstGeom prst="rect">
+            <a:avLst/>
+          </a:prstGeom>
+          <a:ln>
+            <a:noFill/>
+          </a:ln>
+        </p:spPr>
+      </p:pic>
+      <p:pic>
+        <p:nvPicPr>
+          <p:cNvPr id="116" name="Picture 115"/>
+          <p:cNvPicPr/>
+          <p:nvPr/>
+        </p:nvPicPr>
+        <p:blipFill>
+          <a:blip r:embed="rId4"/>
+          <a:srcRect l="14223"/>
+          <a:stretch/>
+        </p:blipFill>
+        <p:spPr>
+          <a:xfrm>
+            <a:off x="7223760" y="1737360"/>
+            <a:ext cx="2468880" cy="2820240"/>
+          </a:xfrm>
+          <a:prstGeom prst="rect">
+            <a:avLst/>
+          </a:prstGeom>
+          <a:ln>
+            <a:noFill/>
+          </a:ln>
+        </p:spPr>
+      </p:pic>
     </p:spTree>
   </p:cSld>
-  <mc:AlternateContent>
+  <p:clrMapOvr>
+    <a:masterClrMapping/>
+  </p:clrMapOvr>
+  <mc:AlternateContent xmlns:mc="http://schemas.openxmlformats.org/markup-compatibility/2006" xmlns:p14="http://schemas.microsoft.com/office/powerpoint/2010/main">
     <mc:Choice Requires="p14">
       <p:transition spd="slow" p14:dur="2000"/>
     </mc:Choice>
-    <mc:Fallback>
+    <mc:Fallback xmlns:p15="http://schemas.microsoft.com/office/powerpoint/2012/main" xmlns="">
       <p:transition spd="slow"/>
     </mc:Fallback>
   </mc:AlternateContent>
   <p:timing>
     <p:tnLst>
       <p:par>
-        <p:cTn id="9" dur="indefinite" restart="never" nodeType="tmRoot">
+        <p:cTn id="1" dur="indefinite" restart="never" nodeType="tmRoot">
           <p:childTnLst>
             <p:seq>
-              <p:cTn id="10" dur="indefinite" nodeType="mainSeq"/>
+              <p:cTn id="2" dur="indefinite" nodeType="mainSeq"/>
               <p:prevCondLst>
-                <p:cond delay="0" evt="onPrev">
+                <p:cond evt="onPrev" delay="0">
                   <p:tgtEl>
                     <p:sldTgt/>
                   </p:tgtEl>
                 </p:cond>
               </p:prevCondLst>
               <p:nextCondLst>
-                <p:cond delay="0" evt="onNext">
+                <p:cond evt="onNext" delay="0">
                   <p:tgtEl>
                     <p:sldTgt/>
                   </p:tgtEl>
@@ -5583,7 +7248,7 @@
 </file>
 
 <file path=ppt/slides/slide6.xml><?xml version="1.0" encoding="utf-8"?>
-<p:sld xmlns:a="http://schemas.openxmlformats.org/drawingml/2006/main" xmlns:p="http://schemas.openxmlformats.org/presentationml/2006/main" xmlns:r="http://schemas.openxmlformats.org/officeDocument/2006/relationships" xmlns:p14="http://schemas.microsoft.com/office/powerpoint/2010/main" xmlns:p15="http://schemas.microsoft.com/office/powerpoint/2012/main" xmlns:mc="http://schemas.openxmlformats.org/markup-compatibility/2006">
+<p:sld xmlns:a="http://schemas.openxmlformats.org/drawingml/2006/main" xmlns:r="http://schemas.openxmlformats.org/officeDocument/2006/relationships" xmlns:p="http://schemas.openxmlformats.org/presentationml/2006/main">
   <p:cSld>
     <p:spTree>
       <p:nvGrpSpPr>
@@ -5601,7 +7266,7 @@
       </p:grpSpPr>
       <p:sp>
         <p:nvSpPr>
-          <p:cNvPr id="107" name="CustomShape 1"/>
+          <p:cNvPr id="117" name="CustomShape 1"/>
           <p:cNvSpPr/>
           <p:nvPr/>
         </p:nvSpPr>
@@ -5619,13 +7284,20 @@
           </a:ln>
         </p:spPr>
         <p:style>
-          <a:lnRef idx="0"/>
-          <a:fillRef idx="0"/>
-          <a:effectRef idx="0"/>
+          <a:lnRef idx="0">
+            <a:scrgbClr r="0" g="0" b="0"/>
+          </a:lnRef>
+          <a:fillRef idx="0">
+            <a:scrgbClr r="0" g="0" b="0"/>
+          </a:fillRef>
+          <a:effectRef idx="0">
+            <a:scrgbClr r="0" g="0" b="0"/>
+          </a:effectRef>
           <a:fontRef idx="minor"/>
         </p:style>
         <p:txBody>
-          <a:bodyPr lIns="90000" rIns="90000" tIns="45000" bIns="45000" anchor="ctr"/>
+          <a:bodyPr lIns="90000" tIns="45000" rIns="90000" bIns="45000" anchor="ctr"/>
+          <a:lstStyle/>
           <a:p>
             <a:pPr>
               <a:lnSpc>
@@ -5633,23 +7305,23 @@
               </a:lnSpc>
             </a:pPr>
             <a:r>
-              <a:rPr b="1" lang="en-US" sz="4400" spc="-1" strike="noStrike">
+              <a:rPr lang="en-US" sz="4400" b="1" strike="noStrike" spc="-1">
                 <a:solidFill>
                   <a:srgbClr val="000000"/>
                 </a:solidFill>
                 <a:latin typeface="Calibri Light"/>
               </a:rPr>
-              <a:t>Insights SVM (linear)</a:t>
-            </a:r>
-            <a:endParaRPr b="0" lang="en-US" sz="4400" spc="-1" strike="noStrike">
-              <a:latin typeface="Arial"/>
-            </a:endParaRPr>
-          </a:p>
-        </p:txBody>
-      </p:sp>
-      <p:sp>
-        <p:nvSpPr>
-          <p:cNvPr id="108" name="CustomShape 2"/>
+              <a:t>Insights SVM (rbf)</a:t>
+            </a:r>
+            <a:endParaRPr lang="en-US" sz="4400" b="0" strike="noStrike" spc="-1">
+              <a:latin typeface="Arial"/>
+            </a:endParaRPr>
+          </a:p>
+        </p:txBody>
+      </p:sp>
+      <p:sp>
+        <p:nvSpPr>
+          <p:cNvPr id="118" name="CustomShape 2"/>
           <p:cNvSpPr/>
           <p:nvPr/>
         </p:nvSpPr>
@@ -5667,13 +7339,20 @@
           </a:ln>
         </p:spPr>
         <p:style>
-          <a:lnRef idx="0"/>
-          <a:fillRef idx="0"/>
-          <a:effectRef idx="0"/>
+          <a:lnRef idx="0">
+            <a:scrgbClr r="0" g="0" b="0"/>
+          </a:lnRef>
+          <a:fillRef idx="0">
+            <a:scrgbClr r="0" g="0" b="0"/>
+          </a:fillRef>
+          <a:effectRef idx="0">
+            <a:scrgbClr r="0" g="0" b="0"/>
+          </a:effectRef>
           <a:fontRef idx="minor"/>
         </p:style>
         <p:txBody>
-          <a:bodyPr lIns="90000" rIns="90000" tIns="45000" bIns="45000" anchor="ctr"/>
+          <a:bodyPr lIns="90000" tIns="45000" rIns="90000" bIns="45000" anchor="ctr"/>
+          <a:lstStyle/>
           <a:p>
             <a:pPr>
               <a:lnSpc>
@@ -5681,23 +7360,23 @@
               </a:lnSpc>
             </a:pPr>
             <a:r>
-              <a:rPr b="0" lang="en-US" sz="1200" spc="-1" strike="noStrike">
-                <a:solidFill>
-                  <a:srgbClr val="8b8b8b"/>
+              <a:rPr lang="en-US" sz="1200" b="0" strike="noStrike" spc="-1">
+                <a:solidFill>
+                  <a:srgbClr val="8B8B8B"/>
                 </a:solidFill>
                 <a:latin typeface="Calibri"/>
               </a:rPr>
               <a:t>07.11.2018</a:t>
             </a:r>
-            <a:endParaRPr b="0" lang="en-US" sz="1200" spc="-1" strike="noStrike">
-              <a:latin typeface="Arial"/>
-            </a:endParaRPr>
-          </a:p>
-        </p:txBody>
-      </p:sp>
-      <p:sp>
-        <p:nvSpPr>
-          <p:cNvPr id="109" name="CustomShape 3"/>
+            <a:endParaRPr lang="en-US" sz="1200" b="0" strike="noStrike" spc="-1">
+              <a:latin typeface="Arial"/>
+            </a:endParaRPr>
+          </a:p>
+        </p:txBody>
+      </p:sp>
+      <p:sp>
+        <p:nvSpPr>
+          <p:cNvPr id="119" name="CustomShape 3"/>
           <p:cNvSpPr/>
           <p:nvPr/>
         </p:nvSpPr>
@@ -5715,13 +7394,20 @@
           </a:ln>
         </p:spPr>
         <p:style>
-          <a:lnRef idx="0"/>
-          <a:fillRef idx="0"/>
-          <a:effectRef idx="0"/>
+          <a:lnRef idx="0">
+            <a:scrgbClr r="0" g="0" b="0"/>
+          </a:lnRef>
+          <a:fillRef idx="0">
+            <a:scrgbClr r="0" g="0" b="0"/>
+          </a:fillRef>
+          <a:effectRef idx="0">
+            <a:scrgbClr r="0" g="0" b="0"/>
+          </a:effectRef>
           <a:fontRef idx="minor"/>
         </p:style>
         <p:txBody>
-          <a:bodyPr lIns="90000" rIns="90000" tIns="45000" bIns="45000" anchor="ctr"/>
+          <a:bodyPr lIns="90000" tIns="45000" rIns="90000" bIns="45000" anchor="ctr"/>
+          <a:lstStyle/>
           <a:p>
             <a:pPr algn="ctr">
               <a:lnSpc>
@@ -5729,23 +7415,23 @@
               </a:lnSpc>
             </a:pPr>
             <a:r>
-              <a:rPr b="0" lang="en-US" sz="1200" spc="-1" strike="noStrike">
-                <a:solidFill>
-                  <a:srgbClr val="8b8b8b"/>
+              <a:rPr lang="en-US" sz="1200" b="0" strike="noStrike" spc="-1">
+                <a:solidFill>
+                  <a:srgbClr val="8B8B8B"/>
                 </a:solidFill>
                 <a:latin typeface="Calibri"/>
               </a:rPr>
               <a:t>Segmentation of brain tissues</a:t>
             </a:r>
-            <a:endParaRPr b="0" lang="en-US" sz="1200" spc="-1" strike="noStrike">
-              <a:latin typeface="Arial"/>
-            </a:endParaRPr>
-          </a:p>
-        </p:txBody>
-      </p:sp>
-      <p:sp>
-        <p:nvSpPr>
-          <p:cNvPr id="110" name="CustomShape 4"/>
+            <a:endParaRPr lang="en-US" sz="1200" b="0" strike="noStrike" spc="-1">
+              <a:latin typeface="Arial"/>
+            </a:endParaRPr>
+          </a:p>
+        </p:txBody>
+      </p:sp>
+      <p:sp>
+        <p:nvSpPr>
+          <p:cNvPr id="120" name="CustomShape 4"/>
           <p:cNvSpPr/>
           <p:nvPr/>
         </p:nvSpPr>
@@ -5763,313 +7449,36 @@
           </a:ln>
         </p:spPr>
         <p:style>
-          <a:lnRef idx="0"/>
-          <a:fillRef idx="0"/>
-          <a:effectRef idx="0"/>
+          <a:lnRef idx="0">
+            <a:scrgbClr r="0" g="0" b="0"/>
+          </a:lnRef>
+          <a:fillRef idx="0">
+            <a:scrgbClr r="0" g="0" b="0"/>
+          </a:fillRef>
+          <a:effectRef idx="0">
+            <a:scrgbClr r="0" g="0" b="0"/>
+          </a:effectRef>
           <a:fontRef idx="minor"/>
         </p:style>
         <p:txBody>
-          <a:bodyPr lIns="90000" rIns="90000" tIns="45000" bIns="45000" anchor="ctr"/>
+          <a:bodyPr lIns="90000" tIns="45000" rIns="90000" bIns="45000" anchor="ctr"/>
+          <a:lstStyle/>
           <a:p>
             <a:pPr algn="r">
               <a:lnSpc>
                 <a:spcPct val="100000"/>
               </a:lnSpc>
             </a:pPr>
-            <a:fld id="{D2A93C0C-1332-46CD-B6BD-9BF46A5834A3}" type="slidenum">
-              <a:rPr b="0" lang="en-US" sz="1200" spc="-1" strike="noStrike">
-                <a:solidFill>
-                  <a:srgbClr val="8b8b8b"/>
+            <a:fld id="{740A2700-9FB7-44D0-8D6A-E825D3A9ECFD}" type="slidenum">
+              <a:rPr lang="en-US" sz="1200" b="0" strike="noStrike" spc="-1">
+                <a:solidFill>
+                  <a:srgbClr val="8B8B8B"/>
                 </a:solidFill>
                 <a:latin typeface="Calibri"/>
               </a:rPr>
-              <a:t>1</a:t>
+              <a:t>6</a:t>
             </a:fld>
-            <a:endParaRPr b="0" lang="en-US" sz="1200" spc="-1" strike="noStrike">
-              <a:latin typeface="Arial"/>
-            </a:endParaRPr>
-          </a:p>
-        </p:txBody>
-      </p:sp>
-      <p:sp>
-        <p:nvSpPr>
-          <p:cNvPr id="111" name="CustomShape 5"/>
-          <p:cNvSpPr/>
-          <p:nvPr/>
-        </p:nvSpPr>
-        <p:spPr>
-          <a:xfrm>
-            <a:off x="914400" y="4846320"/>
-            <a:ext cx="2559960" cy="857880"/>
-          </a:xfrm>
-          <a:prstGeom prst="rect">
-            <a:avLst/>
-          </a:prstGeom>
-          <a:noFill/>
-          <a:ln>
-            <a:noFill/>
-          </a:ln>
-        </p:spPr>
-        <p:style>
-          <a:lnRef idx="0"/>
-          <a:fillRef idx="0"/>
-          <a:effectRef idx="0"/>
-          <a:fontRef idx="minor"/>
-        </p:style>
-        <p:txBody>
-          <a:bodyPr lIns="90000" rIns="90000" tIns="45000" bIns="45000"/>
-          <a:p>
-            <a:pPr>
-              <a:lnSpc>
-                <a:spcPct val="100000"/>
-              </a:lnSpc>
-            </a:pPr>
-            <a:r>
-              <a:rPr b="0" lang="en-US" sz="1800" spc="-1" strike="noStrike">
-                <a:solidFill>
-                  <a:srgbClr val="000000"/>
-                </a:solidFill>
-                <a:latin typeface="Arial"/>
-              </a:rPr>
-              <a:t>Same features as RF</a:t>
-            </a:r>
-            <a:endParaRPr b="0" lang="en-US" sz="1800" spc="-1" strike="noStrike">
-              <a:latin typeface="Arial"/>
-            </a:endParaRPr>
-          </a:p>
-          <a:p>
-            <a:pPr>
-              <a:lnSpc>
-                <a:spcPct val="100000"/>
-              </a:lnSpc>
-            </a:pPr>
-            <a:r>
-              <a:rPr b="0" lang="en-US" sz="1800" spc="-1" strike="noStrike">
-                <a:solidFill>
-                  <a:srgbClr val="000000"/>
-                </a:solidFill>
-                <a:latin typeface="Arial"/>
-              </a:rPr>
-              <a:t>→ </a:t>
-            </a:r>
-            <a:r>
-              <a:rPr b="0" lang="en-US" sz="1800" spc="-1" strike="noStrike">
-                <a:solidFill>
-                  <a:srgbClr val="000000"/>
-                </a:solidFill>
-                <a:latin typeface="Arial"/>
-              </a:rPr>
-              <a:t>intensity feature</a:t>
-            </a:r>
-            <a:endParaRPr b="0" lang="en-US" sz="1800" spc="-1" strike="noStrike">
-              <a:latin typeface="Arial"/>
-            </a:endParaRPr>
-          </a:p>
-        </p:txBody>
-      </p:sp>
-      <p:sp>
-        <p:nvSpPr>
-          <p:cNvPr id="112" name="CustomShape 6"/>
-          <p:cNvSpPr/>
-          <p:nvPr/>
-        </p:nvSpPr>
-        <p:spPr>
-          <a:xfrm>
-            <a:off x="4023360" y="4846320"/>
-            <a:ext cx="2559960" cy="601920"/>
-          </a:xfrm>
-          <a:prstGeom prst="rect">
-            <a:avLst/>
-          </a:prstGeom>
-          <a:noFill/>
-          <a:ln>
-            <a:noFill/>
-          </a:ln>
-        </p:spPr>
-        <p:style>
-          <a:lnRef idx="0"/>
-          <a:fillRef idx="0"/>
-          <a:effectRef idx="0"/>
-          <a:fontRef idx="minor"/>
-        </p:style>
-        <p:txBody>
-          <a:bodyPr lIns="90000" rIns="90000" tIns="45000" bIns="45000"/>
-          <a:p>
-            <a:pPr>
-              <a:lnSpc>
-                <a:spcPct val="100000"/>
-              </a:lnSpc>
-            </a:pPr>
-            <a:r>
-              <a:rPr b="0" lang="en-US" sz="1800" spc="-1" strike="noStrike">
-                <a:solidFill>
-                  <a:srgbClr val="000000"/>
-                </a:solidFill>
-                <a:latin typeface="Arial"/>
-              </a:rPr>
-              <a:t>Balanced samples</a:t>
-            </a:r>
-            <a:endParaRPr b="0" lang="en-US" sz="1800" spc="-1" strike="noStrike">
-              <a:latin typeface="Arial"/>
-            </a:endParaRPr>
-          </a:p>
-          <a:p>
-            <a:pPr>
-              <a:lnSpc>
-                <a:spcPct val="100000"/>
-              </a:lnSpc>
-            </a:pPr>
-            <a:r>
-              <a:rPr b="0" lang="en-US" sz="1800" spc="-1" strike="noStrike">
-                <a:solidFill>
-                  <a:srgbClr val="000000"/>
-                </a:solidFill>
-                <a:latin typeface="Arial"/>
-              </a:rPr>
-              <a:t>→ </a:t>
-            </a:r>
-            <a:r>
-              <a:rPr b="0" lang="en-US" sz="1800" spc="-1" strike="noStrike">
-                <a:solidFill>
-                  <a:srgbClr val="000000"/>
-                </a:solidFill>
-                <a:latin typeface="Arial"/>
-              </a:rPr>
-              <a:t>intensity feature</a:t>
-            </a:r>
-            <a:endParaRPr b="0" lang="en-US" sz="1800" spc="-1" strike="noStrike">
-              <a:latin typeface="Arial"/>
-            </a:endParaRPr>
-          </a:p>
-          <a:p>
-            <a:pPr>
-              <a:lnSpc>
-                <a:spcPct val="100000"/>
-              </a:lnSpc>
-            </a:pPr>
-            <a:r>
-              <a:rPr b="0" lang="en-US" sz="1800" spc="-1" strike="noStrike">
-                <a:solidFill>
-                  <a:srgbClr val="000000"/>
-                </a:solidFill>
-                <a:latin typeface="Arial"/>
-              </a:rPr>
-              <a:t>→ </a:t>
-            </a:r>
-            <a:r>
-              <a:rPr b="0" lang="en-US" sz="1800" spc="-1" strike="noStrike">
-                <a:solidFill>
-                  <a:srgbClr val="000000"/>
-                </a:solidFill>
-                <a:latin typeface="Arial"/>
-              </a:rPr>
-              <a:t>small structures important</a:t>
-            </a:r>
-            <a:endParaRPr b="0" lang="en-US" sz="1800" spc="-1" strike="noStrike">
-              <a:latin typeface="Arial"/>
-            </a:endParaRPr>
-          </a:p>
-        </p:txBody>
-      </p:sp>
-      <p:sp>
-        <p:nvSpPr>
-          <p:cNvPr id="113" name="CustomShape 7"/>
-          <p:cNvSpPr/>
-          <p:nvPr/>
-        </p:nvSpPr>
-        <p:spPr>
-          <a:xfrm>
-            <a:off x="6949440" y="4846320"/>
-            <a:ext cx="3108960" cy="857880"/>
-          </a:xfrm>
-          <a:prstGeom prst="rect">
-            <a:avLst/>
-          </a:prstGeom>
-          <a:noFill/>
-          <a:ln>
-            <a:noFill/>
-          </a:ln>
-        </p:spPr>
-        <p:style>
-          <a:lnRef idx="0"/>
-          <a:fillRef idx="0"/>
-          <a:effectRef idx="0"/>
-          <a:fontRef idx="minor"/>
-        </p:style>
-        <p:txBody>
-          <a:bodyPr lIns="90000" rIns="90000" tIns="45000" bIns="45000"/>
-          <a:p>
-            <a:pPr>
-              <a:lnSpc>
-                <a:spcPct val="100000"/>
-              </a:lnSpc>
-            </a:pPr>
-            <a:r>
-              <a:rPr b="0" lang="en-US" sz="1800" spc="-1" strike="noStrike">
-                <a:solidFill>
-                  <a:srgbClr val="000000"/>
-                </a:solidFill>
-                <a:latin typeface="Arial"/>
-              </a:rPr>
-              <a:t>Second order coordinates</a:t>
-            </a:r>
-            <a:endParaRPr b="0" lang="en-US" sz="1800" spc="-1" strike="noStrike">
-              <a:latin typeface="Arial"/>
-            </a:endParaRPr>
-          </a:p>
-          <a:p>
-            <a:pPr>
-              <a:lnSpc>
-                <a:spcPct val="100000"/>
-              </a:lnSpc>
-            </a:pPr>
-            <a:r>
-              <a:rPr b="0" lang="en-US" sz="1800" spc="-1" strike="noStrike">
-                <a:solidFill>
-                  <a:srgbClr val="000000"/>
-                </a:solidFill>
-                <a:latin typeface="Arial"/>
-              </a:rPr>
-              <a:t>→ </a:t>
-            </a:r>
-            <a:r>
-              <a:rPr b="0" lang="en-US" sz="1800" spc="-1" strike="noStrike">
-                <a:solidFill>
-                  <a:srgbClr val="000000"/>
-                </a:solidFill>
-                <a:latin typeface="Arial"/>
-              </a:rPr>
-              <a:t>position feature important</a:t>
-            </a:r>
-            <a:endParaRPr b="0" lang="en-US" sz="1800" spc="-1" strike="noStrike">
-              <a:latin typeface="Arial"/>
-            </a:endParaRPr>
-          </a:p>
-          <a:p>
-            <a:pPr>
-              <a:lnSpc>
-                <a:spcPct val="100000"/>
-              </a:lnSpc>
-            </a:pPr>
-            <a:r>
-              <a:rPr b="0" lang="en-US" sz="1800" spc="-1" strike="noStrike">
-                <a:solidFill>
-                  <a:srgbClr val="000000"/>
-                </a:solidFill>
-                <a:latin typeface="Arial"/>
-              </a:rPr>
-              <a:t>→ </a:t>
-            </a:r>
-            <a:r>
-              <a:rPr b="0" lang="en-US" sz="1800" spc="-1" strike="noStrike">
-                <a:solidFill>
-                  <a:srgbClr val="000000"/>
-                </a:solidFill>
-                <a:latin typeface="Arial"/>
-              </a:rPr>
-              <a:t>complex boundaries require high order terms</a:t>
-            </a:r>
-            <a:endParaRPr b="0" lang="en-US" sz="1800" spc="-1" strike="noStrike">
+            <a:endParaRPr lang="en-US" sz="1200" b="0" strike="noStrike" spc="-1">
               <a:latin typeface="Arial"/>
             </a:endParaRPr>
           </a:p>
@@ -6077,30 +7486,7 @@
       </p:sp>
       <p:pic>
         <p:nvPicPr>
-          <p:cNvPr id="114" name="" descr=""/>
-          <p:cNvPicPr/>
-          <p:nvPr/>
-        </p:nvPicPr>
-        <p:blipFill>
-          <a:blip r:embed="rId1"/>
-          <a:stretch/>
-        </p:blipFill>
-        <p:spPr>
-          <a:xfrm>
-            <a:off x="3931920" y="1730520"/>
-            <a:ext cx="2900160" cy="2841480"/>
-          </a:xfrm>
-          <a:prstGeom prst="rect">
-            <a:avLst/>
-          </a:prstGeom>
-          <a:ln>
-            <a:noFill/>
-          </a:ln>
-        </p:spPr>
-      </p:pic>
-      <p:pic>
-        <p:nvPicPr>
-          <p:cNvPr id="115" name="" descr=""/>
+          <p:cNvPr id="121" name="Picture 120"/>
           <p:cNvPicPr/>
           <p:nvPr/>
         </p:nvPicPr>
@@ -6110,8 +7496,8 @@
         </p:blipFill>
         <p:spPr>
           <a:xfrm>
-            <a:off x="838080" y="1740960"/>
-            <a:ext cx="2849040" cy="2831040"/>
+            <a:off x="849240" y="1763640"/>
+            <a:ext cx="2899440" cy="2899440"/>
           </a:xfrm>
           <a:prstGeom prst="rect">
             <a:avLst/>
@@ -6123,19 +7509,18 @@
       </p:pic>
       <p:pic>
         <p:nvPicPr>
-          <p:cNvPr id="116" name="" descr=""/>
+          <p:cNvPr id="122" name="Picture 121"/>
           <p:cNvPicPr/>
           <p:nvPr/>
         </p:nvPicPr>
         <p:blipFill>
           <a:blip r:embed="rId3"/>
-          <a:srcRect l="14223" t="0" r="0" b="0"/>
           <a:stretch/>
         </p:blipFill>
         <p:spPr>
           <a:xfrm>
-            <a:off x="7223760" y="1737360"/>
-            <a:ext cx="2468880" cy="2820240"/>
+            <a:off x="6792840" y="1763640"/>
+            <a:ext cx="2899440" cy="2899440"/>
           </a:xfrm>
           <a:prstGeom prst="rect">
             <a:avLst/>
@@ -6145,32 +7530,280 @@
           </a:ln>
         </p:spPr>
       </p:pic>
+      <p:pic>
+        <p:nvPicPr>
+          <p:cNvPr id="123" name="Picture 122"/>
+          <p:cNvPicPr/>
+          <p:nvPr/>
+        </p:nvPicPr>
+        <p:blipFill>
+          <a:blip r:embed="rId4"/>
+          <a:stretch/>
+        </p:blipFill>
+        <p:spPr>
+          <a:xfrm>
+            <a:off x="3823560" y="1753560"/>
+            <a:ext cx="2899440" cy="2899440"/>
+          </a:xfrm>
+          <a:prstGeom prst="rect">
+            <a:avLst/>
+          </a:prstGeom>
+          <a:ln>
+            <a:noFill/>
+          </a:ln>
+        </p:spPr>
+      </p:pic>
+      <p:sp>
+        <p:nvSpPr>
+          <p:cNvPr id="124" name="CustomShape 5"/>
+          <p:cNvSpPr/>
+          <p:nvPr/>
+        </p:nvSpPr>
+        <p:spPr>
+          <a:xfrm>
+            <a:off x="914400" y="4846320"/>
+            <a:ext cx="2559960" cy="857880"/>
+          </a:xfrm>
+          <a:prstGeom prst="rect">
+            <a:avLst/>
+          </a:prstGeom>
+          <a:noFill/>
+          <a:ln>
+            <a:noFill/>
+          </a:ln>
+        </p:spPr>
+        <p:style>
+          <a:lnRef idx="0">
+            <a:scrgbClr r="0" g="0" b="0"/>
+          </a:lnRef>
+          <a:fillRef idx="0">
+            <a:scrgbClr r="0" g="0" b="0"/>
+          </a:fillRef>
+          <a:effectRef idx="0">
+            <a:scrgbClr r="0" g="0" b="0"/>
+          </a:effectRef>
+          <a:fontRef idx="minor"/>
+        </p:style>
+        <p:txBody>
+          <a:bodyPr lIns="90000" tIns="45000" rIns="90000" bIns="45000"/>
+          <a:lstStyle/>
+          <a:p>
+            <a:pPr>
+              <a:lnSpc>
+                <a:spcPct val="100000"/>
+              </a:lnSpc>
+            </a:pPr>
+            <a:r>
+              <a:rPr lang="en-US" sz="1800" b="0" strike="noStrike" spc="-1">
+                <a:solidFill>
+                  <a:srgbClr val="000000"/>
+                </a:solidFill>
+                <a:latin typeface="Arial"/>
+              </a:rPr>
+              <a:t>C=5, G=0.3</a:t>
+            </a:r>
+            <a:endParaRPr lang="en-US" sz="1800" b="0" strike="noStrike" spc="-1">
+              <a:latin typeface="Arial"/>
+            </a:endParaRPr>
+          </a:p>
+          <a:p>
+            <a:pPr>
+              <a:lnSpc>
+                <a:spcPct val="100000"/>
+              </a:lnSpc>
+            </a:pPr>
+            <a:r>
+              <a:rPr lang="en-US" sz="1800" b="0" strike="noStrike" spc="-1">
+                <a:solidFill>
+                  <a:srgbClr val="000000"/>
+                </a:solidFill>
+                <a:latin typeface="Arial"/>
+              </a:rPr>
+              <a:t>Oversegmentation of small structures</a:t>
+            </a:r>
+            <a:endParaRPr lang="en-US" sz="1800" b="0" strike="noStrike" spc="-1">
+              <a:latin typeface="Arial"/>
+            </a:endParaRPr>
+          </a:p>
+        </p:txBody>
+      </p:sp>
+      <p:sp>
+        <p:nvSpPr>
+          <p:cNvPr id="125" name="CustomShape 6"/>
+          <p:cNvSpPr/>
+          <p:nvPr/>
+        </p:nvSpPr>
+        <p:spPr>
+          <a:xfrm>
+            <a:off x="4023360" y="4846320"/>
+            <a:ext cx="2559960" cy="601920"/>
+          </a:xfrm>
+          <a:prstGeom prst="rect">
+            <a:avLst/>
+          </a:prstGeom>
+          <a:noFill/>
+          <a:ln>
+            <a:noFill/>
+          </a:ln>
+        </p:spPr>
+        <p:style>
+          <a:lnRef idx="0">
+            <a:scrgbClr r="0" g="0" b="0"/>
+          </a:lnRef>
+          <a:fillRef idx="0">
+            <a:scrgbClr r="0" g="0" b="0"/>
+          </a:fillRef>
+          <a:effectRef idx="0">
+            <a:scrgbClr r="0" g="0" b="0"/>
+          </a:effectRef>
+          <a:fontRef idx="minor"/>
+        </p:style>
+        <p:txBody>
+          <a:bodyPr lIns="90000" tIns="45000" rIns="90000" bIns="45000"/>
+          <a:lstStyle/>
+          <a:p>
+            <a:pPr>
+              <a:lnSpc>
+                <a:spcPct val="100000"/>
+              </a:lnSpc>
+            </a:pPr>
+            <a:r>
+              <a:rPr lang="en-US" sz="1800" b="0" strike="noStrike" spc="-1">
+                <a:solidFill>
+                  <a:srgbClr val="000000"/>
+                </a:solidFill>
+                <a:latin typeface="Arial"/>
+              </a:rPr>
+              <a:t>Random Forest</a:t>
+            </a:r>
+            <a:endParaRPr lang="en-US" sz="1800" b="0" strike="noStrike" spc="-1">
+              <a:latin typeface="Arial"/>
+            </a:endParaRPr>
+          </a:p>
+          <a:p>
+            <a:pPr>
+              <a:lnSpc>
+                <a:spcPct val="100000"/>
+              </a:lnSpc>
+            </a:pPr>
+            <a:r>
+              <a:rPr lang="en-US" sz="1800" b="0" strike="noStrike" spc="-1">
+                <a:solidFill>
+                  <a:srgbClr val="000000"/>
+                </a:solidFill>
+                <a:latin typeface="Arial"/>
+              </a:rPr>
+              <a:t>Reference</a:t>
+            </a:r>
+            <a:endParaRPr lang="en-US" sz="1800" b="0" strike="noStrike" spc="-1">
+              <a:latin typeface="Arial"/>
+            </a:endParaRPr>
+          </a:p>
+        </p:txBody>
+      </p:sp>
+      <p:sp>
+        <p:nvSpPr>
+          <p:cNvPr id="126" name="CustomShape 7"/>
+          <p:cNvSpPr/>
+          <p:nvPr/>
+        </p:nvSpPr>
+        <p:spPr>
+          <a:xfrm>
+            <a:off x="6949440" y="4846320"/>
+            <a:ext cx="2559960" cy="857880"/>
+          </a:xfrm>
+          <a:prstGeom prst="rect">
+            <a:avLst/>
+          </a:prstGeom>
+          <a:noFill/>
+          <a:ln>
+            <a:noFill/>
+          </a:ln>
+        </p:spPr>
+        <p:style>
+          <a:lnRef idx="0">
+            <a:scrgbClr r="0" g="0" b="0"/>
+          </a:lnRef>
+          <a:fillRef idx="0">
+            <a:scrgbClr r="0" g="0" b="0"/>
+          </a:fillRef>
+          <a:effectRef idx="0">
+            <a:scrgbClr r="0" g="0" b="0"/>
+          </a:effectRef>
+          <a:fontRef idx="minor"/>
+        </p:style>
+        <p:txBody>
+          <a:bodyPr lIns="90000" tIns="45000" rIns="90000" bIns="45000"/>
+          <a:lstStyle/>
+          <a:p>
+            <a:pPr>
+              <a:lnSpc>
+                <a:spcPct val="100000"/>
+              </a:lnSpc>
+            </a:pPr>
+            <a:r>
+              <a:rPr lang="en-US" sz="1800" b="0" strike="noStrike" spc="-1">
+                <a:solidFill>
+                  <a:srgbClr val="000000"/>
+                </a:solidFill>
+                <a:latin typeface="Arial"/>
+              </a:rPr>
+              <a:t>C=15, G=10</a:t>
+            </a:r>
+            <a:endParaRPr lang="en-US" sz="1800" b="0" strike="noStrike" spc="-1">
+              <a:latin typeface="Arial"/>
+            </a:endParaRPr>
+          </a:p>
+          <a:p>
+            <a:pPr>
+              <a:lnSpc>
+                <a:spcPct val="100000"/>
+              </a:lnSpc>
+            </a:pPr>
+            <a:r>
+              <a:rPr lang="en-US" sz="1800" b="0" strike="noStrike" spc="-1">
+                <a:solidFill>
+                  <a:srgbClr val="000000"/>
+                </a:solidFill>
+                <a:latin typeface="Arial"/>
+              </a:rPr>
+              <a:t>Undersegmentation of small structures</a:t>
+            </a:r>
+            <a:endParaRPr lang="en-US" sz="1800" b="0" strike="noStrike" spc="-1">
+              <a:latin typeface="Arial"/>
+            </a:endParaRPr>
+          </a:p>
+        </p:txBody>
+      </p:sp>
     </p:spTree>
   </p:cSld>
-  <mc:AlternateContent>
+  <p:clrMapOvr>
+    <a:masterClrMapping/>
+  </p:clrMapOvr>
+  <mc:AlternateContent xmlns:mc="http://schemas.openxmlformats.org/markup-compatibility/2006" xmlns:p14="http://schemas.microsoft.com/office/powerpoint/2010/main">
     <mc:Choice Requires="p14">
       <p:transition spd="slow" p14:dur="2000"/>
     </mc:Choice>
-    <mc:Fallback>
+    <mc:Fallback xmlns:p15="http://schemas.microsoft.com/office/powerpoint/2012/main" xmlns="">
       <p:transition spd="slow"/>
     </mc:Fallback>
   </mc:AlternateContent>
   <p:timing>
     <p:tnLst>
       <p:par>
-        <p:cTn id="11" dur="indefinite" restart="never" nodeType="tmRoot">
+        <p:cTn id="1" dur="indefinite" restart="never" nodeType="tmRoot">
           <p:childTnLst>
             <p:seq>
-              <p:cTn id="12" dur="indefinite" nodeType="mainSeq"/>
+              <p:cTn id="2" dur="indefinite" nodeType="mainSeq"/>
               <p:prevCondLst>
-                <p:cond delay="0" evt="onPrev">
+                <p:cond evt="onPrev" delay="0">
                   <p:tgtEl>
                     <p:sldTgt/>
                   </p:tgtEl>
                 </p:cond>
               </p:prevCondLst>
               <p:nextCondLst>
-                <p:cond delay="0" evt="onNext">
+                <p:cond evt="onNext" delay="0">
                   <p:tgtEl>
                     <p:sldTgt/>
                   </p:tgtEl>
@@ -6186,7 +7819,7 @@
 </file>
 
 <file path=ppt/slides/slide7.xml><?xml version="1.0" encoding="utf-8"?>
-<p:sld xmlns:a="http://schemas.openxmlformats.org/drawingml/2006/main" xmlns:p="http://schemas.openxmlformats.org/presentationml/2006/main" xmlns:r="http://schemas.openxmlformats.org/officeDocument/2006/relationships" xmlns:p14="http://schemas.microsoft.com/office/powerpoint/2010/main" xmlns:p15="http://schemas.microsoft.com/office/powerpoint/2012/main" xmlns:mc="http://schemas.openxmlformats.org/markup-compatibility/2006">
+<p:sld xmlns:a="http://schemas.openxmlformats.org/drawingml/2006/main" xmlns:r="http://schemas.openxmlformats.org/officeDocument/2006/relationships" xmlns:p="http://schemas.openxmlformats.org/presentationml/2006/main">
   <p:cSld>
     <p:spTree>
       <p:nvGrpSpPr>
@@ -6204,7 +7837,7 @@
       </p:grpSpPr>
       <p:sp>
         <p:nvSpPr>
-          <p:cNvPr id="117" name="CustomShape 1"/>
+          <p:cNvPr id="127" name="CustomShape 1"/>
           <p:cNvSpPr/>
           <p:nvPr/>
         </p:nvSpPr>
@@ -6222,13 +7855,20 @@
           </a:ln>
         </p:spPr>
         <p:style>
-          <a:lnRef idx="0"/>
-          <a:fillRef idx="0"/>
-          <a:effectRef idx="0"/>
+          <a:lnRef idx="0">
+            <a:scrgbClr r="0" g="0" b="0"/>
+          </a:lnRef>
+          <a:fillRef idx="0">
+            <a:scrgbClr r="0" g="0" b="0"/>
+          </a:fillRef>
+          <a:effectRef idx="0">
+            <a:scrgbClr r="0" g="0" b="0"/>
+          </a:effectRef>
           <a:fontRef idx="minor"/>
         </p:style>
         <p:txBody>
-          <a:bodyPr lIns="90000" rIns="90000" tIns="45000" bIns="45000" anchor="ctr"/>
+          <a:bodyPr lIns="90000" tIns="45000" rIns="90000" bIns="45000" anchor="ctr"/>
+          <a:lstStyle/>
           <a:p>
             <a:pPr>
               <a:lnSpc>
@@ -6236,7 +7876,7 @@
               </a:lnSpc>
             </a:pPr>
             <a:r>
-              <a:rPr b="1" lang="en-US" sz="4400" spc="-1" strike="noStrike">
+              <a:rPr lang="en-US" sz="4400" b="1" strike="noStrike" spc="-1">
                 <a:solidFill>
                   <a:srgbClr val="000000"/>
                 </a:solidFill>
@@ -6244,15 +7884,15 @@
               </a:rPr>
               <a:t>Insights SVM (rbf)</a:t>
             </a:r>
-            <a:endParaRPr b="0" lang="en-US" sz="4400" spc="-1" strike="noStrike">
-              <a:latin typeface="Arial"/>
-            </a:endParaRPr>
-          </a:p>
-        </p:txBody>
-      </p:sp>
-      <p:sp>
-        <p:nvSpPr>
-          <p:cNvPr id="118" name="CustomShape 2"/>
+            <a:endParaRPr lang="en-US" sz="4400" b="0" strike="noStrike" spc="-1">
+              <a:latin typeface="Arial"/>
+            </a:endParaRPr>
+          </a:p>
+        </p:txBody>
+      </p:sp>
+      <p:sp>
+        <p:nvSpPr>
+          <p:cNvPr id="128" name="CustomShape 2"/>
           <p:cNvSpPr/>
           <p:nvPr/>
         </p:nvSpPr>
@@ -6270,13 +7910,20 @@
           </a:ln>
         </p:spPr>
         <p:style>
-          <a:lnRef idx="0"/>
-          <a:fillRef idx="0"/>
-          <a:effectRef idx="0"/>
+          <a:lnRef idx="0">
+            <a:scrgbClr r="0" g="0" b="0"/>
+          </a:lnRef>
+          <a:fillRef idx="0">
+            <a:scrgbClr r="0" g="0" b="0"/>
+          </a:fillRef>
+          <a:effectRef idx="0">
+            <a:scrgbClr r="0" g="0" b="0"/>
+          </a:effectRef>
           <a:fontRef idx="minor"/>
         </p:style>
         <p:txBody>
-          <a:bodyPr lIns="90000" rIns="90000" tIns="45000" bIns="45000" anchor="ctr"/>
+          <a:bodyPr lIns="90000" tIns="45000" rIns="90000" bIns="45000" anchor="ctr"/>
+          <a:lstStyle/>
           <a:p>
             <a:pPr>
               <a:lnSpc>
@@ -6284,23 +7931,23 @@
               </a:lnSpc>
             </a:pPr>
             <a:r>
-              <a:rPr b="0" lang="en-US" sz="1200" spc="-1" strike="noStrike">
-                <a:solidFill>
-                  <a:srgbClr val="8b8b8b"/>
+              <a:rPr lang="en-US" sz="1200" b="0" strike="noStrike" spc="-1">
+                <a:solidFill>
+                  <a:srgbClr val="8B8B8B"/>
                 </a:solidFill>
                 <a:latin typeface="Calibri"/>
               </a:rPr>
               <a:t>07.11.2018</a:t>
             </a:r>
-            <a:endParaRPr b="0" lang="en-US" sz="1200" spc="-1" strike="noStrike">
-              <a:latin typeface="Arial"/>
-            </a:endParaRPr>
-          </a:p>
-        </p:txBody>
-      </p:sp>
-      <p:sp>
-        <p:nvSpPr>
-          <p:cNvPr id="119" name="CustomShape 3"/>
+            <a:endParaRPr lang="en-US" sz="1200" b="0" strike="noStrike" spc="-1">
+              <a:latin typeface="Arial"/>
+            </a:endParaRPr>
+          </a:p>
+        </p:txBody>
+      </p:sp>
+      <p:sp>
+        <p:nvSpPr>
+          <p:cNvPr id="129" name="CustomShape 3"/>
           <p:cNvSpPr/>
           <p:nvPr/>
         </p:nvSpPr>
@@ -6318,13 +7965,20 @@
           </a:ln>
         </p:spPr>
         <p:style>
-          <a:lnRef idx="0"/>
-          <a:fillRef idx="0"/>
-          <a:effectRef idx="0"/>
+          <a:lnRef idx="0">
+            <a:scrgbClr r="0" g="0" b="0"/>
+          </a:lnRef>
+          <a:fillRef idx="0">
+            <a:scrgbClr r="0" g="0" b="0"/>
+          </a:fillRef>
+          <a:effectRef idx="0">
+            <a:scrgbClr r="0" g="0" b="0"/>
+          </a:effectRef>
           <a:fontRef idx="minor"/>
         </p:style>
         <p:txBody>
-          <a:bodyPr lIns="90000" rIns="90000" tIns="45000" bIns="45000" anchor="ctr"/>
+          <a:bodyPr lIns="90000" tIns="45000" rIns="90000" bIns="45000" anchor="ctr"/>
+          <a:lstStyle/>
           <a:p>
             <a:pPr algn="ctr">
               <a:lnSpc>
@@ -6332,23 +7986,23 @@
               </a:lnSpc>
             </a:pPr>
             <a:r>
-              <a:rPr b="0" lang="en-US" sz="1200" spc="-1" strike="noStrike">
-                <a:solidFill>
-                  <a:srgbClr val="8b8b8b"/>
+              <a:rPr lang="en-US" sz="1200" b="0" strike="noStrike" spc="-1">
+                <a:solidFill>
+                  <a:srgbClr val="8B8B8B"/>
                 </a:solidFill>
                 <a:latin typeface="Calibri"/>
               </a:rPr>
               <a:t>Segmentation of brain tissues</a:t>
             </a:r>
-            <a:endParaRPr b="0" lang="en-US" sz="1200" spc="-1" strike="noStrike">
-              <a:latin typeface="Arial"/>
-            </a:endParaRPr>
-          </a:p>
-        </p:txBody>
-      </p:sp>
-      <p:sp>
-        <p:nvSpPr>
-          <p:cNvPr id="120" name="CustomShape 4"/>
+            <a:endParaRPr lang="en-US" sz="1200" b="0" strike="noStrike" spc="-1">
+              <a:latin typeface="Arial"/>
+            </a:endParaRPr>
+          </a:p>
+        </p:txBody>
+      </p:sp>
+      <p:sp>
+        <p:nvSpPr>
+          <p:cNvPr id="130" name="CustomShape 4"/>
           <p:cNvSpPr/>
           <p:nvPr/>
         </p:nvSpPr>
@@ -6366,29 +8020,36 @@
           </a:ln>
         </p:spPr>
         <p:style>
-          <a:lnRef idx="0"/>
-          <a:fillRef idx="0"/>
-          <a:effectRef idx="0"/>
+          <a:lnRef idx="0">
+            <a:scrgbClr r="0" g="0" b="0"/>
+          </a:lnRef>
+          <a:fillRef idx="0">
+            <a:scrgbClr r="0" g="0" b="0"/>
+          </a:fillRef>
+          <a:effectRef idx="0">
+            <a:scrgbClr r="0" g="0" b="0"/>
+          </a:effectRef>
           <a:fontRef idx="minor"/>
         </p:style>
         <p:txBody>
-          <a:bodyPr lIns="90000" rIns="90000" tIns="45000" bIns="45000" anchor="ctr"/>
+          <a:bodyPr lIns="90000" tIns="45000" rIns="90000" bIns="45000" anchor="ctr"/>
+          <a:lstStyle/>
           <a:p>
             <a:pPr algn="r">
               <a:lnSpc>
                 <a:spcPct val="100000"/>
               </a:lnSpc>
             </a:pPr>
-            <a:fld id="{740A2700-9FB7-44D0-8D6A-E825D3A9ECFD}" type="slidenum">
-              <a:rPr b="0" lang="en-US" sz="1200" spc="-1" strike="noStrike">
-                <a:solidFill>
-                  <a:srgbClr val="8b8b8b"/>
+            <a:fld id="{E13BD78E-EC70-4294-8A5E-C457C0379AF9}" type="slidenum">
+              <a:rPr lang="en-US" sz="1200" b="0" strike="noStrike" spc="-1">
+                <a:solidFill>
+                  <a:srgbClr val="8B8B8B"/>
                 </a:solidFill>
                 <a:latin typeface="Calibri"/>
               </a:rPr>
-              <a:t>1</a:t>
+              <a:t>7</a:t>
             </a:fld>
-            <a:endParaRPr b="0" lang="en-US" sz="1200" spc="-1" strike="noStrike">
+            <a:endParaRPr lang="en-US" sz="1200" b="0" strike="noStrike" spc="-1">
               <a:latin typeface="Arial"/>
             </a:endParaRPr>
           </a:p>
@@ -6396,30 +8057,7 @@
       </p:sp>
       <p:pic>
         <p:nvPicPr>
-          <p:cNvPr id="121" name="" descr=""/>
-          <p:cNvPicPr/>
-          <p:nvPr/>
-        </p:nvPicPr>
-        <p:blipFill>
-          <a:blip r:embed="rId1"/>
-          <a:stretch/>
-        </p:blipFill>
-        <p:spPr>
-          <a:xfrm>
-            <a:off x="849240" y="1763640"/>
-            <a:ext cx="2899440" cy="2899440"/>
-          </a:xfrm>
-          <a:prstGeom prst="rect">
-            <a:avLst/>
-          </a:prstGeom>
-          <a:ln>
-            <a:noFill/>
-          </a:ln>
-        </p:spPr>
-      </p:pic>
-      <p:pic>
-        <p:nvPicPr>
-          <p:cNvPr id="122" name="" descr=""/>
+          <p:cNvPr id="131" name="Picture 130"/>
           <p:cNvPicPr/>
           <p:nvPr/>
         </p:nvPicPr>
@@ -6429,8 +8067,8 @@
         </p:blipFill>
         <p:spPr>
           <a:xfrm>
-            <a:off x="6792840" y="1763640"/>
-            <a:ext cx="2899440" cy="2899440"/>
+            <a:off x="933840" y="1353600"/>
+            <a:ext cx="4095000" cy="4095000"/>
           </a:xfrm>
           <a:prstGeom prst="rect">
             <a:avLst/>
@@ -6442,7 +8080,7 @@
       </p:pic>
       <p:pic>
         <p:nvPicPr>
-          <p:cNvPr id="123" name="" descr=""/>
+          <p:cNvPr id="132" name="Picture 131"/>
           <p:cNvPicPr/>
           <p:nvPr/>
         </p:nvPicPr>
@@ -6452,8 +8090,8 @@
         </p:blipFill>
         <p:spPr>
           <a:xfrm>
-            <a:off x="3823560" y="1753560"/>
-            <a:ext cx="2899440" cy="2899440"/>
+            <a:off x="5322960" y="1371600"/>
+            <a:ext cx="4095000" cy="4095000"/>
           </a:xfrm>
           <a:prstGeom prst="rect">
             <a:avLst/>
@@ -6465,14 +8103,14 @@
       </p:pic>
       <p:sp>
         <p:nvSpPr>
-          <p:cNvPr id="124" name="CustomShape 5"/>
+          <p:cNvPr id="133" name="CustomShape 5"/>
           <p:cNvSpPr/>
           <p:nvPr/>
         </p:nvSpPr>
         <p:spPr>
           <a:xfrm>
-            <a:off x="914400" y="4846320"/>
-            <a:ext cx="2559960" cy="857880"/>
+            <a:off x="1645920" y="5524200"/>
+            <a:ext cx="2559960" cy="601920"/>
           </a:xfrm>
           <a:prstGeom prst="rect">
             <a:avLst/>
@@ -6483,13 +8121,20 @@
           </a:ln>
         </p:spPr>
         <p:style>
-          <a:lnRef idx="0"/>
-          <a:fillRef idx="0"/>
-          <a:effectRef idx="0"/>
+          <a:lnRef idx="0">
+            <a:scrgbClr r="0" g="0" b="0"/>
+          </a:lnRef>
+          <a:fillRef idx="0">
+            <a:scrgbClr r="0" g="0" b="0"/>
+          </a:fillRef>
+          <a:effectRef idx="0">
+            <a:scrgbClr r="0" g="0" b="0"/>
+          </a:effectRef>
           <a:fontRef idx="minor"/>
         </p:style>
         <p:txBody>
-          <a:bodyPr lIns="90000" rIns="90000" tIns="45000" bIns="45000"/>
+          <a:bodyPr lIns="90000" tIns="45000" rIns="90000" bIns="45000"/>
+          <a:lstStyle/>
           <a:p>
             <a:pPr>
               <a:lnSpc>
@@ -6497,15 +8142,15 @@
               </a:lnSpc>
             </a:pPr>
             <a:r>
-              <a:rPr b="0" lang="en-US" sz="1800" spc="-1" strike="noStrike">
+              <a:rPr lang="en-US" sz="1800" b="0" strike="noStrike" spc="-1">
                 <a:solidFill>
                   <a:srgbClr val="000000"/>
                 </a:solidFill>
                 <a:latin typeface="Arial"/>
               </a:rPr>
-              <a:t>C=5, G=0.3</a:t>
-            </a:r>
-            <a:endParaRPr b="0" lang="en-US" sz="1800" spc="-1" strike="noStrike">
+              <a:t>Random Forest</a:t>
+            </a:r>
+            <a:endParaRPr lang="en-US" sz="1800" b="0" strike="noStrike" spc="-1">
               <a:latin typeface="Arial"/>
             </a:endParaRPr>
           </a:p>
@@ -6516,30 +8161,30 @@
               </a:lnSpc>
             </a:pPr>
             <a:r>
-              <a:rPr b="0" lang="en-US" sz="1800" spc="-1" strike="noStrike">
+              <a:rPr lang="en-US" sz="1800" b="0" strike="noStrike" spc="-1">
                 <a:solidFill>
                   <a:srgbClr val="000000"/>
                 </a:solidFill>
                 <a:latin typeface="Arial"/>
               </a:rPr>
-              <a:t>Oversegmentation of small structures</a:t>
-            </a:r>
-            <a:endParaRPr b="0" lang="en-US" sz="1800" spc="-1" strike="noStrike">
-              <a:latin typeface="Arial"/>
-            </a:endParaRPr>
-          </a:p>
-        </p:txBody>
-      </p:sp>
-      <p:sp>
-        <p:nvSpPr>
-          <p:cNvPr id="125" name="CustomShape 6"/>
+              <a:t>Reference</a:t>
+            </a:r>
+            <a:endParaRPr lang="en-US" sz="1800" b="0" strike="noStrike" spc="-1">
+              <a:latin typeface="Arial"/>
+            </a:endParaRPr>
+          </a:p>
+        </p:txBody>
+      </p:sp>
+      <p:sp>
+        <p:nvSpPr>
+          <p:cNvPr id="134" name="CustomShape 6"/>
           <p:cNvSpPr/>
           <p:nvPr/>
         </p:nvSpPr>
         <p:spPr>
           <a:xfrm>
-            <a:off x="4023360" y="4846320"/>
-            <a:ext cx="2559960" cy="601920"/>
+            <a:off x="6309360" y="5498280"/>
+            <a:ext cx="2559960" cy="857880"/>
           </a:xfrm>
           <a:prstGeom prst="rect">
             <a:avLst/>
@@ -6550,13 +8195,20 @@
           </a:ln>
         </p:spPr>
         <p:style>
-          <a:lnRef idx="0"/>
-          <a:fillRef idx="0"/>
-          <a:effectRef idx="0"/>
+          <a:lnRef idx="0">
+            <a:scrgbClr r="0" g="0" b="0"/>
+          </a:lnRef>
+          <a:fillRef idx="0">
+            <a:scrgbClr r="0" g="0" b="0"/>
+          </a:fillRef>
+          <a:effectRef idx="0">
+            <a:scrgbClr r="0" g="0" b="0"/>
+          </a:effectRef>
           <a:fontRef idx="minor"/>
         </p:style>
         <p:txBody>
-          <a:bodyPr lIns="90000" rIns="90000" tIns="45000" bIns="45000"/>
+          <a:bodyPr lIns="90000" tIns="45000" rIns="90000" bIns="45000"/>
+          <a:lstStyle/>
           <a:p>
             <a:pPr>
               <a:lnSpc>
@@ -6564,101 +8216,15 @@
               </a:lnSpc>
             </a:pPr>
             <a:r>
-              <a:rPr b="0" lang="en-US" sz="1800" spc="-1" strike="noStrike">
+              <a:rPr lang="en-US" sz="1800" b="0" strike="noStrike" spc="-1">
                 <a:solidFill>
                   <a:srgbClr val="000000"/>
                 </a:solidFill>
                 <a:latin typeface="Arial"/>
               </a:rPr>
-              <a:t>Random Forest</a:t>
-            </a:r>
-            <a:endParaRPr b="0" lang="en-US" sz="1800" spc="-1" strike="noStrike">
-              <a:latin typeface="Arial"/>
-            </a:endParaRPr>
-          </a:p>
-          <a:p>
-            <a:pPr>
-              <a:lnSpc>
-                <a:spcPct val="100000"/>
-              </a:lnSpc>
-            </a:pPr>
-            <a:r>
-              <a:rPr b="0" lang="en-US" sz="1800" spc="-1" strike="noStrike">
-                <a:solidFill>
-                  <a:srgbClr val="000000"/>
-                </a:solidFill>
-                <a:latin typeface="Arial"/>
-              </a:rPr>
-              <a:t>Reference</a:t>
-            </a:r>
-            <a:endParaRPr b="0" lang="en-US" sz="1800" spc="-1" strike="noStrike">
-              <a:latin typeface="Arial"/>
-            </a:endParaRPr>
-          </a:p>
-        </p:txBody>
-      </p:sp>
-      <p:sp>
-        <p:nvSpPr>
-          <p:cNvPr id="126" name="CustomShape 7"/>
-          <p:cNvSpPr/>
-          <p:nvPr/>
-        </p:nvSpPr>
-        <p:spPr>
-          <a:xfrm>
-            <a:off x="6949440" y="4846320"/>
-            <a:ext cx="2559960" cy="857880"/>
-          </a:xfrm>
-          <a:prstGeom prst="rect">
-            <a:avLst/>
-          </a:prstGeom>
-          <a:noFill/>
-          <a:ln>
-            <a:noFill/>
-          </a:ln>
-        </p:spPr>
-        <p:style>
-          <a:lnRef idx="0"/>
-          <a:fillRef idx="0"/>
-          <a:effectRef idx="0"/>
-          <a:fontRef idx="minor"/>
-        </p:style>
-        <p:txBody>
-          <a:bodyPr lIns="90000" rIns="90000" tIns="45000" bIns="45000"/>
-          <a:p>
-            <a:pPr>
-              <a:lnSpc>
-                <a:spcPct val="100000"/>
-              </a:lnSpc>
-            </a:pPr>
-            <a:r>
-              <a:rPr b="0" lang="en-US" sz="1800" spc="-1" strike="noStrike">
-                <a:solidFill>
-                  <a:srgbClr val="000000"/>
-                </a:solidFill>
-                <a:latin typeface="Arial"/>
-              </a:rPr>
-              <a:t>C=15, G=10</a:t>
-            </a:r>
-            <a:endParaRPr b="0" lang="en-US" sz="1800" spc="-1" strike="noStrike">
-              <a:latin typeface="Arial"/>
-            </a:endParaRPr>
-          </a:p>
-          <a:p>
-            <a:pPr>
-              <a:lnSpc>
-                <a:spcPct val="100000"/>
-              </a:lnSpc>
-            </a:pPr>
-            <a:r>
-              <a:rPr b="0" lang="en-US" sz="1800" spc="-1" strike="noStrike">
-                <a:solidFill>
-                  <a:srgbClr val="000000"/>
-                </a:solidFill>
-                <a:latin typeface="Arial"/>
-              </a:rPr>
-              <a:t>Undersegmentation of small structures</a:t>
-            </a:r>
-            <a:endParaRPr b="0" lang="en-US" sz="1800" spc="-1" strike="noStrike">
+              <a:t>C=15, G=5</a:t>
+            </a:r>
+            <a:endParaRPr lang="en-US" sz="1800" b="0" strike="noStrike" spc="-1">
               <a:latin typeface="Arial"/>
             </a:endParaRPr>
           </a:p>
@@ -6666,30 +8232,33 @@
       </p:sp>
     </p:spTree>
   </p:cSld>
-  <mc:AlternateContent>
+  <p:clrMapOvr>
+    <a:masterClrMapping/>
+  </p:clrMapOvr>
+  <mc:AlternateContent xmlns:mc="http://schemas.openxmlformats.org/markup-compatibility/2006" xmlns:p14="http://schemas.microsoft.com/office/powerpoint/2010/main">
     <mc:Choice Requires="p14">
       <p:transition spd="slow" p14:dur="2000"/>
     </mc:Choice>
-    <mc:Fallback>
+    <mc:Fallback xmlns:p15="http://schemas.microsoft.com/office/powerpoint/2012/main" xmlns="">
       <p:transition spd="slow"/>
     </mc:Fallback>
   </mc:AlternateContent>
   <p:timing>
     <p:tnLst>
       <p:par>
-        <p:cTn id="13" dur="indefinite" restart="never" nodeType="tmRoot">
+        <p:cTn id="1" dur="indefinite" restart="never" nodeType="tmRoot">
           <p:childTnLst>
             <p:seq>
-              <p:cTn id="14" dur="indefinite" nodeType="mainSeq"/>
+              <p:cTn id="2" dur="indefinite" nodeType="mainSeq"/>
               <p:prevCondLst>
-                <p:cond delay="0" evt="onPrev">
+                <p:cond evt="onPrev" delay="0">
                   <p:tgtEl>
                     <p:sldTgt/>
                   </p:tgtEl>
                 </p:cond>
               </p:prevCondLst>
               <p:nextCondLst>
-                <p:cond delay="0" evt="onNext">
+                <p:cond evt="onNext" delay="0">
                   <p:tgtEl>
                     <p:sldTgt/>
                   </p:tgtEl>
@@ -6705,7 +8274,7 @@
 </file>
 
 <file path=ppt/slides/slide8.xml><?xml version="1.0" encoding="utf-8"?>
-<p:sld xmlns:a="http://schemas.openxmlformats.org/drawingml/2006/main" xmlns:p="http://schemas.openxmlformats.org/presentationml/2006/main" xmlns:r="http://schemas.openxmlformats.org/officeDocument/2006/relationships" xmlns:p14="http://schemas.microsoft.com/office/powerpoint/2010/main" xmlns:p15="http://schemas.microsoft.com/office/powerpoint/2012/main" xmlns:mc="http://schemas.openxmlformats.org/markup-compatibility/2006">
+<p:sld xmlns:a="http://schemas.openxmlformats.org/drawingml/2006/main" xmlns:r="http://schemas.openxmlformats.org/officeDocument/2006/relationships" xmlns:p="http://schemas.openxmlformats.org/presentationml/2006/main">
   <p:cSld>
     <p:spTree>
       <p:nvGrpSpPr>
@@ -6723,7 +8292,7 @@
       </p:grpSpPr>
       <p:sp>
         <p:nvSpPr>
-          <p:cNvPr id="127" name="CustomShape 1"/>
+          <p:cNvPr id="135" name="CustomShape 1"/>
           <p:cNvSpPr/>
           <p:nvPr/>
         </p:nvSpPr>
@@ -6741,13 +8310,20 @@
           </a:ln>
         </p:spPr>
         <p:style>
-          <a:lnRef idx="0"/>
-          <a:fillRef idx="0"/>
-          <a:effectRef idx="0"/>
+          <a:lnRef idx="0">
+            <a:scrgbClr r="0" g="0" b="0"/>
+          </a:lnRef>
+          <a:fillRef idx="0">
+            <a:scrgbClr r="0" g="0" b="0"/>
+          </a:fillRef>
+          <a:effectRef idx="0">
+            <a:scrgbClr r="0" g="0" b="0"/>
+          </a:effectRef>
           <a:fontRef idx="minor"/>
         </p:style>
         <p:txBody>
-          <a:bodyPr lIns="90000" rIns="90000" tIns="45000" bIns="45000" anchor="ctr"/>
+          <a:bodyPr lIns="90000" tIns="45000" rIns="90000" bIns="45000" anchor="ctr"/>
+          <a:lstStyle/>
           <a:p>
             <a:pPr>
               <a:lnSpc>
@@ -6755,30 +8331,30 @@
               </a:lnSpc>
             </a:pPr>
             <a:r>
-              <a:rPr b="1" lang="en-US" sz="4400" spc="-1" strike="noStrike">
+              <a:rPr lang="en-US" sz="4400" b="1" strike="noStrike" spc="-1">
                 <a:solidFill>
                   <a:srgbClr val="000000"/>
                 </a:solidFill>
                 <a:latin typeface="Calibri Light"/>
               </a:rPr>
-              <a:t>Insights SVM (rbf)</a:t>
-            </a:r>
-            <a:endParaRPr b="0" lang="en-US" sz="4400" spc="-1" strike="noStrike">
-              <a:latin typeface="Arial"/>
-            </a:endParaRPr>
-          </a:p>
-        </p:txBody>
-      </p:sp>
-      <p:sp>
-        <p:nvSpPr>
-          <p:cNvPr id="128" name="CustomShape 2"/>
+              <a:t>Outlook</a:t>
+            </a:r>
+            <a:endParaRPr lang="en-US" sz="4400" b="0" strike="noStrike" spc="-1">
+              <a:latin typeface="Arial"/>
+            </a:endParaRPr>
+          </a:p>
+        </p:txBody>
+      </p:sp>
+      <p:sp>
+        <p:nvSpPr>
+          <p:cNvPr id="136" name="CustomShape 2"/>
           <p:cNvSpPr/>
           <p:nvPr/>
         </p:nvSpPr>
         <p:spPr>
           <a:xfrm>
-            <a:off x="838080" y="6356520"/>
-            <a:ext cx="2742480" cy="364320"/>
+            <a:off x="838080" y="1825560"/>
+            <a:ext cx="9033120" cy="4350600"/>
           </a:xfrm>
           <a:prstGeom prst="rect">
             <a:avLst/>
@@ -6789,423 +8365,20 @@
           </a:ln>
         </p:spPr>
         <p:style>
-          <a:lnRef idx="0"/>
-          <a:fillRef idx="0"/>
-          <a:effectRef idx="0"/>
+          <a:lnRef idx="0">
+            <a:scrgbClr r="0" g="0" b="0"/>
+          </a:lnRef>
+          <a:fillRef idx="0">
+            <a:scrgbClr r="0" g="0" b="0"/>
+          </a:fillRef>
+          <a:effectRef idx="0">
+            <a:scrgbClr r="0" g="0" b="0"/>
+          </a:effectRef>
           <a:fontRef idx="minor"/>
         </p:style>
         <p:txBody>
-          <a:bodyPr lIns="90000" rIns="90000" tIns="45000" bIns="45000" anchor="ctr"/>
-          <a:p>
-            <a:pPr>
-              <a:lnSpc>
-                <a:spcPct val="100000"/>
-              </a:lnSpc>
-            </a:pPr>
-            <a:r>
-              <a:rPr b="0" lang="en-US" sz="1200" spc="-1" strike="noStrike">
-                <a:solidFill>
-                  <a:srgbClr val="8b8b8b"/>
-                </a:solidFill>
-                <a:latin typeface="Calibri"/>
-              </a:rPr>
-              <a:t>07.11.2018</a:t>
-            </a:r>
-            <a:endParaRPr b="0" lang="en-US" sz="1200" spc="-1" strike="noStrike">
-              <a:latin typeface="Arial"/>
-            </a:endParaRPr>
-          </a:p>
-        </p:txBody>
-      </p:sp>
-      <p:sp>
-        <p:nvSpPr>
-          <p:cNvPr id="129" name="CustomShape 3"/>
-          <p:cNvSpPr/>
-          <p:nvPr/>
-        </p:nvSpPr>
-        <p:spPr>
-          <a:xfrm>
-            <a:off x="4038480" y="6356520"/>
-            <a:ext cx="4114080" cy="364320"/>
-          </a:xfrm>
-          <a:prstGeom prst="rect">
-            <a:avLst/>
-          </a:prstGeom>
-          <a:noFill/>
-          <a:ln>
-            <a:noFill/>
-          </a:ln>
-        </p:spPr>
-        <p:style>
-          <a:lnRef idx="0"/>
-          <a:fillRef idx="0"/>
-          <a:effectRef idx="0"/>
-          <a:fontRef idx="minor"/>
-        </p:style>
-        <p:txBody>
-          <a:bodyPr lIns="90000" rIns="90000" tIns="45000" bIns="45000" anchor="ctr"/>
-          <a:p>
-            <a:pPr algn="ctr">
-              <a:lnSpc>
-                <a:spcPct val="100000"/>
-              </a:lnSpc>
-            </a:pPr>
-            <a:r>
-              <a:rPr b="0" lang="en-US" sz="1200" spc="-1" strike="noStrike">
-                <a:solidFill>
-                  <a:srgbClr val="8b8b8b"/>
-                </a:solidFill>
-                <a:latin typeface="Calibri"/>
-              </a:rPr>
-              <a:t>Segmentation of brain tissues</a:t>
-            </a:r>
-            <a:endParaRPr b="0" lang="en-US" sz="1200" spc="-1" strike="noStrike">
-              <a:latin typeface="Arial"/>
-            </a:endParaRPr>
-          </a:p>
-        </p:txBody>
-      </p:sp>
-      <p:sp>
-        <p:nvSpPr>
-          <p:cNvPr id="130" name="CustomShape 4"/>
-          <p:cNvSpPr/>
-          <p:nvPr/>
-        </p:nvSpPr>
-        <p:spPr>
-          <a:xfrm>
-            <a:off x="8610480" y="6356520"/>
-            <a:ext cx="2742480" cy="364320"/>
-          </a:xfrm>
-          <a:prstGeom prst="rect">
-            <a:avLst/>
-          </a:prstGeom>
-          <a:noFill/>
-          <a:ln>
-            <a:noFill/>
-          </a:ln>
-        </p:spPr>
-        <p:style>
-          <a:lnRef idx="0"/>
-          <a:fillRef idx="0"/>
-          <a:effectRef idx="0"/>
-          <a:fontRef idx="minor"/>
-        </p:style>
-        <p:txBody>
-          <a:bodyPr lIns="90000" rIns="90000" tIns="45000" bIns="45000" anchor="ctr"/>
-          <a:p>
-            <a:pPr algn="r">
-              <a:lnSpc>
-                <a:spcPct val="100000"/>
-              </a:lnSpc>
-            </a:pPr>
-            <a:fld id="{E13BD78E-EC70-4294-8A5E-C457C0379AF9}" type="slidenum">
-              <a:rPr b="0" lang="en-US" sz="1200" spc="-1" strike="noStrike">
-                <a:solidFill>
-                  <a:srgbClr val="8b8b8b"/>
-                </a:solidFill>
-                <a:latin typeface="Calibri"/>
-              </a:rPr>
-              <a:t>1</a:t>
-            </a:fld>
-            <a:endParaRPr b="0" lang="en-US" sz="1200" spc="-1" strike="noStrike">
-              <a:latin typeface="Arial"/>
-            </a:endParaRPr>
-          </a:p>
-        </p:txBody>
-      </p:sp>
-      <p:pic>
-        <p:nvPicPr>
-          <p:cNvPr id="131" name="" descr=""/>
-          <p:cNvPicPr/>
-          <p:nvPr/>
-        </p:nvPicPr>
-        <p:blipFill>
-          <a:blip r:embed="rId1"/>
-          <a:stretch/>
-        </p:blipFill>
-        <p:spPr>
-          <a:xfrm>
-            <a:off x="933840" y="1353600"/>
-            <a:ext cx="4095000" cy="4095000"/>
-          </a:xfrm>
-          <a:prstGeom prst="rect">
-            <a:avLst/>
-          </a:prstGeom>
-          <a:ln>
-            <a:noFill/>
-          </a:ln>
-        </p:spPr>
-      </p:pic>
-      <p:pic>
-        <p:nvPicPr>
-          <p:cNvPr id="132" name="" descr=""/>
-          <p:cNvPicPr/>
-          <p:nvPr/>
-        </p:nvPicPr>
-        <p:blipFill>
-          <a:blip r:embed="rId2"/>
-          <a:stretch/>
-        </p:blipFill>
-        <p:spPr>
-          <a:xfrm>
-            <a:off x="5322960" y="1371600"/>
-            <a:ext cx="4095000" cy="4095000"/>
-          </a:xfrm>
-          <a:prstGeom prst="rect">
-            <a:avLst/>
-          </a:prstGeom>
-          <a:ln>
-            <a:noFill/>
-          </a:ln>
-        </p:spPr>
-      </p:pic>
-      <p:sp>
-        <p:nvSpPr>
-          <p:cNvPr id="133" name="CustomShape 5"/>
-          <p:cNvSpPr/>
-          <p:nvPr/>
-        </p:nvSpPr>
-        <p:spPr>
-          <a:xfrm>
-            <a:off x="1645920" y="5524200"/>
-            <a:ext cx="2559960" cy="601920"/>
-          </a:xfrm>
-          <a:prstGeom prst="rect">
-            <a:avLst/>
-          </a:prstGeom>
-          <a:noFill/>
-          <a:ln>
-            <a:noFill/>
-          </a:ln>
-        </p:spPr>
-        <p:style>
-          <a:lnRef idx="0"/>
-          <a:fillRef idx="0"/>
-          <a:effectRef idx="0"/>
-          <a:fontRef idx="minor"/>
-        </p:style>
-        <p:txBody>
-          <a:bodyPr lIns="90000" rIns="90000" tIns="45000" bIns="45000"/>
-          <a:p>
-            <a:pPr>
-              <a:lnSpc>
-                <a:spcPct val="100000"/>
-              </a:lnSpc>
-            </a:pPr>
-            <a:r>
-              <a:rPr b="0" lang="en-US" sz="1800" spc="-1" strike="noStrike">
-                <a:solidFill>
-                  <a:srgbClr val="000000"/>
-                </a:solidFill>
-                <a:latin typeface="Arial"/>
-              </a:rPr>
-              <a:t>Random Forest</a:t>
-            </a:r>
-            <a:endParaRPr b="0" lang="en-US" sz="1800" spc="-1" strike="noStrike">
-              <a:latin typeface="Arial"/>
-            </a:endParaRPr>
-          </a:p>
-          <a:p>
-            <a:pPr>
-              <a:lnSpc>
-                <a:spcPct val="100000"/>
-              </a:lnSpc>
-            </a:pPr>
-            <a:r>
-              <a:rPr b="0" lang="en-US" sz="1800" spc="-1" strike="noStrike">
-                <a:solidFill>
-                  <a:srgbClr val="000000"/>
-                </a:solidFill>
-                <a:latin typeface="Arial"/>
-              </a:rPr>
-              <a:t>Reference</a:t>
-            </a:r>
-            <a:endParaRPr b="0" lang="en-US" sz="1800" spc="-1" strike="noStrike">
-              <a:latin typeface="Arial"/>
-            </a:endParaRPr>
-          </a:p>
-        </p:txBody>
-      </p:sp>
-      <p:sp>
-        <p:nvSpPr>
-          <p:cNvPr id="134" name="CustomShape 6"/>
-          <p:cNvSpPr/>
-          <p:nvPr/>
-        </p:nvSpPr>
-        <p:spPr>
-          <a:xfrm>
-            <a:off x="6309360" y="5498280"/>
-            <a:ext cx="2559960" cy="857880"/>
-          </a:xfrm>
-          <a:prstGeom prst="rect">
-            <a:avLst/>
-          </a:prstGeom>
-          <a:noFill/>
-          <a:ln>
-            <a:noFill/>
-          </a:ln>
-        </p:spPr>
-        <p:style>
-          <a:lnRef idx="0"/>
-          <a:fillRef idx="0"/>
-          <a:effectRef idx="0"/>
-          <a:fontRef idx="minor"/>
-        </p:style>
-        <p:txBody>
-          <a:bodyPr lIns="90000" rIns="90000" tIns="45000" bIns="45000"/>
-          <a:p>
-            <a:pPr>
-              <a:lnSpc>
-                <a:spcPct val="100000"/>
-              </a:lnSpc>
-            </a:pPr>
-            <a:r>
-              <a:rPr b="0" lang="en-US" sz="1800" spc="-1" strike="noStrike">
-                <a:solidFill>
-                  <a:srgbClr val="000000"/>
-                </a:solidFill>
-                <a:latin typeface="Arial"/>
-              </a:rPr>
-              <a:t>C=15, G=5</a:t>
-            </a:r>
-            <a:endParaRPr b="0" lang="en-US" sz="1800" spc="-1" strike="noStrike">
-              <a:latin typeface="Arial"/>
-            </a:endParaRPr>
-          </a:p>
-        </p:txBody>
-      </p:sp>
-    </p:spTree>
-  </p:cSld>
-  <mc:AlternateContent>
-    <mc:Choice Requires="p14">
-      <p:transition spd="slow" p14:dur="2000"/>
-    </mc:Choice>
-    <mc:Fallback>
-      <p:transition spd="slow"/>
-    </mc:Fallback>
-  </mc:AlternateContent>
-  <p:timing>
-    <p:tnLst>
-      <p:par>
-        <p:cTn id="15" dur="indefinite" restart="never" nodeType="tmRoot">
-          <p:childTnLst>
-            <p:seq>
-              <p:cTn id="16" dur="indefinite" nodeType="mainSeq"/>
-              <p:prevCondLst>
-                <p:cond delay="0" evt="onPrev">
-                  <p:tgtEl>
-                    <p:sldTgt/>
-                  </p:tgtEl>
-                </p:cond>
-              </p:prevCondLst>
-              <p:nextCondLst>
-                <p:cond delay="0" evt="onNext">
-                  <p:tgtEl>
-                    <p:sldTgt/>
-                  </p:tgtEl>
-                </p:cond>
-              </p:nextCondLst>
-            </p:seq>
-          </p:childTnLst>
-        </p:cTn>
-      </p:par>
-    </p:tnLst>
-  </p:timing>
-</p:sld>
-</file>
-
-<file path=ppt/slides/slide9.xml><?xml version="1.0" encoding="utf-8"?>
-<p:sld xmlns:a="http://schemas.openxmlformats.org/drawingml/2006/main" xmlns:p="http://schemas.openxmlformats.org/presentationml/2006/main" xmlns:r="http://schemas.openxmlformats.org/officeDocument/2006/relationships" xmlns:p14="http://schemas.microsoft.com/office/powerpoint/2010/main" xmlns:p15="http://schemas.microsoft.com/office/powerpoint/2012/main" xmlns:mc="http://schemas.openxmlformats.org/markup-compatibility/2006">
-  <p:cSld>
-    <p:spTree>
-      <p:nvGrpSpPr>
-        <p:cNvPr id="1" name=""/>
-        <p:cNvGrpSpPr/>
-        <p:nvPr/>
-      </p:nvGrpSpPr>
-      <p:grpSpPr>
-        <a:xfrm>
-          <a:off x="0" y="0"/>
-          <a:ext cx="0" cy="0"/>
-          <a:chOff x="0" y="0"/>
-          <a:chExt cx="0" cy="0"/>
-        </a:xfrm>
-      </p:grpSpPr>
-      <p:sp>
-        <p:nvSpPr>
-          <p:cNvPr id="135" name="CustomShape 1"/>
-          <p:cNvSpPr/>
-          <p:nvPr/>
-        </p:nvSpPr>
-        <p:spPr>
-          <a:xfrm>
-            <a:off x="838080" y="365040"/>
-            <a:ext cx="9033120" cy="1324800"/>
-          </a:xfrm>
-          <a:prstGeom prst="rect">
-            <a:avLst/>
-          </a:prstGeom>
-          <a:noFill/>
-          <a:ln>
-            <a:noFill/>
-          </a:ln>
-        </p:spPr>
-        <p:style>
-          <a:lnRef idx="0"/>
-          <a:fillRef idx="0"/>
-          <a:effectRef idx="0"/>
-          <a:fontRef idx="minor"/>
-        </p:style>
-        <p:txBody>
-          <a:bodyPr lIns="90000" rIns="90000" tIns="45000" bIns="45000" anchor="ctr"/>
-          <a:p>
-            <a:pPr>
-              <a:lnSpc>
-                <a:spcPct val="100000"/>
-              </a:lnSpc>
-            </a:pPr>
-            <a:r>
-              <a:rPr b="1" lang="en-US" sz="4400" spc="-1" strike="noStrike">
-                <a:solidFill>
-                  <a:srgbClr val="000000"/>
-                </a:solidFill>
-                <a:latin typeface="Calibri Light"/>
-              </a:rPr>
-              <a:t>Outlook</a:t>
-            </a:r>
-            <a:endParaRPr b="0" lang="en-US" sz="4400" spc="-1" strike="noStrike">
-              <a:latin typeface="Arial"/>
-            </a:endParaRPr>
-          </a:p>
-        </p:txBody>
-      </p:sp>
-      <p:sp>
-        <p:nvSpPr>
-          <p:cNvPr id="136" name="CustomShape 2"/>
-          <p:cNvSpPr/>
-          <p:nvPr/>
-        </p:nvSpPr>
-        <p:spPr>
-          <a:xfrm>
-            <a:off x="838080" y="1825560"/>
-            <a:ext cx="9033120" cy="4350600"/>
-          </a:xfrm>
-          <a:prstGeom prst="rect">
-            <a:avLst/>
-          </a:prstGeom>
-          <a:noFill/>
-          <a:ln>
-            <a:noFill/>
-          </a:ln>
-        </p:spPr>
-        <p:style>
-          <a:lnRef idx="0"/>
-          <a:fillRef idx="0"/>
-          <a:effectRef idx="0"/>
-          <a:fontRef idx="minor"/>
-        </p:style>
-        <p:txBody>
-          <a:bodyPr lIns="90000" rIns="90000" tIns="45000" bIns="45000"/>
+          <a:bodyPr lIns="90000" tIns="45000" rIns="90000" bIns="45000"/>
+          <a:lstStyle/>
           <a:p>
             <a:pPr marL="432000" indent="-323640">
               <a:lnSpc>
@@ -7219,7 +8392,7 @@
               <a:buChar char=""/>
             </a:pPr>
             <a:r>
-              <a:rPr b="0" lang="en-US" sz="2800" spc="-1" strike="noStrike">
+              <a:rPr lang="en-US" sz="2800" b="0" strike="noStrike" spc="-1">
                 <a:solidFill>
                   <a:srgbClr val="000000"/>
                 </a:solidFill>
@@ -7227,7 +8400,7 @@
               </a:rPr>
               <a:t>Compare results with simple segmentation methods</a:t>
             </a:r>
-            <a:endParaRPr b="0" lang="en-US" sz="2800" spc="-1" strike="noStrike">
+            <a:endParaRPr lang="en-US" sz="2800" b="0" strike="noStrike" spc="-1">
               <a:latin typeface="Arial"/>
             </a:endParaRPr>
           </a:p>
@@ -7244,7 +8417,7 @@
               <a:buChar char=""/>
             </a:pPr>
             <a:r>
-              <a:rPr b="0" lang="en-US" sz="2800" spc="-1" strike="noStrike">
+              <a:rPr lang="en-US" sz="2800" b="0" strike="noStrike" spc="-1">
                 <a:solidFill>
                   <a:srgbClr val="000000"/>
                 </a:solidFill>
@@ -7252,7 +8425,7 @@
               </a:rPr>
               <a:t>Use another evaluation metric</a:t>
             </a:r>
-            <a:endParaRPr b="0" lang="en-US" sz="2800" spc="-1" strike="noStrike">
+            <a:endParaRPr lang="en-US" sz="2800" b="0" strike="noStrike" spc="-1">
               <a:latin typeface="Arial"/>
             </a:endParaRPr>
           </a:p>
@@ -7269,7 +8442,7 @@
               <a:buChar char=""/>
             </a:pPr>
             <a:r>
-              <a:rPr b="0" lang="en-US" sz="2800" spc="-1" strike="noStrike">
+              <a:rPr lang="en-US" sz="2800" b="0" strike="noStrike" spc="-1">
                 <a:solidFill>
                   <a:srgbClr val="000000"/>
                 </a:solidFill>
@@ -7277,7 +8450,7 @@
               </a:rPr>
               <a:t>Evaluate on full test set </a:t>
             </a:r>
-            <a:endParaRPr b="0" lang="en-US" sz="2800" spc="-1" strike="noStrike">
+            <a:endParaRPr lang="en-US" sz="2800" b="0" strike="noStrike" spc="-1">
               <a:latin typeface="Arial"/>
             </a:endParaRPr>
           </a:p>
@@ -7294,7 +8467,7 @@
               <a:buChar char=""/>
             </a:pPr>
             <a:r>
-              <a:rPr b="0" lang="en-US" sz="2800" spc="-1" strike="noStrike">
+              <a:rPr lang="en-US" sz="2800" b="0" strike="noStrike" spc="-1">
                 <a:solidFill>
                   <a:srgbClr val="000000"/>
                 </a:solidFill>
@@ -7302,7 +8475,7 @@
               </a:rPr>
               <a:t>Parameter tuning</a:t>
             </a:r>
-            <a:endParaRPr b="0" lang="en-US" sz="2800" spc="-1" strike="noStrike">
+            <a:endParaRPr lang="en-US" sz="2800" b="0" strike="noStrike" spc="-1">
               <a:latin typeface="Arial"/>
             </a:endParaRPr>
           </a:p>
@@ -7328,13 +8501,20 @@
           </a:ln>
         </p:spPr>
         <p:style>
-          <a:lnRef idx="0"/>
-          <a:fillRef idx="0"/>
-          <a:effectRef idx="0"/>
+          <a:lnRef idx="0">
+            <a:scrgbClr r="0" g="0" b="0"/>
+          </a:lnRef>
+          <a:fillRef idx="0">
+            <a:scrgbClr r="0" g="0" b="0"/>
+          </a:fillRef>
+          <a:effectRef idx="0">
+            <a:scrgbClr r="0" g="0" b="0"/>
+          </a:effectRef>
           <a:fontRef idx="minor"/>
         </p:style>
         <p:txBody>
-          <a:bodyPr lIns="90000" rIns="90000" tIns="45000" bIns="45000" anchor="ctr"/>
+          <a:bodyPr lIns="90000" tIns="45000" rIns="90000" bIns="45000" anchor="ctr"/>
+          <a:lstStyle/>
           <a:p>
             <a:pPr>
               <a:lnSpc>
@@ -7342,15 +8522,15 @@
               </a:lnSpc>
             </a:pPr>
             <a:r>
-              <a:rPr b="0" lang="en-US" sz="1200" spc="-1" strike="noStrike">
-                <a:solidFill>
-                  <a:srgbClr val="8b8b8b"/>
+              <a:rPr lang="en-US" sz="1200" b="0" strike="noStrike" spc="-1">
+                <a:solidFill>
+                  <a:srgbClr val="8B8B8B"/>
                 </a:solidFill>
                 <a:latin typeface="Calibri"/>
               </a:rPr>
               <a:t>07.11.2018</a:t>
             </a:r>
-            <a:endParaRPr b="0" lang="en-US" sz="1200" spc="-1" strike="noStrike">
+            <a:endParaRPr lang="en-US" sz="1200" b="0" strike="noStrike" spc="-1">
               <a:latin typeface="Arial"/>
             </a:endParaRPr>
           </a:p>
@@ -7376,13 +8556,20 @@
           </a:ln>
         </p:spPr>
         <p:style>
-          <a:lnRef idx="0"/>
-          <a:fillRef idx="0"/>
-          <a:effectRef idx="0"/>
+          <a:lnRef idx="0">
+            <a:scrgbClr r="0" g="0" b="0"/>
+          </a:lnRef>
+          <a:fillRef idx="0">
+            <a:scrgbClr r="0" g="0" b="0"/>
+          </a:fillRef>
+          <a:effectRef idx="0">
+            <a:scrgbClr r="0" g="0" b="0"/>
+          </a:effectRef>
           <a:fontRef idx="minor"/>
         </p:style>
         <p:txBody>
-          <a:bodyPr lIns="90000" rIns="90000" tIns="45000" bIns="45000" anchor="ctr"/>
+          <a:bodyPr lIns="90000" tIns="45000" rIns="90000" bIns="45000" anchor="ctr"/>
+          <a:lstStyle/>
           <a:p>
             <a:pPr algn="ctr">
               <a:lnSpc>
@@ -7390,15 +8577,15 @@
               </a:lnSpc>
             </a:pPr>
             <a:r>
-              <a:rPr b="0" lang="en-US" sz="1200" spc="-1" strike="noStrike">
-                <a:solidFill>
-                  <a:srgbClr val="8b8b8b"/>
+              <a:rPr lang="en-US" sz="1200" b="0" strike="noStrike" spc="-1">
+                <a:solidFill>
+                  <a:srgbClr val="8B8B8B"/>
                 </a:solidFill>
                 <a:latin typeface="Calibri"/>
               </a:rPr>
               <a:t>Segmentation of brain tissues</a:t>
             </a:r>
-            <a:endParaRPr b="0" lang="en-US" sz="1200" spc="-1" strike="noStrike">
+            <a:endParaRPr lang="en-US" sz="1200" b="0" strike="noStrike" spc="-1">
               <a:latin typeface="Arial"/>
             </a:endParaRPr>
           </a:p>
@@ -7424,13 +8611,20 @@
           </a:ln>
         </p:spPr>
         <p:style>
-          <a:lnRef idx="0"/>
-          <a:fillRef idx="0"/>
-          <a:effectRef idx="0"/>
+          <a:lnRef idx="0">
+            <a:scrgbClr r="0" g="0" b="0"/>
+          </a:lnRef>
+          <a:fillRef idx="0">
+            <a:scrgbClr r="0" g="0" b="0"/>
+          </a:fillRef>
+          <a:effectRef idx="0">
+            <a:scrgbClr r="0" g="0" b="0"/>
+          </a:effectRef>
           <a:fontRef idx="minor"/>
         </p:style>
         <p:txBody>
-          <a:bodyPr lIns="90000" rIns="90000" tIns="45000" bIns="45000" anchor="ctr"/>
+          <a:bodyPr lIns="90000" tIns="45000" rIns="90000" bIns="45000" anchor="ctr"/>
+          <a:lstStyle/>
           <a:p>
             <a:pPr algn="r">
               <a:lnSpc>
@@ -7438,15 +8632,15 @@
               </a:lnSpc>
             </a:pPr>
             <a:fld id="{9422F7C2-F130-40CB-9FD8-C74940B42C86}" type="slidenum">
-              <a:rPr b="0" lang="en-US" sz="1200" spc="-1" strike="noStrike">
-                <a:solidFill>
-                  <a:srgbClr val="8b8b8b"/>
+              <a:rPr lang="en-US" sz="1200" b="0" strike="noStrike" spc="-1">
+                <a:solidFill>
+                  <a:srgbClr val="8B8B8B"/>
                 </a:solidFill>
                 <a:latin typeface="Calibri"/>
               </a:rPr>
-              <a:t>1</a:t>
+              <a:t>8</a:t>
             </a:fld>
-            <a:endParaRPr b="0" lang="en-US" sz="1200" spc="-1" strike="noStrike">
+            <a:endParaRPr lang="en-US" sz="1200" b="0" strike="noStrike" spc="-1">
               <a:latin typeface="Arial"/>
             </a:endParaRPr>
           </a:p>
@@ -7454,30 +8648,33 @@
       </p:sp>
     </p:spTree>
   </p:cSld>
-  <mc:AlternateContent>
+  <p:clrMapOvr>
+    <a:masterClrMapping/>
+  </p:clrMapOvr>
+  <mc:AlternateContent xmlns:mc="http://schemas.openxmlformats.org/markup-compatibility/2006" xmlns:p14="http://schemas.microsoft.com/office/powerpoint/2010/main">
     <mc:Choice Requires="p14">
       <p:transition spd="slow" p14:dur="2000"/>
     </mc:Choice>
-    <mc:Fallback>
+    <mc:Fallback xmlns:p15="http://schemas.microsoft.com/office/powerpoint/2012/main" xmlns="">
       <p:transition spd="slow"/>
     </mc:Fallback>
   </mc:AlternateContent>
   <p:timing>
     <p:tnLst>
       <p:par>
-        <p:cTn id="17" dur="indefinite" restart="never" nodeType="tmRoot">
+        <p:cTn id="1" dur="indefinite" restart="never" nodeType="tmRoot">
           <p:childTnLst>
             <p:seq>
-              <p:cTn id="18" dur="indefinite" nodeType="mainSeq"/>
+              <p:cTn id="2" dur="indefinite" nodeType="mainSeq"/>
               <p:prevCondLst>
-                <p:cond delay="0" evt="onPrev">
+                <p:cond evt="onPrev" delay="0">
                   <p:tgtEl>
                     <p:sldTgt/>
                   </p:tgtEl>
                 </p:cond>
               </p:prevCondLst>
               <p:nextCondLst>
-                <p:cond delay="0" evt="onNext">
+                <p:cond evt="onNext" delay="0">
                   <p:tgtEl>
                     <p:sldTgt/>
                   </p:tgtEl>
@@ -7503,31 +8700,31 @@
         <a:sysClr val="window" lastClr="FFFFFF"/>
       </a:lt1>
       <a:dk2>
-        <a:srgbClr val="1f497d"/>
+        <a:srgbClr val="1F497D"/>
       </a:dk2>
       <a:lt2>
-        <a:srgbClr val="eeece1"/>
+        <a:srgbClr val="EEECE1"/>
       </a:lt2>
       <a:accent1>
-        <a:srgbClr val="4f81bd"/>
+        <a:srgbClr val="4F81BD"/>
       </a:accent1>
       <a:accent2>
-        <a:srgbClr val="c0504d"/>
+        <a:srgbClr val="C0504D"/>
       </a:accent2>
       <a:accent3>
-        <a:srgbClr val="9bbb59"/>
+        <a:srgbClr val="9BBB59"/>
       </a:accent3>
       <a:accent4>
-        <a:srgbClr val="8064a2"/>
+        <a:srgbClr val="8064A2"/>
       </a:accent4>
       <a:accent5>
-        <a:srgbClr val="4bacc6"/>
+        <a:srgbClr val="4BACC6"/>
       </a:accent5>
       <a:accent6>
-        <a:srgbClr val="f79646"/>
+        <a:srgbClr val="F79646"/>
       </a:accent6>
       <a:hlink>
-        <a:srgbClr val="0000ff"/>
+        <a:srgbClr val="0000FF"/>
       </a:hlink>
       <a:folHlink>
         <a:srgbClr val="800080"/>
@@ -7712,6 +8909,8 @@
       </a:bgFillStyleLst>
     </a:fmtScheme>
   </a:themeElements>
+  <a:objectDefaults/>
+  <a:extraClrSchemeLst/>
 </a:theme>
 </file>
 
@@ -7726,31 +8925,31 @@
         <a:sysClr val="window" lastClr="FFFFFF"/>
       </a:lt1>
       <a:dk2>
-        <a:srgbClr val="1f497d"/>
+        <a:srgbClr val="1F497D"/>
       </a:dk2>
       <a:lt2>
-        <a:srgbClr val="eeece1"/>
+        <a:srgbClr val="EEECE1"/>
       </a:lt2>
       <a:accent1>
-        <a:srgbClr val="4f81bd"/>
+        <a:srgbClr val="4F81BD"/>
       </a:accent1>
       <a:accent2>
-        <a:srgbClr val="c0504d"/>
+        <a:srgbClr val="C0504D"/>
       </a:accent2>
       <a:accent3>
-        <a:srgbClr val="9bbb59"/>
+        <a:srgbClr val="9BBB59"/>
       </a:accent3>
       <a:accent4>
-        <a:srgbClr val="8064a2"/>
+        <a:srgbClr val="8064A2"/>
       </a:accent4>
       <a:accent5>
-        <a:srgbClr val="4bacc6"/>
+        <a:srgbClr val="4BACC6"/>
       </a:accent5>
       <a:accent6>
-        <a:srgbClr val="f79646"/>
+        <a:srgbClr val="F79646"/>
       </a:accent6>
       <a:hlink>
-        <a:srgbClr val="0000ff"/>
+        <a:srgbClr val="0000FF"/>
       </a:hlink>
       <a:folHlink>
         <a:srgbClr val="800080"/>
@@ -7935,6 +9134,8 @@
       </a:bgFillStyleLst>
     </a:fmtScheme>
   </a:themeElements>
+  <a:objectDefaults/>
+  <a:extraClrSchemeLst/>
 </a:theme>
 </file>
 
@@ -7949,31 +9150,31 @@
         <a:sysClr val="window" lastClr="FFFFFF"/>
       </a:lt1>
       <a:dk2>
-        <a:srgbClr val="1f497d"/>
+        <a:srgbClr val="1F497D"/>
       </a:dk2>
       <a:lt2>
-        <a:srgbClr val="eeece1"/>
+        <a:srgbClr val="EEECE1"/>
       </a:lt2>
       <a:accent1>
-        <a:srgbClr val="4f81bd"/>
+        <a:srgbClr val="4F81BD"/>
       </a:accent1>
       <a:accent2>
-        <a:srgbClr val="c0504d"/>
+        <a:srgbClr val="C0504D"/>
       </a:accent2>
       <a:accent3>
-        <a:srgbClr val="9bbb59"/>
+        <a:srgbClr val="9BBB59"/>
       </a:accent3>
       <a:accent4>
-        <a:srgbClr val="8064a2"/>
+        <a:srgbClr val="8064A2"/>
       </a:accent4>
       <a:accent5>
-        <a:srgbClr val="4bacc6"/>
+        <a:srgbClr val="4BACC6"/>
       </a:accent5>
       <a:accent6>
-        <a:srgbClr val="f79646"/>
+        <a:srgbClr val="F79646"/>
       </a:accent6>
       <a:hlink>
-        <a:srgbClr val="0000ff"/>
+        <a:srgbClr val="0000FF"/>
       </a:hlink>
       <a:folHlink>
         <a:srgbClr val="800080"/>
@@ -8158,5 +9359,7 @@
       </a:bgFillStyleLst>
     </a:fmtScheme>
   </a:themeElements>
+  <a:objectDefaults/>
+  <a:extraClrSchemeLst/>
 </a:theme>
 </file>